--- a/presentation.pptx
+++ b/presentation.pptx
@@ -5467,10 +5467,10 @@
       </p:sp>
       <p:pic>
         <p:nvPicPr>
-          <p:cNvPr id="23" name="Image 22">
-            <a:extLst>
-              <a:ext uri="{FF2B5EF4-FFF2-40B4-BE49-F238E27FC236}">
-                <a16:creationId xmlns:a16="http://schemas.microsoft.com/office/drawing/2014/main" id="{5F4A1EB2-0F3B-449B-B429-0B22C87AA74A}"/>
+          <p:cNvPr id="3" name="Image 2">
+            <a:extLst>
+              <a:ext uri="{FF2B5EF4-FFF2-40B4-BE49-F238E27FC236}">
+                <a16:creationId xmlns:a16="http://schemas.microsoft.com/office/drawing/2014/main" id="{C30885B9-C6F4-4DBD-8519-2996CFB2B5B5}"/>
               </a:ext>
             </a:extLst>
           </p:cNvPr>
@@ -5493,8 +5493,8 @@
         </p:blipFill>
         <p:spPr>
           <a:xfrm>
-            <a:off x="7417838" y="1906274"/>
-            <a:ext cx="4568175" cy="3045450"/>
+            <a:off x="7277088" y="2016441"/>
+            <a:ext cx="4237675" cy="2825116"/>
           </a:xfrm>
           <a:prstGeom prst="rect">
             <a:avLst/>

--- a/presentation.pptx
+++ b/presentation.pptx
@@ -9,11 +9,13 @@
     <p:sldId id="257" r:id="rId3"/>
     <p:sldId id="258" r:id="rId4"/>
     <p:sldId id="259" r:id="rId5"/>
-    <p:sldId id="261" r:id="rId6"/>
-    <p:sldId id="262" r:id="rId7"/>
-    <p:sldId id="263" r:id="rId8"/>
-    <p:sldId id="264" r:id="rId9"/>
-    <p:sldId id="265" r:id="rId10"/>
+    <p:sldId id="266" r:id="rId6"/>
+    <p:sldId id="261" r:id="rId7"/>
+    <p:sldId id="267" r:id="rId8"/>
+    <p:sldId id="263" r:id="rId9"/>
+    <p:sldId id="264" r:id="rId10"/>
+    <p:sldId id="265" r:id="rId11"/>
+    <p:sldId id="269" r:id="rId12"/>
   </p:sldIdLst>
   <p:sldSz cx="12192000" cy="6858000"/>
   <p:notesSz cx="6858000" cy="9144000"/>
@@ -118,6 +120,18 @@
     </p:ext>
   </p:extLst>
 </p:presentation>
+</file>
+
+<file path=ppt/commentAuthors.xml><?xml version="1.0" encoding="utf-8"?>
+<p:cmAuthorLst xmlns:a="http://schemas.openxmlformats.org/drawingml/2006/main" xmlns:r="http://schemas.openxmlformats.org/officeDocument/2006/relationships" xmlns:p="http://schemas.openxmlformats.org/presentationml/2006/main">
+  <p:cmAuthor id="1" name="Pierre Cottais" initials="PC" lastIdx="1" clrIdx="0">
+    <p:extLst>
+      <p:ext uri="{19B8F6BF-5375-455C-9EA6-DF929625EA0E}">
+        <p15:presenceInfo xmlns:p15="http://schemas.microsoft.com/office/powerpoint/2012/main" userId="c33c156b1a81136d" providerId="Windows Live"/>
+      </p:ext>
+    </p:extLst>
+  </p:cmAuthor>
+</p:cmAuthorLst>
 </file>
 
 <file path=ppt/slideLayouts/slideLayout1.xml><?xml version="1.0" encoding="utf-8"?>
@@ -3525,6 +3539,929 @@
 </p:sld>
 </file>
 
+<file path=ppt/slides/slide10.xml><?xml version="1.0" encoding="utf-8"?>
+<p:sld xmlns:a="http://schemas.openxmlformats.org/drawingml/2006/main" xmlns:r="http://schemas.openxmlformats.org/officeDocument/2006/relationships" xmlns:p="http://schemas.openxmlformats.org/presentationml/2006/main">
+  <p:cSld>
+    <p:spTree>
+      <p:nvGrpSpPr>
+        <p:cNvPr id="1" name=""/>
+        <p:cNvGrpSpPr/>
+        <p:nvPr/>
+      </p:nvGrpSpPr>
+      <p:grpSpPr>
+        <a:xfrm>
+          <a:off x="0" y="0"/>
+          <a:ext cx="0" cy="0"/>
+          <a:chOff x="0" y="0"/>
+          <a:chExt cx="0" cy="0"/>
+        </a:xfrm>
+      </p:grpSpPr>
+      <p:pic>
+        <p:nvPicPr>
+          <p:cNvPr id="5" name="Image 4">
+            <a:extLst>
+              <a:ext uri="{FF2B5EF4-FFF2-40B4-BE49-F238E27FC236}">
+                <a16:creationId xmlns:a16="http://schemas.microsoft.com/office/drawing/2014/main" id="{5FD2D5AA-CDB1-49E6-A114-DD9177C972B2}"/>
+              </a:ext>
+            </a:extLst>
+          </p:cNvPr>
+          <p:cNvPicPr>
+            <a:picLocks noChangeAspect="1"/>
+          </p:cNvPicPr>
+          <p:nvPr/>
+        </p:nvPicPr>
+        <p:blipFill>
+          <a:blip r:embed="rId2">
+            <a:extLst>
+              <a:ext uri="{28A0092B-C50C-407E-A947-70E740481C1C}">
+                <a14:useLocalDpi xmlns:a14="http://schemas.microsoft.com/office/drawing/2010/main" val="0"/>
+              </a:ext>
+            </a:extLst>
+          </a:blip>
+          <a:stretch>
+            <a:fillRect/>
+          </a:stretch>
+        </p:blipFill>
+        <p:spPr>
+          <a:xfrm>
+            <a:off x="9395926" y="6257770"/>
+            <a:ext cx="2796073" cy="600230"/>
+          </a:xfrm>
+          <a:prstGeom prst="rect">
+            <a:avLst/>
+          </a:prstGeom>
+        </p:spPr>
+      </p:pic>
+      <p:sp>
+        <p:nvSpPr>
+          <p:cNvPr id="8" name="Rectangle 7">
+            <a:extLst>
+              <a:ext uri="{FF2B5EF4-FFF2-40B4-BE49-F238E27FC236}">
+                <a16:creationId xmlns:a16="http://schemas.microsoft.com/office/drawing/2014/main" id="{FCF996CB-F368-4F5C-9EAF-4B0E08A7DC95}"/>
+              </a:ext>
+            </a:extLst>
+          </p:cNvPr>
+          <p:cNvSpPr/>
+          <p:nvPr/>
+        </p:nvSpPr>
+        <p:spPr>
+          <a:xfrm>
+            <a:off x="0" y="0"/>
+            <a:ext cx="12191999" cy="755780"/>
+          </a:xfrm>
+          <a:prstGeom prst="rect">
+            <a:avLst/>
+          </a:prstGeom>
+          <a:solidFill>
+            <a:srgbClr val="61A53A"/>
+          </a:solidFill>
+          <a:ln>
+            <a:noFill/>
+          </a:ln>
+        </p:spPr>
+        <p:style>
+          <a:lnRef idx="2">
+            <a:schemeClr val="accent1">
+              <a:shade val="50000"/>
+            </a:schemeClr>
+          </a:lnRef>
+          <a:fillRef idx="1">
+            <a:schemeClr val="accent1"/>
+          </a:fillRef>
+          <a:effectRef idx="0">
+            <a:schemeClr val="accent1"/>
+          </a:effectRef>
+          <a:fontRef idx="minor">
+            <a:schemeClr val="lt1"/>
+          </a:fontRef>
+        </p:style>
+        <p:txBody>
+          <a:bodyPr rtlCol="0" anchor="ctr"/>
+          <a:lstStyle/>
+          <a:p>
+            <a:pPr algn="ctr"/>
+            <a:endParaRPr lang="fr-FR"/>
+          </a:p>
+        </p:txBody>
+      </p:sp>
+      <p:grpSp>
+        <p:nvGrpSpPr>
+          <p:cNvPr id="29" name="Groupe 28">
+            <a:extLst>
+              <a:ext uri="{FF2B5EF4-FFF2-40B4-BE49-F238E27FC236}">
+                <a16:creationId xmlns:a16="http://schemas.microsoft.com/office/drawing/2014/main" id="{9A649E15-B5A0-4D14-82D6-F2D50410A646}"/>
+              </a:ext>
+            </a:extLst>
+          </p:cNvPr>
+          <p:cNvGrpSpPr/>
+          <p:nvPr/>
+        </p:nvGrpSpPr>
+        <p:grpSpPr>
+          <a:xfrm>
+            <a:off x="389204" y="177835"/>
+            <a:ext cx="11413592" cy="400110"/>
+            <a:chOff x="389204" y="177835"/>
+            <a:chExt cx="11413592" cy="400110"/>
+          </a:xfrm>
+        </p:grpSpPr>
+        <p:sp>
+          <p:nvSpPr>
+            <p:cNvPr id="13" name="ZoneTexte 12">
+              <a:extLst>
+                <a:ext uri="{FF2B5EF4-FFF2-40B4-BE49-F238E27FC236}">
+                  <a16:creationId xmlns:a16="http://schemas.microsoft.com/office/drawing/2014/main" id="{30AAF4A8-CF22-44A6-8F3F-A384FBBEC01E}"/>
+                </a:ext>
+              </a:extLst>
+            </p:cNvPr>
+            <p:cNvSpPr txBox="1"/>
+            <p:nvPr/>
+          </p:nvSpPr>
+          <p:spPr>
+            <a:xfrm>
+              <a:off x="389204" y="177835"/>
+              <a:ext cx="1501373" cy="400110"/>
+            </a:xfrm>
+            <a:prstGeom prst="rect">
+              <a:avLst/>
+            </a:prstGeom>
+            <a:noFill/>
+          </p:spPr>
+          <p:txBody>
+            <a:bodyPr wrap="none" rtlCol="0" anchor="ctr">
+              <a:spAutoFit/>
+            </a:bodyPr>
+            <a:lstStyle/>
+            <a:p>
+              <a:pPr algn="ctr"/>
+              <a:r>
+                <a:rPr lang="fr-FR" sz="2000" cap="small" dirty="0">
+                  <a:solidFill>
+                    <a:schemeClr val="bg1"/>
+                  </a:solidFill>
+                  <a:latin typeface="+mj-lt"/>
+                </a:rPr>
+                <a:t>Introduction</a:t>
+              </a:r>
+              <a:endParaRPr lang="fr-FR" cap="small" dirty="0">
+                <a:solidFill>
+                  <a:schemeClr val="bg1"/>
+                </a:solidFill>
+                <a:latin typeface="+mj-lt"/>
+              </a:endParaRPr>
+            </a:p>
+          </p:txBody>
+        </p:sp>
+        <p:pic>
+          <p:nvPicPr>
+            <p:cNvPr id="12" name="Graphique 11" descr="Fleur">
+              <a:extLst>
+                <a:ext uri="{FF2B5EF4-FFF2-40B4-BE49-F238E27FC236}">
+                  <a16:creationId xmlns:a16="http://schemas.microsoft.com/office/drawing/2014/main" id="{4D2C7DCA-0FD4-4E8F-8777-D23655D95F5D}"/>
+                </a:ext>
+              </a:extLst>
+            </p:cNvPr>
+            <p:cNvPicPr>
+              <a:picLocks noChangeAspect="1"/>
+            </p:cNvPicPr>
+            <p:nvPr/>
+          </p:nvPicPr>
+          <p:blipFill>
+            <a:blip r:embed="rId3">
+              <a:extLst>
+                <a:ext uri="{28A0092B-C50C-407E-A947-70E740481C1C}">
+                  <a14:useLocalDpi xmlns:a14="http://schemas.microsoft.com/office/drawing/2010/main" val="0"/>
+                </a:ext>
+                <a:ext uri="{96DAC541-7B7A-43D3-8B79-37D633B846F1}">
+                  <asvg:svgBlip xmlns:asvg="http://schemas.microsoft.com/office/drawing/2016/SVG/main" r:embed="rId4"/>
+                </a:ext>
+              </a:extLst>
+            </a:blip>
+            <a:stretch>
+              <a:fillRect/>
+            </a:stretch>
+          </p:blipFill>
+          <p:spPr>
+            <a:xfrm>
+              <a:off x="2340732" y="220825"/>
+              <a:ext cx="314130" cy="314130"/>
+            </a:xfrm>
+            <a:prstGeom prst="rect">
+              <a:avLst/>
+            </a:prstGeom>
+          </p:spPr>
+        </p:pic>
+        <p:sp>
+          <p:nvSpPr>
+            <p:cNvPr id="14" name="ZoneTexte 13">
+              <a:extLst>
+                <a:ext uri="{FF2B5EF4-FFF2-40B4-BE49-F238E27FC236}">
+                  <a16:creationId xmlns:a16="http://schemas.microsoft.com/office/drawing/2014/main" id="{055EB385-473B-4778-87DC-34E03CAF3376}"/>
+                </a:ext>
+              </a:extLst>
+            </p:cNvPr>
+            <p:cNvSpPr txBox="1"/>
+            <p:nvPr/>
+          </p:nvSpPr>
+          <p:spPr>
+            <a:xfrm>
+              <a:off x="3105017" y="177835"/>
+              <a:ext cx="1030667" cy="400110"/>
+            </a:xfrm>
+            <a:prstGeom prst="rect">
+              <a:avLst/>
+            </a:prstGeom>
+            <a:noFill/>
+          </p:spPr>
+          <p:txBody>
+            <a:bodyPr wrap="none" rtlCol="0" anchor="ctr">
+              <a:spAutoFit/>
+            </a:bodyPr>
+            <a:lstStyle/>
+            <a:p>
+              <a:pPr algn="ctr"/>
+              <a:r>
+                <a:rPr lang="fr-FR" sz="2000" cap="small" dirty="0">
+                  <a:solidFill>
+                    <a:schemeClr val="bg1"/>
+                  </a:solidFill>
+                  <a:latin typeface="+mj-lt"/>
+                </a:rPr>
+                <a:t>Données</a:t>
+              </a:r>
+              <a:endParaRPr lang="fr-FR" cap="small" dirty="0">
+                <a:solidFill>
+                  <a:schemeClr val="bg1"/>
+                </a:solidFill>
+                <a:latin typeface="+mj-lt"/>
+              </a:endParaRPr>
+            </a:p>
+          </p:txBody>
+        </p:sp>
+        <p:pic>
+          <p:nvPicPr>
+            <p:cNvPr id="15" name="Graphique 14" descr="Fleur">
+              <a:extLst>
+                <a:ext uri="{FF2B5EF4-FFF2-40B4-BE49-F238E27FC236}">
+                  <a16:creationId xmlns:a16="http://schemas.microsoft.com/office/drawing/2014/main" id="{4E4EE84B-1256-4284-984F-657605E30A13}"/>
+                </a:ext>
+              </a:extLst>
+            </p:cNvPr>
+            <p:cNvPicPr>
+              <a:picLocks noChangeAspect="1"/>
+            </p:cNvPicPr>
+            <p:nvPr/>
+          </p:nvPicPr>
+          <p:blipFill>
+            <a:blip r:embed="rId3">
+              <a:extLst>
+                <a:ext uri="{28A0092B-C50C-407E-A947-70E740481C1C}">
+                  <a14:useLocalDpi xmlns:a14="http://schemas.microsoft.com/office/drawing/2010/main" val="0"/>
+                </a:ext>
+                <a:ext uri="{96DAC541-7B7A-43D3-8B79-37D633B846F1}">
+                  <asvg:svgBlip xmlns:asvg="http://schemas.microsoft.com/office/drawing/2016/SVG/main" r:embed="rId4"/>
+                </a:ext>
+              </a:extLst>
+            </a:blip>
+            <a:stretch>
+              <a:fillRect/>
+            </a:stretch>
+          </p:blipFill>
+          <p:spPr>
+            <a:xfrm>
+              <a:off x="4585839" y="220825"/>
+              <a:ext cx="314130" cy="314130"/>
+            </a:xfrm>
+            <a:prstGeom prst="rect">
+              <a:avLst/>
+            </a:prstGeom>
+          </p:spPr>
+        </p:pic>
+        <p:sp>
+          <p:nvSpPr>
+            <p:cNvPr id="16" name="ZoneTexte 15">
+              <a:extLst>
+                <a:ext uri="{FF2B5EF4-FFF2-40B4-BE49-F238E27FC236}">
+                  <a16:creationId xmlns:a16="http://schemas.microsoft.com/office/drawing/2014/main" id="{05AAF3AF-AAF3-472E-919C-52585E78C58C}"/>
+                </a:ext>
+              </a:extLst>
+            </p:cNvPr>
+            <p:cNvSpPr txBox="1"/>
+            <p:nvPr/>
+          </p:nvSpPr>
+          <p:spPr>
+            <a:xfrm>
+              <a:off x="5350124" y="177835"/>
+              <a:ext cx="1617559" cy="400110"/>
+            </a:xfrm>
+            <a:prstGeom prst="rect">
+              <a:avLst/>
+            </a:prstGeom>
+            <a:noFill/>
+          </p:spPr>
+          <p:txBody>
+            <a:bodyPr wrap="none" rtlCol="0" anchor="ctr">
+              <a:spAutoFit/>
+            </a:bodyPr>
+            <a:lstStyle/>
+            <a:p>
+              <a:pPr algn="ctr"/>
+              <a:r>
+                <a:rPr lang="fr-FR" sz="2000" cap="small" dirty="0">
+                  <a:solidFill>
+                    <a:schemeClr val="bg1"/>
+                  </a:solidFill>
+                  <a:latin typeface="+mj-lt"/>
+                </a:rPr>
+                <a:t>Méthodologie</a:t>
+              </a:r>
+              <a:endParaRPr lang="fr-FR" cap="small" dirty="0">
+                <a:solidFill>
+                  <a:schemeClr val="bg1"/>
+                </a:solidFill>
+                <a:latin typeface="+mj-lt"/>
+              </a:endParaRPr>
+            </a:p>
+          </p:txBody>
+        </p:sp>
+        <p:pic>
+          <p:nvPicPr>
+            <p:cNvPr id="17" name="Graphique 16" descr="Fleur">
+              <a:extLst>
+                <a:ext uri="{FF2B5EF4-FFF2-40B4-BE49-F238E27FC236}">
+                  <a16:creationId xmlns:a16="http://schemas.microsoft.com/office/drawing/2014/main" id="{43CE3428-5A9A-496D-9BC4-E0DA18424B35}"/>
+                </a:ext>
+              </a:extLst>
+            </p:cNvPr>
+            <p:cNvPicPr>
+              <a:picLocks noChangeAspect="1"/>
+            </p:cNvPicPr>
+            <p:nvPr/>
+          </p:nvPicPr>
+          <p:blipFill>
+            <a:blip r:embed="rId3">
+              <a:extLst>
+                <a:ext uri="{28A0092B-C50C-407E-A947-70E740481C1C}">
+                  <a14:useLocalDpi xmlns:a14="http://schemas.microsoft.com/office/drawing/2010/main" val="0"/>
+                </a:ext>
+                <a:ext uri="{96DAC541-7B7A-43D3-8B79-37D633B846F1}">
+                  <asvg:svgBlip xmlns:asvg="http://schemas.microsoft.com/office/drawing/2016/SVG/main" r:embed="rId4"/>
+                </a:ext>
+              </a:extLst>
+            </a:blip>
+            <a:stretch>
+              <a:fillRect/>
+            </a:stretch>
+          </p:blipFill>
+          <p:spPr>
+            <a:xfrm>
+              <a:off x="7417838" y="220825"/>
+              <a:ext cx="314130" cy="314130"/>
+            </a:xfrm>
+            <a:prstGeom prst="rect">
+              <a:avLst/>
+            </a:prstGeom>
+          </p:spPr>
+        </p:pic>
+        <p:sp>
+          <p:nvSpPr>
+            <p:cNvPr id="18" name="ZoneTexte 17">
+              <a:extLst>
+                <a:ext uri="{FF2B5EF4-FFF2-40B4-BE49-F238E27FC236}">
+                  <a16:creationId xmlns:a16="http://schemas.microsoft.com/office/drawing/2014/main" id="{3EDA8A79-7905-4A01-80F7-4B3C4D31FB86}"/>
+                </a:ext>
+              </a:extLst>
+            </p:cNvPr>
+            <p:cNvSpPr txBox="1"/>
+            <p:nvPr/>
+          </p:nvSpPr>
+          <p:spPr>
+            <a:xfrm>
+              <a:off x="8182123" y="177835"/>
+              <a:ext cx="1088375" cy="400110"/>
+            </a:xfrm>
+            <a:prstGeom prst="rect">
+              <a:avLst/>
+            </a:prstGeom>
+            <a:noFill/>
+          </p:spPr>
+          <p:txBody>
+            <a:bodyPr wrap="none" rtlCol="0" anchor="ctr">
+              <a:spAutoFit/>
+            </a:bodyPr>
+            <a:lstStyle/>
+            <a:p>
+              <a:pPr algn="ctr"/>
+              <a:r>
+                <a:rPr lang="fr-FR" sz="2000" cap="small" dirty="0">
+                  <a:solidFill>
+                    <a:schemeClr val="bg1"/>
+                  </a:solidFill>
+                  <a:latin typeface="+mj-lt"/>
+                </a:rPr>
+                <a:t>Résultats</a:t>
+              </a:r>
+              <a:endParaRPr lang="fr-FR" cap="small" dirty="0">
+                <a:solidFill>
+                  <a:schemeClr val="bg1"/>
+                </a:solidFill>
+                <a:latin typeface="+mj-lt"/>
+              </a:endParaRPr>
+            </a:p>
+          </p:txBody>
+        </p:sp>
+        <p:pic>
+          <p:nvPicPr>
+            <p:cNvPr id="19" name="Graphique 18" descr="Fleur">
+              <a:extLst>
+                <a:ext uri="{FF2B5EF4-FFF2-40B4-BE49-F238E27FC236}">
+                  <a16:creationId xmlns:a16="http://schemas.microsoft.com/office/drawing/2014/main" id="{E97D50FA-1726-4AFB-9CDC-0B4A9E8C6087}"/>
+                </a:ext>
+              </a:extLst>
+            </p:cNvPr>
+            <p:cNvPicPr>
+              <a:picLocks noChangeAspect="1"/>
+            </p:cNvPicPr>
+            <p:nvPr/>
+          </p:nvPicPr>
+          <p:blipFill>
+            <a:blip r:embed="rId3">
+              <a:extLst>
+                <a:ext uri="{28A0092B-C50C-407E-A947-70E740481C1C}">
+                  <a14:useLocalDpi xmlns:a14="http://schemas.microsoft.com/office/drawing/2010/main" val="0"/>
+                </a:ext>
+                <a:ext uri="{96DAC541-7B7A-43D3-8B79-37D633B846F1}">
+                  <asvg:svgBlip xmlns:asvg="http://schemas.microsoft.com/office/drawing/2016/SVG/main" r:embed="rId4"/>
+                </a:ext>
+              </a:extLst>
+            </a:blip>
+            <a:stretch>
+              <a:fillRect/>
+            </a:stretch>
+          </p:blipFill>
+          <p:spPr>
+            <a:xfrm>
+              <a:off x="9720653" y="220825"/>
+              <a:ext cx="314130" cy="314130"/>
+            </a:xfrm>
+            <a:prstGeom prst="rect">
+              <a:avLst/>
+            </a:prstGeom>
+          </p:spPr>
+        </p:pic>
+        <p:sp>
+          <p:nvSpPr>
+            <p:cNvPr id="20" name="ZoneTexte 19">
+              <a:extLst>
+                <a:ext uri="{FF2B5EF4-FFF2-40B4-BE49-F238E27FC236}">
+                  <a16:creationId xmlns:a16="http://schemas.microsoft.com/office/drawing/2014/main" id="{AEBF759D-5C10-429A-9FF9-D4F831590151}"/>
+                </a:ext>
+              </a:extLst>
+            </p:cNvPr>
+            <p:cNvSpPr txBox="1"/>
+            <p:nvPr/>
+          </p:nvSpPr>
+          <p:spPr>
+            <a:xfrm>
+              <a:off x="10484935" y="177835"/>
+              <a:ext cx="1317861" cy="400110"/>
+            </a:xfrm>
+            <a:prstGeom prst="rect">
+              <a:avLst/>
+            </a:prstGeom>
+            <a:noFill/>
+          </p:spPr>
+          <p:txBody>
+            <a:bodyPr wrap="none" rtlCol="0" anchor="ctr">
+              <a:spAutoFit/>
+            </a:bodyPr>
+            <a:lstStyle/>
+            <a:p>
+              <a:pPr algn="ctr"/>
+              <a:r>
+                <a:rPr lang="fr-FR" sz="2000" cap="small" dirty="0">
+                  <a:solidFill>
+                    <a:schemeClr val="bg1"/>
+                  </a:solidFill>
+                  <a:latin typeface="+mj-lt"/>
+                </a:rPr>
+                <a:t>Conclusion</a:t>
+              </a:r>
+              <a:endParaRPr lang="fr-FR" cap="small" dirty="0">
+                <a:solidFill>
+                  <a:schemeClr val="bg1"/>
+                </a:solidFill>
+                <a:latin typeface="+mj-lt"/>
+              </a:endParaRPr>
+            </a:p>
+          </p:txBody>
+        </p:sp>
+      </p:grpSp>
+      <p:grpSp>
+        <p:nvGrpSpPr>
+          <p:cNvPr id="26" name="Groupe 25">
+            <a:extLst>
+              <a:ext uri="{FF2B5EF4-FFF2-40B4-BE49-F238E27FC236}">
+                <a16:creationId xmlns:a16="http://schemas.microsoft.com/office/drawing/2014/main" id="{B2F83180-81D8-4A5B-83FA-8D7CC6416E60}"/>
+              </a:ext>
+            </a:extLst>
+          </p:cNvPr>
+          <p:cNvGrpSpPr/>
+          <p:nvPr/>
+        </p:nvGrpSpPr>
+        <p:grpSpPr>
+          <a:xfrm>
+            <a:off x="0" y="6366187"/>
+            <a:ext cx="518003" cy="518003"/>
+            <a:chOff x="0" y="6339996"/>
+            <a:chExt cx="518003" cy="518003"/>
+          </a:xfrm>
+        </p:grpSpPr>
+        <p:pic>
+          <p:nvPicPr>
+            <p:cNvPr id="27" name="Graphique 26" descr="Arbre à feuilles caduques">
+              <a:extLst>
+                <a:ext uri="{FF2B5EF4-FFF2-40B4-BE49-F238E27FC236}">
+                  <a16:creationId xmlns:a16="http://schemas.microsoft.com/office/drawing/2014/main" id="{043EB72D-1EA5-403D-9660-50EB39ACFC27}"/>
+                </a:ext>
+              </a:extLst>
+            </p:cNvPr>
+            <p:cNvPicPr>
+              <a:picLocks noChangeAspect="1"/>
+            </p:cNvPicPr>
+            <p:nvPr/>
+          </p:nvPicPr>
+          <p:blipFill>
+            <a:blip r:embed="rId5">
+              <a:extLst>
+                <a:ext uri="{28A0092B-C50C-407E-A947-70E740481C1C}">
+                  <a14:useLocalDpi xmlns:a14="http://schemas.microsoft.com/office/drawing/2010/main" val="0"/>
+                </a:ext>
+                <a:ext uri="{96DAC541-7B7A-43D3-8B79-37D633B846F1}">
+                  <asvg:svgBlip xmlns:asvg="http://schemas.microsoft.com/office/drawing/2016/SVG/main" r:embed="rId6"/>
+                </a:ext>
+              </a:extLst>
+            </a:blip>
+            <a:stretch>
+              <a:fillRect/>
+            </a:stretch>
+          </p:blipFill>
+          <p:spPr>
+            <a:xfrm>
+              <a:off x="0" y="6339996"/>
+              <a:ext cx="518003" cy="518003"/>
+            </a:xfrm>
+            <a:prstGeom prst="rect">
+              <a:avLst/>
+            </a:prstGeom>
+          </p:spPr>
+        </p:pic>
+        <p:sp>
+          <p:nvSpPr>
+            <p:cNvPr id="28" name="ZoneTexte 27">
+              <a:extLst>
+                <a:ext uri="{FF2B5EF4-FFF2-40B4-BE49-F238E27FC236}">
+                  <a16:creationId xmlns:a16="http://schemas.microsoft.com/office/drawing/2014/main" id="{728E55B0-8123-427C-89D9-BBDCEF7530D2}"/>
+                </a:ext>
+              </a:extLst>
+            </p:cNvPr>
+            <p:cNvSpPr txBox="1"/>
+            <p:nvPr/>
+          </p:nvSpPr>
+          <p:spPr>
+            <a:xfrm>
+              <a:off x="120982" y="6353914"/>
+              <a:ext cx="276038" cy="307777"/>
+            </a:xfrm>
+            <a:prstGeom prst="rect">
+              <a:avLst/>
+            </a:prstGeom>
+            <a:noFill/>
+          </p:spPr>
+          <p:txBody>
+            <a:bodyPr wrap="none" rtlCol="0">
+              <a:spAutoFit/>
+            </a:bodyPr>
+            <a:lstStyle/>
+            <a:p>
+              <a:pPr algn="ctr"/>
+              <a:fld id="{1851A6C7-A760-4DF3-8B19-92C1B6E4E80A}" type="slidenum">
+                <a:rPr lang="fr-FR" sz="1400" b="1" cap="small" smtClean="0">
+                  <a:solidFill>
+                    <a:schemeClr val="bg1"/>
+                  </a:solidFill>
+                  <a:latin typeface="+mj-lt"/>
+                </a:rPr>
+                <a:pPr algn="ctr"/>
+                <a:t>10</a:t>
+              </a:fld>
+              <a:endParaRPr lang="fr-FR" sz="1400" b="1" cap="small" dirty="0">
+                <a:solidFill>
+                  <a:schemeClr val="bg1"/>
+                </a:solidFill>
+                <a:latin typeface="+mj-lt"/>
+              </a:endParaRPr>
+            </a:p>
+          </p:txBody>
+        </p:sp>
+      </p:grpSp>
+    </p:spTree>
+    <p:extLst>
+      <p:ext uri="{BB962C8B-B14F-4D97-AF65-F5344CB8AC3E}">
+        <p14:creationId xmlns:p14="http://schemas.microsoft.com/office/powerpoint/2010/main" val="3182612710"/>
+      </p:ext>
+    </p:extLst>
+  </p:cSld>
+  <p:clrMapOvr>
+    <a:masterClrMapping/>
+  </p:clrMapOvr>
+</p:sld>
+</file>
+
+<file path=ppt/slides/slide11.xml><?xml version="1.0" encoding="utf-8"?>
+<p:sld xmlns:a="http://schemas.openxmlformats.org/drawingml/2006/main" xmlns:r="http://schemas.openxmlformats.org/officeDocument/2006/relationships" xmlns:p="http://schemas.openxmlformats.org/presentationml/2006/main">
+  <p:cSld>
+    <p:spTree>
+      <p:nvGrpSpPr>
+        <p:cNvPr id="1" name=""/>
+        <p:cNvGrpSpPr/>
+        <p:nvPr/>
+      </p:nvGrpSpPr>
+      <p:grpSpPr>
+        <a:xfrm>
+          <a:off x="0" y="0"/>
+          <a:ext cx="0" cy="0"/>
+          <a:chOff x="0" y="0"/>
+          <a:chExt cx="0" cy="0"/>
+        </a:xfrm>
+      </p:grpSpPr>
+      <p:pic>
+        <p:nvPicPr>
+          <p:cNvPr id="5" name="Image 4">
+            <a:extLst>
+              <a:ext uri="{FF2B5EF4-FFF2-40B4-BE49-F238E27FC236}">
+                <a16:creationId xmlns:a16="http://schemas.microsoft.com/office/drawing/2014/main" id="{5FD2D5AA-CDB1-49E6-A114-DD9177C972B2}"/>
+              </a:ext>
+            </a:extLst>
+          </p:cNvPr>
+          <p:cNvPicPr>
+            <a:picLocks noChangeAspect="1"/>
+          </p:cNvPicPr>
+          <p:nvPr/>
+        </p:nvPicPr>
+        <p:blipFill>
+          <a:blip r:embed="rId2">
+            <a:extLst>
+              <a:ext uri="{28A0092B-C50C-407E-A947-70E740481C1C}">
+                <a14:useLocalDpi xmlns:a14="http://schemas.microsoft.com/office/drawing/2010/main" val="0"/>
+              </a:ext>
+            </a:extLst>
+          </a:blip>
+          <a:stretch>
+            <a:fillRect/>
+          </a:stretch>
+        </p:blipFill>
+        <p:spPr>
+          <a:xfrm>
+            <a:off x="8784336" y="6126480"/>
+            <a:ext cx="3407664" cy="731520"/>
+          </a:xfrm>
+          <a:prstGeom prst="rect">
+            <a:avLst/>
+          </a:prstGeom>
+        </p:spPr>
+      </p:pic>
+      <p:sp>
+        <p:nvSpPr>
+          <p:cNvPr id="6" name="ZoneTexte 5">
+            <a:extLst>
+              <a:ext uri="{FF2B5EF4-FFF2-40B4-BE49-F238E27FC236}">
+                <a16:creationId xmlns:a16="http://schemas.microsoft.com/office/drawing/2014/main" id="{EADC1902-EA7B-477E-8724-D40FDE082A23}"/>
+              </a:ext>
+            </a:extLst>
+          </p:cNvPr>
+          <p:cNvSpPr txBox="1"/>
+          <p:nvPr/>
+        </p:nvSpPr>
+        <p:spPr>
+          <a:xfrm>
+            <a:off x="2276235" y="1659278"/>
+            <a:ext cx="7639527" cy="1077218"/>
+          </a:xfrm>
+          <a:prstGeom prst="rect">
+            <a:avLst/>
+          </a:prstGeom>
+          <a:noFill/>
+        </p:spPr>
+        <p:txBody>
+          <a:bodyPr wrap="square" rtlCol="0">
+            <a:spAutoFit/>
+          </a:bodyPr>
+          <a:lstStyle/>
+          <a:p>
+            <a:pPr algn="ctr"/>
+            <a:r>
+              <a:rPr lang="fr-FR" sz="3200" cap="small" dirty="0">
+                <a:latin typeface="+mj-lt"/>
+              </a:rPr>
+              <a:t>Merci pour votre attention.</a:t>
+            </a:r>
+          </a:p>
+          <a:p>
+            <a:pPr algn="ctr"/>
+            <a:r>
+              <a:rPr lang="fr-FR" sz="3200" cap="small" dirty="0">
+                <a:latin typeface="+mj-lt"/>
+              </a:rPr>
+              <a:t>Place aux questions !</a:t>
+            </a:r>
+            <a:endParaRPr lang="fr-FR" sz="2000" dirty="0">
+              <a:latin typeface="+mj-lt"/>
+            </a:endParaRPr>
+          </a:p>
+        </p:txBody>
+      </p:sp>
+      <p:sp>
+        <p:nvSpPr>
+          <p:cNvPr id="7" name="ZoneTexte 6">
+            <a:extLst>
+              <a:ext uri="{FF2B5EF4-FFF2-40B4-BE49-F238E27FC236}">
+                <a16:creationId xmlns:a16="http://schemas.microsoft.com/office/drawing/2014/main" id="{B8204BF9-5470-4E6D-8E8E-87F50C60BCDD}"/>
+              </a:ext>
+            </a:extLst>
+          </p:cNvPr>
+          <p:cNvSpPr txBox="1"/>
+          <p:nvPr/>
+        </p:nvSpPr>
+        <p:spPr>
+          <a:xfrm>
+            <a:off x="4414130" y="4231433"/>
+            <a:ext cx="3363741" cy="400110"/>
+          </a:xfrm>
+          <a:prstGeom prst="rect">
+            <a:avLst/>
+          </a:prstGeom>
+          <a:noFill/>
+        </p:spPr>
+        <p:txBody>
+          <a:bodyPr wrap="none" rtlCol="0">
+            <a:spAutoFit/>
+          </a:bodyPr>
+          <a:lstStyle/>
+          <a:p>
+            <a:r>
+              <a:rPr lang="fr-FR" sz="2000" dirty="0">
+                <a:latin typeface="+mj-lt"/>
+              </a:rPr>
+              <a:t>Pierre </a:t>
+            </a:r>
+            <a:r>
+              <a:rPr lang="fr-FR" sz="2000" cap="small" dirty="0">
+                <a:latin typeface="+mj-lt"/>
+              </a:rPr>
+              <a:t>Cottais</a:t>
+            </a:r>
+            <a:r>
+              <a:rPr lang="fr-FR" sz="2000" dirty="0">
+                <a:latin typeface="+mj-lt"/>
+              </a:rPr>
+              <a:t> &amp; Elias </a:t>
+            </a:r>
+            <a:r>
+              <a:rPr lang="fr-FR" sz="2000" cap="small" dirty="0">
+                <a:latin typeface="+mj-lt"/>
+              </a:rPr>
+              <a:t>Hermance</a:t>
+            </a:r>
+          </a:p>
+        </p:txBody>
+      </p:sp>
+      <p:sp>
+        <p:nvSpPr>
+          <p:cNvPr id="8" name="ZoneTexte 7">
+            <a:extLst>
+              <a:ext uri="{FF2B5EF4-FFF2-40B4-BE49-F238E27FC236}">
+                <a16:creationId xmlns:a16="http://schemas.microsoft.com/office/drawing/2014/main" id="{4B942E5C-FE18-480C-811C-0E244F5FE5F6}"/>
+              </a:ext>
+            </a:extLst>
+          </p:cNvPr>
+          <p:cNvSpPr txBox="1"/>
+          <p:nvPr/>
+        </p:nvSpPr>
+        <p:spPr>
+          <a:xfrm>
+            <a:off x="4740372" y="6292185"/>
+            <a:ext cx="2711255" cy="400110"/>
+          </a:xfrm>
+          <a:prstGeom prst="rect">
+            <a:avLst/>
+          </a:prstGeom>
+          <a:noFill/>
+        </p:spPr>
+        <p:txBody>
+          <a:bodyPr wrap="none" rtlCol="0">
+            <a:spAutoFit/>
+          </a:bodyPr>
+          <a:lstStyle/>
+          <a:p>
+            <a:r>
+              <a:rPr lang="fr-FR" sz="2000" dirty="0">
+                <a:latin typeface="+mj-lt"/>
+              </a:rPr>
+              <a:t>vendredi 2 octobre 2021</a:t>
+            </a:r>
+            <a:endParaRPr lang="fr-FR" sz="2000" cap="small" dirty="0">
+              <a:latin typeface="+mj-lt"/>
+            </a:endParaRPr>
+          </a:p>
+        </p:txBody>
+      </p:sp>
+      <p:sp>
+        <p:nvSpPr>
+          <p:cNvPr id="2" name="ZoneTexte 1">
+            <a:extLst>
+              <a:ext uri="{FF2B5EF4-FFF2-40B4-BE49-F238E27FC236}">
+                <a16:creationId xmlns:a16="http://schemas.microsoft.com/office/drawing/2014/main" id="{ECA17448-7820-4440-A6F4-328E8830503F}"/>
+              </a:ext>
+            </a:extLst>
+          </p:cNvPr>
+          <p:cNvSpPr txBox="1"/>
+          <p:nvPr/>
+        </p:nvSpPr>
+        <p:spPr>
+          <a:xfrm>
+            <a:off x="0" y="6292185"/>
+            <a:ext cx="1071832" cy="400110"/>
+          </a:xfrm>
+          <a:prstGeom prst="rect">
+            <a:avLst/>
+          </a:prstGeom>
+          <a:noFill/>
+        </p:spPr>
+        <p:txBody>
+          <a:bodyPr wrap="none" rtlCol="0">
+            <a:spAutoFit/>
+          </a:bodyPr>
+          <a:lstStyle/>
+          <a:p>
+            <a:r>
+              <a:rPr lang="fr-FR" sz="2000" i="1" dirty="0">
+                <a:latin typeface="+mj-lt"/>
+              </a:rPr>
+              <a:t>*ça rime</a:t>
+            </a:r>
+          </a:p>
+        </p:txBody>
+      </p:sp>
+      <p:sp>
+        <p:nvSpPr>
+          <p:cNvPr id="9" name="ZoneTexte 8">
+            <a:extLst>
+              <a:ext uri="{FF2B5EF4-FFF2-40B4-BE49-F238E27FC236}">
+                <a16:creationId xmlns:a16="http://schemas.microsoft.com/office/drawing/2014/main" id="{0E54FEA6-7EE1-41CC-AAA0-651782AE7CA1}"/>
+              </a:ext>
+            </a:extLst>
+          </p:cNvPr>
+          <p:cNvSpPr txBox="1"/>
+          <p:nvPr/>
+        </p:nvSpPr>
+        <p:spPr>
+          <a:xfrm>
+            <a:off x="7777871" y="2197887"/>
+            <a:ext cx="312906" cy="400110"/>
+          </a:xfrm>
+          <a:prstGeom prst="rect">
+            <a:avLst/>
+          </a:prstGeom>
+          <a:noFill/>
+        </p:spPr>
+        <p:txBody>
+          <a:bodyPr wrap="none" rtlCol="0">
+            <a:spAutoFit/>
+          </a:bodyPr>
+          <a:lstStyle/>
+          <a:p>
+            <a:r>
+              <a:rPr lang="fr-FR" sz="2000" i="1" dirty="0">
+                <a:latin typeface="+mj-lt"/>
+              </a:rPr>
+              <a:t>*</a:t>
+            </a:r>
+          </a:p>
+        </p:txBody>
+      </p:sp>
+    </p:spTree>
+    <p:extLst>
+      <p:ext uri="{BB962C8B-B14F-4D97-AF65-F5344CB8AC3E}">
+        <p14:creationId xmlns:p14="http://schemas.microsoft.com/office/powerpoint/2010/main" val="3731403155"/>
+      </p:ext>
+    </p:extLst>
+  </p:cSld>
+  <p:clrMapOvr>
+    <a:masterClrMapping/>
+  </p:clrMapOvr>
+</p:sld>
+</file>
+
 <file path=ppt/slides/slide2.xml><?xml version="1.0" encoding="utf-8"?>
 <p:sld xmlns:a="http://schemas.openxmlformats.org/drawingml/2006/main" xmlns:r="http://schemas.openxmlformats.org/officeDocument/2006/relationships" xmlns:p="http://schemas.openxmlformats.org/presentationml/2006/main">
   <p:cSld>
@@ -3632,7 +4569,7 @@
         </p:nvSpPr>
         <p:spPr>
           <a:xfrm>
-            <a:off x="961052" y="1906275"/>
+            <a:off x="961052" y="1822385"/>
             <a:ext cx="3306674" cy="3045449"/>
           </a:xfrm>
           <a:prstGeom prst="rect">
@@ -4623,8 +5560,8 @@
         </p:nvSpPr>
         <p:spPr>
           <a:xfrm>
-            <a:off x="961052" y="1906275"/>
-            <a:ext cx="1031051" cy="3045449"/>
+            <a:off x="961052" y="1822385"/>
+            <a:ext cx="8445517" cy="3045449"/>
           </a:xfrm>
           <a:prstGeom prst="rect">
             <a:avLst/>
@@ -4637,6 +5574,32 @@
           </a:bodyPr>
           <a:lstStyle/>
           <a:p>
+            <a:pPr>
+              <a:lnSpc>
+                <a:spcPct val="250000"/>
+              </a:lnSpc>
+            </a:pPr>
+            <a:r>
+              <a:rPr lang="fr-FR" sz="2000" dirty="0">
+                <a:latin typeface="+mj-lt"/>
+              </a:rPr>
+              <a:t>« Comment différencier des éléments de la flore locale de façon automatisée ? »</a:t>
+            </a:r>
+          </a:p>
+          <a:p>
+            <a:pPr>
+              <a:lnSpc>
+                <a:spcPct val="250000"/>
+              </a:lnSpc>
+            </a:pPr>
+            <a:r>
+              <a:rPr lang="fr-FR" sz="2000" dirty="0">
+                <a:latin typeface="+mj-lt"/>
+              </a:rPr>
+              <a:t> </a:t>
+            </a:r>
+          </a:p>
+          <a:p>
             <a:pPr marL="457200" indent="-457200">
               <a:lnSpc>
                 <a:spcPct val="250000"/>
@@ -4648,7 +5611,7 @@
               <a:rPr lang="fr-FR" sz="2000" dirty="0">
                 <a:latin typeface="+mj-lt"/>
               </a:rPr>
-              <a:t>__</a:t>
+              <a:t>Réduction du périmètre d’étude aux arbres et aux fleurs</a:t>
             </a:r>
           </a:p>
           <a:p>
@@ -4663,38 +5626,17 @@
               <a:rPr lang="fr-FR" sz="2000" dirty="0">
                 <a:latin typeface="+mj-lt"/>
               </a:rPr>
-              <a:t>___</a:t>
-            </a:r>
-          </a:p>
-          <a:p>
-            <a:pPr marL="457200" indent="-457200">
-              <a:lnSpc>
-                <a:spcPct val="250000"/>
-              </a:lnSpc>
-              <a:buFont typeface="Arial" panose="020B0604020202020204" pitchFamily="34" charset="0"/>
-              <a:buChar char="•"/>
-            </a:pPr>
-            <a:r>
-              <a:rPr lang="fr-FR" sz="2000" dirty="0">
+              <a:t>Utilisation d’outils de </a:t>
+            </a:r>
+            <a:r>
+              <a:rPr lang="fr-FR" sz="2000" i="1" dirty="0">
                 <a:latin typeface="+mj-lt"/>
               </a:rPr>
-              <a:t>___</a:t>
-            </a:r>
-          </a:p>
-          <a:p>
-            <a:pPr marL="457200" indent="-457200">
-              <a:lnSpc>
-                <a:spcPct val="250000"/>
-              </a:lnSpc>
-              <a:buFont typeface="Arial" panose="020B0604020202020204" pitchFamily="34" charset="0"/>
-              <a:buChar char="•"/>
-            </a:pPr>
-            <a:r>
-              <a:rPr lang="fr-FR" sz="2000" dirty="0">
-                <a:latin typeface="+mj-lt"/>
-              </a:rPr>
-              <a:t>__</a:t>
-            </a:r>
+              <a:t>computer vision</a:t>
+            </a:r>
+            <a:endParaRPr lang="fr-FR" sz="2000" dirty="0">
+              <a:latin typeface="+mj-lt"/>
+            </a:endParaRPr>
           </a:p>
         </p:txBody>
       </p:sp>
@@ -5390,8 +6332,8 @@
         </p:nvSpPr>
         <p:spPr>
           <a:xfrm>
-            <a:off x="961052" y="1906275"/>
-            <a:ext cx="6430671" cy="3045449"/>
+            <a:off x="961052" y="1822385"/>
+            <a:ext cx="5087931" cy="3814890"/>
           </a:xfrm>
           <a:prstGeom prst="rect">
             <a:avLst/>
@@ -5415,7 +6357,7 @@
               <a:rPr lang="fr-FR" sz="2000" dirty="0">
                 <a:latin typeface="+mj-lt"/>
               </a:rPr>
-              <a:t>[nombre] de photos (en Ille-et-Vilaine et Côtes d’Armor) </a:t>
+              <a:t>3 classes : {Arbre ; Fleur ; Autre}</a:t>
             </a:r>
           </a:p>
           <a:p>
@@ -5430,7 +6372,7 @@
               <a:rPr lang="fr-FR" sz="2000" dirty="0">
                 <a:latin typeface="+mj-lt"/>
               </a:rPr>
-              <a:t>[nombre] d’images ([sources des images])</a:t>
+              <a:t>68 photos (Ille-et-Vilaine et Côtes d’Armor) </a:t>
             </a:r>
           </a:p>
           <a:p>
@@ -5445,7 +6387,7 @@
               <a:rPr lang="fr-FR" sz="2000" dirty="0">
                 <a:latin typeface="+mj-lt"/>
               </a:rPr>
-              <a:t>___</a:t>
+              <a:t>113 images collectées (libres de droit)</a:t>
             </a:r>
           </a:p>
           <a:p>
@@ -5457,11 +6399,23 @@
               <a:buChar char="•"/>
             </a:pPr>
             <a:r>
-              <a:rPr lang="fr-FR" sz="2000" dirty="0">
+              <a:rPr lang="fr-FR" sz="2000" i="1" dirty="0">
                 <a:latin typeface="+mj-lt"/>
               </a:rPr>
-              <a:t>__</a:t>
-            </a:r>
+              <a:t>Data augmentation</a:t>
+            </a:r>
+          </a:p>
+          <a:p>
+            <a:pPr marL="457200" indent="-457200">
+              <a:lnSpc>
+                <a:spcPct val="250000"/>
+              </a:lnSpc>
+              <a:buFont typeface="Arial" panose="020B0604020202020204" pitchFamily="34" charset="0"/>
+              <a:buChar char="•"/>
+            </a:pPr>
+            <a:endParaRPr lang="fr-FR" sz="2000" dirty="0">
+              <a:latin typeface="+mj-lt"/>
+            </a:endParaRPr>
           </a:p>
         </p:txBody>
       </p:sp>
@@ -5493,8 +6447,8 @@
         </p:blipFill>
         <p:spPr>
           <a:xfrm>
-            <a:off x="7277088" y="2016441"/>
-            <a:ext cx="4237675" cy="2825116"/>
+            <a:off x="6714865" y="1822385"/>
+            <a:ext cx="5087931" cy="3391953"/>
           </a:xfrm>
           <a:prstGeom prst="rect">
             <a:avLst/>
@@ -5633,10 +6587,10 @@
         </p:nvGrpSpPr>
         <p:grpSpPr>
           <a:xfrm>
-            <a:off x="389204" y="177835"/>
-            <a:ext cx="11413592" cy="400110"/>
-            <a:chOff x="389204" y="177835"/>
-            <a:chExt cx="11413592" cy="400110"/>
+            <a:off x="389204" y="147058"/>
+            <a:ext cx="11413592" cy="461665"/>
+            <a:chOff x="389204" y="147058"/>
+            <a:chExt cx="11413592" cy="461665"/>
           </a:xfrm>
         </p:grpSpPr>
         <p:sp>
@@ -5739,8 +6693,8 @@
           </p:nvSpPr>
           <p:spPr>
             <a:xfrm>
-              <a:off x="3105017" y="177835"/>
-              <a:ext cx="1030667" cy="400110"/>
+              <a:off x="3031503" y="147058"/>
+              <a:ext cx="1177695" cy="461665"/>
             </a:xfrm>
             <a:prstGeom prst="rect">
               <a:avLst/>
@@ -5755,7 +6709,7 @@
             <a:p>
               <a:pPr algn="ctr"/>
               <a:r>
-                <a:rPr lang="fr-FR" sz="2000" cap="small" dirty="0">
+                <a:rPr lang="fr-FR" sz="2400" b="1" cap="small" dirty="0">
                   <a:solidFill>
                     <a:schemeClr val="bg1"/>
                   </a:solidFill>
@@ -5763,7 +6717,7 @@
                 </a:rPr>
                 <a:t>Données</a:t>
               </a:r>
-              <a:endParaRPr lang="fr-FR" cap="small" dirty="0">
+              <a:endParaRPr lang="fr-FR" b="1" cap="small" dirty="0">
                 <a:solidFill>
                   <a:schemeClr val="bg1"/>
                 </a:solidFill>
@@ -6139,10 +7093,373 @@
           </p:txBody>
         </p:sp>
       </p:grpSp>
+      <p:sp>
+        <p:nvSpPr>
+          <p:cNvPr id="21" name="ZoneTexte 20">
+            <a:extLst>
+              <a:ext uri="{FF2B5EF4-FFF2-40B4-BE49-F238E27FC236}">
+                <a16:creationId xmlns:a16="http://schemas.microsoft.com/office/drawing/2014/main" id="{ADC16367-8912-47FF-B1E5-ED9477D6AEE7}"/>
+              </a:ext>
+            </a:extLst>
+          </p:cNvPr>
+          <p:cNvSpPr txBox="1"/>
+          <p:nvPr/>
+        </p:nvSpPr>
+        <p:spPr>
+          <a:xfrm>
+            <a:off x="961052" y="1121167"/>
+            <a:ext cx="5592941" cy="461665"/>
+          </a:xfrm>
+          <a:prstGeom prst="rect">
+            <a:avLst/>
+          </a:prstGeom>
+          <a:noFill/>
+        </p:spPr>
+        <p:txBody>
+          <a:bodyPr wrap="none" rtlCol="0">
+            <a:spAutoFit/>
+          </a:bodyPr>
+          <a:lstStyle/>
+          <a:p>
+            <a:r>
+              <a:rPr lang="fr-FR" sz="2400" i="1" cap="small" dirty="0">
+                <a:latin typeface="+mj-lt"/>
+              </a:rPr>
+              <a:t>Data augmentation </a:t>
+            </a:r>
+            <a:r>
+              <a:rPr lang="fr-FR" sz="2400" cap="small" dirty="0">
+                <a:latin typeface="+mj-lt"/>
+              </a:rPr>
+              <a:t>par modification aléatoire</a:t>
+            </a:r>
+            <a:endParaRPr lang="fr-FR" sz="2000" i="1" cap="small" dirty="0">
+              <a:latin typeface="+mj-lt"/>
+            </a:endParaRPr>
+          </a:p>
+        </p:txBody>
+      </p:sp>
+      <p:sp>
+        <p:nvSpPr>
+          <p:cNvPr id="22" name="ZoneTexte 21">
+            <a:extLst>
+              <a:ext uri="{FF2B5EF4-FFF2-40B4-BE49-F238E27FC236}">
+                <a16:creationId xmlns:a16="http://schemas.microsoft.com/office/drawing/2014/main" id="{2330F9C8-7B22-4A25-BFF9-D558E4CAA036}"/>
+              </a:ext>
+            </a:extLst>
+          </p:cNvPr>
+          <p:cNvSpPr txBox="1"/>
+          <p:nvPr/>
+        </p:nvSpPr>
+        <p:spPr>
+          <a:xfrm>
+            <a:off x="961052" y="1822385"/>
+            <a:ext cx="1478162" cy="2276008"/>
+          </a:xfrm>
+          <a:prstGeom prst="rect">
+            <a:avLst/>
+          </a:prstGeom>
+          <a:noFill/>
+        </p:spPr>
+        <p:txBody>
+          <a:bodyPr wrap="none" rtlCol="0">
+            <a:spAutoFit/>
+          </a:bodyPr>
+          <a:lstStyle/>
+          <a:p>
+            <a:pPr marL="342900" indent="-342900">
+              <a:lnSpc>
+                <a:spcPct val="250000"/>
+              </a:lnSpc>
+              <a:buFont typeface="Arial" panose="020B0604020202020204" pitchFamily="34" charset="0"/>
+              <a:buChar char="•"/>
+            </a:pPr>
+            <a:r>
+              <a:rPr lang="fr-FR" sz="2000" dirty="0">
+                <a:latin typeface="+mj-lt"/>
+              </a:rPr>
+              <a:t>Inversion</a:t>
+            </a:r>
+          </a:p>
+          <a:p>
+            <a:pPr marL="342900" indent="-342900">
+              <a:lnSpc>
+                <a:spcPct val="250000"/>
+              </a:lnSpc>
+              <a:buFont typeface="Arial" panose="020B0604020202020204" pitchFamily="34" charset="0"/>
+              <a:buChar char="•"/>
+            </a:pPr>
+            <a:r>
+              <a:rPr lang="fr-FR" sz="2000" dirty="0">
+                <a:latin typeface="+mj-lt"/>
+              </a:rPr>
+              <a:t>Rotation</a:t>
+            </a:r>
+          </a:p>
+          <a:p>
+            <a:pPr marL="342900" indent="-342900">
+              <a:lnSpc>
+                <a:spcPct val="250000"/>
+              </a:lnSpc>
+              <a:buFont typeface="Arial" panose="020B0604020202020204" pitchFamily="34" charset="0"/>
+              <a:buChar char="•"/>
+            </a:pPr>
+            <a:r>
+              <a:rPr lang="fr-FR" sz="2000" dirty="0">
+                <a:latin typeface="+mj-lt"/>
+              </a:rPr>
+              <a:t>Zoom</a:t>
+            </a:r>
+          </a:p>
+        </p:txBody>
+      </p:sp>
+      <p:pic>
+        <p:nvPicPr>
+          <p:cNvPr id="10" name="Image 9">
+            <a:extLst>
+              <a:ext uri="{FF2B5EF4-FFF2-40B4-BE49-F238E27FC236}">
+                <a16:creationId xmlns:a16="http://schemas.microsoft.com/office/drawing/2014/main" id="{F7A76FAC-B2B9-47B6-B3C6-BE9EE5289095}"/>
+              </a:ext>
+            </a:extLst>
+          </p:cNvPr>
+          <p:cNvPicPr>
+            <a:picLocks noChangeAspect="1"/>
+          </p:cNvPicPr>
+          <p:nvPr/>
+        </p:nvPicPr>
+        <p:blipFill>
+          <a:blip r:embed="rId7">
+            <a:extLst>
+              <a:ext uri="{28A0092B-C50C-407E-A947-70E740481C1C}">
+                <a14:useLocalDpi xmlns:a14="http://schemas.microsoft.com/office/drawing/2010/main" val="0"/>
+              </a:ext>
+            </a:extLst>
+          </a:blip>
+          <a:stretch>
+            <a:fillRect/>
+          </a:stretch>
+        </p:blipFill>
+        <p:spPr>
+          <a:xfrm>
+            <a:off x="7289562" y="1822385"/>
+            <a:ext cx="4255219" cy="4255219"/>
+          </a:xfrm>
+          <a:prstGeom prst="rect">
+            <a:avLst/>
+          </a:prstGeom>
+        </p:spPr>
+      </p:pic>
+      <p:sp>
+        <p:nvSpPr>
+          <p:cNvPr id="24" name="ZoneTexte 23">
+            <a:extLst>
+              <a:ext uri="{FF2B5EF4-FFF2-40B4-BE49-F238E27FC236}">
+                <a16:creationId xmlns:a16="http://schemas.microsoft.com/office/drawing/2014/main" id="{078944C0-DC7C-4C60-8378-1C8C55F2B0DF}"/>
+              </a:ext>
+            </a:extLst>
+          </p:cNvPr>
+          <p:cNvSpPr txBox="1"/>
+          <p:nvPr/>
+        </p:nvSpPr>
+        <p:spPr>
+          <a:xfrm>
+            <a:off x="961052" y="4451000"/>
+            <a:ext cx="184731" cy="338554"/>
+          </a:xfrm>
+          <a:prstGeom prst="rect">
+            <a:avLst/>
+          </a:prstGeom>
+          <a:noFill/>
+        </p:spPr>
+        <p:txBody>
+          <a:bodyPr wrap="none" rtlCol="0">
+            <a:spAutoFit/>
+          </a:bodyPr>
+          <a:lstStyle/>
+          <a:p>
+            <a:endParaRPr lang="fr-FR" sz="1600" dirty="0">
+              <a:solidFill>
+                <a:srgbClr val="61A53A"/>
+              </a:solidFill>
+              <a:latin typeface="Consolas" panose="020B0609020204030204" pitchFamily="49" charset="0"/>
+            </a:endParaRPr>
+          </a:p>
+        </p:txBody>
+      </p:sp>
+      <p:sp>
+        <p:nvSpPr>
+          <p:cNvPr id="25" name="ZoneTexte 24">
+            <a:extLst>
+              <a:ext uri="{FF2B5EF4-FFF2-40B4-BE49-F238E27FC236}">
+                <a16:creationId xmlns:a16="http://schemas.microsoft.com/office/drawing/2014/main" id="{47534E5D-0BAD-40B7-95E4-A380CA7F6D4E}"/>
+              </a:ext>
+            </a:extLst>
+          </p:cNvPr>
+          <p:cNvSpPr txBox="1"/>
+          <p:nvPr/>
+        </p:nvSpPr>
+        <p:spPr>
+          <a:xfrm>
+            <a:off x="961052" y="4413394"/>
+            <a:ext cx="6131807" cy="1323439"/>
+          </a:xfrm>
+          <a:prstGeom prst="rect">
+            <a:avLst/>
+          </a:prstGeom>
+          <a:noFill/>
+          <a:ln>
+            <a:solidFill>
+              <a:srgbClr val="61A53A"/>
+            </a:solidFill>
+          </a:ln>
+        </p:spPr>
+        <p:txBody>
+          <a:bodyPr wrap="none" rtlCol="0">
+            <a:spAutoFit/>
+          </a:bodyPr>
+          <a:lstStyle/>
+          <a:p>
+            <a:r>
+              <a:rPr lang="fr-FR" sz="1600" dirty="0" err="1">
+                <a:solidFill>
+                  <a:srgbClr val="61A53A"/>
+                </a:solidFill>
+                <a:latin typeface="Consolas" panose="020B0609020204030204" pitchFamily="49" charset="0"/>
+              </a:rPr>
+              <a:t>keras.Sequential</a:t>
+            </a:r>
+            <a:r>
+              <a:rPr lang="fr-FR" sz="1600" dirty="0">
+                <a:solidFill>
+                  <a:srgbClr val="61A53A"/>
+                </a:solidFill>
+                <a:latin typeface="Consolas" panose="020B0609020204030204" pitchFamily="49" charset="0"/>
+              </a:rPr>
+              <a:t>([</a:t>
+            </a:r>
+          </a:p>
+          <a:p>
+            <a:r>
+              <a:rPr lang="fr-FR" sz="1600" dirty="0">
+                <a:solidFill>
+                  <a:srgbClr val="61A53A"/>
+                </a:solidFill>
+                <a:latin typeface="Consolas" panose="020B0609020204030204" pitchFamily="49" charset="0"/>
+              </a:rPr>
+              <a:t>        </a:t>
+            </a:r>
+            <a:r>
+              <a:rPr lang="fr-FR" sz="1600" dirty="0" err="1">
+                <a:solidFill>
+                  <a:srgbClr val="61A53A"/>
+                </a:solidFill>
+                <a:latin typeface="Consolas" panose="020B0609020204030204" pitchFamily="49" charset="0"/>
+              </a:rPr>
+              <a:t>layers.RandomFlip</a:t>
+            </a:r>
+            <a:r>
+              <a:rPr lang="fr-FR" sz="1600" dirty="0">
+                <a:solidFill>
+                  <a:srgbClr val="61A53A"/>
+                </a:solidFill>
+                <a:latin typeface="Consolas" panose="020B0609020204030204" pitchFamily="49" charset="0"/>
+              </a:rPr>
+              <a:t>("</a:t>
+            </a:r>
+            <a:r>
+              <a:rPr lang="fr-FR" sz="1600" dirty="0" err="1">
+                <a:solidFill>
+                  <a:srgbClr val="61A53A"/>
+                </a:solidFill>
+                <a:latin typeface="Consolas" panose="020B0609020204030204" pitchFamily="49" charset="0"/>
+              </a:rPr>
+              <a:t>horizontal_and_vertical</a:t>
+            </a:r>
+            <a:r>
+              <a:rPr lang="fr-FR" sz="1600" dirty="0">
+                <a:solidFill>
+                  <a:srgbClr val="61A53A"/>
+                </a:solidFill>
+                <a:latin typeface="Consolas" panose="020B0609020204030204" pitchFamily="49" charset="0"/>
+              </a:rPr>
+              <a:t>"),</a:t>
+            </a:r>
+          </a:p>
+          <a:p>
+            <a:r>
+              <a:rPr lang="fr-FR" sz="1600" dirty="0">
+                <a:solidFill>
+                  <a:srgbClr val="61A53A"/>
+                </a:solidFill>
+                <a:latin typeface="Consolas" panose="020B0609020204030204" pitchFamily="49" charset="0"/>
+              </a:rPr>
+              <a:t>        </a:t>
+            </a:r>
+            <a:r>
+              <a:rPr lang="fr-FR" sz="1600" dirty="0" err="1">
+                <a:solidFill>
+                  <a:srgbClr val="61A53A"/>
+                </a:solidFill>
+                <a:latin typeface="Consolas" panose="020B0609020204030204" pitchFamily="49" charset="0"/>
+              </a:rPr>
+              <a:t>layers.RandomRotation</a:t>
+            </a:r>
+            <a:r>
+              <a:rPr lang="fr-FR" sz="1600" dirty="0">
+                <a:solidFill>
+                  <a:srgbClr val="61A53A"/>
+                </a:solidFill>
+                <a:latin typeface="Consolas" panose="020B0609020204030204" pitchFamily="49" charset="0"/>
+              </a:rPr>
+              <a:t>(0.2),</a:t>
+            </a:r>
+          </a:p>
+          <a:p>
+            <a:r>
+              <a:rPr lang="fr-FR" sz="1600" dirty="0">
+                <a:solidFill>
+                  <a:srgbClr val="61A53A"/>
+                </a:solidFill>
+                <a:latin typeface="Consolas" panose="020B0609020204030204" pitchFamily="49" charset="0"/>
+              </a:rPr>
+              <a:t>        </a:t>
+            </a:r>
+            <a:r>
+              <a:rPr lang="fr-FR" sz="1600" dirty="0" err="1">
+                <a:solidFill>
+                  <a:srgbClr val="61A53A"/>
+                </a:solidFill>
+                <a:latin typeface="Consolas" panose="020B0609020204030204" pitchFamily="49" charset="0"/>
+              </a:rPr>
+              <a:t>layers.RandomZoom</a:t>
+            </a:r>
+            <a:r>
+              <a:rPr lang="fr-FR" sz="1600" dirty="0">
+                <a:solidFill>
+                  <a:srgbClr val="61A53A"/>
+                </a:solidFill>
+                <a:latin typeface="Consolas" panose="020B0609020204030204" pitchFamily="49" charset="0"/>
+              </a:rPr>
+              <a:t>(.5,.2)</a:t>
+            </a:r>
+          </a:p>
+          <a:p>
+            <a:r>
+              <a:rPr lang="fr-FR" sz="1600" dirty="0">
+                <a:solidFill>
+                  <a:srgbClr val="61A53A"/>
+                </a:solidFill>
+                <a:latin typeface="Consolas" panose="020B0609020204030204" pitchFamily="49" charset="0"/>
+              </a:rPr>
+              <a:t>])</a:t>
+            </a:r>
+          </a:p>
+        </p:txBody>
+      </p:sp>
     </p:spTree>
     <p:extLst>
       <p:ext uri="{BB962C8B-B14F-4D97-AF65-F5344CB8AC3E}">
-        <p14:creationId xmlns:p14="http://schemas.microsoft.com/office/powerpoint/2010/main" val="4110192676"/>
+        <p14:creationId xmlns:p14="http://schemas.microsoft.com/office/powerpoint/2010/main" val="3384116046"/>
       </p:ext>
     </p:extLst>
   </p:cSld>
@@ -6271,10 +7588,10 @@
         </p:nvGrpSpPr>
         <p:grpSpPr>
           <a:xfrm>
-            <a:off x="389204" y="177835"/>
-            <a:ext cx="11413592" cy="400110"/>
-            <a:chOff x="389204" y="177835"/>
-            <a:chExt cx="11413592" cy="400110"/>
+            <a:off x="389204" y="147058"/>
+            <a:ext cx="11413592" cy="461665"/>
+            <a:chOff x="389204" y="147058"/>
+            <a:chExt cx="11413592" cy="461665"/>
           </a:xfrm>
         </p:grpSpPr>
         <p:sp>
@@ -6463,8 +7780,8 @@
           </p:nvSpPr>
           <p:spPr>
             <a:xfrm>
-              <a:off x="5350124" y="177835"/>
-              <a:ext cx="1617559" cy="400110"/>
+              <a:off x="5222397" y="147058"/>
+              <a:ext cx="1873013" cy="461665"/>
             </a:xfrm>
             <a:prstGeom prst="rect">
               <a:avLst/>
@@ -6479,7 +7796,7 @@
             <a:p>
               <a:pPr algn="ctr"/>
               <a:r>
-                <a:rPr lang="fr-FR" sz="2000" cap="small" dirty="0">
+                <a:rPr lang="fr-FR" sz="2400" b="1" cap="small" dirty="0">
                   <a:solidFill>
                     <a:schemeClr val="bg1"/>
                   </a:solidFill>
@@ -6487,7 +7804,7 @@
                 </a:rPr>
                 <a:t>Méthodologie</a:t>
               </a:r>
-              <a:endParaRPr lang="fr-FR" cap="small" dirty="0">
+              <a:endParaRPr lang="fr-FR" sz="2000" b="1" cap="small" dirty="0">
                 <a:solidFill>
                   <a:schemeClr val="bg1"/>
                 </a:solidFill>
@@ -6777,10 +8094,717 @@
           </p:txBody>
         </p:sp>
       </p:grpSp>
+      <p:sp>
+        <p:nvSpPr>
+          <p:cNvPr id="21" name="ZoneTexte 20">
+            <a:extLst>
+              <a:ext uri="{FF2B5EF4-FFF2-40B4-BE49-F238E27FC236}">
+                <a16:creationId xmlns:a16="http://schemas.microsoft.com/office/drawing/2014/main" id="{0695CCF8-5151-47C8-90E9-98F7E6E3B3EC}"/>
+              </a:ext>
+            </a:extLst>
+          </p:cNvPr>
+          <p:cNvSpPr txBox="1"/>
+          <p:nvPr/>
+        </p:nvSpPr>
+        <p:spPr>
+          <a:xfrm>
+            <a:off x="961052" y="1822385"/>
+            <a:ext cx="1159292" cy="3045449"/>
+          </a:xfrm>
+          <a:prstGeom prst="rect">
+            <a:avLst/>
+          </a:prstGeom>
+          <a:noFill/>
+        </p:spPr>
+        <p:txBody>
+          <a:bodyPr wrap="none" rtlCol="0">
+            <a:spAutoFit/>
+          </a:bodyPr>
+          <a:lstStyle/>
+          <a:p>
+            <a:pPr marL="457200" indent="-457200">
+              <a:lnSpc>
+                <a:spcPct val="250000"/>
+              </a:lnSpc>
+              <a:buFont typeface="Arial" panose="020B0604020202020204" pitchFamily="34" charset="0"/>
+              <a:buChar char="•"/>
+            </a:pPr>
+            <a:r>
+              <a:rPr lang="fr-FR" sz="2000" dirty="0">
+                <a:latin typeface="+mj-lt"/>
+              </a:rPr>
+              <a:t>____</a:t>
+            </a:r>
+          </a:p>
+          <a:p>
+            <a:pPr marL="457200" indent="-457200">
+              <a:lnSpc>
+                <a:spcPct val="250000"/>
+              </a:lnSpc>
+              <a:buFont typeface="Arial" panose="020B0604020202020204" pitchFamily="34" charset="0"/>
+              <a:buChar char="•"/>
+            </a:pPr>
+            <a:r>
+              <a:rPr lang="fr-FR" sz="2000" dirty="0">
+                <a:latin typeface="+mj-lt"/>
+              </a:rPr>
+              <a:t>___</a:t>
+            </a:r>
+          </a:p>
+          <a:p>
+            <a:pPr marL="457200" indent="-457200">
+              <a:lnSpc>
+                <a:spcPct val="250000"/>
+              </a:lnSpc>
+              <a:buFont typeface="Arial" panose="020B0604020202020204" pitchFamily="34" charset="0"/>
+              <a:buChar char="•"/>
+            </a:pPr>
+            <a:r>
+              <a:rPr lang="fr-FR" sz="2000" dirty="0">
+                <a:latin typeface="+mj-lt"/>
+              </a:rPr>
+              <a:t>___</a:t>
+            </a:r>
+          </a:p>
+          <a:p>
+            <a:pPr marL="457200" indent="-457200">
+              <a:lnSpc>
+                <a:spcPct val="250000"/>
+              </a:lnSpc>
+              <a:buFont typeface="Arial" panose="020B0604020202020204" pitchFamily="34" charset="0"/>
+              <a:buChar char="•"/>
+            </a:pPr>
+            <a:endParaRPr lang="fr-FR" sz="2000" dirty="0">
+              <a:latin typeface="+mj-lt"/>
+            </a:endParaRPr>
+          </a:p>
+        </p:txBody>
+      </p:sp>
+      <p:sp>
+        <p:nvSpPr>
+          <p:cNvPr id="22" name="ZoneTexte 21">
+            <a:extLst>
+              <a:ext uri="{FF2B5EF4-FFF2-40B4-BE49-F238E27FC236}">
+                <a16:creationId xmlns:a16="http://schemas.microsoft.com/office/drawing/2014/main" id="{96F1E696-815D-4F72-B787-82EC7F96C7CB}"/>
+              </a:ext>
+            </a:extLst>
+          </p:cNvPr>
+          <p:cNvSpPr txBox="1"/>
+          <p:nvPr/>
+        </p:nvSpPr>
+        <p:spPr>
+          <a:xfrm>
+            <a:off x="961052" y="1121167"/>
+            <a:ext cx="1389868" cy="461665"/>
+          </a:xfrm>
+          <a:prstGeom prst="rect">
+            <a:avLst/>
+          </a:prstGeom>
+          <a:noFill/>
+        </p:spPr>
+        <p:txBody>
+          <a:bodyPr wrap="none" rtlCol="0">
+            <a:spAutoFit/>
+          </a:bodyPr>
+          <a:lstStyle/>
+          <a:p>
+            <a:r>
+              <a:rPr lang="fr-FR" sz="2400" cap="small" dirty="0">
+                <a:latin typeface="+mj-lt"/>
+              </a:rPr>
+              <a:t>Structure</a:t>
+            </a:r>
+            <a:endParaRPr lang="fr-FR" sz="2000" cap="small" dirty="0">
+              <a:latin typeface="+mj-lt"/>
+            </a:endParaRPr>
+          </a:p>
+        </p:txBody>
+      </p:sp>
+      <p:sp>
+        <p:nvSpPr>
+          <p:cNvPr id="23" name="ZoneTexte 22">
+            <a:extLst>
+              <a:ext uri="{FF2B5EF4-FFF2-40B4-BE49-F238E27FC236}">
+                <a16:creationId xmlns:a16="http://schemas.microsoft.com/office/drawing/2014/main" id="{0A3BACAF-29D5-48BB-9AEE-BDF643DB78DF}"/>
+              </a:ext>
+            </a:extLst>
+          </p:cNvPr>
+          <p:cNvSpPr txBox="1"/>
+          <p:nvPr/>
+        </p:nvSpPr>
+        <p:spPr>
+          <a:xfrm>
+            <a:off x="5323562" y="1582832"/>
+            <a:ext cx="5907386" cy="4278094"/>
+          </a:xfrm>
+          <a:prstGeom prst="rect">
+            <a:avLst/>
+          </a:prstGeom>
+          <a:noFill/>
+          <a:ln>
+            <a:solidFill>
+              <a:srgbClr val="61A53A"/>
+            </a:solidFill>
+          </a:ln>
+        </p:spPr>
+        <p:txBody>
+          <a:bodyPr wrap="none" rtlCol="0">
+            <a:spAutoFit/>
+          </a:bodyPr>
+          <a:lstStyle/>
+          <a:p>
+            <a:r>
+              <a:rPr lang="fr-FR" sz="1600" dirty="0">
+                <a:solidFill>
+                  <a:srgbClr val="61A53A"/>
+                </a:solidFill>
+                <a:latin typeface="Consolas" panose="020B0609020204030204" pitchFamily="49" charset="0"/>
+              </a:rPr>
+              <a:t>x = </a:t>
+            </a:r>
+            <a:r>
+              <a:rPr lang="fr-FR" sz="1600" dirty="0" err="1">
+                <a:solidFill>
+                  <a:srgbClr val="61A53A"/>
+                </a:solidFill>
+                <a:latin typeface="Consolas" panose="020B0609020204030204" pitchFamily="49" charset="0"/>
+              </a:rPr>
+              <a:t>layers.Rescaling</a:t>
+            </a:r>
+            <a:r>
+              <a:rPr lang="fr-FR" sz="1600" dirty="0">
+                <a:solidFill>
+                  <a:srgbClr val="61A53A"/>
+                </a:solidFill>
+                <a:latin typeface="Consolas" panose="020B0609020204030204" pitchFamily="49" charset="0"/>
+              </a:rPr>
+              <a:t>(</a:t>
+            </a:r>
+            <a:r>
+              <a:rPr lang="fr-FR" sz="1600" dirty="0" err="1">
+                <a:solidFill>
+                  <a:srgbClr val="61A53A"/>
+                </a:solidFill>
+                <a:latin typeface="Consolas" panose="020B0609020204030204" pitchFamily="49" charset="0"/>
+              </a:rPr>
+              <a:t>scale</a:t>
+            </a:r>
+            <a:r>
+              <a:rPr lang="fr-FR" sz="1600" dirty="0">
+                <a:solidFill>
+                  <a:srgbClr val="61A53A"/>
+                </a:solidFill>
+                <a:latin typeface="Consolas" panose="020B0609020204030204" pitchFamily="49" charset="0"/>
+              </a:rPr>
+              <a:t>=1.0 / 255)(inputs)</a:t>
+            </a:r>
+          </a:p>
+          <a:p>
+            <a:r>
+              <a:rPr lang="fr-FR" sz="1600" dirty="0">
+                <a:solidFill>
+                  <a:srgbClr val="61A53A"/>
+                </a:solidFill>
+                <a:latin typeface="Consolas" panose="020B0609020204030204" pitchFamily="49" charset="0"/>
+              </a:rPr>
+              <a:t>x = </a:t>
+            </a:r>
+            <a:r>
+              <a:rPr lang="fr-FR" sz="1600" dirty="0" err="1">
+                <a:solidFill>
+                  <a:srgbClr val="61A53A"/>
+                </a:solidFill>
+                <a:latin typeface="Consolas" panose="020B0609020204030204" pitchFamily="49" charset="0"/>
+              </a:rPr>
+              <a:t>data_augmentation</a:t>
+            </a:r>
+            <a:r>
+              <a:rPr lang="fr-FR" sz="1600" dirty="0">
+                <a:solidFill>
+                  <a:srgbClr val="61A53A"/>
+                </a:solidFill>
+                <a:latin typeface="Consolas" panose="020B0609020204030204" pitchFamily="49" charset="0"/>
+              </a:rPr>
+              <a:t>(x)</a:t>
+            </a:r>
+          </a:p>
+          <a:p>
+            <a:r>
+              <a:rPr lang="fr-FR" sz="1600" dirty="0">
+                <a:solidFill>
+                  <a:srgbClr val="61A53A"/>
+                </a:solidFill>
+                <a:latin typeface="Consolas" panose="020B0609020204030204" pitchFamily="49" charset="0"/>
+              </a:rPr>
+              <a:t>x = </a:t>
+            </a:r>
+            <a:r>
+              <a:rPr lang="fr-FR" sz="1600" dirty="0" err="1">
+                <a:solidFill>
+                  <a:srgbClr val="61A53A"/>
+                </a:solidFill>
+                <a:latin typeface="Consolas" panose="020B0609020204030204" pitchFamily="49" charset="0"/>
+              </a:rPr>
+              <a:t>layers.Dense</a:t>
+            </a:r>
+            <a:r>
+              <a:rPr lang="fr-FR" sz="1600" dirty="0">
+                <a:solidFill>
+                  <a:srgbClr val="61A53A"/>
+                </a:solidFill>
+                <a:latin typeface="Consolas" panose="020B0609020204030204" pitchFamily="49" charset="0"/>
+              </a:rPr>
+              <a:t>(10, activation = 'relu')(x)</a:t>
+            </a:r>
+          </a:p>
+          <a:p>
+            <a:r>
+              <a:rPr lang="fr-FR" sz="1600" dirty="0">
+                <a:solidFill>
+                  <a:srgbClr val="61A53A"/>
+                </a:solidFill>
+                <a:latin typeface="Consolas" panose="020B0609020204030204" pitchFamily="49" charset="0"/>
+              </a:rPr>
+              <a:t>x = </a:t>
+            </a:r>
+            <a:r>
+              <a:rPr lang="fr-FR" sz="1600" dirty="0" err="1">
+                <a:solidFill>
+                  <a:srgbClr val="61A53A"/>
+                </a:solidFill>
+                <a:latin typeface="Consolas" panose="020B0609020204030204" pitchFamily="49" charset="0"/>
+              </a:rPr>
+              <a:t>layers.BatchNormalization</a:t>
+            </a:r>
+            <a:r>
+              <a:rPr lang="fr-FR" sz="1600" dirty="0">
+                <a:solidFill>
+                  <a:srgbClr val="61A53A"/>
+                </a:solidFill>
+                <a:latin typeface="Consolas" panose="020B0609020204030204" pitchFamily="49" charset="0"/>
+              </a:rPr>
+              <a:t>()(x)</a:t>
+            </a:r>
+          </a:p>
+          <a:p>
+            <a:r>
+              <a:rPr lang="fr-FR" sz="1600" dirty="0">
+                <a:solidFill>
+                  <a:srgbClr val="61A53A"/>
+                </a:solidFill>
+                <a:latin typeface="Consolas" panose="020B0609020204030204" pitchFamily="49" charset="0"/>
+              </a:rPr>
+              <a:t>x = layers.Conv2D(</a:t>
+            </a:r>
+            <a:r>
+              <a:rPr lang="fr-FR" sz="1600" dirty="0" err="1">
+                <a:solidFill>
+                  <a:srgbClr val="61A53A"/>
+                </a:solidFill>
+                <a:latin typeface="Consolas" panose="020B0609020204030204" pitchFamily="49" charset="0"/>
+              </a:rPr>
+              <a:t>filters</a:t>
+            </a:r>
+            <a:r>
+              <a:rPr lang="fr-FR" sz="1600" dirty="0">
+                <a:solidFill>
+                  <a:srgbClr val="61A53A"/>
+                </a:solidFill>
+                <a:latin typeface="Consolas" panose="020B0609020204030204" pitchFamily="49" charset="0"/>
+              </a:rPr>
+              <a:t>=32, </a:t>
+            </a:r>
+            <a:r>
+              <a:rPr lang="fr-FR" sz="1600" dirty="0" err="1">
+                <a:solidFill>
+                  <a:srgbClr val="61A53A"/>
+                </a:solidFill>
+                <a:latin typeface="Consolas" panose="020B0609020204030204" pitchFamily="49" charset="0"/>
+              </a:rPr>
+              <a:t>kernel_size</a:t>
+            </a:r>
+            <a:r>
+              <a:rPr lang="fr-FR" sz="1600" dirty="0">
+                <a:solidFill>
+                  <a:srgbClr val="61A53A"/>
+                </a:solidFill>
+                <a:latin typeface="Consolas" panose="020B0609020204030204" pitchFamily="49" charset="0"/>
+              </a:rPr>
+              <a:t>=(4, 4),</a:t>
+            </a:r>
+          </a:p>
+          <a:p>
+            <a:r>
+              <a:rPr lang="fr-FR" sz="1600" dirty="0">
+                <a:solidFill>
+                  <a:srgbClr val="61A53A"/>
+                </a:solidFill>
+                <a:latin typeface="Consolas" panose="020B0609020204030204" pitchFamily="49" charset="0"/>
+              </a:rPr>
+              <a:t>                  activation="relu")(x)</a:t>
+            </a:r>
+          </a:p>
+          <a:p>
+            <a:r>
+              <a:rPr lang="fr-FR" sz="1600" dirty="0">
+                <a:solidFill>
+                  <a:srgbClr val="61A53A"/>
+                </a:solidFill>
+                <a:latin typeface="Consolas" panose="020B0609020204030204" pitchFamily="49" charset="0"/>
+              </a:rPr>
+              <a:t>x = layers.MaxPooling2D(</a:t>
+            </a:r>
+            <a:r>
+              <a:rPr lang="fr-FR" sz="1600" dirty="0" err="1">
+                <a:solidFill>
+                  <a:srgbClr val="61A53A"/>
+                </a:solidFill>
+                <a:latin typeface="Consolas" panose="020B0609020204030204" pitchFamily="49" charset="0"/>
+              </a:rPr>
+              <a:t>pool_size</a:t>
+            </a:r>
+            <a:r>
+              <a:rPr lang="fr-FR" sz="1600" dirty="0">
+                <a:solidFill>
+                  <a:srgbClr val="61A53A"/>
+                </a:solidFill>
+                <a:latin typeface="Consolas" panose="020B0609020204030204" pitchFamily="49" charset="0"/>
+              </a:rPr>
+              <a:t>=(3, 3))(x)</a:t>
+            </a:r>
+          </a:p>
+          <a:p>
+            <a:r>
+              <a:rPr lang="fr-FR" sz="1600" dirty="0">
+                <a:solidFill>
+                  <a:srgbClr val="61A53A"/>
+                </a:solidFill>
+                <a:latin typeface="Consolas" panose="020B0609020204030204" pitchFamily="49" charset="0"/>
+              </a:rPr>
+              <a:t>x = layers.Conv2D(</a:t>
+            </a:r>
+            <a:r>
+              <a:rPr lang="fr-FR" sz="1600" dirty="0" err="1">
+                <a:solidFill>
+                  <a:srgbClr val="61A53A"/>
+                </a:solidFill>
+                <a:latin typeface="Consolas" panose="020B0609020204030204" pitchFamily="49" charset="0"/>
+              </a:rPr>
+              <a:t>filters</a:t>
+            </a:r>
+            <a:r>
+              <a:rPr lang="fr-FR" sz="1600" dirty="0">
+                <a:solidFill>
+                  <a:srgbClr val="61A53A"/>
+                </a:solidFill>
+                <a:latin typeface="Consolas" panose="020B0609020204030204" pitchFamily="49" charset="0"/>
+              </a:rPr>
+              <a:t>=32, </a:t>
+            </a:r>
+            <a:r>
+              <a:rPr lang="fr-FR" sz="1600" dirty="0" err="1">
+                <a:solidFill>
+                  <a:srgbClr val="61A53A"/>
+                </a:solidFill>
+                <a:latin typeface="Consolas" panose="020B0609020204030204" pitchFamily="49" charset="0"/>
+              </a:rPr>
+              <a:t>kernel_size</a:t>
+            </a:r>
+            <a:r>
+              <a:rPr lang="fr-FR" sz="1600" dirty="0">
+                <a:solidFill>
+                  <a:srgbClr val="61A53A"/>
+                </a:solidFill>
+                <a:latin typeface="Consolas" panose="020B0609020204030204" pitchFamily="49" charset="0"/>
+              </a:rPr>
+              <a:t>=(4, 4),</a:t>
+            </a:r>
+          </a:p>
+          <a:p>
+            <a:r>
+              <a:rPr lang="fr-FR" sz="1600" dirty="0">
+                <a:solidFill>
+                  <a:srgbClr val="61A53A"/>
+                </a:solidFill>
+                <a:latin typeface="Consolas" panose="020B0609020204030204" pitchFamily="49" charset="0"/>
+              </a:rPr>
+              <a:t>                  activation="relu")(x)</a:t>
+            </a:r>
+          </a:p>
+          <a:p>
+            <a:r>
+              <a:rPr lang="fr-FR" sz="1600" dirty="0">
+                <a:solidFill>
+                  <a:srgbClr val="61A53A"/>
+                </a:solidFill>
+                <a:latin typeface="Consolas" panose="020B0609020204030204" pitchFamily="49" charset="0"/>
+              </a:rPr>
+              <a:t>x = layers.MaxPooling2D(</a:t>
+            </a:r>
+            <a:r>
+              <a:rPr lang="fr-FR" sz="1600" dirty="0" err="1">
+                <a:solidFill>
+                  <a:srgbClr val="61A53A"/>
+                </a:solidFill>
+                <a:latin typeface="Consolas" panose="020B0609020204030204" pitchFamily="49" charset="0"/>
+              </a:rPr>
+              <a:t>pool_size</a:t>
+            </a:r>
+            <a:r>
+              <a:rPr lang="fr-FR" sz="1600" dirty="0">
+                <a:solidFill>
+                  <a:srgbClr val="61A53A"/>
+                </a:solidFill>
+                <a:latin typeface="Consolas" panose="020B0609020204030204" pitchFamily="49" charset="0"/>
+              </a:rPr>
+              <a:t>=(2, 2))(x)</a:t>
+            </a:r>
+          </a:p>
+          <a:p>
+            <a:r>
+              <a:rPr lang="fr-FR" sz="1600" dirty="0">
+                <a:solidFill>
+                  <a:srgbClr val="61A53A"/>
+                </a:solidFill>
+                <a:latin typeface="Consolas" panose="020B0609020204030204" pitchFamily="49" charset="0"/>
+              </a:rPr>
+              <a:t>x = layers.Conv2D(</a:t>
+            </a:r>
+            <a:r>
+              <a:rPr lang="fr-FR" sz="1600" dirty="0" err="1">
+                <a:solidFill>
+                  <a:srgbClr val="61A53A"/>
+                </a:solidFill>
+                <a:latin typeface="Consolas" panose="020B0609020204030204" pitchFamily="49" charset="0"/>
+              </a:rPr>
+              <a:t>filters</a:t>
+            </a:r>
+            <a:r>
+              <a:rPr lang="fr-FR" sz="1600" dirty="0">
+                <a:solidFill>
+                  <a:srgbClr val="61A53A"/>
+                </a:solidFill>
+                <a:latin typeface="Consolas" panose="020B0609020204030204" pitchFamily="49" charset="0"/>
+              </a:rPr>
+              <a:t>=32, </a:t>
+            </a:r>
+            <a:r>
+              <a:rPr lang="fr-FR" sz="1600" dirty="0" err="1">
+                <a:solidFill>
+                  <a:srgbClr val="61A53A"/>
+                </a:solidFill>
+                <a:latin typeface="Consolas" panose="020B0609020204030204" pitchFamily="49" charset="0"/>
+              </a:rPr>
+              <a:t>kernel_size</a:t>
+            </a:r>
+            <a:r>
+              <a:rPr lang="fr-FR" sz="1600" dirty="0">
+                <a:solidFill>
+                  <a:srgbClr val="61A53A"/>
+                </a:solidFill>
+                <a:latin typeface="Consolas" panose="020B0609020204030204" pitchFamily="49" charset="0"/>
+              </a:rPr>
+              <a:t>=(4, 4),</a:t>
+            </a:r>
+          </a:p>
+          <a:p>
+            <a:r>
+              <a:rPr lang="fr-FR" sz="1600" dirty="0">
+                <a:solidFill>
+                  <a:srgbClr val="61A53A"/>
+                </a:solidFill>
+                <a:latin typeface="Consolas" panose="020B0609020204030204" pitchFamily="49" charset="0"/>
+              </a:rPr>
+              <a:t>                  activation="relu")(x)</a:t>
+            </a:r>
+          </a:p>
+          <a:p>
+            <a:r>
+              <a:rPr lang="fr-FR" sz="1600" dirty="0">
+                <a:solidFill>
+                  <a:srgbClr val="61A53A"/>
+                </a:solidFill>
+                <a:latin typeface="Consolas" panose="020B0609020204030204" pitchFamily="49" charset="0"/>
+              </a:rPr>
+              <a:t>x = </a:t>
+            </a:r>
+            <a:r>
+              <a:rPr lang="fr-FR" sz="1600" dirty="0" err="1">
+                <a:solidFill>
+                  <a:srgbClr val="61A53A"/>
+                </a:solidFill>
+                <a:latin typeface="Consolas" panose="020B0609020204030204" pitchFamily="49" charset="0"/>
+              </a:rPr>
+              <a:t>layers.Dropout</a:t>
+            </a:r>
+            <a:r>
+              <a:rPr lang="fr-FR" sz="1600" dirty="0">
+                <a:solidFill>
+                  <a:srgbClr val="61A53A"/>
+                </a:solidFill>
+                <a:latin typeface="Consolas" panose="020B0609020204030204" pitchFamily="49" charset="0"/>
+              </a:rPr>
+              <a:t>(0.3, </a:t>
+            </a:r>
+            <a:r>
+              <a:rPr lang="fr-FR" sz="1600" dirty="0" err="1">
+                <a:solidFill>
+                  <a:srgbClr val="61A53A"/>
+                </a:solidFill>
+                <a:latin typeface="Consolas" panose="020B0609020204030204" pitchFamily="49" charset="0"/>
+              </a:rPr>
+              <a:t>seed</a:t>
+            </a:r>
+            <a:r>
+              <a:rPr lang="fr-FR" sz="1600" dirty="0">
+                <a:solidFill>
+                  <a:srgbClr val="61A53A"/>
+                </a:solidFill>
+                <a:latin typeface="Consolas" panose="020B0609020204030204" pitchFamily="49" charset="0"/>
+              </a:rPr>
+              <a:t> = 123)(x)</a:t>
+            </a:r>
+          </a:p>
+          <a:p>
+            <a:r>
+              <a:rPr lang="fr-FR" sz="1600" dirty="0">
+                <a:solidFill>
+                  <a:srgbClr val="61A53A"/>
+                </a:solidFill>
+                <a:latin typeface="Consolas" panose="020B0609020204030204" pitchFamily="49" charset="0"/>
+              </a:rPr>
+              <a:t>x = </a:t>
+            </a:r>
+            <a:r>
+              <a:rPr lang="fr-FR" sz="1600" dirty="0" err="1">
+                <a:solidFill>
+                  <a:srgbClr val="61A53A"/>
+                </a:solidFill>
+                <a:latin typeface="Consolas" panose="020B0609020204030204" pitchFamily="49" charset="0"/>
+              </a:rPr>
+              <a:t>layers.Dropout</a:t>
+            </a:r>
+            <a:r>
+              <a:rPr lang="fr-FR" sz="1600" dirty="0">
+                <a:solidFill>
+                  <a:srgbClr val="61A53A"/>
+                </a:solidFill>
+                <a:latin typeface="Consolas" panose="020B0609020204030204" pitchFamily="49" charset="0"/>
+              </a:rPr>
+              <a:t>(0.3, </a:t>
+            </a:r>
+            <a:r>
+              <a:rPr lang="fr-FR" sz="1600" dirty="0" err="1">
+                <a:solidFill>
+                  <a:srgbClr val="61A53A"/>
+                </a:solidFill>
+                <a:latin typeface="Consolas" panose="020B0609020204030204" pitchFamily="49" charset="0"/>
+              </a:rPr>
+              <a:t>seed</a:t>
+            </a:r>
+            <a:r>
+              <a:rPr lang="fr-FR" sz="1600" dirty="0">
+                <a:solidFill>
+                  <a:srgbClr val="61A53A"/>
+                </a:solidFill>
+                <a:latin typeface="Consolas" panose="020B0609020204030204" pitchFamily="49" charset="0"/>
+              </a:rPr>
+              <a:t> = 123)(x)</a:t>
+            </a:r>
+          </a:p>
+          <a:p>
+            <a:r>
+              <a:rPr lang="fr-FR" sz="1600" dirty="0">
+                <a:solidFill>
+                  <a:srgbClr val="61A53A"/>
+                </a:solidFill>
+                <a:latin typeface="Consolas" panose="020B0609020204030204" pitchFamily="49" charset="0"/>
+              </a:rPr>
+              <a:t>x = layers.GlobalAveragePooling2D()(x)</a:t>
+            </a:r>
+          </a:p>
+          <a:p>
+            <a:r>
+              <a:rPr lang="fr-FR" sz="1600" dirty="0">
+                <a:solidFill>
+                  <a:srgbClr val="61A53A"/>
+                </a:solidFill>
+                <a:latin typeface="Consolas" panose="020B0609020204030204" pitchFamily="49" charset="0"/>
+              </a:rPr>
+              <a:t>outputs = </a:t>
+            </a:r>
+            <a:r>
+              <a:rPr lang="fr-FR" sz="1600" dirty="0" err="1">
+                <a:solidFill>
+                  <a:srgbClr val="61A53A"/>
+                </a:solidFill>
+                <a:latin typeface="Consolas" panose="020B0609020204030204" pitchFamily="49" charset="0"/>
+              </a:rPr>
+              <a:t>layers.Dense</a:t>
+            </a:r>
+            <a:r>
+              <a:rPr lang="fr-FR" sz="1600" dirty="0">
+                <a:solidFill>
+                  <a:srgbClr val="61A53A"/>
+                </a:solidFill>
+                <a:latin typeface="Consolas" panose="020B0609020204030204" pitchFamily="49" charset="0"/>
+              </a:rPr>
+              <a:t>(3, activation="</a:t>
+            </a:r>
+            <a:r>
+              <a:rPr lang="fr-FR" sz="1600" dirty="0" err="1">
+                <a:solidFill>
+                  <a:srgbClr val="61A53A"/>
+                </a:solidFill>
+                <a:latin typeface="Consolas" panose="020B0609020204030204" pitchFamily="49" charset="0"/>
+              </a:rPr>
+              <a:t>softmax</a:t>
+            </a:r>
+            <a:r>
+              <a:rPr lang="fr-FR" sz="1600" dirty="0">
+                <a:solidFill>
+                  <a:srgbClr val="61A53A"/>
+                </a:solidFill>
+                <a:latin typeface="Consolas" panose="020B0609020204030204" pitchFamily="49" charset="0"/>
+              </a:rPr>
+              <a:t>")(x)</a:t>
+            </a:r>
+          </a:p>
+          <a:p>
+            <a:r>
+              <a:rPr lang="fr-FR" sz="1600" dirty="0">
+                <a:solidFill>
+                  <a:srgbClr val="61A53A"/>
+                </a:solidFill>
+                <a:latin typeface="Consolas" panose="020B0609020204030204" pitchFamily="49" charset="0"/>
+              </a:rPr>
+              <a:t>model = </a:t>
+            </a:r>
+            <a:r>
+              <a:rPr lang="fr-FR" sz="1600" dirty="0" err="1">
+                <a:solidFill>
+                  <a:srgbClr val="61A53A"/>
+                </a:solidFill>
+                <a:latin typeface="Consolas" panose="020B0609020204030204" pitchFamily="49" charset="0"/>
+              </a:rPr>
+              <a:t>keras.Model</a:t>
+            </a:r>
+            <a:r>
+              <a:rPr lang="fr-FR" sz="1600" dirty="0">
+                <a:solidFill>
+                  <a:srgbClr val="61A53A"/>
+                </a:solidFill>
+                <a:latin typeface="Consolas" panose="020B0609020204030204" pitchFamily="49" charset="0"/>
+              </a:rPr>
+              <a:t>(inputs=inputs, outputs=outputs)</a:t>
+            </a:r>
+          </a:p>
+        </p:txBody>
+      </p:sp>
     </p:spTree>
     <p:extLst>
       <p:ext uri="{BB962C8B-B14F-4D97-AF65-F5344CB8AC3E}">
-        <p14:creationId xmlns:p14="http://schemas.microsoft.com/office/powerpoint/2010/main" val="2584678238"/>
+        <p14:creationId xmlns:p14="http://schemas.microsoft.com/office/powerpoint/2010/main" val="4110192676"/>
       </p:ext>
     </p:extLst>
   </p:cSld>
@@ -6909,10 +8933,10 @@
         </p:nvGrpSpPr>
         <p:grpSpPr>
           <a:xfrm>
-            <a:off x="389204" y="177835"/>
-            <a:ext cx="11413592" cy="400110"/>
-            <a:chOff x="389204" y="177835"/>
-            <a:chExt cx="11413592" cy="400110"/>
+            <a:off x="389204" y="147058"/>
+            <a:ext cx="11413592" cy="461665"/>
+            <a:chOff x="389204" y="147058"/>
+            <a:chExt cx="11413592" cy="461665"/>
           </a:xfrm>
         </p:grpSpPr>
         <p:sp>
@@ -7101,8 +9125,8 @@
           </p:nvSpPr>
           <p:spPr>
             <a:xfrm>
-              <a:off x="5350124" y="177835"/>
-              <a:ext cx="1617559" cy="400110"/>
+              <a:off x="5222397" y="147058"/>
+              <a:ext cx="1873013" cy="461665"/>
             </a:xfrm>
             <a:prstGeom prst="rect">
               <a:avLst/>
@@ -7117,7 +9141,7 @@
             <a:p>
               <a:pPr algn="ctr"/>
               <a:r>
-                <a:rPr lang="fr-FR" sz="2000" cap="small" dirty="0">
+                <a:rPr lang="fr-FR" sz="2400" b="1" cap="small" dirty="0">
                   <a:solidFill>
                     <a:schemeClr val="bg1"/>
                   </a:solidFill>
@@ -7125,7 +9149,7 @@
                 </a:rPr>
                 <a:t>Méthodologie</a:t>
               </a:r>
-              <a:endParaRPr lang="fr-FR" cap="small" dirty="0">
+              <a:endParaRPr lang="fr-FR" sz="2000" b="1" cap="small" dirty="0">
                 <a:solidFill>
                   <a:schemeClr val="bg1"/>
                 </a:solidFill>
@@ -7415,10 +9439,148 @@
           </p:txBody>
         </p:sp>
       </p:grpSp>
+      <p:sp>
+        <p:nvSpPr>
+          <p:cNvPr id="21" name="ZoneTexte 20">
+            <a:extLst>
+              <a:ext uri="{FF2B5EF4-FFF2-40B4-BE49-F238E27FC236}">
+                <a16:creationId xmlns:a16="http://schemas.microsoft.com/office/drawing/2014/main" id="{0695CCF8-5151-47C8-90E9-98F7E6E3B3EC}"/>
+              </a:ext>
+            </a:extLst>
+          </p:cNvPr>
+          <p:cNvSpPr txBox="1"/>
+          <p:nvPr/>
+        </p:nvSpPr>
+        <p:spPr>
+          <a:xfrm>
+            <a:off x="961052" y="1822385"/>
+            <a:ext cx="4156074" cy="3045449"/>
+          </a:xfrm>
+          <a:prstGeom prst="rect">
+            <a:avLst/>
+          </a:prstGeom>
+          <a:noFill/>
+        </p:spPr>
+        <p:txBody>
+          <a:bodyPr wrap="none" rtlCol="0">
+            <a:spAutoFit/>
+          </a:bodyPr>
+          <a:lstStyle/>
+          <a:p>
+            <a:pPr marL="457200" indent="-457200">
+              <a:lnSpc>
+                <a:spcPct val="250000"/>
+              </a:lnSpc>
+              <a:buFont typeface="Arial" panose="020B0604020202020204" pitchFamily="34" charset="0"/>
+              <a:buChar char="•"/>
+            </a:pPr>
+            <a:r>
+              <a:rPr lang="fr-FR" sz="2000" dirty="0">
+                <a:latin typeface="+mj-lt"/>
+              </a:rPr>
+              <a:t>Échantillon d’apprentissage (80 %)</a:t>
+            </a:r>
+          </a:p>
+          <a:p>
+            <a:pPr marL="457200" indent="-457200">
+              <a:lnSpc>
+                <a:spcPct val="250000"/>
+              </a:lnSpc>
+              <a:buFont typeface="Arial" panose="020B0604020202020204" pitchFamily="34" charset="0"/>
+              <a:buChar char="•"/>
+            </a:pPr>
+            <a:r>
+              <a:rPr lang="fr-FR" sz="2000" dirty="0">
+                <a:latin typeface="+mj-lt"/>
+              </a:rPr>
+              <a:t>Échantillon de validation (20 %)</a:t>
+            </a:r>
+          </a:p>
+          <a:p>
+            <a:pPr marL="457200" indent="-457200">
+              <a:lnSpc>
+                <a:spcPct val="250000"/>
+              </a:lnSpc>
+              <a:buFont typeface="Arial" panose="020B0604020202020204" pitchFamily="34" charset="0"/>
+              <a:buChar char="•"/>
+            </a:pPr>
+            <a:r>
+              <a:rPr lang="fr-FR" sz="2000" dirty="0">
+                <a:latin typeface="+mj-lt"/>
+              </a:rPr>
+              <a:t>20 cycles itératifs (</a:t>
+            </a:r>
+            <a:r>
+              <a:rPr lang="fr-FR" sz="2000" i="1" dirty="0">
+                <a:latin typeface="+mj-lt"/>
+              </a:rPr>
+              <a:t>epochs</a:t>
+            </a:r>
+            <a:r>
+              <a:rPr lang="fr-FR" sz="2000" dirty="0">
+                <a:latin typeface="+mj-lt"/>
+              </a:rPr>
+              <a:t>)</a:t>
+            </a:r>
+          </a:p>
+          <a:p>
+            <a:pPr marL="457200" indent="-457200">
+              <a:lnSpc>
+                <a:spcPct val="250000"/>
+              </a:lnSpc>
+              <a:buFont typeface="Arial" panose="020B0604020202020204" pitchFamily="34" charset="0"/>
+              <a:buChar char="•"/>
+            </a:pPr>
+            <a:endParaRPr lang="fr-FR" sz="2000" dirty="0">
+              <a:latin typeface="+mj-lt"/>
+            </a:endParaRPr>
+          </a:p>
+        </p:txBody>
+      </p:sp>
+      <p:sp>
+        <p:nvSpPr>
+          <p:cNvPr id="22" name="ZoneTexte 21">
+            <a:extLst>
+              <a:ext uri="{FF2B5EF4-FFF2-40B4-BE49-F238E27FC236}">
+                <a16:creationId xmlns:a16="http://schemas.microsoft.com/office/drawing/2014/main" id="{96F1E696-815D-4F72-B787-82EC7F96C7CB}"/>
+              </a:ext>
+            </a:extLst>
+          </p:cNvPr>
+          <p:cNvSpPr txBox="1"/>
+          <p:nvPr/>
+        </p:nvSpPr>
+        <p:spPr>
+          <a:xfrm>
+            <a:off x="961052" y="1121167"/>
+            <a:ext cx="4701480" cy="461665"/>
+          </a:xfrm>
+          <a:prstGeom prst="rect">
+            <a:avLst/>
+          </a:prstGeom>
+          <a:noFill/>
+        </p:spPr>
+        <p:txBody>
+          <a:bodyPr wrap="none" rtlCol="0">
+            <a:spAutoFit/>
+          </a:bodyPr>
+          <a:lstStyle/>
+          <a:p>
+            <a:r>
+              <a:rPr lang="fr-FR" sz="2400" cap="small" dirty="0">
+                <a:latin typeface="+mj-lt"/>
+              </a:rPr>
+              <a:t>Entraînement et validation du modèle</a:t>
+            </a:r>
+            <a:endParaRPr lang="fr-FR" sz="2000" cap="small" dirty="0">
+              <a:latin typeface="+mj-lt"/>
+            </a:endParaRPr>
+          </a:p>
+        </p:txBody>
+      </p:sp>
     </p:spTree>
     <p:extLst>
       <p:ext uri="{BB962C8B-B14F-4D97-AF65-F5344CB8AC3E}">
-        <p14:creationId xmlns:p14="http://schemas.microsoft.com/office/powerpoint/2010/main" val="3892436992"/>
+        <p14:creationId xmlns:p14="http://schemas.microsoft.com/office/powerpoint/2010/main" val="663149631"/>
       </p:ext>
     </p:extLst>
   </p:cSld>
@@ -7547,10 +9709,10 @@
         </p:nvGrpSpPr>
         <p:grpSpPr>
           <a:xfrm>
-            <a:off x="389204" y="177835"/>
-            <a:ext cx="11413592" cy="400110"/>
-            <a:chOff x="389204" y="177835"/>
-            <a:chExt cx="11413592" cy="400110"/>
+            <a:off x="389204" y="147058"/>
+            <a:ext cx="11413592" cy="461665"/>
+            <a:chOff x="389204" y="147058"/>
+            <a:chExt cx="11413592" cy="461665"/>
           </a:xfrm>
         </p:grpSpPr>
         <p:sp>
@@ -7825,8 +9987,8 @@
           </p:nvSpPr>
           <p:spPr>
             <a:xfrm>
-              <a:off x="8182123" y="177835"/>
-              <a:ext cx="1088375" cy="400110"/>
+              <a:off x="8102999" y="147058"/>
+              <a:ext cx="1246623" cy="461665"/>
             </a:xfrm>
             <a:prstGeom prst="rect">
               <a:avLst/>
@@ -7841,7 +10003,7 @@
             <a:p>
               <a:pPr algn="ctr"/>
               <a:r>
-                <a:rPr lang="fr-FR" sz="2000" cap="small" dirty="0">
+                <a:rPr lang="fr-FR" sz="2400" b="1" cap="small" dirty="0">
                   <a:solidFill>
                     <a:schemeClr val="bg1"/>
                   </a:solidFill>
@@ -7849,7 +10011,7 @@
                 </a:rPr>
                 <a:t>Résultats</a:t>
               </a:r>
-              <a:endParaRPr lang="fr-FR" cap="small" dirty="0">
+              <a:endParaRPr lang="fr-FR" b="1" cap="small" dirty="0">
                 <a:solidFill>
                   <a:schemeClr val="bg1"/>
                 </a:solidFill>
@@ -8053,10 +10215,187 @@
           </p:txBody>
         </p:sp>
       </p:grpSp>
+      <p:sp>
+        <p:nvSpPr>
+          <p:cNvPr id="21" name="ZoneTexte 20">
+            <a:extLst>
+              <a:ext uri="{FF2B5EF4-FFF2-40B4-BE49-F238E27FC236}">
+                <a16:creationId xmlns:a16="http://schemas.microsoft.com/office/drawing/2014/main" id="{9A3583B9-D707-40A2-BB99-15A51867E2AE}"/>
+              </a:ext>
+            </a:extLst>
+          </p:cNvPr>
+          <p:cNvSpPr txBox="1"/>
+          <p:nvPr/>
+        </p:nvSpPr>
+        <p:spPr>
+          <a:xfrm>
+            <a:off x="961052" y="1121167"/>
+            <a:ext cx="3515001" cy="461665"/>
+          </a:xfrm>
+          <a:prstGeom prst="rect">
+            <a:avLst/>
+          </a:prstGeom>
+          <a:noFill/>
+        </p:spPr>
+        <p:txBody>
+          <a:bodyPr wrap="none" rtlCol="0">
+            <a:spAutoFit/>
+          </a:bodyPr>
+          <a:lstStyle/>
+          <a:p>
+            <a:r>
+              <a:rPr lang="fr-FR" sz="2400" cap="small" dirty="0">
+                <a:latin typeface="+mj-lt"/>
+              </a:rPr>
+              <a:t>Confrontation des résultats</a:t>
+            </a:r>
+            <a:endParaRPr lang="fr-FR" sz="2000" cap="small" dirty="0">
+              <a:latin typeface="+mj-lt"/>
+            </a:endParaRPr>
+          </a:p>
+        </p:txBody>
+      </p:sp>
+      <p:pic>
+        <p:nvPicPr>
+          <p:cNvPr id="3" name="Image 2">
+            <a:extLst>
+              <a:ext uri="{FF2B5EF4-FFF2-40B4-BE49-F238E27FC236}">
+                <a16:creationId xmlns:a16="http://schemas.microsoft.com/office/drawing/2014/main" id="{C71B8DFF-BD08-461F-8F58-597FAAB3E144}"/>
+              </a:ext>
+            </a:extLst>
+          </p:cNvPr>
+          <p:cNvPicPr>
+            <a:picLocks noChangeAspect="1"/>
+          </p:cNvPicPr>
+          <p:nvPr/>
+        </p:nvPicPr>
+        <p:blipFill>
+          <a:blip r:embed="rId7">
+            <a:extLst>
+              <a:ext uri="{28A0092B-C50C-407E-A947-70E740481C1C}">
+                <a14:useLocalDpi xmlns:a14="http://schemas.microsoft.com/office/drawing/2010/main" val="0"/>
+              </a:ext>
+            </a:extLst>
+          </a:blip>
+          <a:stretch>
+            <a:fillRect/>
+          </a:stretch>
+        </p:blipFill>
+        <p:spPr>
+          <a:xfrm>
+            <a:off x="6316385" y="1822385"/>
+            <a:ext cx="5486411" cy="3657607"/>
+          </a:xfrm>
+          <a:prstGeom prst="rect">
+            <a:avLst/>
+          </a:prstGeom>
+        </p:spPr>
+      </p:pic>
+      <p:sp>
+        <p:nvSpPr>
+          <p:cNvPr id="23" name="ZoneTexte 22">
+            <a:extLst>
+              <a:ext uri="{FF2B5EF4-FFF2-40B4-BE49-F238E27FC236}">
+                <a16:creationId xmlns:a16="http://schemas.microsoft.com/office/drawing/2014/main" id="{8E01B494-50FE-46B4-A84F-859920A3792D}"/>
+              </a:ext>
+            </a:extLst>
+          </p:cNvPr>
+          <p:cNvSpPr txBox="1"/>
+          <p:nvPr/>
+        </p:nvSpPr>
+        <p:spPr>
+          <a:xfrm>
+            <a:off x="961052" y="1822385"/>
+            <a:ext cx="1031051" cy="3814890"/>
+          </a:xfrm>
+          <a:prstGeom prst="rect">
+            <a:avLst/>
+          </a:prstGeom>
+          <a:noFill/>
+        </p:spPr>
+        <p:txBody>
+          <a:bodyPr wrap="none" rtlCol="0">
+            <a:spAutoFit/>
+          </a:bodyPr>
+          <a:lstStyle/>
+          <a:p>
+            <a:pPr marL="457200" indent="-457200">
+              <a:lnSpc>
+                <a:spcPct val="250000"/>
+              </a:lnSpc>
+              <a:buFont typeface="Arial" panose="020B0604020202020204" pitchFamily="34" charset="0"/>
+              <a:buChar char="•"/>
+            </a:pPr>
+            <a:r>
+              <a:rPr lang="fr-FR" sz="2000" dirty="0">
+                <a:latin typeface="+mj-lt"/>
+              </a:rPr>
+              <a:t>___</a:t>
+            </a:r>
+          </a:p>
+          <a:p>
+            <a:pPr marL="457200" indent="-457200">
+              <a:lnSpc>
+                <a:spcPct val="250000"/>
+              </a:lnSpc>
+              <a:buFont typeface="Arial" panose="020B0604020202020204" pitchFamily="34" charset="0"/>
+              <a:buChar char="•"/>
+            </a:pPr>
+            <a:r>
+              <a:rPr lang="fr-FR" sz="2000" dirty="0">
+                <a:latin typeface="+mj-lt"/>
+              </a:rPr>
+              <a:t>___</a:t>
+            </a:r>
+          </a:p>
+          <a:p>
+            <a:pPr marL="457200" indent="-457200">
+              <a:lnSpc>
+                <a:spcPct val="250000"/>
+              </a:lnSpc>
+              <a:buFont typeface="Arial" panose="020B0604020202020204" pitchFamily="34" charset="0"/>
+              <a:buChar char="•"/>
+            </a:pPr>
+            <a:r>
+              <a:rPr lang="fr-FR" sz="2000" dirty="0">
+                <a:latin typeface="+mj-lt"/>
+              </a:rPr>
+              <a:t>___</a:t>
+            </a:r>
+          </a:p>
+          <a:p>
+            <a:pPr marL="457200" indent="-457200">
+              <a:lnSpc>
+                <a:spcPct val="250000"/>
+              </a:lnSpc>
+              <a:buFont typeface="Arial" panose="020B0604020202020204" pitchFamily="34" charset="0"/>
+              <a:buChar char="•"/>
+            </a:pPr>
+            <a:r>
+              <a:rPr lang="fr-FR" sz="2000" dirty="0">
+                <a:latin typeface="+mj-lt"/>
+              </a:rPr>
+              <a:t>__</a:t>
+            </a:r>
+          </a:p>
+          <a:p>
+            <a:pPr marL="457200" indent="-457200">
+              <a:lnSpc>
+                <a:spcPct val="250000"/>
+              </a:lnSpc>
+              <a:buFont typeface="Arial" panose="020B0604020202020204" pitchFamily="34" charset="0"/>
+              <a:buChar char="•"/>
+            </a:pPr>
+            <a:endParaRPr lang="fr-FR" sz="2000" dirty="0">
+              <a:latin typeface="+mj-lt"/>
+            </a:endParaRPr>
+          </a:p>
+        </p:txBody>
+      </p:sp>
     </p:spTree>
     <p:extLst>
       <p:ext uri="{BB962C8B-B14F-4D97-AF65-F5344CB8AC3E}">
-        <p14:creationId xmlns:p14="http://schemas.microsoft.com/office/powerpoint/2010/main" val="3851774524"/>
+        <p14:creationId xmlns:p14="http://schemas.microsoft.com/office/powerpoint/2010/main" val="3892436992"/>
       </p:ext>
     </p:extLst>
   </p:cSld>
@@ -8694,7 +11033,7 @@
     </p:spTree>
     <p:extLst>
       <p:ext uri="{BB962C8B-B14F-4D97-AF65-F5344CB8AC3E}">
-        <p14:creationId xmlns:p14="http://schemas.microsoft.com/office/powerpoint/2010/main" val="3182612710"/>
+        <p14:creationId xmlns:p14="http://schemas.microsoft.com/office/powerpoint/2010/main" val="3851774524"/>
       </p:ext>
     </p:extLst>
   </p:cSld>

--- a/presentation.pptx
+++ b/presentation.pptx
@@ -281,7 +281,7 @@
           <a:p>
             <a:fld id="{85306858-4264-45D8-BEDE-F8D68C272308}" type="datetimeFigureOut">
               <a:rPr lang="fr-FR" smtClean="0"/>
-              <a:t>19/10/2021</a:t>
+              <a:t>21/10/2021</a:t>
             </a:fld>
             <a:endParaRPr lang="fr-FR"/>
           </a:p>
@@ -479,7 +479,7 @@
           <a:p>
             <a:fld id="{85306858-4264-45D8-BEDE-F8D68C272308}" type="datetimeFigureOut">
               <a:rPr lang="fr-FR" smtClean="0"/>
-              <a:t>19/10/2021</a:t>
+              <a:t>21/10/2021</a:t>
             </a:fld>
             <a:endParaRPr lang="fr-FR"/>
           </a:p>
@@ -687,7 +687,7 @@
           <a:p>
             <a:fld id="{85306858-4264-45D8-BEDE-F8D68C272308}" type="datetimeFigureOut">
               <a:rPr lang="fr-FR" smtClean="0"/>
-              <a:t>19/10/2021</a:t>
+              <a:t>21/10/2021</a:t>
             </a:fld>
             <a:endParaRPr lang="fr-FR"/>
           </a:p>
@@ -885,7 +885,7 @@
           <a:p>
             <a:fld id="{85306858-4264-45D8-BEDE-F8D68C272308}" type="datetimeFigureOut">
               <a:rPr lang="fr-FR" smtClean="0"/>
-              <a:t>19/10/2021</a:t>
+              <a:t>21/10/2021</a:t>
             </a:fld>
             <a:endParaRPr lang="fr-FR"/>
           </a:p>
@@ -1160,7 +1160,7 @@
           <a:p>
             <a:fld id="{85306858-4264-45D8-BEDE-F8D68C272308}" type="datetimeFigureOut">
               <a:rPr lang="fr-FR" smtClean="0"/>
-              <a:t>19/10/2021</a:t>
+              <a:t>21/10/2021</a:t>
             </a:fld>
             <a:endParaRPr lang="fr-FR"/>
           </a:p>
@@ -1425,7 +1425,7 @@
           <a:p>
             <a:fld id="{85306858-4264-45D8-BEDE-F8D68C272308}" type="datetimeFigureOut">
               <a:rPr lang="fr-FR" smtClean="0"/>
-              <a:t>19/10/2021</a:t>
+              <a:t>21/10/2021</a:t>
             </a:fld>
             <a:endParaRPr lang="fr-FR"/>
           </a:p>
@@ -1837,7 +1837,7 @@
           <a:p>
             <a:fld id="{85306858-4264-45D8-BEDE-F8D68C272308}" type="datetimeFigureOut">
               <a:rPr lang="fr-FR" smtClean="0"/>
-              <a:t>19/10/2021</a:t>
+              <a:t>21/10/2021</a:t>
             </a:fld>
             <a:endParaRPr lang="fr-FR"/>
           </a:p>
@@ -1978,7 +1978,7 @@
           <a:p>
             <a:fld id="{85306858-4264-45D8-BEDE-F8D68C272308}" type="datetimeFigureOut">
               <a:rPr lang="fr-FR" smtClean="0"/>
-              <a:t>19/10/2021</a:t>
+              <a:t>21/10/2021</a:t>
             </a:fld>
             <a:endParaRPr lang="fr-FR"/>
           </a:p>
@@ -2091,7 +2091,7 @@
           <a:p>
             <a:fld id="{85306858-4264-45D8-BEDE-F8D68C272308}" type="datetimeFigureOut">
               <a:rPr lang="fr-FR" smtClean="0"/>
-              <a:t>19/10/2021</a:t>
+              <a:t>21/10/2021</a:t>
             </a:fld>
             <a:endParaRPr lang="fr-FR"/>
           </a:p>
@@ -2402,7 +2402,7 @@
           <a:p>
             <a:fld id="{85306858-4264-45D8-BEDE-F8D68C272308}" type="datetimeFigureOut">
               <a:rPr lang="fr-FR" smtClean="0"/>
-              <a:t>19/10/2021</a:t>
+              <a:t>21/10/2021</a:t>
             </a:fld>
             <a:endParaRPr lang="fr-FR"/>
           </a:p>
@@ -2690,7 +2690,7 @@
           <a:p>
             <a:fld id="{85306858-4264-45D8-BEDE-F8D68C272308}" type="datetimeFigureOut">
               <a:rPr lang="fr-FR" smtClean="0"/>
-              <a:t>19/10/2021</a:t>
+              <a:t>21/10/2021</a:t>
             </a:fld>
             <a:endParaRPr lang="fr-FR"/>
           </a:p>
@@ -2931,7 +2931,7 @@
           <a:p>
             <a:fld id="{85306858-4264-45D8-BEDE-F8D68C272308}" type="datetimeFigureOut">
               <a:rPr lang="fr-FR" smtClean="0"/>
-              <a:t>19/10/2021</a:t>
+              <a:t>21/10/2021</a:t>
             </a:fld>
             <a:endParaRPr lang="fr-FR"/>
           </a:p>
@@ -6421,10 +6421,10 @@
       </p:sp>
       <p:pic>
         <p:nvPicPr>
-          <p:cNvPr id="3" name="Image 2">
-            <a:extLst>
-              <a:ext uri="{FF2B5EF4-FFF2-40B4-BE49-F238E27FC236}">
-                <a16:creationId xmlns:a16="http://schemas.microsoft.com/office/drawing/2014/main" id="{C30885B9-C6F4-4DBD-8519-2996CFB2B5B5}"/>
+          <p:cNvPr id="4" name="Image 3">
+            <a:extLst>
+              <a:ext uri="{FF2B5EF4-FFF2-40B4-BE49-F238E27FC236}">
+                <a16:creationId xmlns:a16="http://schemas.microsoft.com/office/drawing/2014/main" id="{EE331B03-F497-4DCD-A521-87B2BD9A87F6}"/>
               </a:ext>
             </a:extLst>
           </p:cNvPr>
@@ -6448,7 +6448,7 @@
         <p:spPr>
           <a:xfrm>
             <a:off x="6714865" y="1822385"/>
-            <a:ext cx="5087931" cy="3391953"/>
+            <a:ext cx="5087931" cy="3391954"/>
           </a:xfrm>
           <a:prstGeom prst="rect">
             <a:avLst/>
@@ -8109,7 +8109,7 @@
         <p:spPr>
           <a:xfrm>
             <a:off x="961052" y="1822385"/>
-            <a:ext cx="1159292" cy="3045449"/>
+            <a:ext cx="4137415" cy="3814890"/>
           </a:xfrm>
           <a:prstGeom prst="rect">
             <a:avLst/>
@@ -8133,7 +8133,7 @@
               <a:rPr lang="fr-FR" sz="2000" dirty="0">
                 <a:latin typeface="+mj-lt"/>
               </a:rPr>
-              <a:t>____</a:t>
+              <a:t>Réduction de l’échelle</a:t>
             </a:r>
           </a:p>
           <a:p>
@@ -8148,7 +8148,7 @@
               <a:rPr lang="fr-FR" sz="2000" dirty="0">
                 <a:latin typeface="+mj-lt"/>
               </a:rPr>
-              <a:t>___</a:t>
+              <a:t>Transformation 2D</a:t>
             </a:r>
           </a:p>
           <a:p>
@@ -8163,8 +8163,20 @@
               <a:rPr lang="fr-FR" sz="2000" dirty="0">
                 <a:latin typeface="+mj-lt"/>
               </a:rPr>
-              <a:t>___</a:t>
-            </a:r>
+              <a:t>Sélection temporaire de neurones</a:t>
+            </a:r>
+          </a:p>
+          <a:p>
+            <a:pPr marL="457200" indent="-457200">
+              <a:lnSpc>
+                <a:spcPct val="250000"/>
+              </a:lnSpc>
+              <a:buFont typeface="Arial" panose="020B0604020202020204" pitchFamily="34" charset="0"/>
+              <a:buChar char="•"/>
+            </a:pPr>
+            <a:endParaRPr lang="fr-FR" sz="2000" dirty="0">
+              <a:latin typeface="+mj-lt"/>
+            </a:endParaRPr>
           </a:p>
           <a:p>
             <a:pPr marL="457200" indent="-457200">
@@ -10255,42 +10267,6 @@
           </a:p>
         </p:txBody>
       </p:sp>
-      <p:pic>
-        <p:nvPicPr>
-          <p:cNvPr id="3" name="Image 2">
-            <a:extLst>
-              <a:ext uri="{FF2B5EF4-FFF2-40B4-BE49-F238E27FC236}">
-                <a16:creationId xmlns:a16="http://schemas.microsoft.com/office/drawing/2014/main" id="{C71B8DFF-BD08-461F-8F58-597FAAB3E144}"/>
-              </a:ext>
-            </a:extLst>
-          </p:cNvPr>
-          <p:cNvPicPr>
-            <a:picLocks noChangeAspect="1"/>
-          </p:cNvPicPr>
-          <p:nvPr/>
-        </p:nvPicPr>
-        <p:blipFill>
-          <a:blip r:embed="rId7">
-            <a:extLst>
-              <a:ext uri="{28A0092B-C50C-407E-A947-70E740481C1C}">
-                <a14:useLocalDpi xmlns:a14="http://schemas.microsoft.com/office/drawing/2010/main" val="0"/>
-              </a:ext>
-            </a:extLst>
-          </a:blip>
-          <a:stretch>
-            <a:fillRect/>
-          </a:stretch>
-        </p:blipFill>
-        <p:spPr>
-          <a:xfrm>
-            <a:off x="6316385" y="1822385"/>
-            <a:ext cx="5486411" cy="3657607"/>
-          </a:xfrm>
-          <a:prstGeom prst="rect">
-            <a:avLst/>
-          </a:prstGeom>
-        </p:spPr>
-      </p:pic>
       <p:sp>
         <p:nvSpPr>
           <p:cNvPr id="23" name="ZoneTexte 22">
@@ -10392,6 +10368,42 @@
           </a:p>
         </p:txBody>
       </p:sp>
+      <p:pic>
+        <p:nvPicPr>
+          <p:cNvPr id="7" name="Image 6">
+            <a:extLst>
+              <a:ext uri="{FF2B5EF4-FFF2-40B4-BE49-F238E27FC236}">
+                <a16:creationId xmlns:a16="http://schemas.microsoft.com/office/drawing/2014/main" id="{4954E5B8-3EC0-442D-B069-315C54F7AC46}"/>
+              </a:ext>
+            </a:extLst>
+          </p:cNvPr>
+          <p:cNvPicPr>
+            <a:picLocks noChangeAspect="1"/>
+          </p:cNvPicPr>
+          <p:nvPr/>
+        </p:nvPicPr>
+        <p:blipFill>
+          <a:blip r:embed="rId7">
+            <a:extLst>
+              <a:ext uri="{28A0092B-C50C-407E-A947-70E740481C1C}">
+                <a14:useLocalDpi xmlns:a14="http://schemas.microsoft.com/office/drawing/2010/main" val="0"/>
+              </a:ext>
+            </a:extLst>
+          </a:blip>
+          <a:stretch>
+            <a:fillRect/>
+          </a:stretch>
+        </p:blipFill>
+        <p:spPr>
+          <a:xfrm>
+            <a:off x="6621361" y="1822385"/>
+            <a:ext cx="5181435" cy="3454290"/>
+          </a:xfrm>
+          <a:prstGeom prst="rect">
+            <a:avLst/>
+          </a:prstGeom>
+        </p:spPr>
+      </p:pic>
     </p:spTree>
     <p:extLst>
       <p:ext uri="{BB962C8B-B14F-4D97-AF65-F5344CB8AC3E}">

--- a/presentation.pptx
+++ b/presentation.pptx
@@ -13,9 +13,11 @@
     <p:sldId id="261" r:id="rId7"/>
     <p:sldId id="267" r:id="rId8"/>
     <p:sldId id="263" r:id="rId9"/>
-    <p:sldId id="264" r:id="rId10"/>
-    <p:sldId id="265" r:id="rId11"/>
-    <p:sldId id="269" r:id="rId12"/>
+    <p:sldId id="271" r:id="rId10"/>
+    <p:sldId id="272" r:id="rId11"/>
+    <p:sldId id="265" r:id="rId12"/>
+    <p:sldId id="273" r:id="rId13"/>
+    <p:sldId id="269" r:id="rId14"/>
   </p:sldIdLst>
   <p:sldSz cx="12192000" cy="6858000"/>
   <p:notesSz cx="6858000" cy="9144000"/>
@@ -281,7 +283,7 @@
           <a:p>
             <a:fld id="{85306858-4264-45D8-BEDE-F8D68C272308}" type="datetimeFigureOut">
               <a:rPr lang="fr-FR" smtClean="0"/>
-              <a:t>21/10/2021</a:t>
+              <a:t>22/10/2021</a:t>
             </a:fld>
             <a:endParaRPr lang="fr-FR"/>
           </a:p>
@@ -479,7 +481,7 @@
           <a:p>
             <a:fld id="{85306858-4264-45D8-BEDE-F8D68C272308}" type="datetimeFigureOut">
               <a:rPr lang="fr-FR" smtClean="0"/>
-              <a:t>21/10/2021</a:t>
+              <a:t>22/10/2021</a:t>
             </a:fld>
             <a:endParaRPr lang="fr-FR"/>
           </a:p>
@@ -687,7 +689,7 @@
           <a:p>
             <a:fld id="{85306858-4264-45D8-BEDE-F8D68C272308}" type="datetimeFigureOut">
               <a:rPr lang="fr-FR" smtClean="0"/>
-              <a:t>21/10/2021</a:t>
+              <a:t>22/10/2021</a:t>
             </a:fld>
             <a:endParaRPr lang="fr-FR"/>
           </a:p>
@@ -885,7 +887,7 @@
           <a:p>
             <a:fld id="{85306858-4264-45D8-BEDE-F8D68C272308}" type="datetimeFigureOut">
               <a:rPr lang="fr-FR" smtClean="0"/>
-              <a:t>21/10/2021</a:t>
+              <a:t>22/10/2021</a:t>
             </a:fld>
             <a:endParaRPr lang="fr-FR"/>
           </a:p>
@@ -1160,7 +1162,7 @@
           <a:p>
             <a:fld id="{85306858-4264-45D8-BEDE-F8D68C272308}" type="datetimeFigureOut">
               <a:rPr lang="fr-FR" smtClean="0"/>
-              <a:t>21/10/2021</a:t>
+              <a:t>22/10/2021</a:t>
             </a:fld>
             <a:endParaRPr lang="fr-FR"/>
           </a:p>
@@ -1425,7 +1427,7 @@
           <a:p>
             <a:fld id="{85306858-4264-45D8-BEDE-F8D68C272308}" type="datetimeFigureOut">
               <a:rPr lang="fr-FR" smtClean="0"/>
-              <a:t>21/10/2021</a:t>
+              <a:t>22/10/2021</a:t>
             </a:fld>
             <a:endParaRPr lang="fr-FR"/>
           </a:p>
@@ -1837,7 +1839,7 @@
           <a:p>
             <a:fld id="{85306858-4264-45D8-BEDE-F8D68C272308}" type="datetimeFigureOut">
               <a:rPr lang="fr-FR" smtClean="0"/>
-              <a:t>21/10/2021</a:t>
+              <a:t>22/10/2021</a:t>
             </a:fld>
             <a:endParaRPr lang="fr-FR"/>
           </a:p>
@@ -1978,7 +1980,7 @@
           <a:p>
             <a:fld id="{85306858-4264-45D8-BEDE-F8D68C272308}" type="datetimeFigureOut">
               <a:rPr lang="fr-FR" smtClean="0"/>
-              <a:t>21/10/2021</a:t>
+              <a:t>22/10/2021</a:t>
             </a:fld>
             <a:endParaRPr lang="fr-FR"/>
           </a:p>
@@ -2091,7 +2093,7 @@
           <a:p>
             <a:fld id="{85306858-4264-45D8-BEDE-F8D68C272308}" type="datetimeFigureOut">
               <a:rPr lang="fr-FR" smtClean="0"/>
-              <a:t>21/10/2021</a:t>
+              <a:t>22/10/2021</a:t>
             </a:fld>
             <a:endParaRPr lang="fr-FR"/>
           </a:p>
@@ -2402,7 +2404,7 @@
           <a:p>
             <a:fld id="{85306858-4264-45D8-BEDE-F8D68C272308}" type="datetimeFigureOut">
               <a:rPr lang="fr-FR" smtClean="0"/>
-              <a:t>21/10/2021</a:t>
+              <a:t>22/10/2021</a:t>
             </a:fld>
             <a:endParaRPr lang="fr-FR"/>
           </a:p>
@@ -2690,7 +2692,7 @@
           <a:p>
             <a:fld id="{85306858-4264-45D8-BEDE-F8D68C272308}" type="datetimeFigureOut">
               <a:rPr lang="fr-FR" smtClean="0"/>
-              <a:t>21/10/2021</a:t>
+              <a:t>22/10/2021</a:t>
             </a:fld>
             <a:endParaRPr lang="fr-FR"/>
           </a:p>
@@ -2931,7 +2933,7 @@
           <a:p>
             <a:fld id="{85306858-4264-45D8-BEDE-F8D68C272308}" type="datetimeFigureOut">
               <a:rPr lang="fr-FR" smtClean="0"/>
-              <a:t>21/10/2021</a:t>
+              <a:t>22/10/2021</a:t>
             </a:fld>
             <a:endParaRPr lang="fr-FR"/>
           </a:p>
@@ -3658,10 +3660,10 @@
         </p:nvGrpSpPr>
         <p:grpSpPr>
           <a:xfrm>
-            <a:off x="389204" y="177835"/>
-            <a:ext cx="11413592" cy="400110"/>
-            <a:chOff x="389204" y="177835"/>
-            <a:chExt cx="11413592" cy="400110"/>
+            <a:off x="389204" y="147058"/>
+            <a:ext cx="11413592" cy="461665"/>
+            <a:chOff x="389204" y="147058"/>
+            <a:chExt cx="11413592" cy="461665"/>
           </a:xfrm>
         </p:grpSpPr>
         <p:sp>
@@ -3936,8 +3938,8 @@
           </p:nvSpPr>
           <p:spPr>
             <a:xfrm>
-              <a:off x="8182123" y="177835"/>
-              <a:ext cx="1088375" cy="400110"/>
+              <a:off x="8102999" y="147058"/>
+              <a:ext cx="1246623" cy="461665"/>
             </a:xfrm>
             <a:prstGeom prst="rect">
               <a:avLst/>
@@ -3952,7 +3954,7 @@
             <a:p>
               <a:pPr algn="ctr"/>
               <a:r>
-                <a:rPr lang="fr-FR" sz="2000" cap="small" dirty="0">
+                <a:rPr lang="fr-FR" sz="2400" b="1" cap="small" dirty="0">
                   <a:solidFill>
                     <a:schemeClr val="bg1"/>
                   </a:solidFill>
@@ -3960,7 +3962,7 @@
                 </a:rPr>
                 <a:t>Résultats</a:t>
               </a:r>
-              <a:endParaRPr lang="fr-FR" cap="small" dirty="0">
+              <a:endParaRPr lang="fr-FR" b="1" cap="small" dirty="0">
                 <a:solidFill>
                   <a:schemeClr val="bg1"/>
                 </a:solidFill>
@@ -4164,10 +4166,187 @@
           </p:txBody>
         </p:sp>
       </p:grpSp>
+      <p:sp>
+        <p:nvSpPr>
+          <p:cNvPr id="21" name="ZoneTexte 20">
+            <a:extLst>
+              <a:ext uri="{FF2B5EF4-FFF2-40B4-BE49-F238E27FC236}">
+                <a16:creationId xmlns:a16="http://schemas.microsoft.com/office/drawing/2014/main" id="{9A3583B9-D707-40A2-BB99-15A51867E2AE}"/>
+              </a:ext>
+            </a:extLst>
+          </p:cNvPr>
+          <p:cNvSpPr txBox="1"/>
+          <p:nvPr/>
+        </p:nvSpPr>
+        <p:spPr>
+          <a:xfrm>
+            <a:off x="961052" y="1121167"/>
+            <a:ext cx="3515001" cy="461665"/>
+          </a:xfrm>
+          <a:prstGeom prst="rect">
+            <a:avLst/>
+          </a:prstGeom>
+          <a:noFill/>
+        </p:spPr>
+        <p:txBody>
+          <a:bodyPr wrap="none" rtlCol="0">
+            <a:spAutoFit/>
+          </a:bodyPr>
+          <a:lstStyle/>
+          <a:p>
+            <a:r>
+              <a:rPr lang="fr-FR" sz="2400" cap="small" dirty="0">
+                <a:latin typeface="+mj-lt"/>
+              </a:rPr>
+              <a:t>Confrontation des résultats</a:t>
+            </a:r>
+            <a:endParaRPr lang="fr-FR" sz="2000" cap="small" dirty="0">
+              <a:latin typeface="+mj-lt"/>
+            </a:endParaRPr>
+          </a:p>
+        </p:txBody>
+      </p:sp>
+      <p:sp>
+        <p:nvSpPr>
+          <p:cNvPr id="23" name="ZoneTexte 22">
+            <a:extLst>
+              <a:ext uri="{FF2B5EF4-FFF2-40B4-BE49-F238E27FC236}">
+                <a16:creationId xmlns:a16="http://schemas.microsoft.com/office/drawing/2014/main" id="{8E01B494-50FE-46B4-A84F-859920A3792D}"/>
+              </a:ext>
+            </a:extLst>
+          </p:cNvPr>
+          <p:cNvSpPr txBox="1"/>
+          <p:nvPr/>
+        </p:nvSpPr>
+        <p:spPr>
+          <a:xfrm>
+            <a:off x="961052" y="1822385"/>
+            <a:ext cx="1031051" cy="3814890"/>
+          </a:xfrm>
+          <a:prstGeom prst="rect">
+            <a:avLst/>
+          </a:prstGeom>
+          <a:noFill/>
+        </p:spPr>
+        <p:txBody>
+          <a:bodyPr wrap="none" rtlCol="0">
+            <a:spAutoFit/>
+          </a:bodyPr>
+          <a:lstStyle/>
+          <a:p>
+            <a:pPr marL="457200" indent="-457200">
+              <a:lnSpc>
+                <a:spcPct val="250000"/>
+              </a:lnSpc>
+              <a:buFont typeface="Arial" panose="020B0604020202020204" pitchFamily="34" charset="0"/>
+              <a:buChar char="•"/>
+            </a:pPr>
+            <a:r>
+              <a:rPr lang="fr-FR" sz="2000" dirty="0">
+                <a:latin typeface="+mj-lt"/>
+              </a:rPr>
+              <a:t>___</a:t>
+            </a:r>
+          </a:p>
+          <a:p>
+            <a:pPr marL="457200" indent="-457200">
+              <a:lnSpc>
+                <a:spcPct val="250000"/>
+              </a:lnSpc>
+              <a:buFont typeface="Arial" panose="020B0604020202020204" pitchFamily="34" charset="0"/>
+              <a:buChar char="•"/>
+            </a:pPr>
+            <a:r>
+              <a:rPr lang="fr-FR" sz="2000" dirty="0">
+                <a:latin typeface="+mj-lt"/>
+              </a:rPr>
+              <a:t>___</a:t>
+            </a:r>
+          </a:p>
+          <a:p>
+            <a:pPr marL="457200" indent="-457200">
+              <a:lnSpc>
+                <a:spcPct val="250000"/>
+              </a:lnSpc>
+              <a:buFont typeface="Arial" panose="020B0604020202020204" pitchFamily="34" charset="0"/>
+              <a:buChar char="•"/>
+            </a:pPr>
+            <a:r>
+              <a:rPr lang="fr-FR" sz="2000" dirty="0">
+                <a:latin typeface="+mj-lt"/>
+              </a:rPr>
+              <a:t>___</a:t>
+            </a:r>
+          </a:p>
+          <a:p>
+            <a:pPr marL="457200" indent="-457200">
+              <a:lnSpc>
+                <a:spcPct val="250000"/>
+              </a:lnSpc>
+              <a:buFont typeface="Arial" panose="020B0604020202020204" pitchFamily="34" charset="0"/>
+              <a:buChar char="•"/>
+            </a:pPr>
+            <a:r>
+              <a:rPr lang="fr-FR" sz="2000" dirty="0">
+                <a:latin typeface="+mj-lt"/>
+              </a:rPr>
+              <a:t>__</a:t>
+            </a:r>
+          </a:p>
+          <a:p>
+            <a:pPr marL="457200" indent="-457200">
+              <a:lnSpc>
+                <a:spcPct val="250000"/>
+              </a:lnSpc>
+              <a:buFont typeface="Arial" panose="020B0604020202020204" pitchFamily="34" charset="0"/>
+              <a:buChar char="•"/>
+            </a:pPr>
+            <a:endParaRPr lang="fr-FR" sz="2000" dirty="0">
+              <a:latin typeface="+mj-lt"/>
+            </a:endParaRPr>
+          </a:p>
+        </p:txBody>
+      </p:sp>
+      <p:pic>
+        <p:nvPicPr>
+          <p:cNvPr id="7" name="Image 6">
+            <a:extLst>
+              <a:ext uri="{FF2B5EF4-FFF2-40B4-BE49-F238E27FC236}">
+                <a16:creationId xmlns:a16="http://schemas.microsoft.com/office/drawing/2014/main" id="{4954E5B8-3EC0-442D-B069-315C54F7AC46}"/>
+              </a:ext>
+            </a:extLst>
+          </p:cNvPr>
+          <p:cNvPicPr>
+            <a:picLocks noChangeAspect="1"/>
+          </p:cNvPicPr>
+          <p:nvPr/>
+        </p:nvPicPr>
+        <p:blipFill>
+          <a:blip r:embed="rId7">
+            <a:extLst>
+              <a:ext uri="{28A0092B-C50C-407E-A947-70E740481C1C}">
+                <a14:useLocalDpi xmlns:a14="http://schemas.microsoft.com/office/drawing/2010/main" val="0"/>
+              </a:ext>
+            </a:extLst>
+          </a:blip>
+          <a:stretch>
+            <a:fillRect/>
+          </a:stretch>
+        </p:blipFill>
+        <p:spPr>
+          <a:xfrm>
+            <a:off x="6386469" y="2595119"/>
+            <a:ext cx="5181435" cy="1823311"/>
+          </a:xfrm>
+          <a:prstGeom prst="rect">
+            <a:avLst/>
+          </a:prstGeom>
+        </p:spPr>
+      </p:pic>
     </p:spTree>
     <p:extLst>
       <p:ext uri="{BB962C8B-B14F-4D97-AF65-F5344CB8AC3E}">
-        <p14:creationId xmlns:p14="http://schemas.microsoft.com/office/powerpoint/2010/main" val="3182612710"/>
+        <p14:creationId xmlns:p14="http://schemas.microsoft.com/office/powerpoint/2010/main" val="702948110"/>
       </p:ext>
     </p:extLst>
   </p:cSld>
@@ -4222,6 +4401,1480 @@
         </p:blipFill>
         <p:spPr>
           <a:xfrm>
+            <a:off x="9395926" y="6257770"/>
+            <a:ext cx="2796073" cy="600230"/>
+          </a:xfrm>
+          <a:prstGeom prst="rect">
+            <a:avLst/>
+          </a:prstGeom>
+        </p:spPr>
+      </p:pic>
+      <p:sp>
+        <p:nvSpPr>
+          <p:cNvPr id="8" name="Rectangle 7">
+            <a:extLst>
+              <a:ext uri="{FF2B5EF4-FFF2-40B4-BE49-F238E27FC236}">
+                <a16:creationId xmlns:a16="http://schemas.microsoft.com/office/drawing/2014/main" id="{FCF996CB-F368-4F5C-9EAF-4B0E08A7DC95}"/>
+              </a:ext>
+            </a:extLst>
+          </p:cNvPr>
+          <p:cNvSpPr/>
+          <p:nvPr/>
+        </p:nvSpPr>
+        <p:spPr>
+          <a:xfrm>
+            <a:off x="0" y="0"/>
+            <a:ext cx="12191999" cy="755780"/>
+          </a:xfrm>
+          <a:prstGeom prst="rect">
+            <a:avLst/>
+          </a:prstGeom>
+          <a:solidFill>
+            <a:srgbClr val="61A53A"/>
+          </a:solidFill>
+          <a:ln>
+            <a:noFill/>
+          </a:ln>
+        </p:spPr>
+        <p:style>
+          <a:lnRef idx="2">
+            <a:schemeClr val="accent1">
+              <a:shade val="50000"/>
+            </a:schemeClr>
+          </a:lnRef>
+          <a:fillRef idx="1">
+            <a:schemeClr val="accent1"/>
+          </a:fillRef>
+          <a:effectRef idx="0">
+            <a:schemeClr val="accent1"/>
+          </a:effectRef>
+          <a:fontRef idx="minor">
+            <a:schemeClr val="lt1"/>
+          </a:fontRef>
+        </p:style>
+        <p:txBody>
+          <a:bodyPr rtlCol="0" anchor="ctr"/>
+          <a:lstStyle/>
+          <a:p>
+            <a:pPr algn="ctr"/>
+            <a:endParaRPr lang="fr-FR"/>
+          </a:p>
+        </p:txBody>
+      </p:sp>
+      <p:grpSp>
+        <p:nvGrpSpPr>
+          <p:cNvPr id="29" name="Groupe 28">
+            <a:extLst>
+              <a:ext uri="{FF2B5EF4-FFF2-40B4-BE49-F238E27FC236}">
+                <a16:creationId xmlns:a16="http://schemas.microsoft.com/office/drawing/2014/main" id="{9A649E15-B5A0-4D14-82D6-F2D50410A646}"/>
+              </a:ext>
+            </a:extLst>
+          </p:cNvPr>
+          <p:cNvGrpSpPr/>
+          <p:nvPr/>
+        </p:nvGrpSpPr>
+        <p:grpSpPr>
+          <a:xfrm>
+            <a:off x="389204" y="147058"/>
+            <a:ext cx="11526764" cy="461665"/>
+            <a:chOff x="389204" y="147058"/>
+            <a:chExt cx="11526764" cy="461665"/>
+          </a:xfrm>
+        </p:grpSpPr>
+        <p:sp>
+          <p:nvSpPr>
+            <p:cNvPr id="13" name="ZoneTexte 12">
+              <a:extLst>
+                <a:ext uri="{FF2B5EF4-FFF2-40B4-BE49-F238E27FC236}">
+                  <a16:creationId xmlns:a16="http://schemas.microsoft.com/office/drawing/2014/main" id="{30AAF4A8-CF22-44A6-8F3F-A384FBBEC01E}"/>
+                </a:ext>
+              </a:extLst>
+            </p:cNvPr>
+            <p:cNvSpPr txBox="1"/>
+            <p:nvPr/>
+          </p:nvSpPr>
+          <p:spPr>
+            <a:xfrm>
+              <a:off x="389204" y="177835"/>
+              <a:ext cx="1501373" cy="400110"/>
+            </a:xfrm>
+            <a:prstGeom prst="rect">
+              <a:avLst/>
+            </a:prstGeom>
+            <a:noFill/>
+          </p:spPr>
+          <p:txBody>
+            <a:bodyPr wrap="none" rtlCol="0" anchor="ctr">
+              <a:spAutoFit/>
+            </a:bodyPr>
+            <a:lstStyle/>
+            <a:p>
+              <a:pPr algn="ctr"/>
+              <a:r>
+                <a:rPr lang="fr-FR" sz="2000" cap="small" dirty="0">
+                  <a:solidFill>
+                    <a:schemeClr val="bg1"/>
+                  </a:solidFill>
+                  <a:latin typeface="+mj-lt"/>
+                </a:rPr>
+                <a:t>Introduction</a:t>
+              </a:r>
+              <a:endParaRPr lang="fr-FR" cap="small" dirty="0">
+                <a:solidFill>
+                  <a:schemeClr val="bg1"/>
+                </a:solidFill>
+                <a:latin typeface="+mj-lt"/>
+              </a:endParaRPr>
+            </a:p>
+          </p:txBody>
+        </p:sp>
+        <p:pic>
+          <p:nvPicPr>
+            <p:cNvPr id="12" name="Graphique 11" descr="Fleur">
+              <a:extLst>
+                <a:ext uri="{FF2B5EF4-FFF2-40B4-BE49-F238E27FC236}">
+                  <a16:creationId xmlns:a16="http://schemas.microsoft.com/office/drawing/2014/main" id="{4D2C7DCA-0FD4-4E8F-8777-D23655D95F5D}"/>
+                </a:ext>
+              </a:extLst>
+            </p:cNvPr>
+            <p:cNvPicPr>
+              <a:picLocks noChangeAspect="1"/>
+            </p:cNvPicPr>
+            <p:nvPr/>
+          </p:nvPicPr>
+          <p:blipFill>
+            <a:blip r:embed="rId3">
+              <a:extLst>
+                <a:ext uri="{28A0092B-C50C-407E-A947-70E740481C1C}">
+                  <a14:useLocalDpi xmlns:a14="http://schemas.microsoft.com/office/drawing/2010/main" val="0"/>
+                </a:ext>
+                <a:ext uri="{96DAC541-7B7A-43D3-8B79-37D633B846F1}">
+                  <asvg:svgBlip xmlns:asvg="http://schemas.microsoft.com/office/drawing/2016/SVG/main" r:embed="rId4"/>
+                </a:ext>
+              </a:extLst>
+            </a:blip>
+            <a:stretch>
+              <a:fillRect/>
+            </a:stretch>
+          </p:blipFill>
+          <p:spPr>
+            <a:xfrm>
+              <a:off x="2340732" y="220825"/>
+              <a:ext cx="314130" cy="314130"/>
+            </a:xfrm>
+            <a:prstGeom prst="rect">
+              <a:avLst/>
+            </a:prstGeom>
+          </p:spPr>
+        </p:pic>
+        <p:sp>
+          <p:nvSpPr>
+            <p:cNvPr id="14" name="ZoneTexte 13">
+              <a:extLst>
+                <a:ext uri="{FF2B5EF4-FFF2-40B4-BE49-F238E27FC236}">
+                  <a16:creationId xmlns:a16="http://schemas.microsoft.com/office/drawing/2014/main" id="{055EB385-473B-4778-87DC-34E03CAF3376}"/>
+                </a:ext>
+              </a:extLst>
+            </p:cNvPr>
+            <p:cNvSpPr txBox="1"/>
+            <p:nvPr/>
+          </p:nvSpPr>
+          <p:spPr>
+            <a:xfrm>
+              <a:off x="3105017" y="177835"/>
+              <a:ext cx="1030667" cy="400110"/>
+            </a:xfrm>
+            <a:prstGeom prst="rect">
+              <a:avLst/>
+            </a:prstGeom>
+            <a:noFill/>
+          </p:spPr>
+          <p:txBody>
+            <a:bodyPr wrap="none" rtlCol="0" anchor="ctr">
+              <a:spAutoFit/>
+            </a:bodyPr>
+            <a:lstStyle/>
+            <a:p>
+              <a:pPr algn="ctr"/>
+              <a:r>
+                <a:rPr lang="fr-FR" sz="2000" cap="small" dirty="0">
+                  <a:solidFill>
+                    <a:schemeClr val="bg1"/>
+                  </a:solidFill>
+                  <a:latin typeface="+mj-lt"/>
+                </a:rPr>
+                <a:t>Données</a:t>
+              </a:r>
+              <a:endParaRPr lang="fr-FR" cap="small" dirty="0">
+                <a:solidFill>
+                  <a:schemeClr val="bg1"/>
+                </a:solidFill>
+                <a:latin typeface="+mj-lt"/>
+              </a:endParaRPr>
+            </a:p>
+          </p:txBody>
+        </p:sp>
+        <p:pic>
+          <p:nvPicPr>
+            <p:cNvPr id="15" name="Graphique 14" descr="Fleur">
+              <a:extLst>
+                <a:ext uri="{FF2B5EF4-FFF2-40B4-BE49-F238E27FC236}">
+                  <a16:creationId xmlns:a16="http://schemas.microsoft.com/office/drawing/2014/main" id="{4E4EE84B-1256-4284-984F-657605E30A13}"/>
+                </a:ext>
+              </a:extLst>
+            </p:cNvPr>
+            <p:cNvPicPr>
+              <a:picLocks noChangeAspect="1"/>
+            </p:cNvPicPr>
+            <p:nvPr/>
+          </p:nvPicPr>
+          <p:blipFill>
+            <a:blip r:embed="rId3">
+              <a:extLst>
+                <a:ext uri="{28A0092B-C50C-407E-A947-70E740481C1C}">
+                  <a14:useLocalDpi xmlns:a14="http://schemas.microsoft.com/office/drawing/2010/main" val="0"/>
+                </a:ext>
+                <a:ext uri="{96DAC541-7B7A-43D3-8B79-37D633B846F1}">
+                  <asvg:svgBlip xmlns:asvg="http://schemas.microsoft.com/office/drawing/2016/SVG/main" r:embed="rId4"/>
+                </a:ext>
+              </a:extLst>
+            </a:blip>
+            <a:stretch>
+              <a:fillRect/>
+            </a:stretch>
+          </p:blipFill>
+          <p:spPr>
+            <a:xfrm>
+              <a:off x="4585839" y="220825"/>
+              <a:ext cx="314130" cy="314130"/>
+            </a:xfrm>
+            <a:prstGeom prst="rect">
+              <a:avLst/>
+            </a:prstGeom>
+          </p:spPr>
+        </p:pic>
+        <p:sp>
+          <p:nvSpPr>
+            <p:cNvPr id="16" name="ZoneTexte 15">
+              <a:extLst>
+                <a:ext uri="{FF2B5EF4-FFF2-40B4-BE49-F238E27FC236}">
+                  <a16:creationId xmlns:a16="http://schemas.microsoft.com/office/drawing/2014/main" id="{05AAF3AF-AAF3-472E-919C-52585E78C58C}"/>
+                </a:ext>
+              </a:extLst>
+            </p:cNvPr>
+            <p:cNvSpPr txBox="1"/>
+            <p:nvPr/>
+          </p:nvSpPr>
+          <p:spPr>
+            <a:xfrm>
+              <a:off x="5350124" y="177835"/>
+              <a:ext cx="1617559" cy="400110"/>
+            </a:xfrm>
+            <a:prstGeom prst="rect">
+              <a:avLst/>
+            </a:prstGeom>
+            <a:noFill/>
+          </p:spPr>
+          <p:txBody>
+            <a:bodyPr wrap="none" rtlCol="0" anchor="ctr">
+              <a:spAutoFit/>
+            </a:bodyPr>
+            <a:lstStyle/>
+            <a:p>
+              <a:pPr algn="ctr"/>
+              <a:r>
+                <a:rPr lang="fr-FR" sz="2000" cap="small" dirty="0">
+                  <a:solidFill>
+                    <a:schemeClr val="bg1"/>
+                  </a:solidFill>
+                  <a:latin typeface="+mj-lt"/>
+                </a:rPr>
+                <a:t>Méthodologie</a:t>
+              </a:r>
+              <a:endParaRPr lang="fr-FR" cap="small" dirty="0">
+                <a:solidFill>
+                  <a:schemeClr val="bg1"/>
+                </a:solidFill>
+                <a:latin typeface="+mj-lt"/>
+              </a:endParaRPr>
+            </a:p>
+          </p:txBody>
+        </p:sp>
+        <p:pic>
+          <p:nvPicPr>
+            <p:cNvPr id="17" name="Graphique 16" descr="Fleur">
+              <a:extLst>
+                <a:ext uri="{FF2B5EF4-FFF2-40B4-BE49-F238E27FC236}">
+                  <a16:creationId xmlns:a16="http://schemas.microsoft.com/office/drawing/2014/main" id="{43CE3428-5A9A-496D-9BC4-E0DA18424B35}"/>
+                </a:ext>
+              </a:extLst>
+            </p:cNvPr>
+            <p:cNvPicPr>
+              <a:picLocks noChangeAspect="1"/>
+            </p:cNvPicPr>
+            <p:nvPr/>
+          </p:nvPicPr>
+          <p:blipFill>
+            <a:blip r:embed="rId3">
+              <a:extLst>
+                <a:ext uri="{28A0092B-C50C-407E-A947-70E740481C1C}">
+                  <a14:useLocalDpi xmlns:a14="http://schemas.microsoft.com/office/drawing/2010/main" val="0"/>
+                </a:ext>
+                <a:ext uri="{96DAC541-7B7A-43D3-8B79-37D633B846F1}">
+                  <asvg:svgBlip xmlns:asvg="http://schemas.microsoft.com/office/drawing/2016/SVG/main" r:embed="rId4"/>
+                </a:ext>
+              </a:extLst>
+            </a:blip>
+            <a:stretch>
+              <a:fillRect/>
+            </a:stretch>
+          </p:blipFill>
+          <p:spPr>
+            <a:xfrm>
+              <a:off x="7417838" y="220825"/>
+              <a:ext cx="314130" cy="314130"/>
+            </a:xfrm>
+            <a:prstGeom prst="rect">
+              <a:avLst/>
+            </a:prstGeom>
+          </p:spPr>
+        </p:pic>
+        <p:sp>
+          <p:nvSpPr>
+            <p:cNvPr id="18" name="ZoneTexte 17">
+              <a:extLst>
+                <a:ext uri="{FF2B5EF4-FFF2-40B4-BE49-F238E27FC236}">
+                  <a16:creationId xmlns:a16="http://schemas.microsoft.com/office/drawing/2014/main" id="{3EDA8A79-7905-4A01-80F7-4B3C4D31FB86}"/>
+                </a:ext>
+              </a:extLst>
+            </p:cNvPr>
+            <p:cNvSpPr txBox="1"/>
+            <p:nvPr/>
+          </p:nvSpPr>
+          <p:spPr>
+            <a:xfrm>
+              <a:off x="8182123" y="177835"/>
+              <a:ext cx="1088375" cy="400110"/>
+            </a:xfrm>
+            <a:prstGeom prst="rect">
+              <a:avLst/>
+            </a:prstGeom>
+            <a:noFill/>
+          </p:spPr>
+          <p:txBody>
+            <a:bodyPr wrap="none" rtlCol="0" anchor="ctr">
+              <a:spAutoFit/>
+            </a:bodyPr>
+            <a:lstStyle/>
+            <a:p>
+              <a:pPr algn="ctr"/>
+              <a:r>
+                <a:rPr lang="fr-FR" sz="2000" cap="small" dirty="0">
+                  <a:solidFill>
+                    <a:schemeClr val="bg1"/>
+                  </a:solidFill>
+                  <a:latin typeface="+mj-lt"/>
+                </a:rPr>
+                <a:t>Résultats</a:t>
+              </a:r>
+              <a:endParaRPr lang="fr-FR" cap="small" dirty="0">
+                <a:solidFill>
+                  <a:schemeClr val="bg1"/>
+                </a:solidFill>
+                <a:latin typeface="+mj-lt"/>
+              </a:endParaRPr>
+            </a:p>
+          </p:txBody>
+        </p:sp>
+        <p:pic>
+          <p:nvPicPr>
+            <p:cNvPr id="19" name="Graphique 18" descr="Fleur">
+              <a:extLst>
+                <a:ext uri="{FF2B5EF4-FFF2-40B4-BE49-F238E27FC236}">
+                  <a16:creationId xmlns:a16="http://schemas.microsoft.com/office/drawing/2014/main" id="{E97D50FA-1726-4AFB-9CDC-0B4A9E8C6087}"/>
+                </a:ext>
+              </a:extLst>
+            </p:cNvPr>
+            <p:cNvPicPr>
+              <a:picLocks noChangeAspect="1"/>
+            </p:cNvPicPr>
+            <p:nvPr/>
+          </p:nvPicPr>
+          <p:blipFill>
+            <a:blip r:embed="rId3">
+              <a:extLst>
+                <a:ext uri="{28A0092B-C50C-407E-A947-70E740481C1C}">
+                  <a14:useLocalDpi xmlns:a14="http://schemas.microsoft.com/office/drawing/2010/main" val="0"/>
+                </a:ext>
+                <a:ext uri="{96DAC541-7B7A-43D3-8B79-37D633B846F1}">
+                  <asvg:svgBlip xmlns:asvg="http://schemas.microsoft.com/office/drawing/2016/SVG/main" r:embed="rId4"/>
+                </a:ext>
+              </a:extLst>
+            </a:blip>
+            <a:stretch>
+              <a:fillRect/>
+            </a:stretch>
+          </p:blipFill>
+          <p:spPr>
+            <a:xfrm>
+              <a:off x="9720653" y="220825"/>
+              <a:ext cx="314130" cy="314130"/>
+            </a:xfrm>
+            <a:prstGeom prst="rect">
+              <a:avLst/>
+            </a:prstGeom>
+          </p:spPr>
+        </p:pic>
+        <p:sp>
+          <p:nvSpPr>
+            <p:cNvPr id="20" name="ZoneTexte 19">
+              <a:extLst>
+                <a:ext uri="{FF2B5EF4-FFF2-40B4-BE49-F238E27FC236}">
+                  <a16:creationId xmlns:a16="http://schemas.microsoft.com/office/drawing/2014/main" id="{AEBF759D-5C10-429A-9FF9-D4F831590151}"/>
+                </a:ext>
+              </a:extLst>
+            </p:cNvPr>
+            <p:cNvSpPr txBox="1"/>
+            <p:nvPr/>
+          </p:nvSpPr>
+          <p:spPr>
+            <a:xfrm>
+              <a:off x="10371764" y="147058"/>
+              <a:ext cx="1544204" cy="461665"/>
+            </a:xfrm>
+            <a:prstGeom prst="rect">
+              <a:avLst/>
+            </a:prstGeom>
+            <a:noFill/>
+          </p:spPr>
+          <p:txBody>
+            <a:bodyPr wrap="none" rtlCol="0" anchor="ctr">
+              <a:spAutoFit/>
+            </a:bodyPr>
+            <a:lstStyle/>
+            <a:p>
+              <a:pPr algn="ctr"/>
+              <a:r>
+                <a:rPr lang="fr-FR" sz="2400" cap="small" dirty="0">
+                  <a:solidFill>
+                    <a:schemeClr val="bg1"/>
+                  </a:solidFill>
+                  <a:latin typeface="+mj-lt"/>
+                </a:rPr>
+                <a:t>Conclusion</a:t>
+              </a:r>
+              <a:endParaRPr lang="fr-FR" sz="2000" cap="small" dirty="0">
+                <a:solidFill>
+                  <a:schemeClr val="bg1"/>
+                </a:solidFill>
+                <a:latin typeface="+mj-lt"/>
+              </a:endParaRPr>
+            </a:p>
+          </p:txBody>
+        </p:sp>
+      </p:grpSp>
+      <p:grpSp>
+        <p:nvGrpSpPr>
+          <p:cNvPr id="26" name="Groupe 25">
+            <a:extLst>
+              <a:ext uri="{FF2B5EF4-FFF2-40B4-BE49-F238E27FC236}">
+                <a16:creationId xmlns:a16="http://schemas.microsoft.com/office/drawing/2014/main" id="{B2F83180-81D8-4A5B-83FA-8D7CC6416E60}"/>
+              </a:ext>
+            </a:extLst>
+          </p:cNvPr>
+          <p:cNvGrpSpPr/>
+          <p:nvPr/>
+        </p:nvGrpSpPr>
+        <p:grpSpPr>
+          <a:xfrm>
+            <a:off x="0" y="6366187"/>
+            <a:ext cx="518003" cy="518003"/>
+            <a:chOff x="0" y="6339996"/>
+            <a:chExt cx="518003" cy="518003"/>
+          </a:xfrm>
+        </p:grpSpPr>
+        <p:pic>
+          <p:nvPicPr>
+            <p:cNvPr id="27" name="Graphique 26" descr="Arbre à feuilles caduques">
+              <a:extLst>
+                <a:ext uri="{FF2B5EF4-FFF2-40B4-BE49-F238E27FC236}">
+                  <a16:creationId xmlns:a16="http://schemas.microsoft.com/office/drawing/2014/main" id="{043EB72D-1EA5-403D-9660-50EB39ACFC27}"/>
+                </a:ext>
+              </a:extLst>
+            </p:cNvPr>
+            <p:cNvPicPr>
+              <a:picLocks noChangeAspect="1"/>
+            </p:cNvPicPr>
+            <p:nvPr/>
+          </p:nvPicPr>
+          <p:blipFill>
+            <a:blip r:embed="rId5">
+              <a:extLst>
+                <a:ext uri="{28A0092B-C50C-407E-A947-70E740481C1C}">
+                  <a14:useLocalDpi xmlns:a14="http://schemas.microsoft.com/office/drawing/2010/main" val="0"/>
+                </a:ext>
+                <a:ext uri="{96DAC541-7B7A-43D3-8B79-37D633B846F1}">
+                  <asvg:svgBlip xmlns:asvg="http://schemas.microsoft.com/office/drawing/2016/SVG/main" r:embed="rId6"/>
+                </a:ext>
+              </a:extLst>
+            </a:blip>
+            <a:stretch>
+              <a:fillRect/>
+            </a:stretch>
+          </p:blipFill>
+          <p:spPr>
+            <a:xfrm>
+              <a:off x="0" y="6339996"/>
+              <a:ext cx="518003" cy="518003"/>
+            </a:xfrm>
+            <a:prstGeom prst="rect">
+              <a:avLst/>
+            </a:prstGeom>
+          </p:spPr>
+        </p:pic>
+        <p:sp>
+          <p:nvSpPr>
+            <p:cNvPr id="28" name="ZoneTexte 27">
+              <a:extLst>
+                <a:ext uri="{FF2B5EF4-FFF2-40B4-BE49-F238E27FC236}">
+                  <a16:creationId xmlns:a16="http://schemas.microsoft.com/office/drawing/2014/main" id="{728E55B0-8123-427C-89D9-BBDCEF7530D2}"/>
+                </a:ext>
+              </a:extLst>
+            </p:cNvPr>
+            <p:cNvSpPr txBox="1"/>
+            <p:nvPr/>
+          </p:nvSpPr>
+          <p:spPr>
+            <a:xfrm>
+              <a:off x="120982" y="6353914"/>
+              <a:ext cx="276038" cy="307777"/>
+            </a:xfrm>
+            <a:prstGeom prst="rect">
+              <a:avLst/>
+            </a:prstGeom>
+            <a:noFill/>
+          </p:spPr>
+          <p:txBody>
+            <a:bodyPr wrap="none" rtlCol="0">
+              <a:spAutoFit/>
+            </a:bodyPr>
+            <a:lstStyle/>
+            <a:p>
+              <a:pPr algn="ctr"/>
+              <a:fld id="{1851A6C7-A760-4DF3-8B19-92C1B6E4E80A}" type="slidenum">
+                <a:rPr lang="fr-FR" sz="1400" b="1" cap="small" smtClean="0">
+                  <a:solidFill>
+                    <a:schemeClr val="bg1"/>
+                  </a:solidFill>
+                  <a:latin typeface="+mj-lt"/>
+                </a:rPr>
+                <a:pPr algn="ctr"/>
+                <a:t>11</a:t>
+              </a:fld>
+              <a:endParaRPr lang="fr-FR" sz="1400" b="1" cap="small" dirty="0">
+                <a:solidFill>
+                  <a:schemeClr val="bg1"/>
+                </a:solidFill>
+                <a:latin typeface="+mj-lt"/>
+              </a:endParaRPr>
+            </a:p>
+          </p:txBody>
+        </p:sp>
+      </p:grpSp>
+      <p:sp>
+        <p:nvSpPr>
+          <p:cNvPr id="21" name="ZoneTexte 20">
+            <a:extLst>
+              <a:ext uri="{FF2B5EF4-FFF2-40B4-BE49-F238E27FC236}">
+                <a16:creationId xmlns:a16="http://schemas.microsoft.com/office/drawing/2014/main" id="{8DBE9CAD-A3B4-4905-9D02-4D4CF6B10629}"/>
+              </a:ext>
+            </a:extLst>
+          </p:cNvPr>
+          <p:cNvSpPr txBox="1"/>
+          <p:nvPr/>
+        </p:nvSpPr>
+        <p:spPr>
+          <a:xfrm>
+            <a:off x="903897" y="755780"/>
+            <a:ext cx="5797869" cy="866071"/>
+          </a:xfrm>
+          <a:prstGeom prst="rect">
+            <a:avLst/>
+          </a:prstGeom>
+          <a:noFill/>
+        </p:spPr>
+        <p:txBody>
+          <a:bodyPr wrap="none" rtlCol="0">
+            <a:spAutoFit/>
+          </a:bodyPr>
+          <a:lstStyle/>
+          <a:p>
+            <a:pPr>
+              <a:lnSpc>
+                <a:spcPct val="250000"/>
+              </a:lnSpc>
+            </a:pPr>
+            <a:r>
+              <a:rPr lang="fr-FR" sz="2400" cap="small" dirty="0">
+                <a:latin typeface="+mj-lt"/>
+              </a:rPr>
+              <a:t>Qu’est-ce qui pourrait expliquer ces résultats ?</a:t>
+            </a:r>
+          </a:p>
+        </p:txBody>
+      </p:sp>
+      <p:sp>
+        <p:nvSpPr>
+          <p:cNvPr id="2" name="ZoneTexte 1">
+            <a:extLst>
+              <a:ext uri="{FF2B5EF4-FFF2-40B4-BE49-F238E27FC236}">
+                <a16:creationId xmlns:a16="http://schemas.microsoft.com/office/drawing/2014/main" id="{F1161A36-B97B-4F54-8155-8FE921DBA68B}"/>
+              </a:ext>
+            </a:extLst>
+          </p:cNvPr>
+          <p:cNvSpPr txBox="1"/>
+          <p:nvPr/>
+        </p:nvSpPr>
+        <p:spPr>
+          <a:xfrm>
+            <a:off x="518003" y="2290195"/>
+            <a:ext cx="10926067" cy="2246769"/>
+          </a:xfrm>
+          <a:prstGeom prst="rect">
+            <a:avLst/>
+          </a:prstGeom>
+          <a:noFill/>
+        </p:spPr>
+        <p:txBody>
+          <a:bodyPr wrap="square" rtlCol="0">
+            <a:spAutoFit/>
+          </a:bodyPr>
+          <a:lstStyle/>
+          <a:p>
+            <a:pPr marL="285750" indent="-285750">
+              <a:buFont typeface="Arial" panose="020B0604020202020204" pitchFamily="34" charset="0"/>
+              <a:buChar char="•"/>
+            </a:pPr>
+            <a:r>
+              <a:rPr lang="fr-FR" sz="2000" dirty="0">
+                <a:latin typeface="+mj-lt"/>
+              </a:rPr>
+              <a:t>Faible diversité d’images (Image test trop pas assez ressemblantes au jeu de données train)</a:t>
+            </a:r>
+          </a:p>
+          <a:p>
+            <a:pPr lvl="1"/>
+            <a:r>
+              <a:rPr lang="fr-FR" sz="1600" dirty="0">
+                <a:latin typeface="+mj-lt"/>
+                <a:sym typeface="Wingdings" panose="05000000000000000000" pitchFamily="2" charset="2"/>
+              </a:rPr>
+              <a:t> Autre : essentiellement des animaux dans la végétation, peut être confondu avec les données dans « Fleur »</a:t>
+            </a:r>
+          </a:p>
+          <a:p>
+            <a:pPr marL="742950" lvl="1" indent="-285750">
+              <a:buFont typeface="Wingdings" panose="05000000000000000000" pitchFamily="2" charset="2"/>
+              <a:buChar char="è"/>
+            </a:pPr>
+            <a:endParaRPr lang="fr-FR" dirty="0">
+              <a:sym typeface="Wingdings" panose="05000000000000000000" pitchFamily="2" charset="2"/>
+            </a:endParaRPr>
+          </a:p>
+          <a:p>
+            <a:pPr marL="742950" lvl="1" indent="-285750">
+              <a:buFont typeface="Wingdings" panose="05000000000000000000" pitchFamily="2" charset="2"/>
+              <a:buChar char="è"/>
+            </a:pPr>
+            <a:endParaRPr lang="fr-FR" dirty="0">
+              <a:sym typeface="Wingdings" panose="05000000000000000000" pitchFamily="2" charset="2"/>
+            </a:endParaRPr>
+          </a:p>
+          <a:p>
+            <a:pPr marL="285750" indent="-285750">
+              <a:buFont typeface="Arial" panose="020B0604020202020204" pitchFamily="34" charset="0"/>
+              <a:buChar char="•"/>
+            </a:pPr>
+            <a:r>
+              <a:rPr lang="fr-FR" sz="2000" dirty="0">
+                <a:latin typeface="+mj-lt"/>
+                <a:sym typeface="Wingdings" panose="05000000000000000000" pitchFamily="2" charset="2"/>
+              </a:rPr>
+              <a:t>Pas assez d’</a:t>
+            </a:r>
+            <a:r>
+              <a:rPr lang="fr-FR" sz="2000" dirty="0" err="1">
+                <a:latin typeface="+mj-lt"/>
+                <a:sym typeface="Wingdings" panose="05000000000000000000" pitchFamily="2" charset="2"/>
+              </a:rPr>
+              <a:t>epochs</a:t>
+            </a:r>
+            <a:r>
+              <a:rPr lang="fr-FR" sz="2000" dirty="0">
+                <a:latin typeface="+mj-lt"/>
+                <a:sym typeface="Wingdings" panose="05000000000000000000" pitchFamily="2" charset="2"/>
+              </a:rPr>
+              <a:t> ou architecture pas assez dense </a:t>
+            </a:r>
+          </a:p>
+          <a:p>
+            <a:pPr marL="742950" lvl="1" indent="-285750">
+              <a:buFont typeface="Wingdings" panose="05000000000000000000" pitchFamily="2" charset="2"/>
+              <a:buChar char="è"/>
+            </a:pPr>
+            <a:r>
+              <a:rPr lang="fr-FR" sz="1600" dirty="0">
+                <a:latin typeface="+mj-lt"/>
+                <a:sym typeface="Wingdings" panose="05000000000000000000" pitchFamily="2" charset="2"/>
+              </a:rPr>
+              <a:t>On voulait maximiser « </a:t>
+            </a:r>
+            <a:r>
+              <a:rPr lang="fr-FR" sz="1600" dirty="0" err="1">
+                <a:latin typeface="+mj-lt"/>
+                <a:sym typeface="Wingdings" panose="05000000000000000000" pitchFamily="2" charset="2"/>
+              </a:rPr>
+              <a:t>computing</a:t>
+            </a:r>
+            <a:r>
+              <a:rPr lang="fr-FR" sz="1600" dirty="0">
+                <a:latin typeface="+mj-lt"/>
+                <a:sym typeface="Wingdings" panose="05000000000000000000" pitchFamily="2" charset="2"/>
+              </a:rPr>
+              <a:t> time » (le temps d’entrainement du modèle et de validation) et « validation </a:t>
+            </a:r>
+            <a:r>
+              <a:rPr lang="fr-FR" sz="1600" dirty="0" err="1">
+                <a:latin typeface="+mj-lt"/>
+                <a:sym typeface="Wingdings" panose="05000000000000000000" pitchFamily="2" charset="2"/>
+              </a:rPr>
+              <a:t>accuracy</a:t>
+            </a:r>
+            <a:r>
+              <a:rPr lang="fr-FR" sz="1600" dirty="0">
+                <a:latin typeface="+mj-lt"/>
+                <a:sym typeface="Wingdings" panose="05000000000000000000" pitchFamily="2" charset="2"/>
+              </a:rPr>
+              <a:t>  »</a:t>
+            </a:r>
+          </a:p>
+          <a:p>
+            <a:pPr marL="742950" lvl="1" indent="-285750">
+              <a:buFont typeface="Wingdings" panose="05000000000000000000" pitchFamily="2" charset="2"/>
+              <a:buChar char="è"/>
+            </a:pPr>
+            <a:endParaRPr lang="fr-FR" sz="1600" dirty="0">
+              <a:latin typeface="+mj-lt"/>
+              <a:sym typeface="Wingdings" panose="05000000000000000000" pitchFamily="2" charset="2"/>
+            </a:endParaRPr>
+          </a:p>
+          <a:p>
+            <a:pPr marL="285750" indent="-285750">
+              <a:buFont typeface="Wingdings" panose="05000000000000000000" pitchFamily="2" charset="2"/>
+              <a:buChar char="è"/>
+            </a:pPr>
+            <a:endParaRPr lang="fr-FR" sz="1600" dirty="0">
+              <a:latin typeface="+mj-lt"/>
+            </a:endParaRPr>
+          </a:p>
+        </p:txBody>
+      </p:sp>
+    </p:spTree>
+    <p:extLst>
+      <p:ext uri="{BB962C8B-B14F-4D97-AF65-F5344CB8AC3E}">
+        <p14:creationId xmlns:p14="http://schemas.microsoft.com/office/powerpoint/2010/main" val="3182612710"/>
+      </p:ext>
+    </p:extLst>
+  </p:cSld>
+  <p:clrMapOvr>
+    <a:masterClrMapping/>
+  </p:clrMapOvr>
+</p:sld>
+</file>
+
+<file path=ppt/slides/slide12.xml><?xml version="1.0" encoding="utf-8"?>
+<p:sld xmlns:a="http://schemas.openxmlformats.org/drawingml/2006/main" xmlns:r="http://schemas.openxmlformats.org/officeDocument/2006/relationships" xmlns:p="http://schemas.openxmlformats.org/presentationml/2006/main">
+  <p:cSld>
+    <p:spTree>
+      <p:nvGrpSpPr>
+        <p:cNvPr id="1" name=""/>
+        <p:cNvGrpSpPr/>
+        <p:nvPr/>
+      </p:nvGrpSpPr>
+      <p:grpSpPr>
+        <a:xfrm>
+          <a:off x="0" y="0"/>
+          <a:ext cx="0" cy="0"/>
+          <a:chOff x="0" y="0"/>
+          <a:chExt cx="0" cy="0"/>
+        </a:xfrm>
+      </p:grpSpPr>
+      <p:pic>
+        <p:nvPicPr>
+          <p:cNvPr id="5" name="Image 4">
+            <a:extLst>
+              <a:ext uri="{FF2B5EF4-FFF2-40B4-BE49-F238E27FC236}">
+                <a16:creationId xmlns:a16="http://schemas.microsoft.com/office/drawing/2014/main" id="{5FD2D5AA-CDB1-49E6-A114-DD9177C972B2}"/>
+              </a:ext>
+            </a:extLst>
+          </p:cNvPr>
+          <p:cNvPicPr>
+            <a:picLocks noChangeAspect="1"/>
+          </p:cNvPicPr>
+          <p:nvPr/>
+        </p:nvPicPr>
+        <p:blipFill>
+          <a:blip r:embed="rId2">
+            <a:extLst>
+              <a:ext uri="{28A0092B-C50C-407E-A947-70E740481C1C}">
+                <a14:useLocalDpi xmlns:a14="http://schemas.microsoft.com/office/drawing/2010/main" val="0"/>
+              </a:ext>
+            </a:extLst>
+          </a:blip>
+          <a:stretch>
+            <a:fillRect/>
+          </a:stretch>
+        </p:blipFill>
+        <p:spPr>
+          <a:xfrm>
+            <a:off x="9395926" y="6257770"/>
+            <a:ext cx="2796073" cy="600230"/>
+          </a:xfrm>
+          <a:prstGeom prst="rect">
+            <a:avLst/>
+          </a:prstGeom>
+        </p:spPr>
+      </p:pic>
+      <p:sp>
+        <p:nvSpPr>
+          <p:cNvPr id="8" name="Rectangle 7">
+            <a:extLst>
+              <a:ext uri="{FF2B5EF4-FFF2-40B4-BE49-F238E27FC236}">
+                <a16:creationId xmlns:a16="http://schemas.microsoft.com/office/drawing/2014/main" id="{FCF996CB-F368-4F5C-9EAF-4B0E08A7DC95}"/>
+              </a:ext>
+            </a:extLst>
+          </p:cNvPr>
+          <p:cNvSpPr/>
+          <p:nvPr/>
+        </p:nvSpPr>
+        <p:spPr>
+          <a:xfrm>
+            <a:off x="0" y="0"/>
+            <a:ext cx="12191999" cy="755780"/>
+          </a:xfrm>
+          <a:prstGeom prst="rect">
+            <a:avLst/>
+          </a:prstGeom>
+          <a:solidFill>
+            <a:srgbClr val="61A53A"/>
+          </a:solidFill>
+          <a:ln>
+            <a:noFill/>
+          </a:ln>
+        </p:spPr>
+        <p:style>
+          <a:lnRef idx="2">
+            <a:schemeClr val="accent1">
+              <a:shade val="50000"/>
+            </a:schemeClr>
+          </a:lnRef>
+          <a:fillRef idx="1">
+            <a:schemeClr val="accent1"/>
+          </a:fillRef>
+          <a:effectRef idx="0">
+            <a:schemeClr val="accent1"/>
+          </a:effectRef>
+          <a:fontRef idx="minor">
+            <a:schemeClr val="lt1"/>
+          </a:fontRef>
+        </p:style>
+        <p:txBody>
+          <a:bodyPr rtlCol="0" anchor="ctr"/>
+          <a:lstStyle/>
+          <a:p>
+            <a:pPr algn="ctr"/>
+            <a:endParaRPr lang="fr-FR"/>
+          </a:p>
+        </p:txBody>
+      </p:sp>
+      <p:grpSp>
+        <p:nvGrpSpPr>
+          <p:cNvPr id="29" name="Groupe 28">
+            <a:extLst>
+              <a:ext uri="{FF2B5EF4-FFF2-40B4-BE49-F238E27FC236}">
+                <a16:creationId xmlns:a16="http://schemas.microsoft.com/office/drawing/2014/main" id="{9A649E15-B5A0-4D14-82D6-F2D50410A646}"/>
+              </a:ext>
+            </a:extLst>
+          </p:cNvPr>
+          <p:cNvGrpSpPr/>
+          <p:nvPr/>
+        </p:nvGrpSpPr>
+        <p:grpSpPr>
+          <a:xfrm>
+            <a:off x="389204" y="147058"/>
+            <a:ext cx="11526764" cy="461665"/>
+            <a:chOff x="389204" y="147058"/>
+            <a:chExt cx="11526764" cy="461665"/>
+          </a:xfrm>
+        </p:grpSpPr>
+        <p:sp>
+          <p:nvSpPr>
+            <p:cNvPr id="13" name="ZoneTexte 12">
+              <a:extLst>
+                <a:ext uri="{FF2B5EF4-FFF2-40B4-BE49-F238E27FC236}">
+                  <a16:creationId xmlns:a16="http://schemas.microsoft.com/office/drawing/2014/main" id="{30AAF4A8-CF22-44A6-8F3F-A384FBBEC01E}"/>
+                </a:ext>
+              </a:extLst>
+            </p:cNvPr>
+            <p:cNvSpPr txBox="1"/>
+            <p:nvPr/>
+          </p:nvSpPr>
+          <p:spPr>
+            <a:xfrm>
+              <a:off x="389204" y="177835"/>
+              <a:ext cx="1501373" cy="400110"/>
+            </a:xfrm>
+            <a:prstGeom prst="rect">
+              <a:avLst/>
+            </a:prstGeom>
+            <a:noFill/>
+          </p:spPr>
+          <p:txBody>
+            <a:bodyPr wrap="none" rtlCol="0" anchor="ctr">
+              <a:spAutoFit/>
+            </a:bodyPr>
+            <a:lstStyle/>
+            <a:p>
+              <a:pPr algn="ctr"/>
+              <a:r>
+                <a:rPr lang="fr-FR" sz="2000" cap="small" dirty="0">
+                  <a:solidFill>
+                    <a:schemeClr val="bg1"/>
+                  </a:solidFill>
+                  <a:latin typeface="+mj-lt"/>
+                </a:rPr>
+                <a:t>Introduction</a:t>
+              </a:r>
+              <a:endParaRPr lang="fr-FR" cap="small" dirty="0">
+                <a:solidFill>
+                  <a:schemeClr val="bg1"/>
+                </a:solidFill>
+                <a:latin typeface="+mj-lt"/>
+              </a:endParaRPr>
+            </a:p>
+          </p:txBody>
+        </p:sp>
+        <p:pic>
+          <p:nvPicPr>
+            <p:cNvPr id="12" name="Graphique 11" descr="Fleur">
+              <a:extLst>
+                <a:ext uri="{FF2B5EF4-FFF2-40B4-BE49-F238E27FC236}">
+                  <a16:creationId xmlns:a16="http://schemas.microsoft.com/office/drawing/2014/main" id="{4D2C7DCA-0FD4-4E8F-8777-D23655D95F5D}"/>
+                </a:ext>
+              </a:extLst>
+            </p:cNvPr>
+            <p:cNvPicPr>
+              <a:picLocks noChangeAspect="1"/>
+            </p:cNvPicPr>
+            <p:nvPr/>
+          </p:nvPicPr>
+          <p:blipFill>
+            <a:blip r:embed="rId3">
+              <a:extLst>
+                <a:ext uri="{28A0092B-C50C-407E-A947-70E740481C1C}">
+                  <a14:useLocalDpi xmlns:a14="http://schemas.microsoft.com/office/drawing/2010/main" val="0"/>
+                </a:ext>
+                <a:ext uri="{96DAC541-7B7A-43D3-8B79-37D633B846F1}">
+                  <asvg:svgBlip xmlns:asvg="http://schemas.microsoft.com/office/drawing/2016/SVG/main" r:embed="rId4"/>
+                </a:ext>
+              </a:extLst>
+            </a:blip>
+            <a:stretch>
+              <a:fillRect/>
+            </a:stretch>
+          </p:blipFill>
+          <p:spPr>
+            <a:xfrm>
+              <a:off x="2340732" y="220825"/>
+              <a:ext cx="314130" cy="314130"/>
+            </a:xfrm>
+            <a:prstGeom prst="rect">
+              <a:avLst/>
+            </a:prstGeom>
+          </p:spPr>
+        </p:pic>
+        <p:sp>
+          <p:nvSpPr>
+            <p:cNvPr id="14" name="ZoneTexte 13">
+              <a:extLst>
+                <a:ext uri="{FF2B5EF4-FFF2-40B4-BE49-F238E27FC236}">
+                  <a16:creationId xmlns:a16="http://schemas.microsoft.com/office/drawing/2014/main" id="{055EB385-473B-4778-87DC-34E03CAF3376}"/>
+                </a:ext>
+              </a:extLst>
+            </p:cNvPr>
+            <p:cNvSpPr txBox="1"/>
+            <p:nvPr/>
+          </p:nvSpPr>
+          <p:spPr>
+            <a:xfrm>
+              <a:off x="3105017" y="177835"/>
+              <a:ext cx="1030667" cy="400110"/>
+            </a:xfrm>
+            <a:prstGeom prst="rect">
+              <a:avLst/>
+            </a:prstGeom>
+            <a:noFill/>
+          </p:spPr>
+          <p:txBody>
+            <a:bodyPr wrap="none" rtlCol="0" anchor="ctr">
+              <a:spAutoFit/>
+            </a:bodyPr>
+            <a:lstStyle/>
+            <a:p>
+              <a:pPr algn="ctr"/>
+              <a:r>
+                <a:rPr lang="fr-FR" sz="2000" cap="small" dirty="0">
+                  <a:solidFill>
+                    <a:schemeClr val="bg1"/>
+                  </a:solidFill>
+                  <a:latin typeface="+mj-lt"/>
+                </a:rPr>
+                <a:t>Données</a:t>
+              </a:r>
+              <a:endParaRPr lang="fr-FR" cap="small" dirty="0">
+                <a:solidFill>
+                  <a:schemeClr val="bg1"/>
+                </a:solidFill>
+                <a:latin typeface="+mj-lt"/>
+              </a:endParaRPr>
+            </a:p>
+          </p:txBody>
+        </p:sp>
+        <p:pic>
+          <p:nvPicPr>
+            <p:cNvPr id="15" name="Graphique 14" descr="Fleur">
+              <a:extLst>
+                <a:ext uri="{FF2B5EF4-FFF2-40B4-BE49-F238E27FC236}">
+                  <a16:creationId xmlns:a16="http://schemas.microsoft.com/office/drawing/2014/main" id="{4E4EE84B-1256-4284-984F-657605E30A13}"/>
+                </a:ext>
+              </a:extLst>
+            </p:cNvPr>
+            <p:cNvPicPr>
+              <a:picLocks noChangeAspect="1"/>
+            </p:cNvPicPr>
+            <p:nvPr/>
+          </p:nvPicPr>
+          <p:blipFill>
+            <a:blip r:embed="rId3">
+              <a:extLst>
+                <a:ext uri="{28A0092B-C50C-407E-A947-70E740481C1C}">
+                  <a14:useLocalDpi xmlns:a14="http://schemas.microsoft.com/office/drawing/2010/main" val="0"/>
+                </a:ext>
+                <a:ext uri="{96DAC541-7B7A-43D3-8B79-37D633B846F1}">
+                  <asvg:svgBlip xmlns:asvg="http://schemas.microsoft.com/office/drawing/2016/SVG/main" r:embed="rId4"/>
+                </a:ext>
+              </a:extLst>
+            </a:blip>
+            <a:stretch>
+              <a:fillRect/>
+            </a:stretch>
+          </p:blipFill>
+          <p:spPr>
+            <a:xfrm>
+              <a:off x="4585839" y="220825"/>
+              <a:ext cx="314130" cy="314130"/>
+            </a:xfrm>
+            <a:prstGeom prst="rect">
+              <a:avLst/>
+            </a:prstGeom>
+          </p:spPr>
+        </p:pic>
+        <p:sp>
+          <p:nvSpPr>
+            <p:cNvPr id="16" name="ZoneTexte 15">
+              <a:extLst>
+                <a:ext uri="{FF2B5EF4-FFF2-40B4-BE49-F238E27FC236}">
+                  <a16:creationId xmlns:a16="http://schemas.microsoft.com/office/drawing/2014/main" id="{05AAF3AF-AAF3-472E-919C-52585E78C58C}"/>
+                </a:ext>
+              </a:extLst>
+            </p:cNvPr>
+            <p:cNvSpPr txBox="1"/>
+            <p:nvPr/>
+          </p:nvSpPr>
+          <p:spPr>
+            <a:xfrm>
+              <a:off x="5350124" y="177835"/>
+              <a:ext cx="1617559" cy="400110"/>
+            </a:xfrm>
+            <a:prstGeom prst="rect">
+              <a:avLst/>
+            </a:prstGeom>
+            <a:noFill/>
+          </p:spPr>
+          <p:txBody>
+            <a:bodyPr wrap="none" rtlCol="0" anchor="ctr">
+              <a:spAutoFit/>
+            </a:bodyPr>
+            <a:lstStyle/>
+            <a:p>
+              <a:pPr algn="ctr"/>
+              <a:r>
+                <a:rPr lang="fr-FR" sz="2000" cap="small" dirty="0">
+                  <a:solidFill>
+                    <a:schemeClr val="bg1"/>
+                  </a:solidFill>
+                  <a:latin typeface="+mj-lt"/>
+                </a:rPr>
+                <a:t>Méthodologie</a:t>
+              </a:r>
+              <a:endParaRPr lang="fr-FR" cap="small" dirty="0">
+                <a:solidFill>
+                  <a:schemeClr val="bg1"/>
+                </a:solidFill>
+                <a:latin typeface="+mj-lt"/>
+              </a:endParaRPr>
+            </a:p>
+          </p:txBody>
+        </p:sp>
+        <p:pic>
+          <p:nvPicPr>
+            <p:cNvPr id="17" name="Graphique 16" descr="Fleur">
+              <a:extLst>
+                <a:ext uri="{FF2B5EF4-FFF2-40B4-BE49-F238E27FC236}">
+                  <a16:creationId xmlns:a16="http://schemas.microsoft.com/office/drawing/2014/main" id="{43CE3428-5A9A-496D-9BC4-E0DA18424B35}"/>
+                </a:ext>
+              </a:extLst>
+            </p:cNvPr>
+            <p:cNvPicPr>
+              <a:picLocks noChangeAspect="1"/>
+            </p:cNvPicPr>
+            <p:nvPr/>
+          </p:nvPicPr>
+          <p:blipFill>
+            <a:blip r:embed="rId3">
+              <a:extLst>
+                <a:ext uri="{28A0092B-C50C-407E-A947-70E740481C1C}">
+                  <a14:useLocalDpi xmlns:a14="http://schemas.microsoft.com/office/drawing/2010/main" val="0"/>
+                </a:ext>
+                <a:ext uri="{96DAC541-7B7A-43D3-8B79-37D633B846F1}">
+                  <asvg:svgBlip xmlns:asvg="http://schemas.microsoft.com/office/drawing/2016/SVG/main" r:embed="rId4"/>
+                </a:ext>
+              </a:extLst>
+            </a:blip>
+            <a:stretch>
+              <a:fillRect/>
+            </a:stretch>
+          </p:blipFill>
+          <p:spPr>
+            <a:xfrm>
+              <a:off x="7417838" y="220825"/>
+              <a:ext cx="314130" cy="314130"/>
+            </a:xfrm>
+            <a:prstGeom prst="rect">
+              <a:avLst/>
+            </a:prstGeom>
+          </p:spPr>
+        </p:pic>
+        <p:sp>
+          <p:nvSpPr>
+            <p:cNvPr id="18" name="ZoneTexte 17">
+              <a:extLst>
+                <a:ext uri="{FF2B5EF4-FFF2-40B4-BE49-F238E27FC236}">
+                  <a16:creationId xmlns:a16="http://schemas.microsoft.com/office/drawing/2014/main" id="{3EDA8A79-7905-4A01-80F7-4B3C4D31FB86}"/>
+                </a:ext>
+              </a:extLst>
+            </p:cNvPr>
+            <p:cNvSpPr txBox="1"/>
+            <p:nvPr/>
+          </p:nvSpPr>
+          <p:spPr>
+            <a:xfrm>
+              <a:off x="8182123" y="177835"/>
+              <a:ext cx="1088375" cy="400110"/>
+            </a:xfrm>
+            <a:prstGeom prst="rect">
+              <a:avLst/>
+            </a:prstGeom>
+            <a:noFill/>
+          </p:spPr>
+          <p:txBody>
+            <a:bodyPr wrap="none" rtlCol="0" anchor="ctr">
+              <a:spAutoFit/>
+            </a:bodyPr>
+            <a:lstStyle/>
+            <a:p>
+              <a:pPr algn="ctr"/>
+              <a:r>
+                <a:rPr lang="fr-FR" sz="2000" cap="small" dirty="0">
+                  <a:solidFill>
+                    <a:schemeClr val="bg1"/>
+                  </a:solidFill>
+                  <a:latin typeface="+mj-lt"/>
+                </a:rPr>
+                <a:t>Résultats</a:t>
+              </a:r>
+              <a:endParaRPr lang="fr-FR" cap="small" dirty="0">
+                <a:solidFill>
+                  <a:schemeClr val="bg1"/>
+                </a:solidFill>
+                <a:latin typeface="+mj-lt"/>
+              </a:endParaRPr>
+            </a:p>
+          </p:txBody>
+        </p:sp>
+        <p:pic>
+          <p:nvPicPr>
+            <p:cNvPr id="19" name="Graphique 18" descr="Fleur">
+              <a:extLst>
+                <a:ext uri="{FF2B5EF4-FFF2-40B4-BE49-F238E27FC236}">
+                  <a16:creationId xmlns:a16="http://schemas.microsoft.com/office/drawing/2014/main" id="{E97D50FA-1726-4AFB-9CDC-0B4A9E8C6087}"/>
+                </a:ext>
+              </a:extLst>
+            </p:cNvPr>
+            <p:cNvPicPr>
+              <a:picLocks noChangeAspect="1"/>
+            </p:cNvPicPr>
+            <p:nvPr/>
+          </p:nvPicPr>
+          <p:blipFill>
+            <a:blip r:embed="rId3">
+              <a:extLst>
+                <a:ext uri="{28A0092B-C50C-407E-A947-70E740481C1C}">
+                  <a14:useLocalDpi xmlns:a14="http://schemas.microsoft.com/office/drawing/2010/main" val="0"/>
+                </a:ext>
+                <a:ext uri="{96DAC541-7B7A-43D3-8B79-37D633B846F1}">
+                  <asvg:svgBlip xmlns:asvg="http://schemas.microsoft.com/office/drawing/2016/SVG/main" r:embed="rId4"/>
+                </a:ext>
+              </a:extLst>
+            </a:blip>
+            <a:stretch>
+              <a:fillRect/>
+            </a:stretch>
+          </p:blipFill>
+          <p:spPr>
+            <a:xfrm>
+              <a:off x="9720653" y="220825"/>
+              <a:ext cx="314130" cy="314130"/>
+            </a:xfrm>
+            <a:prstGeom prst="rect">
+              <a:avLst/>
+            </a:prstGeom>
+          </p:spPr>
+        </p:pic>
+        <p:sp>
+          <p:nvSpPr>
+            <p:cNvPr id="20" name="ZoneTexte 19">
+              <a:extLst>
+                <a:ext uri="{FF2B5EF4-FFF2-40B4-BE49-F238E27FC236}">
+                  <a16:creationId xmlns:a16="http://schemas.microsoft.com/office/drawing/2014/main" id="{AEBF759D-5C10-429A-9FF9-D4F831590151}"/>
+                </a:ext>
+              </a:extLst>
+            </p:cNvPr>
+            <p:cNvSpPr txBox="1"/>
+            <p:nvPr/>
+          </p:nvSpPr>
+          <p:spPr>
+            <a:xfrm>
+              <a:off x="10371763" y="147058"/>
+              <a:ext cx="1544205" cy="461665"/>
+            </a:xfrm>
+            <a:prstGeom prst="rect">
+              <a:avLst/>
+            </a:prstGeom>
+            <a:noFill/>
+          </p:spPr>
+          <p:txBody>
+            <a:bodyPr wrap="none" rtlCol="0" anchor="ctr">
+              <a:spAutoFit/>
+            </a:bodyPr>
+            <a:lstStyle/>
+            <a:p>
+              <a:pPr algn="ctr"/>
+              <a:r>
+                <a:rPr lang="fr-FR" sz="2400" cap="small" dirty="0">
+                  <a:solidFill>
+                    <a:schemeClr val="bg1"/>
+                  </a:solidFill>
+                  <a:latin typeface="+mj-lt"/>
+                </a:rPr>
+                <a:t>Conclusion</a:t>
+              </a:r>
+              <a:endParaRPr lang="fr-FR" sz="2000" cap="small" dirty="0">
+                <a:solidFill>
+                  <a:schemeClr val="bg1"/>
+                </a:solidFill>
+                <a:latin typeface="+mj-lt"/>
+              </a:endParaRPr>
+            </a:p>
+          </p:txBody>
+        </p:sp>
+      </p:grpSp>
+      <p:grpSp>
+        <p:nvGrpSpPr>
+          <p:cNvPr id="26" name="Groupe 25">
+            <a:extLst>
+              <a:ext uri="{FF2B5EF4-FFF2-40B4-BE49-F238E27FC236}">
+                <a16:creationId xmlns:a16="http://schemas.microsoft.com/office/drawing/2014/main" id="{B2F83180-81D8-4A5B-83FA-8D7CC6416E60}"/>
+              </a:ext>
+            </a:extLst>
+          </p:cNvPr>
+          <p:cNvGrpSpPr/>
+          <p:nvPr/>
+        </p:nvGrpSpPr>
+        <p:grpSpPr>
+          <a:xfrm>
+            <a:off x="0" y="6366187"/>
+            <a:ext cx="518003" cy="518003"/>
+            <a:chOff x="0" y="6339996"/>
+            <a:chExt cx="518003" cy="518003"/>
+          </a:xfrm>
+        </p:grpSpPr>
+        <p:pic>
+          <p:nvPicPr>
+            <p:cNvPr id="27" name="Graphique 26" descr="Arbre à feuilles caduques">
+              <a:extLst>
+                <a:ext uri="{FF2B5EF4-FFF2-40B4-BE49-F238E27FC236}">
+                  <a16:creationId xmlns:a16="http://schemas.microsoft.com/office/drawing/2014/main" id="{043EB72D-1EA5-403D-9660-50EB39ACFC27}"/>
+                </a:ext>
+              </a:extLst>
+            </p:cNvPr>
+            <p:cNvPicPr>
+              <a:picLocks noChangeAspect="1"/>
+            </p:cNvPicPr>
+            <p:nvPr/>
+          </p:nvPicPr>
+          <p:blipFill>
+            <a:blip r:embed="rId5">
+              <a:extLst>
+                <a:ext uri="{28A0092B-C50C-407E-A947-70E740481C1C}">
+                  <a14:useLocalDpi xmlns:a14="http://schemas.microsoft.com/office/drawing/2010/main" val="0"/>
+                </a:ext>
+                <a:ext uri="{96DAC541-7B7A-43D3-8B79-37D633B846F1}">
+                  <asvg:svgBlip xmlns:asvg="http://schemas.microsoft.com/office/drawing/2016/SVG/main" r:embed="rId6"/>
+                </a:ext>
+              </a:extLst>
+            </a:blip>
+            <a:stretch>
+              <a:fillRect/>
+            </a:stretch>
+          </p:blipFill>
+          <p:spPr>
+            <a:xfrm>
+              <a:off x="0" y="6339996"/>
+              <a:ext cx="518003" cy="518003"/>
+            </a:xfrm>
+            <a:prstGeom prst="rect">
+              <a:avLst/>
+            </a:prstGeom>
+          </p:spPr>
+        </p:pic>
+        <p:sp>
+          <p:nvSpPr>
+            <p:cNvPr id="28" name="ZoneTexte 27">
+              <a:extLst>
+                <a:ext uri="{FF2B5EF4-FFF2-40B4-BE49-F238E27FC236}">
+                  <a16:creationId xmlns:a16="http://schemas.microsoft.com/office/drawing/2014/main" id="{728E55B0-8123-427C-89D9-BBDCEF7530D2}"/>
+                </a:ext>
+              </a:extLst>
+            </p:cNvPr>
+            <p:cNvSpPr txBox="1"/>
+            <p:nvPr/>
+          </p:nvSpPr>
+          <p:spPr>
+            <a:xfrm>
+              <a:off x="120982" y="6353914"/>
+              <a:ext cx="276038" cy="307777"/>
+            </a:xfrm>
+            <a:prstGeom prst="rect">
+              <a:avLst/>
+            </a:prstGeom>
+            <a:noFill/>
+          </p:spPr>
+          <p:txBody>
+            <a:bodyPr wrap="none" rtlCol="0">
+              <a:spAutoFit/>
+            </a:bodyPr>
+            <a:lstStyle/>
+            <a:p>
+              <a:pPr algn="ctr"/>
+              <a:fld id="{1851A6C7-A760-4DF3-8B19-92C1B6E4E80A}" type="slidenum">
+                <a:rPr lang="fr-FR" sz="1400" b="1" cap="small" smtClean="0">
+                  <a:solidFill>
+                    <a:schemeClr val="bg1"/>
+                  </a:solidFill>
+                  <a:latin typeface="+mj-lt"/>
+                </a:rPr>
+                <a:pPr algn="ctr"/>
+                <a:t>12</a:t>
+              </a:fld>
+              <a:endParaRPr lang="fr-FR" sz="1400" b="1" cap="small" dirty="0">
+                <a:solidFill>
+                  <a:schemeClr val="bg1"/>
+                </a:solidFill>
+                <a:latin typeface="+mj-lt"/>
+              </a:endParaRPr>
+            </a:p>
+          </p:txBody>
+        </p:sp>
+      </p:grpSp>
+    </p:spTree>
+    <p:extLst>
+      <p:ext uri="{BB962C8B-B14F-4D97-AF65-F5344CB8AC3E}">
+        <p14:creationId xmlns:p14="http://schemas.microsoft.com/office/powerpoint/2010/main" val="653378786"/>
+      </p:ext>
+    </p:extLst>
+  </p:cSld>
+  <p:clrMapOvr>
+    <a:masterClrMapping/>
+  </p:clrMapOvr>
+</p:sld>
+</file>
+
+<file path=ppt/slides/slide13.xml><?xml version="1.0" encoding="utf-8"?>
+<p:sld xmlns:a="http://schemas.openxmlformats.org/drawingml/2006/main" xmlns:r="http://schemas.openxmlformats.org/officeDocument/2006/relationships" xmlns:p="http://schemas.openxmlformats.org/presentationml/2006/main">
+  <p:cSld>
+    <p:spTree>
+      <p:nvGrpSpPr>
+        <p:cNvPr id="1" name=""/>
+        <p:cNvGrpSpPr/>
+        <p:nvPr/>
+      </p:nvGrpSpPr>
+      <p:grpSpPr>
+        <a:xfrm>
+          <a:off x="0" y="0"/>
+          <a:ext cx="0" cy="0"/>
+          <a:chOff x="0" y="0"/>
+          <a:chExt cx="0" cy="0"/>
+        </a:xfrm>
+      </p:grpSpPr>
+      <p:pic>
+        <p:nvPicPr>
+          <p:cNvPr id="5" name="Image 4">
+            <a:extLst>
+              <a:ext uri="{FF2B5EF4-FFF2-40B4-BE49-F238E27FC236}">
+                <a16:creationId xmlns:a16="http://schemas.microsoft.com/office/drawing/2014/main" id="{5FD2D5AA-CDB1-49E6-A114-DD9177C972B2}"/>
+              </a:ext>
+            </a:extLst>
+          </p:cNvPr>
+          <p:cNvPicPr>
+            <a:picLocks noChangeAspect="1"/>
+          </p:cNvPicPr>
+          <p:nvPr/>
+        </p:nvPicPr>
+        <p:blipFill>
+          <a:blip r:embed="rId2">
+            <a:extLst>
+              <a:ext uri="{28A0092B-C50C-407E-A947-70E740481C1C}">
+                <a14:useLocalDpi xmlns:a14="http://schemas.microsoft.com/office/drawing/2010/main" val="0"/>
+              </a:ext>
+            </a:extLst>
+          </a:blip>
+          <a:stretch>
+            <a:fillRect/>
+          </a:stretch>
+        </p:blipFill>
+        <p:spPr>
+          <a:xfrm>
             <a:off x="8784336" y="6126480"/>
             <a:ext cx="3407664" cy="731520"/>
           </a:xfrm>
@@ -4463,7 +6116,7 @@
 </file>
 
 <file path=ppt/slides/slide2.xml><?xml version="1.0" encoding="utf-8"?>
-<p:sld xmlns:a="http://schemas.openxmlformats.org/drawingml/2006/main" xmlns:r="http://schemas.openxmlformats.org/officeDocument/2006/relationships" xmlns:p="http://schemas.openxmlformats.org/presentationml/2006/main">
+<p:sld xmlns:a="http://schemas.openxmlformats.org/drawingml/2006/main" xmlns:r="http://schemas.openxmlformats.org/officeDocument/2006/relationships" xmlns:p="http://schemas.openxmlformats.org/presentationml/2006/main" show="0">
   <p:cSld>
     <p:spTree>
       <p:nvGrpSpPr>
@@ -6387,7 +8040,7 @@
               <a:rPr lang="fr-FR" sz="2000" dirty="0">
                 <a:latin typeface="+mj-lt"/>
               </a:rPr>
-              <a:t>113 images collectées (libres de droit)</a:t>
+              <a:t>4622 images collectées (libres de droit)</a:t>
             </a:r>
           </a:p>
           <a:p>
@@ -6402,7 +8055,19 @@
               <a:rPr lang="fr-FR" sz="2000" i="1" dirty="0">
                 <a:latin typeface="+mj-lt"/>
               </a:rPr>
-              <a:t>Data augmentation</a:t>
+              <a:t>Data augmentation (si </a:t>
+            </a:r>
+            <a:r>
+              <a:rPr lang="fr-FR" sz="2000" i="1" dirty="0" err="1">
+                <a:latin typeface="+mj-lt"/>
+              </a:rPr>
+              <a:t>overfitting</a:t>
+            </a:r>
+            <a:r>
+              <a:rPr lang="fr-FR" sz="2000" i="1" dirty="0">
+                <a:latin typeface="+mj-lt"/>
+              </a:rPr>
+              <a:t>)</a:t>
             </a:r>
           </a:p>
           <a:p>
@@ -7154,7 +8819,7 @@
         <p:spPr>
           <a:xfrm>
             <a:off x="961052" y="1822385"/>
-            <a:ext cx="1478162" cy="2276008"/>
+            <a:ext cx="1463221" cy="1506566"/>
           </a:xfrm>
           <a:prstGeom prst="rect">
             <a:avLst/>
@@ -7194,21 +8859,6 @@
                 <a:latin typeface="+mj-lt"/>
               </a:rPr>
               <a:t>Rotation</a:t>
-            </a:r>
-          </a:p>
-          <a:p>
-            <a:pPr marL="342900" indent="-342900">
-              <a:lnSpc>
-                <a:spcPct val="250000"/>
-              </a:lnSpc>
-              <a:buFont typeface="Arial" panose="020B0604020202020204" pitchFamily="34" charset="0"/>
-              <a:buChar char="•"/>
-            </a:pPr>
-            <a:r>
-              <a:rPr lang="fr-FR" sz="2000" dirty="0">
-                <a:latin typeface="+mj-lt"/>
-              </a:rPr>
-              <a:t>Zoom</a:t>
             </a:r>
           </a:p>
         </p:txBody>
@@ -7301,7 +8951,7 @@
         <p:spPr>
           <a:xfrm>
             <a:off x="961052" y="4413394"/>
-            <a:ext cx="6131807" cy="1323439"/>
+            <a:ext cx="6131807" cy="1077218"/>
           </a:xfrm>
           <a:prstGeom prst="rect">
             <a:avLst/>
@@ -7411,36 +9061,7 @@
                 </a:solidFill>
                 <a:latin typeface="Consolas" panose="020B0609020204030204" pitchFamily="49" charset="0"/>
               </a:rPr>
-              <a:t>(0.2),</a:t>
-            </a:r>
-          </a:p>
-          <a:p>
-            <a:r>
-              <a:rPr lang="fr-FR" sz="1600" dirty="0">
-                <a:solidFill>
-                  <a:srgbClr val="61A53A"/>
-                </a:solidFill>
-                <a:latin typeface="Consolas" panose="020B0609020204030204" pitchFamily="49" charset="0"/>
-              </a:rPr>
-              <a:t>        </a:t>
-            </a:r>
-            <a:r>
-              <a:rPr lang="fr-FR" sz="1600" dirty="0" err="1">
-                <a:solidFill>
-                  <a:srgbClr val="61A53A"/>
-                </a:solidFill>
-                <a:latin typeface="Consolas" panose="020B0609020204030204" pitchFamily="49" charset="0"/>
-              </a:rPr>
-              <a:t>layers.RandomZoom</a:t>
-            </a:r>
-            <a:r>
-              <a:rPr lang="fr-FR" sz="1600" dirty="0">
-                <a:solidFill>
-                  <a:srgbClr val="61A53A"/>
-                </a:solidFill>
-                <a:latin typeface="Consolas" panose="020B0609020204030204" pitchFamily="49" charset="0"/>
-              </a:rPr>
-              <a:t>(.5,.2)</a:t>
+              <a:t>(0.2)</a:t>
             </a:r>
           </a:p>
           <a:p>
@@ -8247,7 +9868,7 @@
         <p:spPr>
           <a:xfrm>
             <a:off x="5323562" y="1582832"/>
-            <a:ext cx="5907386" cy="4278094"/>
+            <a:ext cx="5907386" cy="4031873"/>
           </a:xfrm>
           <a:prstGeom prst="rect">
             <a:avLst/>
@@ -8272,6 +9893,53 @@
                 </a:solidFill>
                 <a:latin typeface="Consolas" panose="020B0609020204030204" pitchFamily="49" charset="0"/>
               </a:rPr>
+              <a:t>inputs = </a:t>
+            </a:r>
+            <a:r>
+              <a:rPr lang="fr-FR" sz="1600" dirty="0" err="1">
+                <a:solidFill>
+                  <a:srgbClr val="61A53A"/>
+                </a:solidFill>
+                <a:latin typeface="Consolas" panose="020B0609020204030204" pitchFamily="49" charset="0"/>
+              </a:rPr>
+              <a:t>keras.Input</a:t>
+            </a:r>
+            <a:r>
+              <a:rPr lang="fr-FR" sz="1600" dirty="0">
+                <a:solidFill>
+                  <a:srgbClr val="61A53A"/>
+                </a:solidFill>
+                <a:latin typeface="Consolas" panose="020B0609020204030204" pitchFamily="49" charset="0"/>
+              </a:rPr>
+              <a:t>(</a:t>
+            </a:r>
+            <a:r>
+              <a:rPr lang="fr-FR" sz="1600" dirty="0" err="1">
+                <a:solidFill>
+                  <a:srgbClr val="61A53A"/>
+                </a:solidFill>
+                <a:latin typeface="Consolas" panose="020B0609020204030204" pitchFamily="49" charset="0"/>
+              </a:rPr>
+              <a:t>shape</a:t>
+            </a:r>
+            <a:r>
+              <a:rPr lang="fr-FR" sz="1600" dirty="0">
+                <a:solidFill>
+                  <a:srgbClr val="61A53A"/>
+                </a:solidFill>
+                <a:latin typeface="Consolas" panose="020B0609020204030204" pitchFamily="49" charset="0"/>
+              </a:rPr>
+              <a:t>=(256,256,3))</a:t>
+            </a:r>
+          </a:p>
+          <a:p>
+            <a:r>
+              <a:rPr lang="fr-FR" sz="1600" dirty="0">
+                <a:solidFill>
+                  <a:srgbClr val="61A53A"/>
+                </a:solidFill>
+                <a:latin typeface="Consolas" panose="020B0609020204030204" pitchFamily="49" charset="0"/>
+              </a:rPr>
               <a:t>x = </a:t>
             </a:r>
             <a:r>
@@ -8319,6 +9987,35 @@
                 </a:solidFill>
                 <a:latin typeface="Consolas" panose="020B0609020204030204" pitchFamily="49" charset="0"/>
               </a:rPr>
+              <a:t>#x = </a:t>
+            </a:r>
+            <a:r>
+              <a:rPr lang="fr-FR" sz="1600" dirty="0" err="1">
+                <a:solidFill>
+                  <a:srgbClr val="61A53A"/>
+                </a:solidFill>
+                <a:latin typeface="Consolas" panose="020B0609020204030204" pitchFamily="49" charset="0"/>
+              </a:rPr>
+              <a:t>data_augmentation</a:t>
+            </a:r>
+            <a:r>
+              <a:rPr lang="fr-FR" sz="1600" dirty="0">
+                <a:solidFill>
+                  <a:srgbClr val="61A53A"/>
+                </a:solidFill>
+                <a:latin typeface="Consolas" panose="020B0609020204030204" pitchFamily="49" charset="0"/>
+              </a:rPr>
+              <a:t>(x)</a:t>
+            </a:r>
+          </a:p>
+          <a:p>
+            <a:r>
+              <a:rPr lang="fr-FR" sz="1600" dirty="0">
+                <a:solidFill>
+                  <a:srgbClr val="61A53A"/>
+                </a:solidFill>
+                <a:latin typeface="Consolas" panose="020B0609020204030204" pitchFamily="49" charset="0"/>
+              </a:rPr>
               <a:t>x = </a:t>
             </a:r>
             <a:r>
@@ -8328,7 +10025,7 @@
                 </a:solidFill>
                 <a:latin typeface="Consolas" panose="020B0609020204030204" pitchFamily="49" charset="0"/>
               </a:rPr>
-              <a:t>data_augmentation</a:t>
+              <a:t>layers.BatchNormalization</a:t>
             </a:r>
             <a:r>
               <a:rPr lang="fr-FR" sz="1600" dirty="0">
@@ -8337,7 +10034,7 @@
                 </a:solidFill>
                 <a:latin typeface="Consolas" panose="020B0609020204030204" pitchFamily="49" charset="0"/>
               </a:rPr>
-              <a:t>(x)</a:t>
+              <a:t>()(x)</a:t>
             </a:r>
           </a:p>
           <a:p>
@@ -8348,6 +10045,238 @@
                 </a:solidFill>
                 <a:latin typeface="Consolas" panose="020B0609020204030204" pitchFamily="49" charset="0"/>
               </a:rPr>
+              <a:t>x = layers.Conv2D(</a:t>
+            </a:r>
+            <a:r>
+              <a:rPr lang="fr-FR" sz="1600" dirty="0" err="1">
+                <a:solidFill>
+                  <a:srgbClr val="61A53A"/>
+                </a:solidFill>
+                <a:latin typeface="Consolas" panose="020B0609020204030204" pitchFamily="49" charset="0"/>
+              </a:rPr>
+              <a:t>filters</a:t>
+            </a:r>
+            <a:r>
+              <a:rPr lang="fr-FR" sz="1600" dirty="0">
+                <a:solidFill>
+                  <a:srgbClr val="61A53A"/>
+                </a:solidFill>
+                <a:latin typeface="Consolas" panose="020B0609020204030204" pitchFamily="49" charset="0"/>
+              </a:rPr>
+              <a:t>=32, </a:t>
+            </a:r>
+            <a:r>
+              <a:rPr lang="fr-FR" sz="1600" dirty="0" err="1">
+                <a:solidFill>
+                  <a:srgbClr val="61A53A"/>
+                </a:solidFill>
+                <a:latin typeface="Consolas" panose="020B0609020204030204" pitchFamily="49" charset="0"/>
+              </a:rPr>
+              <a:t>kernel_size</a:t>
+            </a:r>
+            <a:r>
+              <a:rPr lang="fr-FR" sz="1600" dirty="0">
+                <a:solidFill>
+                  <a:srgbClr val="61A53A"/>
+                </a:solidFill>
+                <a:latin typeface="Consolas" panose="020B0609020204030204" pitchFamily="49" charset="0"/>
+              </a:rPr>
+              <a:t>=(3, 3),</a:t>
+            </a:r>
+          </a:p>
+          <a:p>
+            <a:r>
+              <a:rPr lang="fr-FR" sz="1600" dirty="0">
+                <a:solidFill>
+                  <a:srgbClr val="61A53A"/>
+                </a:solidFill>
+                <a:latin typeface="Consolas" panose="020B0609020204030204" pitchFamily="49" charset="0"/>
+              </a:rPr>
+              <a:t>                  activation="relu")(x)</a:t>
+            </a:r>
+          </a:p>
+          <a:p>
+            <a:r>
+              <a:rPr lang="fr-FR" sz="1600" dirty="0">
+                <a:solidFill>
+                  <a:srgbClr val="61A53A"/>
+                </a:solidFill>
+                <a:latin typeface="Consolas" panose="020B0609020204030204" pitchFamily="49" charset="0"/>
+              </a:rPr>
+              <a:t>x = layers.MaxPooling2D(</a:t>
+            </a:r>
+            <a:r>
+              <a:rPr lang="fr-FR" sz="1600" dirty="0" err="1">
+                <a:solidFill>
+                  <a:srgbClr val="61A53A"/>
+                </a:solidFill>
+                <a:latin typeface="Consolas" panose="020B0609020204030204" pitchFamily="49" charset="0"/>
+              </a:rPr>
+              <a:t>pool_size</a:t>
+            </a:r>
+            <a:r>
+              <a:rPr lang="fr-FR" sz="1600" dirty="0">
+                <a:solidFill>
+                  <a:srgbClr val="61A53A"/>
+                </a:solidFill>
+                <a:latin typeface="Consolas" panose="020B0609020204030204" pitchFamily="49" charset="0"/>
+              </a:rPr>
+              <a:t>=(3, 3))(x)</a:t>
+            </a:r>
+          </a:p>
+          <a:p>
+            <a:r>
+              <a:rPr lang="fr-FR" sz="1600" dirty="0">
+                <a:solidFill>
+                  <a:srgbClr val="61A53A"/>
+                </a:solidFill>
+                <a:latin typeface="Consolas" panose="020B0609020204030204" pitchFamily="49" charset="0"/>
+              </a:rPr>
+              <a:t>x = layers.Conv2D(</a:t>
+            </a:r>
+            <a:r>
+              <a:rPr lang="fr-FR" sz="1600" dirty="0" err="1">
+                <a:solidFill>
+                  <a:srgbClr val="61A53A"/>
+                </a:solidFill>
+                <a:latin typeface="Consolas" panose="020B0609020204030204" pitchFamily="49" charset="0"/>
+              </a:rPr>
+              <a:t>filters</a:t>
+            </a:r>
+            <a:r>
+              <a:rPr lang="fr-FR" sz="1600" dirty="0">
+                <a:solidFill>
+                  <a:srgbClr val="61A53A"/>
+                </a:solidFill>
+                <a:latin typeface="Consolas" panose="020B0609020204030204" pitchFamily="49" charset="0"/>
+              </a:rPr>
+              <a:t>=32, </a:t>
+            </a:r>
+            <a:r>
+              <a:rPr lang="fr-FR" sz="1600" dirty="0" err="1">
+                <a:solidFill>
+                  <a:srgbClr val="61A53A"/>
+                </a:solidFill>
+                <a:latin typeface="Consolas" panose="020B0609020204030204" pitchFamily="49" charset="0"/>
+              </a:rPr>
+              <a:t>kernel_size</a:t>
+            </a:r>
+            <a:r>
+              <a:rPr lang="fr-FR" sz="1600" dirty="0">
+                <a:solidFill>
+                  <a:srgbClr val="61A53A"/>
+                </a:solidFill>
+                <a:latin typeface="Consolas" panose="020B0609020204030204" pitchFamily="49" charset="0"/>
+              </a:rPr>
+              <a:t>=(3, 3),</a:t>
+            </a:r>
+          </a:p>
+          <a:p>
+            <a:r>
+              <a:rPr lang="fr-FR" sz="1600" dirty="0">
+                <a:solidFill>
+                  <a:srgbClr val="61A53A"/>
+                </a:solidFill>
+                <a:latin typeface="Consolas" panose="020B0609020204030204" pitchFamily="49" charset="0"/>
+              </a:rPr>
+              <a:t>                  activation="relu")(x)</a:t>
+            </a:r>
+          </a:p>
+          <a:p>
+            <a:r>
+              <a:rPr lang="fr-FR" sz="1600" dirty="0">
+                <a:solidFill>
+                  <a:srgbClr val="61A53A"/>
+                </a:solidFill>
+                <a:latin typeface="Consolas" panose="020B0609020204030204" pitchFamily="49" charset="0"/>
+              </a:rPr>
+              <a:t>x = layers.MaxPooling2D(</a:t>
+            </a:r>
+            <a:r>
+              <a:rPr lang="fr-FR" sz="1600" dirty="0" err="1">
+                <a:solidFill>
+                  <a:srgbClr val="61A53A"/>
+                </a:solidFill>
+                <a:latin typeface="Consolas" panose="020B0609020204030204" pitchFamily="49" charset="0"/>
+              </a:rPr>
+              <a:t>pool_size</a:t>
+            </a:r>
+            <a:r>
+              <a:rPr lang="fr-FR" sz="1600" dirty="0">
+                <a:solidFill>
+                  <a:srgbClr val="61A53A"/>
+                </a:solidFill>
+                <a:latin typeface="Consolas" panose="020B0609020204030204" pitchFamily="49" charset="0"/>
+              </a:rPr>
+              <a:t>=(2, 2))(x)</a:t>
+            </a:r>
+          </a:p>
+          <a:p>
+            <a:r>
+              <a:rPr lang="fr-FR" sz="1600" dirty="0">
+                <a:solidFill>
+                  <a:srgbClr val="61A53A"/>
+                </a:solidFill>
+                <a:latin typeface="Consolas" panose="020B0609020204030204" pitchFamily="49" charset="0"/>
+              </a:rPr>
+              <a:t>x = layers.Conv2D(</a:t>
+            </a:r>
+            <a:r>
+              <a:rPr lang="fr-FR" sz="1600" dirty="0" err="1">
+                <a:solidFill>
+                  <a:srgbClr val="61A53A"/>
+                </a:solidFill>
+                <a:latin typeface="Consolas" panose="020B0609020204030204" pitchFamily="49" charset="0"/>
+              </a:rPr>
+              <a:t>filters</a:t>
+            </a:r>
+            <a:r>
+              <a:rPr lang="fr-FR" sz="1600" dirty="0">
+                <a:solidFill>
+                  <a:srgbClr val="61A53A"/>
+                </a:solidFill>
+                <a:latin typeface="Consolas" panose="020B0609020204030204" pitchFamily="49" charset="0"/>
+              </a:rPr>
+              <a:t>=32, </a:t>
+            </a:r>
+            <a:r>
+              <a:rPr lang="fr-FR" sz="1600" dirty="0" err="1">
+                <a:solidFill>
+                  <a:srgbClr val="61A53A"/>
+                </a:solidFill>
+                <a:latin typeface="Consolas" panose="020B0609020204030204" pitchFamily="49" charset="0"/>
+              </a:rPr>
+              <a:t>kernel_size</a:t>
+            </a:r>
+            <a:r>
+              <a:rPr lang="fr-FR" sz="1600" dirty="0">
+                <a:solidFill>
+                  <a:srgbClr val="61A53A"/>
+                </a:solidFill>
+                <a:latin typeface="Consolas" panose="020B0609020204030204" pitchFamily="49" charset="0"/>
+              </a:rPr>
+              <a:t>=(3, 3),</a:t>
+            </a:r>
+          </a:p>
+          <a:p>
+            <a:r>
+              <a:rPr lang="fr-FR" sz="1600" dirty="0">
+                <a:solidFill>
+                  <a:srgbClr val="61A53A"/>
+                </a:solidFill>
+                <a:latin typeface="Consolas" panose="020B0609020204030204" pitchFamily="49" charset="0"/>
+              </a:rPr>
+              <a:t>                  activation="relu")(x)</a:t>
+            </a:r>
+          </a:p>
+          <a:p>
+            <a:r>
+              <a:rPr lang="fr-FR" sz="1600" dirty="0">
+                <a:solidFill>
+                  <a:srgbClr val="61A53A"/>
+                </a:solidFill>
+                <a:latin typeface="Consolas" panose="020B0609020204030204" pitchFamily="49" charset="0"/>
+              </a:rPr>
               <a:t>x = </a:t>
             </a:r>
             <a:r>
@@ -8357,7 +10286,7 @@
                 </a:solidFill>
                 <a:latin typeface="Consolas" panose="020B0609020204030204" pitchFamily="49" charset="0"/>
               </a:rPr>
-              <a:t>layers.Dense</a:t>
+              <a:t>layers.Dropout</a:t>
             </a:r>
             <a:r>
               <a:rPr lang="fr-FR" sz="1600" dirty="0">
@@ -8366,344 +10295,7 @@
                 </a:solidFill>
                 <a:latin typeface="Consolas" panose="020B0609020204030204" pitchFamily="49" charset="0"/>
               </a:rPr>
-              <a:t>(10, activation = 'relu')(x)</a:t>
-            </a:r>
-          </a:p>
-          <a:p>
-            <a:r>
-              <a:rPr lang="fr-FR" sz="1600" dirty="0">
-                <a:solidFill>
-                  <a:srgbClr val="61A53A"/>
-                </a:solidFill>
-                <a:latin typeface="Consolas" panose="020B0609020204030204" pitchFamily="49" charset="0"/>
-              </a:rPr>
-              <a:t>x = </a:t>
-            </a:r>
-            <a:r>
-              <a:rPr lang="fr-FR" sz="1600" dirty="0" err="1">
-                <a:solidFill>
-                  <a:srgbClr val="61A53A"/>
-                </a:solidFill>
-                <a:latin typeface="Consolas" panose="020B0609020204030204" pitchFamily="49" charset="0"/>
-              </a:rPr>
-              <a:t>layers.BatchNormalization</a:t>
-            </a:r>
-            <a:r>
-              <a:rPr lang="fr-FR" sz="1600" dirty="0">
-                <a:solidFill>
-                  <a:srgbClr val="61A53A"/>
-                </a:solidFill>
-                <a:latin typeface="Consolas" panose="020B0609020204030204" pitchFamily="49" charset="0"/>
-              </a:rPr>
-              <a:t>()(x)</a:t>
-            </a:r>
-          </a:p>
-          <a:p>
-            <a:r>
-              <a:rPr lang="fr-FR" sz="1600" dirty="0">
-                <a:solidFill>
-                  <a:srgbClr val="61A53A"/>
-                </a:solidFill>
-                <a:latin typeface="Consolas" panose="020B0609020204030204" pitchFamily="49" charset="0"/>
-              </a:rPr>
-              <a:t>x = layers.Conv2D(</a:t>
-            </a:r>
-            <a:r>
-              <a:rPr lang="fr-FR" sz="1600" dirty="0" err="1">
-                <a:solidFill>
-                  <a:srgbClr val="61A53A"/>
-                </a:solidFill>
-                <a:latin typeface="Consolas" panose="020B0609020204030204" pitchFamily="49" charset="0"/>
-              </a:rPr>
-              <a:t>filters</a:t>
-            </a:r>
-            <a:r>
-              <a:rPr lang="fr-FR" sz="1600" dirty="0">
-                <a:solidFill>
-                  <a:srgbClr val="61A53A"/>
-                </a:solidFill>
-                <a:latin typeface="Consolas" panose="020B0609020204030204" pitchFamily="49" charset="0"/>
-              </a:rPr>
-              <a:t>=32, </a:t>
-            </a:r>
-            <a:r>
-              <a:rPr lang="fr-FR" sz="1600" dirty="0" err="1">
-                <a:solidFill>
-                  <a:srgbClr val="61A53A"/>
-                </a:solidFill>
-                <a:latin typeface="Consolas" panose="020B0609020204030204" pitchFamily="49" charset="0"/>
-              </a:rPr>
-              <a:t>kernel_size</a:t>
-            </a:r>
-            <a:r>
-              <a:rPr lang="fr-FR" sz="1600" dirty="0">
-                <a:solidFill>
-                  <a:srgbClr val="61A53A"/>
-                </a:solidFill>
-                <a:latin typeface="Consolas" panose="020B0609020204030204" pitchFamily="49" charset="0"/>
-              </a:rPr>
-              <a:t>=(4, 4),</a:t>
-            </a:r>
-          </a:p>
-          <a:p>
-            <a:r>
-              <a:rPr lang="fr-FR" sz="1600" dirty="0">
-                <a:solidFill>
-                  <a:srgbClr val="61A53A"/>
-                </a:solidFill>
-                <a:latin typeface="Consolas" panose="020B0609020204030204" pitchFamily="49" charset="0"/>
-              </a:rPr>
-              <a:t>                  activation="relu")(x)</a:t>
-            </a:r>
-          </a:p>
-          <a:p>
-            <a:r>
-              <a:rPr lang="fr-FR" sz="1600" dirty="0">
-                <a:solidFill>
-                  <a:srgbClr val="61A53A"/>
-                </a:solidFill>
-                <a:latin typeface="Consolas" panose="020B0609020204030204" pitchFamily="49" charset="0"/>
-              </a:rPr>
-              <a:t>x = layers.MaxPooling2D(</a:t>
-            </a:r>
-            <a:r>
-              <a:rPr lang="fr-FR" sz="1600" dirty="0" err="1">
-                <a:solidFill>
-                  <a:srgbClr val="61A53A"/>
-                </a:solidFill>
-                <a:latin typeface="Consolas" panose="020B0609020204030204" pitchFamily="49" charset="0"/>
-              </a:rPr>
-              <a:t>pool_size</a:t>
-            </a:r>
-            <a:r>
-              <a:rPr lang="fr-FR" sz="1600" dirty="0">
-                <a:solidFill>
-                  <a:srgbClr val="61A53A"/>
-                </a:solidFill>
-                <a:latin typeface="Consolas" panose="020B0609020204030204" pitchFamily="49" charset="0"/>
-              </a:rPr>
-              <a:t>=(3, 3))(x)</a:t>
-            </a:r>
-          </a:p>
-          <a:p>
-            <a:r>
-              <a:rPr lang="fr-FR" sz="1600" dirty="0">
-                <a:solidFill>
-                  <a:srgbClr val="61A53A"/>
-                </a:solidFill>
-                <a:latin typeface="Consolas" panose="020B0609020204030204" pitchFamily="49" charset="0"/>
-              </a:rPr>
-              <a:t>x = layers.Conv2D(</a:t>
-            </a:r>
-            <a:r>
-              <a:rPr lang="fr-FR" sz="1600" dirty="0" err="1">
-                <a:solidFill>
-                  <a:srgbClr val="61A53A"/>
-                </a:solidFill>
-                <a:latin typeface="Consolas" panose="020B0609020204030204" pitchFamily="49" charset="0"/>
-              </a:rPr>
-              <a:t>filters</a:t>
-            </a:r>
-            <a:r>
-              <a:rPr lang="fr-FR" sz="1600" dirty="0">
-                <a:solidFill>
-                  <a:srgbClr val="61A53A"/>
-                </a:solidFill>
-                <a:latin typeface="Consolas" panose="020B0609020204030204" pitchFamily="49" charset="0"/>
-              </a:rPr>
-              <a:t>=32, </a:t>
-            </a:r>
-            <a:r>
-              <a:rPr lang="fr-FR" sz="1600" dirty="0" err="1">
-                <a:solidFill>
-                  <a:srgbClr val="61A53A"/>
-                </a:solidFill>
-                <a:latin typeface="Consolas" panose="020B0609020204030204" pitchFamily="49" charset="0"/>
-              </a:rPr>
-              <a:t>kernel_size</a:t>
-            </a:r>
-            <a:r>
-              <a:rPr lang="fr-FR" sz="1600" dirty="0">
-                <a:solidFill>
-                  <a:srgbClr val="61A53A"/>
-                </a:solidFill>
-                <a:latin typeface="Consolas" panose="020B0609020204030204" pitchFamily="49" charset="0"/>
-              </a:rPr>
-              <a:t>=(4, 4),</a:t>
-            </a:r>
-          </a:p>
-          <a:p>
-            <a:r>
-              <a:rPr lang="fr-FR" sz="1600" dirty="0">
-                <a:solidFill>
-                  <a:srgbClr val="61A53A"/>
-                </a:solidFill>
-                <a:latin typeface="Consolas" panose="020B0609020204030204" pitchFamily="49" charset="0"/>
-              </a:rPr>
-              <a:t>                  activation="relu")(x)</a:t>
-            </a:r>
-          </a:p>
-          <a:p>
-            <a:r>
-              <a:rPr lang="fr-FR" sz="1600" dirty="0">
-                <a:solidFill>
-                  <a:srgbClr val="61A53A"/>
-                </a:solidFill>
-                <a:latin typeface="Consolas" panose="020B0609020204030204" pitchFamily="49" charset="0"/>
-              </a:rPr>
-              <a:t>x = layers.MaxPooling2D(</a:t>
-            </a:r>
-            <a:r>
-              <a:rPr lang="fr-FR" sz="1600" dirty="0" err="1">
-                <a:solidFill>
-                  <a:srgbClr val="61A53A"/>
-                </a:solidFill>
-                <a:latin typeface="Consolas" panose="020B0609020204030204" pitchFamily="49" charset="0"/>
-              </a:rPr>
-              <a:t>pool_size</a:t>
-            </a:r>
-            <a:r>
-              <a:rPr lang="fr-FR" sz="1600" dirty="0">
-                <a:solidFill>
-                  <a:srgbClr val="61A53A"/>
-                </a:solidFill>
-                <a:latin typeface="Consolas" panose="020B0609020204030204" pitchFamily="49" charset="0"/>
-              </a:rPr>
-              <a:t>=(2, 2))(x)</a:t>
-            </a:r>
-          </a:p>
-          <a:p>
-            <a:r>
-              <a:rPr lang="fr-FR" sz="1600" dirty="0">
-                <a:solidFill>
-                  <a:srgbClr val="61A53A"/>
-                </a:solidFill>
-                <a:latin typeface="Consolas" panose="020B0609020204030204" pitchFamily="49" charset="0"/>
-              </a:rPr>
-              <a:t>x = layers.Conv2D(</a:t>
-            </a:r>
-            <a:r>
-              <a:rPr lang="fr-FR" sz="1600" dirty="0" err="1">
-                <a:solidFill>
-                  <a:srgbClr val="61A53A"/>
-                </a:solidFill>
-                <a:latin typeface="Consolas" panose="020B0609020204030204" pitchFamily="49" charset="0"/>
-              </a:rPr>
-              <a:t>filters</a:t>
-            </a:r>
-            <a:r>
-              <a:rPr lang="fr-FR" sz="1600" dirty="0">
-                <a:solidFill>
-                  <a:srgbClr val="61A53A"/>
-                </a:solidFill>
-                <a:latin typeface="Consolas" panose="020B0609020204030204" pitchFamily="49" charset="0"/>
-              </a:rPr>
-              <a:t>=32, </a:t>
-            </a:r>
-            <a:r>
-              <a:rPr lang="fr-FR" sz="1600" dirty="0" err="1">
-                <a:solidFill>
-                  <a:srgbClr val="61A53A"/>
-                </a:solidFill>
-                <a:latin typeface="Consolas" panose="020B0609020204030204" pitchFamily="49" charset="0"/>
-              </a:rPr>
-              <a:t>kernel_size</a:t>
-            </a:r>
-            <a:r>
-              <a:rPr lang="fr-FR" sz="1600" dirty="0">
-                <a:solidFill>
-                  <a:srgbClr val="61A53A"/>
-                </a:solidFill>
-                <a:latin typeface="Consolas" panose="020B0609020204030204" pitchFamily="49" charset="0"/>
-              </a:rPr>
-              <a:t>=(4, 4),</a:t>
-            </a:r>
-          </a:p>
-          <a:p>
-            <a:r>
-              <a:rPr lang="fr-FR" sz="1600" dirty="0">
-                <a:solidFill>
-                  <a:srgbClr val="61A53A"/>
-                </a:solidFill>
-                <a:latin typeface="Consolas" panose="020B0609020204030204" pitchFamily="49" charset="0"/>
-              </a:rPr>
-              <a:t>                  activation="relu")(x)</a:t>
-            </a:r>
-          </a:p>
-          <a:p>
-            <a:r>
-              <a:rPr lang="fr-FR" sz="1600" dirty="0">
-                <a:solidFill>
-                  <a:srgbClr val="61A53A"/>
-                </a:solidFill>
-                <a:latin typeface="Consolas" panose="020B0609020204030204" pitchFamily="49" charset="0"/>
-              </a:rPr>
-              <a:t>x = </a:t>
-            </a:r>
-            <a:r>
-              <a:rPr lang="fr-FR" sz="1600" dirty="0" err="1">
-                <a:solidFill>
-                  <a:srgbClr val="61A53A"/>
-                </a:solidFill>
-                <a:latin typeface="Consolas" panose="020B0609020204030204" pitchFamily="49" charset="0"/>
-              </a:rPr>
-              <a:t>layers.Dropout</a:t>
-            </a:r>
-            <a:r>
-              <a:rPr lang="fr-FR" sz="1600" dirty="0">
-                <a:solidFill>
-                  <a:srgbClr val="61A53A"/>
-                </a:solidFill>
-                <a:latin typeface="Consolas" panose="020B0609020204030204" pitchFamily="49" charset="0"/>
-              </a:rPr>
-              <a:t>(0.3, </a:t>
-            </a:r>
-            <a:r>
-              <a:rPr lang="fr-FR" sz="1600" dirty="0" err="1">
-                <a:solidFill>
-                  <a:srgbClr val="61A53A"/>
-                </a:solidFill>
-                <a:latin typeface="Consolas" panose="020B0609020204030204" pitchFamily="49" charset="0"/>
-              </a:rPr>
-              <a:t>seed</a:t>
-            </a:r>
-            <a:r>
-              <a:rPr lang="fr-FR" sz="1600" dirty="0">
-                <a:solidFill>
-                  <a:srgbClr val="61A53A"/>
-                </a:solidFill>
-                <a:latin typeface="Consolas" panose="020B0609020204030204" pitchFamily="49" charset="0"/>
-              </a:rPr>
-              <a:t> = 123)(x)</a:t>
-            </a:r>
-          </a:p>
-          <a:p>
-            <a:r>
-              <a:rPr lang="fr-FR" sz="1600" dirty="0">
-                <a:solidFill>
-                  <a:srgbClr val="61A53A"/>
-                </a:solidFill>
-                <a:latin typeface="Consolas" panose="020B0609020204030204" pitchFamily="49" charset="0"/>
-              </a:rPr>
-              <a:t>x = </a:t>
-            </a:r>
-            <a:r>
-              <a:rPr lang="fr-FR" sz="1600" dirty="0" err="1">
-                <a:solidFill>
-                  <a:srgbClr val="61A53A"/>
-                </a:solidFill>
-                <a:latin typeface="Consolas" panose="020B0609020204030204" pitchFamily="49" charset="0"/>
-              </a:rPr>
-              <a:t>layers.Dropout</a:t>
-            </a:r>
-            <a:r>
-              <a:rPr lang="fr-FR" sz="1600" dirty="0">
-                <a:solidFill>
-                  <a:srgbClr val="61A53A"/>
-                </a:solidFill>
-                <a:latin typeface="Consolas" panose="020B0609020204030204" pitchFamily="49" charset="0"/>
-              </a:rPr>
-              <a:t>(0.3, </a:t>
+              <a:t>(0.4, </a:t>
             </a:r>
             <a:r>
               <a:rPr lang="fr-FR" sz="1600" dirty="0" err="1">
@@ -9466,7 +11058,7 @@
         <p:spPr>
           <a:xfrm>
             <a:off x="961052" y="1822385"/>
-            <a:ext cx="4156074" cy="3045449"/>
+            <a:ext cx="5430461" cy="3045449"/>
           </a:xfrm>
           <a:prstGeom prst="rect">
             <a:avLst/>
@@ -9490,7 +11082,7 @@
               <a:rPr lang="fr-FR" sz="2000" dirty="0">
                 <a:latin typeface="+mj-lt"/>
               </a:rPr>
-              <a:t>Échantillon d’apprentissage (80 %)</a:t>
+              <a:t>Échantillon d’apprentissage (1107 en 3 classes)</a:t>
             </a:r>
           </a:p>
           <a:p>
@@ -9505,7 +11097,7 @@
               <a:rPr lang="fr-FR" sz="2000" dirty="0">
                 <a:latin typeface="+mj-lt"/>
               </a:rPr>
-              <a:t>Échantillon de validation (20 %)</a:t>
+              <a:t>Échantillon de validation (3799 en 3 classes)</a:t>
             </a:r>
           </a:p>
           <a:p>
@@ -10370,10 +11962,10 @@
       </p:sp>
       <p:pic>
         <p:nvPicPr>
-          <p:cNvPr id="7" name="Image 6">
-            <a:extLst>
-              <a:ext uri="{FF2B5EF4-FFF2-40B4-BE49-F238E27FC236}">
-                <a16:creationId xmlns:a16="http://schemas.microsoft.com/office/drawing/2014/main" id="{4954E5B8-3EC0-442D-B069-315C54F7AC46}"/>
+          <p:cNvPr id="22" name="Image 21">
+            <a:extLst>
+              <a:ext uri="{FF2B5EF4-FFF2-40B4-BE49-F238E27FC236}">
+                <a16:creationId xmlns:a16="http://schemas.microsoft.com/office/drawing/2014/main" id="{D54C31C0-DFE2-4866-B5DC-780E9D905C36}"/>
               </a:ext>
             </a:extLst>
           </p:cNvPr>
@@ -10396,8 +11988,8 @@
         </p:blipFill>
         <p:spPr>
           <a:xfrm>
-            <a:off x="6621361" y="1822385"/>
-            <a:ext cx="5181435" cy="3454290"/>
+            <a:off x="6621362" y="1822385"/>
+            <a:ext cx="5181433" cy="3454289"/>
           </a:xfrm>
           <a:prstGeom prst="rect">
             <a:avLst/>
@@ -10536,10 +12128,10 @@
         </p:nvGrpSpPr>
         <p:grpSpPr>
           <a:xfrm>
-            <a:off x="389204" y="177835"/>
-            <a:ext cx="11413592" cy="400110"/>
-            <a:chOff x="389204" y="177835"/>
-            <a:chExt cx="11413592" cy="400110"/>
+            <a:off x="389204" y="147058"/>
+            <a:ext cx="11413592" cy="461665"/>
+            <a:chOff x="389204" y="147058"/>
+            <a:chExt cx="11413592" cy="461665"/>
           </a:xfrm>
         </p:grpSpPr>
         <p:sp>
@@ -10814,8 +12406,8 @@
           </p:nvSpPr>
           <p:spPr>
             <a:xfrm>
-              <a:off x="8182123" y="177835"/>
-              <a:ext cx="1088375" cy="400110"/>
+              <a:off x="8102999" y="147058"/>
+              <a:ext cx="1246623" cy="461665"/>
             </a:xfrm>
             <a:prstGeom prst="rect">
               <a:avLst/>
@@ -10830,7 +12422,7 @@
             <a:p>
               <a:pPr algn="ctr"/>
               <a:r>
-                <a:rPr lang="fr-FR" sz="2000" cap="small" dirty="0">
+                <a:rPr lang="fr-FR" sz="2400" b="1" cap="small" dirty="0">
                   <a:solidFill>
                     <a:schemeClr val="bg1"/>
                   </a:solidFill>
@@ -10838,7 +12430,7 @@
                 </a:rPr>
                 <a:t>Résultats</a:t>
               </a:r>
-              <a:endParaRPr lang="fr-FR" cap="small" dirty="0">
+              <a:endParaRPr lang="fr-FR" b="1" cap="small" dirty="0">
                 <a:solidFill>
                   <a:schemeClr val="bg1"/>
                 </a:solidFill>
@@ -11042,10 +12634,187 @@
           </p:txBody>
         </p:sp>
       </p:grpSp>
+      <p:sp>
+        <p:nvSpPr>
+          <p:cNvPr id="21" name="ZoneTexte 20">
+            <a:extLst>
+              <a:ext uri="{FF2B5EF4-FFF2-40B4-BE49-F238E27FC236}">
+                <a16:creationId xmlns:a16="http://schemas.microsoft.com/office/drawing/2014/main" id="{9A3583B9-D707-40A2-BB99-15A51867E2AE}"/>
+              </a:ext>
+            </a:extLst>
+          </p:cNvPr>
+          <p:cNvSpPr txBox="1"/>
+          <p:nvPr/>
+        </p:nvSpPr>
+        <p:spPr>
+          <a:xfrm>
+            <a:off x="961052" y="1121167"/>
+            <a:ext cx="3515001" cy="461665"/>
+          </a:xfrm>
+          <a:prstGeom prst="rect">
+            <a:avLst/>
+          </a:prstGeom>
+          <a:noFill/>
+        </p:spPr>
+        <p:txBody>
+          <a:bodyPr wrap="none" rtlCol="0">
+            <a:spAutoFit/>
+          </a:bodyPr>
+          <a:lstStyle/>
+          <a:p>
+            <a:r>
+              <a:rPr lang="fr-FR" sz="2400" cap="small" dirty="0">
+                <a:latin typeface="+mj-lt"/>
+              </a:rPr>
+              <a:t>Confrontation des résultats</a:t>
+            </a:r>
+            <a:endParaRPr lang="fr-FR" sz="2000" cap="small" dirty="0">
+              <a:latin typeface="+mj-lt"/>
+            </a:endParaRPr>
+          </a:p>
+        </p:txBody>
+      </p:sp>
+      <p:sp>
+        <p:nvSpPr>
+          <p:cNvPr id="23" name="ZoneTexte 22">
+            <a:extLst>
+              <a:ext uri="{FF2B5EF4-FFF2-40B4-BE49-F238E27FC236}">
+                <a16:creationId xmlns:a16="http://schemas.microsoft.com/office/drawing/2014/main" id="{8E01B494-50FE-46B4-A84F-859920A3792D}"/>
+              </a:ext>
+            </a:extLst>
+          </p:cNvPr>
+          <p:cNvSpPr txBox="1"/>
+          <p:nvPr/>
+        </p:nvSpPr>
+        <p:spPr>
+          <a:xfrm>
+            <a:off x="961052" y="1822385"/>
+            <a:ext cx="1031051" cy="3814890"/>
+          </a:xfrm>
+          <a:prstGeom prst="rect">
+            <a:avLst/>
+          </a:prstGeom>
+          <a:noFill/>
+        </p:spPr>
+        <p:txBody>
+          <a:bodyPr wrap="none" rtlCol="0">
+            <a:spAutoFit/>
+          </a:bodyPr>
+          <a:lstStyle/>
+          <a:p>
+            <a:pPr marL="457200" indent="-457200">
+              <a:lnSpc>
+                <a:spcPct val="250000"/>
+              </a:lnSpc>
+              <a:buFont typeface="Arial" panose="020B0604020202020204" pitchFamily="34" charset="0"/>
+              <a:buChar char="•"/>
+            </a:pPr>
+            <a:r>
+              <a:rPr lang="fr-FR" sz="2000" dirty="0">
+                <a:latin typeface="+mj-lt"/>
+              </a:rPr>
+              <a:t>___</a:t>
+            </a:r>
+          </a:p>
+          <a:p>
+            <a:pPr marL="457200" indent="-457200">
+              <a:lnSpc>
+                <a:spcPct val="250000"/>
+              </a:lnSpc>
+              <a:buFont typeface="Arial" panose="020B0604020202020204" pitchFamily="34" charset="0"/>
+              <a:buChar char="•"/>
+            </a:pPr>
+            <a:r>
+              <a:rPr lang="fr-FR" sz="2000" dirty="0">
+                <a:latin typeface="+mj-lt"/>
+              </a:rPr>
+              <a:t>___</a:t>
+            </a:r>
+          </a:p>
+          <a:p>
+            <a:pPr marL="457200" indent="-457200">
+              <a:lnSpc>
+                <a:spcPct val="250000"/>
+              </a:lnSpc>
+              <a:buFont typeface="Arial" panose="020B0604020202020204" pitchFamily="34" charset="0"/>
+              <a:buChar char="•"/>
+            </a:pPr>
+            <a:r>
+              <a:rPr lang="fr-FR" sz="2000" dirty="0">
+                <a:latin typeface="+mj-lt"/>
+              </a:rPr>
+              <a:t>___</a:t>
+            </a:r>
+          </a:p>
+          <a:p>
+            <a:pPr marL="457200" indent="-457200">
+              <a:lnSpc>
+                <a:spcPct val="250000"/>
+              </a:lnSpc>
+              <a:buFont typeface="Arial" panose="020B0604020202020204" pitchFamily="34" charset="0"/>
+              <a:buChar char="•"/>
+            </a:pPr>
+            <a:r>
+              <a:rPr lang="fr-FR" sz="2000" dirty="0">
+                <a:latin typeface="+mj-lt"/>
+              </a:rPr>
+              <a:t>__</a:t>
+            </a:r>
+          </a:p>
+          <a:p>
+            <a:pPr marL="457200" indent="-457200">
+              <a:lnSpc>
+                <a:spcPct val="250000"/>
+              </a:lnSpc>
+              <a:buFont typeface="Arial" panose="020B0604020202020204" pitchFamily="34" charset="0"/>
+              <a:buChar char="•"/>
+            </a:pPr>
+            <a:endParaRPr lang="fr-FR" sz="2000" dirty="0">
+              <a:latin typeface="+mj-lt"/>
+            </a:endParaRPr>
+          </a:p>
+        </p:txBody>
+      </p:sp>
+      <p:pic>
+        <p:nvPicPr>
+          <p:cNvPr id="7" name="Image 6">
+            <a:extLst>
+              <a:ext uri="{FF2B5EF4-FFF2-40B4-BE49-F238E27FC236}">
+                <a16:creationId xmlns:a16="http://schemas.microsoft.com/office/drawing/2014/main" id="{4954E5B8-3EC0-442D-B069-315C54F7AC46}"/>
+              </a:ext>
+            </a:extLst>
+          </p:cNvPr>
+          <p:cNvPicPr>
+            <a:picLocks noChangeAspect="1"/>
+          </p:cNvPicPr>
+          <p:nvPr/>
+        </p:nvPicPr>
+        <p:blipFill>
+          <a:blip r:embed="rId7">
+            <a:extLst>
+              <a:ext uri="{28A0092B-C50C-407E-A947-70E740481C1C}">
+                <a14:useLocalDpi xmlns:a14="http://schemas.microsoft.com/office/drawing/2010/main" val="0"/>
+              </a:ext>
+            </a:extLst>
+          </a:blip>
+          <a:stretch>
+            <a:fillRect/>
+          </a:stretch>
+        </p:blipFill>
+        <p:spPr>
+          <a:xfrm>
+            <a:off x="6621361" y="1822385"/>
+            <a:ext cx="5181435" cy="3454289"/>
+          </a:xfrm>
+          <a:prstGeom prst="rect">
+            <a:avLst/>
+          </a:prstGeom>
+        </p:spPr>
+      </p:pic>
     </p:spTree>
     <p:extLst>
       <p:ext uri="{BB962C8B-B14F-4D97-AF65-F5344CB8AC3E}">
-        <p14:creationId xmlns:p14="http://schemas.microsoft.com/office/powerpoint/2010/main" val="3851774524"/>
+        <p14:creationId xmlns:p14="http://schemas.microsoft.com/office/powerpoint/2010/main" val="4099971760"/>
       </p:ext>
     </p:extLst>
   </p:cSld>

--- a/presentation.pptx
+++ b/presentation.pptx
@@ -6,18 +6,17 @@
   </p:sldMasterIdLst>
   <p:sldIdLst>
     <p:sldId id="256" r:id="rId2"/>
-    <p:sldId id="257" r:id="rId3"/>
-    <p:sldId id="258" r:id="rId4"/>
-    <p:sldId id="259" r:id="rId5"/>
-    <p:sldId id="266" r:id="rId6"/>
+    <p:sldId id="258" r:id="rId3"/>
+    <p:sldId id="259" r:id="rId4"/>
+    <p:sldId id="266" r:id="rId5"/>
+    <p:sldId id="267" r:id="rId6"/>
     <p:sldId id="261" r:id="rId7"/>
-    <p:sldId id="267" r:id="rId8"/>
-    <p:sldId id="263" r:id="rId9"/>
-    <p:sldId id="271" r:id="rId10"/>
-    <p:sldId id="272" r:id="rId11"/>
-    <p:sldId id="265" r:id="rId12"/>
-    <p:sldId id="273" r:id="rId13"/>
-    <p:sldId id="269" r:id="rId14"/>
+    <p:sldId id="263" r:id="rId8"/>
+    <p:sldId id="271" r:id="rId9"/>
+    <p:sldId id="272" r:id="rId10"/>
+    <p:sldId id="265" r:id="rId11"/>
+    <p:sldId id="275" r:id="rId12"/>
+    <p:sldId id="269" r:id="rId13"/>
   </p:sldIdLst>
   <p:sldSz cx="12192000" cy="6858000"/>
   <p:notesSz cx="6858000" cy="9144000"/>
@@ -3502,7 +3501,7 @@
         </p:nvSpPr>
         <p:spPr>
           <a:xfrm>
-            <a:off x="4740372" y="6292185"/>
+            <a:off x="4740371" y="6392853"/>
             <a:ext cx="2711255" cy="400110"/>
           </a:xfrm>
           <a:prstGeom prst="rect">
@@ -3661,9 +3660,9 @@
         <p:grpSpPr>
           <a:xfrm>
             <a:off x="389204" y="147058"/>
-            <a:ext cx="11413592" cy="461665"/>
+            <a:ext cx="11526764" cy="461665"/>
             <a:chOff x="389204" y="147058"/>
-            <a:chExt cx="11413592" cy="461665"/>
+            <a:chExt cx="11526764" cy="461665"/>
           </a:xfrm>
         </p:grpSpPr>
         <p:sp>
@@ -3938,94 +3937,8 @@
           </p:nvSpPr>
           <p:spPr>
             <a:xfrm>
-              <a:off x="8102999" y="147058"/>
-              <a:ext cx="1246623" cy="461665"/>
-            </a:xfrm>
-            <a:prstGeom prst="rect">
-              <a:avLst/>
-            </a:prstGeom>
-            <a:noFill/>
-          </p:spPr>
-          <p:txBody>
-            <a:bodyPr wrap="none" rtlCol="0" anchor="ctr">
-              <a:spAutoFit/>
-            </a:bodyPr>
-            <a:lstStyle/>
-            <a:p>
-              <a:pPr algn="ctr"/>
-              <a:r>
-                <a:rPr lang="fr-FR" sz="2400" b="1" cap="small" dirty="0">
-                  <a:solidFill>
-                    <a:schemeClr val="bg1"/>
-                  </a:solidFill>
-                  <a:latin typeface="+mj-lt"/>
-                </a:rPr>
-                <a:t>Résultats</a:t>
-              </a:r>
-              <a:endParaRPr lang="fr-FR" b="1" cap="small" dirty="0">
-                <a:solidFill>
-                  <a:schemeClr val="bg1"/>
-                </a:solidFill>
-                <a:latin typeface="+mj-lt"/>
-              </a:endParaRPr>
-            </a:p>
-          </p:txBody>
-        </p:sp>
-        <p:pic>
-          <p:nvPicPr>
-            <p:cNvPr id="19" name="Graphique 18" descr="Fleur">
-              <a:extLst>
-                <a:ext uri="{FF2B5EF4-FFF2-40B4-BE49-F238E27FC236}">
-                  <a16:creationId xmlns:a16="http://schemas.microsoft.com/office/drawing/2014/main" id="{E97D50FA-1726-4AFB-9CDC-0B4A9E8C6087}"/>
-                </a:ext>
-              </a:extLst>
-            </p:cNvPr>
-            <p:cNvPicPr>
-              <a:picLocks noChangeAspect="1"/>
-            </p:cNvPicPr>
-            <p:nvPr/>
-          </p:nvPicPr>
-          <p:blipFill>
-            <a:blip r:embed="rId3">
-              <a:extLst>
-                <a:ext uri="{28A0092B-C50C-407E-A947-70E740481C1C}">
-                  <a14:useLocalDpi xmlns:a14="http://schemas.microsoft.com/office/drawing/2010/main" val="0"/>
-                </a:ext>
-                <a:ext uri="{96DAC541-7B7A-43D3-8B79-37D633B846F1}">
-                  <asvg:svgBlip xmlns:asvg="http://schemas.microsoft.com/office/drawing/2016/SVG/main" r:embed="rId4"/>
-                </a:ext>
-              </a:extLst>
-            </a:blip>
-            <a:stretch>
-              <a:fillRect/>
-            </a:stretch>
-          </p:blipFill>
-          <p:spPr>
-            <a:xfrm>
-              <a:off x="9720653" y="220825"/>
-              <a:ext cx="314130" cy="314130"/>
-            </a:xfrm>
-            <a:prstGeom prst="rect">
-              <a:avLst/>
-            </a:prstGeom>
-          </p:spPr>
-        </p:pic>
-        <p:sp>
-          <p:nvSpPr>
-            <p:cNvPr id="20" name="ZoneTexte 19">
-              <a:extLst>
-                <a:ext uri="{FF2B5EF4-FFF2-40B4-BE49-F238E27FC236}">
-                  <a16:creationId xmlns:a16="http://schemas.microsoft.com/office/drawing/2014/main" id="{AEBF759D-5C10-429A-9FF9-D4F831590151}"/>
-                </a:ext>
-              </a:extLst>
-            </p:cNvPr>
-            <p:cNvSpPr txBox="1"/>
-            <p:nvPr/>
-          </p:nvSpPr>
-          <p:spPr>
-            <a:xfrm>
-              <a:off x="10484935" y="177835"/>
-              <a:ext cx="1317861" cy="400110"/>
+              <a:off x="8182123" y="177835"/>
+              <a:ext cx="1088375" cy="400110"/>
             </a:xfrm>
             <a:prstGeom prst="rect">
               <a:avLst/>
@@ -4046,9 +3959,95 @@
                   </a:solidFill>
                   <a:latin typeface="+mj-lt"/>
                 </a:rPr>
+                <a:t>Résultats</a:t>
+              </a:r>
+              <a:endParaRPr lang="fr-FR" cap="small" dirty="0">
+                <a:solidFill>
+                  <a:schemeClr val="bg1"/>
+                </a:solidFill>
+                <a:latin typeface="+mj-lt"/>
+              </a:endParaRPr>
+            </a:p>
+          </p:txBody>
+        </p:sp>
+        <p:pic>
+          <p:nvPicPr>
+            <p:cNvPr id="19" name="Graphique 18" descr="Fleur">
+              <a:extLst>
+                <a:ext uri="{FF2B5EF4-FFF2-40B4-BE49-F238E27FC236}">
+                  <a16:creationId xmlns:a16="http://schemas.microsoft.com/office/drawing/2014/main" id="{E97D50FA-1726-4AFB-9CDC-0B4A9E8C6087}"/>
+                </a:ext>
+              </a:extLst>
+            </p:cNvPr>
+            <p:cNvPicPr>
+              <a:picLocks noChangeAspect="1"/>
+            </p:cNvPicPr>
+            <p:nvPr/>
+          </p:nvPicPr>
+          <p:blipFill>
+            <a:blip r:embed="rId3">
+              <a:extLst>
+                <a:ext uri="{28A0092B-C50C-407E-A947-70E740481C1C}">
+                  <a14:useLocalDpi xmlns:a14="http://schemas.microsoft.com/office/drawing/2010/main" val="0"/>
+                </a:ext>
+                <a:ext uri="{96DAC541-7B7A-43D3-8B79-37D633B846F1}">
+                  <asvg:svgBlip xmlns:asvg="http://schemas.microsoft.com/office/drawing/2016/SVG/main" r:embed="rId4"/>
+                </a:ext>
+              </a:extLst>
+            </a:blip>
+            <a:stretch>
+              <a:fillRect/>
+            </a:stretch>
+          </p:blipFill>
+          <p:spPr>
+            <a:xfrm>
+              <a:off x="9720653" y="220825"/>
+              <a:ext cx="314130" cy="314130"/>
+            </a:xfrm>
+            <a:prstGeom prst="rect">
+              <a:avLst/>
+            </a:prstGeom>
+          </p:spPr>
+        </p:pic>
+        <p:sp>
+          <p:nvSpPr>
+            <p:cNvPr id="20" name="ZoneTexte 19">
+              <a:extLst>
+                <a:ext uri="{FF2B5EF4-FFF2-40B4-BE49-F238E27FC236}">
+                  <a16:creationId xmlns:a16="http://schemas.microsoft.com/office/drawing/2014/main" id="{AEBF759D-5C10-429A-9FF9-D4F831590151}"/>
+                </a:ext>
+              </a:extLst>
+            </p:cNvPr>
+            <p:cNvSpPr txBox="1"/>
+            <p:nvPr/>
+          </p:nvSpPr>
+          <p:spPr>
+            <a:xfrm>
+              <a:off x="10371764" y="147058"/>
+              <a:ext cx="1544204" cy="461665"/>
+            </a:xfrm>
+            <a:prstGeom prst="rect">
+              <a:avLst/>
+            </a:prstGeom>
+            <a:noFill/>
+          </p:spPr>
+          <p:txBody>
+            <a:bodyPr wrap="none" rtlCol="0" anchor="ctr">
+              <a:spAutoFit/>
+            </a:bodyPr>
+            <a:lstStyle/>
+            <a:p>
+              <a:pPr algn="ctr"/>
+              <a:r>
+                <a:rPr lang="fr-FR" sz="2400" cap="small" dirty="0">
+                  <a:solidFill>
+                    <a:schemeClr val="bg1"/>
+                  </a:solidFill>
+                  <a:latin typeface="+mj-lt"/>
+                </a:rPr>
                 <a:t>Conclusion</a:t>
               </a:r>
-              <a:endParaRPr lang="fr-FR" cap="small" dirty="0">
+              <a:endParaRPr lang="fr-FR" sz="2000" cap="small" dirty="0">
                 <a:solidFill>
                   <a:schemeClr val="bg1"/>
                 </a:solidFill>
@@ -4168,10 +4167,212 @@
       </p:grpSp>
       <p:sp>
         <p:nvSpPr>
-          <p:cNvPr id="21" name="ZoneTexte 20">
-            <a:extLst>
-              <a:ext uri="{FF2B5EF4-FFF2-40B4-BE49-F238E27FC236}">
-                <a16:creationId xmlns:a16="http://schemas.microsoft.com/office/drawing/2014/main" id="{9A3583B9-D707-40A2-BB99-15A51867E2AE}"/>
+          <p:cNvPr id="2" name="ZoneTexte 1">
+            <a:extLst>
+              <a:ext uri="{FF2B5EF4-FFF2-40B4-BE49-F238E27FC236}">
+                <a16:creationId xmlns:a16="http://schemas.microsoft.com/office/drawing/2014/main" id="{F1161A36-B97B-4F54-8155-8FE921DBA68B}"/>
+              </a:ext>
+            </a:extLst>
+          </p:cNvPr>
+          <p:cNvSpPr txBox="1"/>
+          <p:nvPr/>
+        </p:nvSpPr>
+        <p:spPr>
+          <a:xfrm>
+            <a:off x="518003" y="2290195"/>
+            <a:ext cx="10926067" cy="3077766"/>
+          </a:xfrm>
+          <a:prstGeom prst="rect">
+            <a:avLst/>
+          </a:prstGeom>
+          <a:noFill/>
+        </p:spPr>
+        <p:txBody>
+          <a:bodyPr wrap="square" rtlCol="0">
+            <a:spAutoFit/>
+          </a:bodyPr>
+          <a:lstStyle/>
+          <a:p>
+            <a:pPr marL="285750" indent="-285750">
+              <a:buFont typeface="Arial" panose="020B0604020202020204" pitchFamily="34" charset="0"/>
+              <a:buChar char="•"/>
+            </a:pPr>
+            <a:r>
+              <a:rPr lang="fr-FR" sz="2000" dirty="0">
+                <a:latin typeface="+mj-lt"/>
+              </a:rPr>
+              <a:t>Faible diversité d’images (Image test trop pas assez ressemblantes au jeu de données train)</a:t>
+            </a:r>
+          </a:p>
+          <a:p>
+            <a:pPr marL="742950" lvl="1" indent="-285750">
+              <a:buFont typeface="Wingdings" panose="05000000000000000000" pitchFamily="2" charset="2"/>
+              <a:buChar char="è"/>
+            </a:pPr>
+            <a:r>
+              <a:rPr lang="fr-FR" sz="1600" dirty="0">
+                <a:latin typeface="+mj-lt"/>
+                <a:sym typeface="Wingdings" panose="05000000000000000000" pitchFamily="2" charset="2"/>
+              </a:rPr>
+              <a:t>Autre : essentiellement des animaux dans la végétation, peut être confondu avec les données dans « Fleur »</a:t>
+            </a:r>
+          </a:p>
+          <a:p>
+            <a:pPr marL="742950" lvl="1" indent="-285750">
+              <a:buFont typeface="Wingdings" panose="05000000000000000000" pitchFamily="2" charset="2"/>
+              <a:buChar char="è"/>
+            </a:pPr>
+            <a:endParaRPr lang="fr-FR" sz="1600" dirty="0">
+              <a:latin typeface="+mj-lt"/>
+              <a:sym typeface="Wingdings" panose="05000000000000000000" pitchFamily="2" charset="2"/>
+            </a:endParaRPr>
+          </a:p>
+          <a:p>
+            <a:pPr marL="285750" indent="-285750">
+              <a:buFont typeface="Arial" panose="020B0604020202020204" pitchFamily="34" charset="0"/>
+              <a:buChar char="•"/>
+            </a:pPr>
+            <a:r>
+              <a:rPr lang="fr-FR" sz="2000" dirty="0">
+                <a:latin typeface="+mj-lt"/>
+                <a:sym typeface="Wingdings" panose="05000000000000000000" pitchFamily="2" charset="2"/>
+              </a:rPr>
+              <a:t>Images biaisées, mal rangées</a:t>
+            </a:r>
+          </a:p>
+          <a:p>
+            <a:pPr marL="742950" lvl="1" indent="-285750">
+              <a:buFont typeface="Wingdings" panose="05000000000000000000" pitchFamily="2" charset="2"/>
+              <a:buChar char="è"/>
+            </a:pPr>
+            <a:r>
+              <a:rPr lang="fr-FR" sz="1600" dirty="0">
+                <a:latin typeface="+mj-lt"/>
+                <a:sym typeface="Wingdings" panose="05000000000000000000" pitchFamily="2" charset="2"/>
+              </a:rPr>
+              <a:t>Les images prises dans des jeux de données n’ont pas été toutes passées en revue</a:t>
+            </a:r>
+          </a:p>
+          <a:p>
+            <a:pPr marL="742950" lvl="1" indent="-285750">
+              <a:buFont typeface="Wingdings" panose="05000000000000000000" pitchFamily="2" charset="2"/>
+              <a:buChar char="è"/>
+            </a:pPr>
+            <a:endParaRPr lang="fr-FR" dirty="0">
+              <a:sym typeface="Wingdings" panose="05000000000000000000" pitchFamily="2" charset="2"/>
+            </a:endParaRPr>
+          </a:p>
+          <a:p>
+            <a:pPr marL="285750" indent="-285750">
+              <a:buFont typeface="Arial" panose="020B0604020202020204" pitchFamily="34" charset="0"/>
+              <a:buChar char="•"/>
+            </a:pPr>
+            <a:r>
+              <a:rPr lang="fr-FR" sz="2000" dirty="0">
+                <a:latin typeface="+mj-lt"/>
+                <a:sym typeface="Wingdings" panose="05000000000000000000" pitchFamily="2" charset="2"/>
+              </a:rPr>
+              <a:t>Pas assez d’</a:t>
+            </a:r>
+            <a:r>
+              <a:rPr lang="fr-FR" sz="2000" dirty="0" err="1">
+                <a:latin typeface="+mj-lt"/>
+                <a:sym typeface="Wingdings" panose="05000000000000000000" pitchFamily="2" charset="2"/>
+              </a:rPr>
+              <a:t>epochs</a:t>
+            </a:r>
+            <a:r>
+              <a:rPr lang="fr-FR" sz="2000" dirty="0">
+                <a:latin typeface="+mj-lt"/>
+                <a:sym typeface="Wingdings" panose="05000000000000000000" pitchFamily="2" charset="2"/>
+              </a:rPr>
+              <a:t> ou architecture pas assez dense </a:t>
+            </a:r>
+          </a:p>
+          <a:p>
+            <a:pPr marL="742950" lvl="1" indent="-285750">
+              <a:buFont typeface="Wingdings" panose="05000000000000000000" pitchFamily="2" charset="2"/>
+              <a:buChar char="è"/>
+            </a:pPr>
+            <a:r>
+              <a:rPr lang="fr-FR" sz="1600" dirty="0">
+                <a:latin typeface="+mj-lt"/>
+                <a:sym typeface="Wingdings" panose="05000000000000000000" pitchFamily="2" charset="2"/>
+              </a:rPr>
+              <a:t>On voulait maximiser « </a:t>
+            </a:r>
+            <a:r>
+              <a:rPr lang="fr-FR" sz="1600" dirty="0" err="1">
+                <a:latin typeface="+mj-lt"/>
+                <a:sym typeface="Wingdings" panose="05000000000000000000" pitchFamily="2" charset="2"/>
+              </a:rPr>
+              <a:t>computing</a:t>
+            </a:r>
+            <a:r>
+              <a:rPr lang="fr-FR" sz="1600" dirty="0">
+                <a:latin typeface="+mj-lt"/>
+                <a:sym typeface="Wingdings" panose="05000000000000000000" pitchFamily="2" charset="2"/>
+              </a:rPr>
+              <a:t> time » (le temps d’entrainement du modèle et de validation) et « validation </a:t>
+            </a:r>
+            <a:r>
+              <a:rPr lang="fr-FR" sz="1600" dirty="0" err="1">
+                <a:latin typeface="+mj-lt"/>
+                <a:sym typeface="Wingdings" panose="05000000000000000000" pitchFamily="2" charset="2"/>
+              </a:rPr>
+              <a:t>accuracy</a:t>
+            </a:r>
+            <a:r>
+              <a:rPr lang="fr-FR" sz="1600" dirty="0">
+                <a:latin typeface="+mj-lt"/>
+                <a:sym typeface="Wingdings" panose="05000000000000000000" pitchFamily="2" charset="2"/>
+              </a:rPr>
+              <a:t>  »</a:t>
+            </a:r>
+          </a:p>
+          <a:p>
+            <a:pPr marL="742950" lvl="1" indent="-285750">
+              <a:buFont typeface="Wingdings" panose="05000000000000000000" pitchFamily="2" charset="2"/>
+              <a:buChar char="è"/>
+            </a:pPr>
+            <a:endParaRPr lang="fr-FR" sz="1600" dirty="0">
+              <a:latin typeface="+mj-lt"/>
+              <a:sym typeface="Wingdings" panose="05000000000000000000" pitchFamily="2" charset="2"/>
+            </a:endParaRPr>
+          </a:p>
+          <a:p>
+            <a:pPr marL="285750" indent="-285750">
+              <a:buFont typeface="Arial" panose="020B0604020202020204" pitchFamily="34" charset="0"/>
+              <a:buChar char="•"/>
+            </a:pPr>
+            <a:r>
+              <a:rPr lang="fr-FR" sz="2000" dirty="0">
+                <a:latin typeface="+mj-lt"/>
+              </a:rPr>
+              <a:t>Architecture pas adaptée</a:t>
+            </a:r>
+          </a:p>
+          <a:p>
+            <a:pPr lvl="1"/>
+            <a:r>
+              <a:rPr lang="fr-FR" sz="1600" dirty="0">
+                <a:latin typeface="+mj-lt"/>
+                <a:sym typeface="Wingdings" panose="05000000000000000000" pitchFamily="2" charset="2"/>
+              </a:rPr>
+              <a:t> On pourrait réutiliser des architectures spécialisées dans la classification de la flore</a:t>
+            </a:r>
+            <a:endParaRPr lang="fr-FR" sz="1600" dirty="0">
+              <a:latin typeface="+mj-lt"/>
+            </a:endParaRPr>
+          </a:p>
+        </p:txBody>
+      </p:sp>
+      <p:sp>
+        <p:nvSpPr>
+          <p:cNvPr id="23" name="ZoneTexte 22">
+            <a:extLst>
+              <a:ext uri="{FF2B5EF4-FFF2-40B4-BE49-F238E27FC236}">
+                <a16:creationId xmlns:a16="http://schemas.microsoft.com/office/drawing/2014/main" id="{9A7F7F14-0D39-4803-B822-8A396746A20B}"/>
               </a:ext>
             </a:extLst>
           </p:cNvPr>
@@ -4181,7 +4382,7 @@
         <p:spPr>
           <a:xfrm>
             <a:off x="961052" y="1121167"/>
-            <a:ext cx="3515001" cy="461665"/>
+            <a:ext cx="5797869" cy="461665"/>
           </a:xfrm>
           <a:prstGeom prst="rect">
             <a:avLst/>
@@ -4198,7 +4399,7 @@
               <a:rPr lang="fr-FR" sz="2400" cap="small" dirty="0">
                 <a:latin typeface="+mj-lt"/>
               </a:rPr>
-              <a:t>Confrontation des résultats</a:t>
+              <a:t>Qu’est-ce qui pourrait expliquer ces résultats ?</a:t>
             </a:r>
             <a:endParaRPr lang="fr-FR" sz="2000" cap="small" dirty="0">
               <a:latin typeface="+mj-lt"/>
@@ -4206,147 +4407,10 @@
           </a:p>
         </p:txBody>
       </p:sp>
-      <p:sp>
-        <p:nvSpPr>
-          <p:cNvPr id="23" name="ZoneTexte 22">
-            <a:extLst>
-              <a:ext uri="{FF2B5EF4-FFF2-40B4-BE49-F238E27FC236}">
-                <a16:creationId xmlns:a16="http://schemas.microsoft.com/office/drawing/2014/main" id="{8E01B494-50FE-46B4-A84F-859920A3792D}"/>
-              </a:ext>
-            </a:extLst>
-          </p:cNvPr>
-          <p:cNvSpPr txBox="1"/>
-          <p:nvPr/>
-        </p:nvSpPr>
-        <p:spPr>
-          <a:xfrm>
-            <a:off x="961052" y="1822385"/>
-            <a:ext cx="1031051" cy="3814890"/>
-          </a:xfrm>
-          <a:prstGeom prst="rect">
-            <a:avLst/>
-          </a:prstGeom>
-          <a:noFill/>
-        </p:spPr>
-        <p:txBody>
-          <a:bodyPr wrap="none" rtlCol="0">
-            <a:spAutoFit/>
-          </a:bodyPr>
-          <a:lstStyle/>
-          <a:p>
-            <a:pPr marL="457200" indent="-457200">
-              <a:lnSpc>
-                <a:spcPct val="250000"/>
-              </a:lnSpc>
-              <a:buFont typeface="Arial" panose="020B0604020202020204" pitchFamily="34" charset="0"/>
-              <a:buChar char="•"/>
-            </a:pPr>
-            <a:r>
-              <a:rPr lang="fr-FR" sz="2000" dirty="0">
-                <a:latin typeface="+mj-lt"/>
-              </a:rPr>
-              <a:t>___</a:t>
-            </a:r>
-          </a:p>
-          <a:p>
-            <a:pPr marL="457200" indent="-457200">
-              <a:lnSpc>
-                <a:spcPct val="250000"/>
-              </a:lnSpc>
-              <a:buFont typeface="Arial" panose="020B0604020202020204" pitchFamily="34" charset="0"/>
-              <a:buChar char="•"/>
-            </a:pPr>
-            <a:r>
-              <a:rPr lang="fr-FR" sz="2000" dirty="0">
-                <a:latin typeface="+mj-lt"/>
-              </a:rPr>
-              <a:t>___</a:t>
-            </a:r>
-          </a:p>
-          <a:p>
-            <a:pPr marL="457200" indent="-457200">
-              <a:lnSpc>
-                <a:spcPct val="250000"/>
-              </a:lnSpc>
-              <a:buFont typeface="Arial" panose="020B0604020202020204" pitchFamily="34" charset="0"/>
-              <a:buChar char="•"/>
-            </a:pPr>
-            <a:r>
-              <a:rPr lang="fr-FR" sz="2000" dirty="0">
-                <a:latin typeface="+mj-lt"/>
-              </a:rPr>
-              <a:t>___</a:t>
-            </a:r>
-          </a:p>
-          <a:p>
-            <a:pPr marL="457200" indent="-457200">
-              <a:lnSpc>
-                <a:spcPct val="250000"/>
-              </a:lnSpc>
-              <a:buFont typeface="Arial" panose="020B0604020202020204" pitchFamily="34" charset="0"/>
-              <a:buChar char="•"/>
-            </a:pPr>
-            <a:r>
-              <a:rPr lang="fr-FR" sz="2000" dirty="0">
-                <a:latin typeface="+mj-lt"/>
-              </a:rPr>
-              <a:t>__</a:t>
-            </a:r>
-          </a:p>
-          <a:p>
-            <a:pPr marL="457200" indent="-457200">
-              <a:lnSpc>
-                <a:spcPct val="250000"/>
-              </a:lnSpc>
-              <a:buFont typeface="Arial" panose="020B0604020202020204" pitchFamily="34" charset="0"/>
-              <a:buChar char="•"/>
-            </a:pPr>
-            <a:endParaRPr lang="fr-FR" sz="2000" dirty="0">
-              <a:latin typeface="+mj-lt"/>
-            </a:endParaRPr>
-          </a:p>
-        </p:txBody>
-      </p:sp>
-      <p:pic>
-        <p:nvPicPr>
-          <p:cNvPr id="7" name="Image 6">
-            <a:extLst>
-              <a:ext uri="{FF2B5EF4-FFF2-40B4-BE49-F238E27FC236}">
-                <a16:creationId xmlns:a16="http://schemas.microsoft.com/office/drawing/2014/main" id="{4954E5B8-3EC0-442D-B069-315C54F7AC46}"/>
-              </a:ext>
-            </a:extLst>
-          </p:cNvPr>
-          <p:cNvPicPr>
-            <a:picLocks noChangeAspect="1"/>
-          </p:cNvPicPr>
-          <p:nvPr/>
-        </p:nvPicPr>
-        <p:blipFill>
-          <a:blip r:embed="rId7">
-            <a:extLst>
-              <a:ext uri="{28A0092B-C50C-407E-A947-70E740481C1C}">
-                <a14:useLocalDpi xmlns:a14="http://schemas.microsoft.com/office/drawing/2010/main" val="0"/>
-              </a:ext>
-            </a:extLst>
-          </a:blip>
-          <a:stretch>
-            <a:fillRect/>
-          </a:stretch>
-        </p:blipFill>
-        <p:spPr>
-          <a:xfrm>
-            <a:off x="6386469" y="2595119"/>
-            <a:ext cx="5181435" cy="1823311"/>
-          </a:xfrm>
-          <a:prstGeom prst="rect">
-            <a:avLst/>
-          </a:prstGeom>
-        </p:spPr>
-      </p:pic>
     </p:spTree>
     <p:extLst>
       <p:ext uri="{BB962C8B-B14F-4D97-AF65-F5344CB8AC3E}">
-        <p14:creationId xmlns:p14="http://schemas.microsoft.com/office/powerpoint/2010/main" val="702948110"/>
+        <p14:creationId xmlns:p14="http://schemas.microsoft.com/office/powerpoint/2010/main" val="3182612710"/>
       </p:ext>
     </p:extLst>
   </p:cSld>
@@ -4983,10 +5047,10 @@
       </p:grpSp>
       <p:sp>
         <p:nvSpPr>
-          <p:cNvPr id="21" name="ZoneTexte 20">
-            <a:extLst>
-              <a:ext uri="{FF2B5EF4-FFF2-40B4-BE49-F238E27FC236}">
-                <a16:creationId xmlns:a16="http://schemas.microsoft.com/office/drawing/2014/main" id="{8DBE9CAD-A3B4-4905-9D02-4D4CF6B10629}"/>
+          <p:cNvPr id="2" name="ZoneTexte 1">
+            <a:extLst>
+              <a:ext uri="{FF2B5EF4-FFF2-40B4-BE49-F238E27FC236}">
+                <a16:creationId xmlns:a16="http://schemas.microsoft.com/office/drawing/2014/main" id="{F1161A36-B97B-4F54-8155-8FE921DBA68B}"/>
               </a:ext>
             </a:extLst>
           </p:cNvPr>
@@ -4995,8 +5059,190 @@
         </p:nvSpPr>
         <p:spPr>
           <a:xfrm>
-            <a:off x="903897" y="755780"/>
-            <a:ext cx="5797869" cy="866071"/>
+            <a:off x="518003" y="2283711"/>
+            <a:ext cx="11067193" cy="2677656"/>
+          </a:xfrm>
+          <a:prstGeom prst="rect">
+            <a:avLst/>
+          </a:prstGeom>
+          <a:noFill/>
+        </p:spPr>
+        <p:txBody>
+          <a:bodyPr wrap="square" rtlCol="0">
+            <a:spAutoFit/>
+          </a:bodyPr>
+          <a:lstStyle/>
+          <a:p>
+            <a:pPr marL="285750" indent="-285750">
+              <a:buFont typeface="Arial" panose="020B0604020202020204" pitchFamily="34" charset="0"/>
+              <a:buChar char="•"/>
+            </a:pPr>
+            <a:r>
+              <a:rPr lang="fr-FR" sz="2000" dirty="0">
+                <a:latin typeface="+mj-lt"/>
+              </a:rPr>
+              <a:t>Utilisation d’un </a:t>
+            </a:r>
+            <a:r>
+              <a:rPr lang="fr-FR" sz="2000" dirty="0" err="1">
+                <a:latin typeface="+mj-lt"/>
+              </a:rPr>
+              <a:t>multilayer</a:t>
+            </a:r>
+            <a:r>
+              <a:rPr lang="fr-FR" sz="2000" dirty="0">
+                <a:latin typeface="+mj-lt"/>
+              </a:rPr>
+              <a:t> perceptron (et d’un </a:t>
+            </a:r>
+            <a:r>
+              <a:rPr lang="fr-FR" sz="2000" dirty="0" err="1">
+                <a:latin typeface="+mj-lt"/>
+              </a:rPr>
+              <a:t>flattening</a:t>
+            </a:r>
+            <a:r>
+              <a:rPr lang="fr-FR" sz="2000" dirty="0">
+                <a:latin typeface="+mj-lt"/>
+              </a:rPr>
+              <a:t> layer)</a:t>
+            </a:r>
+          </a:p>
+          <a:p>
+            <a:pPr marL="742950" lvl="1" indent="-285750">
+              <a:buFont typeface="Wingdings" panose="05000000000000000000" pitchFamily="2" charset="2"/>
+              <a:buChar char="è"/>
+            </a:pPr>
+            <a:r>
+              <a:rPr lang="fr-FR" sz="1600" dirty="0">
+                <a:latin typeface="+mj-lt"/>
+                <a:sym typeface="Wingdings" panose="05000000000000000000" pitchFamily="2" charset="2"/>
+              </a:rPr>
+              <a:t>Un MLP associé à notre architecture contenant des couches de convolutions pourrait fournir des résultats plus satisfaisants</a:t>
+            </a:r>
+          </a:p>
+          <a:p>
+            <a:pPr lvl="1"/>
+            <a:endParaRPr lang="fr-FR" sz="1600" dirty="0">
+              <a:latin typeface="+mj-lt"/>
+              <a:sym typeface="Wingdings" panose="05000000000000000000" pitchFamily="2" charset="2"/>
+            </a:endParaRPr>
+          </a:p>
+          <a:p>
+            <a:pPr marL="285750" indent="-285750">
+              <a:buFont typeface="Arial" panose="020B0604020202020204" pitchFamily="34" charset="0"/>
+              <a:buChar char="•"/>
+            </a:pPr>
+            <a:r>
+              <a:rPr lang="fr-FR" sz="2000" dirty="0">
+                <a:latin typeface="+mj-lt"/>
+                <a:sym typeface="Wingdings" panose="05000000000000000000" pitchFamily="2" charset="2"/>
+              </a:rPr>
+              <a:t>Vérifier la classification des images, et les images en elles-mêmes</a:t>
+            </a:r>
+          </a:p>
+          <a:p>
+            <a:pPr marL="285750" indent="-285750">
+              <a:buFont typeface="Arial" panose="020B0604020202020204" pitchFamily="34" charset="0"/>
+              <a:buChar char="•"/>
+            </a:pPr>
+            <a:endParaRPr lang="fr-FR" sz="2000" dirty="0">
+              <a:latin typeface="+mj-lt"/>
+              <a:sym typeface="Wingdings" panose="05000000000000000000" pitchFamily="2" charset="2"/>
+            </a:endParaRPr>
+          </a:p>
+          <a:p>
+            <a:pPr marL="285750" indent="-285750">
+              <a:buFont typeface="Arial" panose="020B0604020202020204" pitchFamily="34" charset="0"/>
+              <a:buChar char="•"/>
+            </a:pPr>
+            <a:r>
+              <a:rPr lang="fr-FR" sz="2000" dirty="0">
+                <a:latin typeface="+mj-lt"/>
+                <a:sym typeface="Wingdings" panose="05000000000000000000" pitchFamily="2" charset="2"/>
+              </a:rPr>
+              <a:t>Rajouter des couches (pour aller plus profondément dans l’apprentissage)</a:t>
+            </a:r>
+          </a:p>
+          <a:p>
+            <a:pPr marL="285750" indent="-285750">
+              <a:buFont typeface="Arial" panose="020B0604020202020204" pitchFamily="34" charset="0"/>
+              <a:buChar char="•"/>
+            </a:pPr>
+            <a:endParaRPr lang="fr-FR" sz="2000" dirty="0">
+              <a:latin typeface="+mj-lt"/>
+              <a:sym typeface="Wingdings" panose="05000000000000000000" pitchFamily="2" charset="2"/>
+            </a:endParaRPr>
+          </a:p>
+          <a:p>
+            <a:pPr marL="285750" indent="-285750">
+              <a:buFont typeface="Arial" panose="020B0604020202020204" pitchFamily="34" charset="0"/>
+              <a:buChar char="•"/>
+            </a:pPr>
+            <a:r>
+              <a:rPr lang="fr-FR" sz="2000" dirty="0">
+                <a:latin typeface="+mj-lt"/>
+                <a:sym typeface="Wingdings" panose="05000000000000000000" pitchFamily="2" charset="2"/>
+              </a:rPr>
+              <a:t>Rajouter des </a:t>
+            </a:r>
+            <a:r>
+              <a:rPr lang="fr-FR" sz="2000" dirty="0" err="1">
+                <a:latin typeface="+mj-lt"/>
+                <a:sym typeface="Wingdings" panose="05000000000000000000" pitchFamily="2" charset="2"/>
+              </a:rPr>
+              <a:t>epochs</a:t>
+            </a:r>
+            <a:endParaRPr lang="fr-FR" sz="2000" dirty="0">
+              <a:latin typeface="+mj-lt"/>
+              <a:sym typeface="Wingdings" panose="05000000000000000000" pitchFamily="2" charset="2"/>
+            </a:endParaRPr>
+          </a:p>
+          <a:p>
+            <a:pPr marL="742950" lvl="1" indent="-285750">
+              <a:buFont typeface="Wingdings" panose="05000000000000000000" pitchFamily="2" charset="2"/>
+              <a:buChar char="è"/>
+            </a:pPr>
+            <a:r>
+              <a:rPr lang="fr-FR" sz="1600" dirty="0">
+                <a:latin typeface="+mj-lt"/>
+                <a:sym typeface="Wingdings" panose="05000000000000000000" pitchFamily="2" charset="2"/>
+              </a:rPr>
+              <a:t>Nous n’avions pas atteint un plateau pour l’</a:t>
+            </a:r>
+            <a:r>
+              <a:rPr lang="fr-FR" sz="1600" dirty="0" err="1">
+                <a:latin typeface="+mj-lt"/>
+                <a:sym typeface="Wingdings" panose="05000000000000000000" pitchFamily="2" charset="2"/>
+              </a:rPr>
+              <a:t>accuracy</a:t>
+            </a:r>
+            <a:r>
+              <a:rPr lang="fr-FR" sz="1600" dirty="0">
+                <a:latin typeface="+mj-lt"/>
+                <a:sym typeface="Wingdings" panose="05000000000000000000" pitchFamily="2" charset="2"/>
+              </a:rPr>
+              <a:t> du modèle d’entrainement ni de validation</a:t>
+            </a:r>
+          </a:p>
+        </p:txBody>
+      </p:sp>
+      <p:sp>
+        <p:nvSpPr>
+          <p:cNvPr id="23" name="ZoneTexte 22">
+            <a:extLst>
+              <a:ext uri="{FF2B5EF4-FFF2-40B4-BE49-F238E27FC236}">
+                <a16:creationId xmlns:a16="http://schemas.microsoft.com/office/drawing/2014/main" id="{9A7F7F14-0D39-4803-B822-8A396746A20B}"/>
+              </a:ext>
+            </a:extLst>
+          </p:cNvPr>
+          <p:cNvSpPr txBox="1"/>
+          <p:nvPr/>
+        </p:nvSpPr>
+        <p:spPr>
+          <a:xfrm>
+            <a:off x="961052" y="1121167"/>
+            <a:ext cx="1900649" cy="461665"/>
           </a:xfrm>
           <a:prstGeom prst="rect">
             <a:avLst/>
@@ -5009,26 +5255,24 @@
           </a:bodyPr>
           <a:lstStyle/>
           <a:p>
-            <a:pPr>
-              <a:lnSpc>
-                <a:spcPct val="250000"/>
-              </a:lnSpc>
-            </a:pPr>
             <a:r>
               <a:rPr lang="fr-FR" sz="2400" cap="small" dirty="0">
                 <a:latin typeface="+mj-lt"/>
               </a:rPr>
-              <a:t>Qu’est-ce qui pourrait expliquer ces résultats ?</a:t>
-            </a:r>
+              <a:t>Perspectives… </a:t>
+            </a:r>
+            <a:endParaRPr lang="fr-FR" sz="2000" cap="small" dirty="0">
+              <a:latin typeface="+mj-lt"/>
+            </a:endParaRPr>
           </a:p>
         </p:txBody>
       </p:sp>
       <p:sp>
         <p:nvSpPr>
-          <p:cNvPr id="2" name="ZoneTexte 1">
-            <a:extLst>
-              <a:ext uri="{FF2B5EF4-FFF2-40B4-BE49-F238E27FC236}">
-                <a16:creationId xmlns:a16="http://schemas.microsoft.com/office/drawing/2014/main" id="{F1161A36-B97B-4F54-8155-8FE921DBA68B}"/>
+          <p:cNvPr id="3" name="ZoneTexte 2">
+            <a:extLst>
+              <a:ext uri="{FF2B5EF4-FFF2-40B4-BE49-F238E27FC236}">
+                <a16:creationId xmlns:a16="http://schemas.microsoft.com/office/drawing/2014/main" id="{648BF3E4-C25F-45F4-9242-ABCADCB49665}"/>
               </a:ext>
             </a:extLst>
           </p:cNvPr>
@@ -5037,8 +5281,8 @@
         </p:nvSpPr>
         <p:spPr>
           <a:xfrm>
-            <a:off x="518003" y="2290195"/>
-            <a:ext cx="10926067" cy="2246769"/>
+            <a:off x="1275680" y="5440291"/>
+            <a:ext cx="9410712" cy="369332"/>
           </a:xfrm>
           <a:prstGeom prst="rect">
             <a:avLst/>
@@ -5051,138 +5295,17 @@
           </a:bodyPr>
           <a:lstStyle/>
           <a:p>
-            <a:pPr marL="285750" indent="-285750">
-              <a:buFont typeface="Arial" panose="020B0604020202020204" pitchFamily="34" charset="0"/>
-              <a:buChar char="•"/>
-            </a:pPr>
-            <a:r>
-              <a:rPr lang="fr-FR" sz="2000" dirty="0">
-                <a:latin typeface="+mj-lt"/>
-              </a:rPr>
-              <a:t>Faible diversité d’images (Image test trop pas assez ressemblantes au jeu de données train)</a:t>
-            </a:r>
-          </a:p>
-          <a:p>
-            <a:pPr lvl="1"/>
-            <a:r>
-              <a:rPr lang="fr-FR" sz="1600" dirty="0">
-                <a:latin typeface="+mj-lt"/>
-                <a:sym typeface="Wingdings" panose="05000000000000000000" pitchFamily="2" charset="2"/>
-              </a:rPr>
-              <a:t> Autre : essentiellement des animaux dans la végétation, peut être confondu avec les données dans « Fleur »</a:t>
-            </a:r>
-          </a:p>
-          <a:p>
-            <a:pPr marL="742950" lvl="1" indent="-285750">
-              <a:buFont typeface="Wingdings" panose="05000000000000000000" pitchFamily="2" charset="2"/>
-              <a:buChar char="è"/>
-            </a:pPr>
-            <a:endParaRPr lang="fr-FR" dirty="0">
-              <a:sym typeface="Wingdings" panose="05000000000000000000" pitchFamily="2" charset="2"/>
-            </a:endParaRPr>
-          </a:p>
-          <a:p>
-            <a:pPr marL="742950" lvl="1" indent="-285750">
-              <a:buFont typeface="Wingdings" panose="05000000000000000000" pitchFamily="2" charset="2"/>
-              <a:buChar char="è"/>
-            </a:pPr>
-            <a:endParaRPr lang="fr-FR" dirty="0">
-              <a:sym typeface="Wingdings" panose="05000000000000000000" pitchFamily="2" charset="2"/>
-            </a:endParaRPr>
-          </a:p>
-          <a:p>
-            <a:pPr marL="285750" indent="-285750">
-              <a:buFont typeface="Arial" panose="020B0604020202020204" pitchFamily="34" charset="0"/>
-              <a:buChar char="•"/>
-            </a:pPr>
-            <a:r>
-              <a:rPr lang="fr-FR" sz="2000" dirty="0">
-                <a:latin typeface="+mj-lt"/>
-                <a:sym typeface="Wingdings" panose="05000000000000000000" pitchFamily="2" charset="2"/>
-              </a:rPr>
-              <a:t>Pas assez d’</a:t>
-            </a:r>
-            <a:r>
-              <a:rPr lang="fr-FR" sz="2000" dirty="0" err="1">
-                <a:latin typeface="+mj-lt"/>
-                <a:sym typeface="Wingdings" panose="05000000000000000000" pitchFamily="2" charset="2"/>
-              </a:rPr>
-              <a:t>epochs</a:t>
-            </a:r>
-            <a:r>
-              <a:rPr lang="fr-FR" sz="2000" dirty="0">
-                <a:latin typeface="+mj-lt"/>
-                <a:sym typeface="Wingdings" panose="05000000000000000000" pitchFamily="2" charset="2"/>
-              </a:rPr>
-              <a:t> ou architecture pas assez dense </a:t>
-            </a:r>
-          </a:p>
-          <a:p>
-            <a:pPr marL="742950" lvl="1" indent="-285750">
-              <a:buFont typeface="Wingdings" panose="05000000000000000000" pitchFamily="2" charset="2"/>
-              <a:buChar char="è"/>
-            </a:pPr>
-            <a:r>
-              <a:rPr lang="fr-FR" sz="1600" dirty="0">
-                <a:latin typeface="+mj-lt"/>
-                <a:sym typeface="Wingdings" panose="05000000000000000000" pitchFamily="2" charset="2"/>
-              </a:rPr>
-              <a:t>On voulait maximiser « </a:t>
-            </a:r>
-            <a:r>
-              <a:rPr lang="fr-FR" sz="1600" dirty="0" err="1">
-                <a:latin typeface="+mj-lt"/>
-                <a:sym typeface="Wingdings" panose="05000000000000000000" pitchFamily="2" charset="2"/>
-              </a:rPr>
-              <a:t>computing</a:t>
-            </a:r>
-            <a:r>
-              <a:rPr lang="fr-FR" sz="1600" dirty="0">
-                <a:latin typeface="+mj-lt"/>
-                <a:sym typeface="Wingdings" panose="05000000000000000000" pitchFamily="2" charset="2"/>
-              </a:rPr>
-              <a:t> time » (le temps d’entrainement du modèle et de validation) et « validation </a:t>
-            </a:r>
-            <a:r>
-              <a:rPr lang="fr-FR" sz="1600" dirty="0" err="1">
-                <a:latin typeface="+mj-lt"/>
-                <a:sym typeface="Wingdings" panose="05000000000000000000" pitchFamily="2" charset="2"/>
-              </a:rPr>
-              <a:t>accuracy</a:t>
-            </a:r>
-            <a:r>
-              <a:rPr lang="fr-FR" sz="1600" dirty="0">
-                <a:latin typeface="+mj-lt"/>
-                <a:sym typeface="Wingdings" panose="05000000000000000000" pitchFamily="2" charset="2"/>
-              </a:rPr>
-              <a:t>  »</a:t>
-            </a:r>
-          </a:p>
-          <a:p>
-            <a:pPr marL="742950" lvl="1" indent="-285750">
-              <a:buFont typeface="Wingdings" panose="05000000000000000000" pitchFamily="2" charset="2"/>
-              <a:buChar char="è"/>
-            </a:pPr>
-            <a:endParaRPr lang="fr-FR" sz="1600" dirty="0">
-              <a:latin typeface="+mj-lt"/>
-              <a:sym typeface="Wingdings" panose="05000000000000000000" pitchFamily="2" charset="2"/>
-            </a:endParaRPr>
-          </a:p>
-          <a:p>
-            <a:pPr marL="285750" indent="-285750">
-              <a:buFont typeface="Wingdings" panose="05000000000000000000" pitchFamily="2" charset="2"/>
-              <a:buChar char="è"/>
-            </a:pPr>
-            <a:endParaRPr lang="fr-FR" sz="1600" dirty="0">
-              <a:latin typeface="+mj-lt"/>
-            </a:endParaRPr>
+            <a:r>
+              <a:rPr lang="fr-FR" dirty="0"/>
+              <a:t>Cependant, nous n’expliquons toujours pas la variation énorme entre deux points de validation</a:t>
+            </a:r>
           </a:p>
         </p:txBody>
       </p:sp>
     </p:spTree>
     <p:extLst>
       <p:ext uri="{BB962C8B-B14F-4D97-AF65-F5344CB8AC3E}">
-        <p14:creationId xmlns:p14="http://schemas.microsoft.com/office/powerpoint/2010/main" val="3182612710"/>
+        <p14:creationId xmlns:p14="http://schemas.microsoft.com/office/powerpoint/2010/main" val="2116129455"/>
       </p:ext>
     </p:extLst>
   </p:cSld>
@@ -5193,6 +5316,291 @@
 </file>
 
 <file path=ppt/slides/slide12.xml><?xml version="1.0" encoding="utf-8"?>
+<p:sld xmlns:a="http://schemas.openxmlformats.org/drawingml/2006/main" xmlns:r="http://schemas.openxmlformats.org/officeDocument/2006/relationships" xmlns:p="http://schemas.openxmlformats.org/presentationml/2006/main">
+  <p:cSld>
+    <p:spTree>
+      <p:nvGrpSpPr>
+        <p:cNvPr id="1" name=""/>
+        <p:cNvGrpSpPr/>
+        <p:nvPr/>
+      </p:nvGrpSpPr>
+      <p:grpSpPr>
+        <a:xfrm>
+          <a:off x="0" y="0"/>
+          <a:ext cx="0" cy="0"/>
+          <a:chOff x="0" y="0"/>
+          <a:chExt cx="0" cy="0"/>
+        </a:xfrm>
+      </p:grpSpPr>
+      <p:pic>
+        <p:nvPicPr>
+          <p:cNvPr id="5" name="Image 4">
+            <a:extLst>
+              <a:ext uri="{FF2B5EF4-FFF2-40B4-BE49-F238E27FC236}">
+                <a16:creationId xmlns:a16="http://schemas.microsoft.com/office/drawing/2014/main" id="{5FD2D5AA-CDB1-49E6-A114-DD9177C972B2}"/>
+              </a:ext>
+            </a:extLst>
+          </p:cNvPr>
+          <p:cNvPicPr>
+            <a:picLocks noChangeAspect="1"/>
+          </p:cNvPicPr>
+          <p:nvPr/>
+        </p:nvPicPr>
+        <p:blipFill>
+          <a:blip r:embed="rId2">
+            <a:extLst>
+              <a:ext uri="{28A0092B-C50C-407E-A947-70E740481C1C}">
+                <a14:useLocalDpi xmlns:a14="http://schemas.microsoft.com/office/drawing/2010/main" val="0"/>
+              </a:ext>
+            </a:extLst>
+          </a:blip>
+          <a:stretch>
+            <a:fillRect/>
+          </a:stretch>
+        </p:blipFill>
+        <p:spPr>
+          <a:xfrm>
+            <a:off x="8784336" y="6126480"/>
+            <a:ext cx="3407664" cy="731520"/>
+          </a:xfrm>
+          <a:prstGeom prst="rect">
+            <a:avLst/>
+          </a:prstGeom>
+        </p:spPr>
+      </p:pic>
+      <p:sp>
+        <p:nvSpPr>
+          <p:cNvPr id="6" name="ZoneTexte 5">
+            <a:extLst>
+              <a:ext uri="{FF2B5EF4-FFF2-40B4-BE49-F238E27FC236}">
+                <a16:creationId xmlns:a16="http://schemas.microsoft.com/office/drawing/2014/main" id="{EADC1902-EA7B-477E-8724-D40FDE082A23}"/>
+              </a:ext>
+            </a:extLst>
+          </p:cNvPr>
+          <p:cNvSpPr txBox="1"/>
+          <p:nvPr/>
+        </p:nvSpPr>
+        <p:spPr>
+          <a:xfrm>
+            <a:off x="2276235" y="1659278"/>
+            <a:ext cx="7639527" cy="1077218"/>
+          </a:xfrm>
+          <a:prstGeom prst="rect">
+            <a:avLst/>
+          </a:prstGeom>
+          <a:noFill/>
+        </p:spPr>
+        <p:txBody>
+          <a:bodyPr wrap="square" rtlCol="0">
+            <a:spAutoFit/>
+          </a:bodyPr>
+          <a:lstStyle/>
+          <a:p>
+            <a:pPr algn="ctr"/>
+            <a:r>
+              <a:rPr lang="fr-FR" sz="3200" cap="small" dirty="0">
+                <a:latin typeface="+mj-lt"/>
+              </a:rPr>
+              <a:t>Merci pour votre attention.</a:t>
+            </a:r>
+          </a:p>
+          <a:p>
+            <a:pPr algn="ctr"/>
+            <a:r>
+              <a:rPr lang="fr-FR" sz="3200" cap="small" dirty="0">
+                <a:latin typeface="+mj-lt"/>
+              </a:rPr>
+              <a:t>Place aux questions !</a:t>
+            </a:r>
+            <a:endParaRPr lang="fr-FR" sz="2000" dirty="0">
+              <a:latin typeface="+mj-lt"/>
+            </a:endParaRPr>
+          </a:p>
+        </p:txBody>
+      </p:sp>
+      <p:sp>
+        <p:nvSpPr>
+          <p:cNvPr id="7" name="ZoneTexte 6">
+            <a:extLst>
+              <a:ext uri="{FF2B5EF4-FFF2-40B4-BE49-F238E27FC236}">
+                <a16:creationId xmlns:a16="http://schemas.microsoft.com/office/drawing/2014/main" id="{B8204BF9-5470-4E6D-8E8E-87F50C60BCDD}"/>
+              </a:ext>
+            </a:extLst>
+          </p:cNvPr>
+          <p:cNvSpPr txBox="1"/>
+          <p:nvPr/>
+        </p:nvSpPr>
+        <p:spPr>
+          <a:xfrm>
+            <a:off x="4414130" y="4231433"/>
+            <a:ext cx="3363741" cy="400110"/>
+          </a:xfrm>
+          <a:prstGeom prst="rect">
+            <a:avLst/>
+          </a:prstGeom>
+          <a:noFill/>
+        </p:spPr>
+        <p:txBody>
+          <a:bodyPr wrap="none" rtlCol="0">
+            <a:spAutoFit/>
+          </a:bodyPr>
+          <a:lstStyle/>
+          <a:p>
+            <a:r>
+              <a:rPr lang="fr-FR" sz="2000" dirty="0">
+                <a:latin typeface="+mj-lt"/>
+              </a:rPr>
+              <a:t>Pierre </a:t>
+            </a:r>
+            <a:r>
+              <a:rPr lang="fr-FR" sz="2000" cap="small" dirty="0">
+                <a:latin typeface="+mj-lt"/>
+              </a:rPr>
+              <a:t>Cottais</a:t>
+            </a:r>
+            <a:r>
+              <a:rPr lang="fr-FR" sz="2000" dirty="0">
+                <a:latin typeface="+mj-lt"/>
+              </a:rPr>
+              <a:t> &amp; Elias </a:t>
+            </a:r>
+            <a:r>
+              <a:rPr lang="fr-FR" sz="2000" cap="small" dirty="0">
+                <a:latin typeface="+mj-lt"/>
+              </a:rPr>
+              <a:t>Hermance</a:t>
+            </a:r>
+          </a:p>
+        </p:txBody>
+      </p:sp>
+      <p:sp>
+        <p:nvSpPr>
+          <p:cNvPr id="8" name="ZoneTexte 7">
+            <a:extLst>
+              <a:ext uri="{FF2B5EF4-FFF2-40B4-BE49-F238E27FC236}">
+                <a16:creationId xmlns:a16="http://schemas.microsoft.com/office/drawing/2014/main" id="{4B942E5C-FE18-480C-811C-0E244F5FE5F6}"/>
+              </a:ext>
+            </a:extLst>
+          </p:cNvPr>
+          <p:cNvSpPr txBox="1"/>
+          <p:nvPr/>
+        </p:nvSpPr>
+        <p:spPr>
+          <a:xfrm>
+            <a:off x="4740372" y="6292185"/>
+            <a:ext cx="2711255" cy="400110"/>
+          </a:xfrm>
+          <a:prstGeom prst="rect">
+            <a:avLst/>
+          </a:prstGeom>
+          <a:noFill/>
+        </p:spPr>
+        <p:txBody>
+          <a:bodyPr wrap="none" rtlCol="0">
+            <a:spAutoFit/>
+          </a:bodyPr>
+          <a:lstStyle/>
+          <a:p>
+            <a:r>
+              <a:rPr lang="fr-FR" sz="2000" dirty="0">
+                <a:latin typeface="+mj-lt"/>
+              </a:rPr>
+              <a:t>vendredi 2 octobre 2021</a:t>
+            </a:r>
+            <a:endParaRPr lang="fr-FR" sz="2000" cap="small" dirty="0">
+              <a:latin typeface="+mj-lt"/>
+            </a:endParaRPr>
+          </a:p>
+        </p:txBody>
+      </p:sp>
+      <p:sp>
+        <p:nvSpPr>
+          <p:cNvPr id="2" name="ZoneTexte 1">
+            <a:extLst>
+              <a:ext uri="{FF2B5EF4-FFF2-40B4-BE49-F238E27FC236}">
+                <a16:creationId xmlns:a16="http://schemas.microsoft.com/office/drawing/2014/main" id="{ECA17448-7820-4440-A6F4-328E8830503F}"/>
+              </a:ext>
+            </a:extLst>
+          </p:cNvPr>
+          <p:cNvSpPr txBox="1"/>
+          <p:nvPr/>
+        </p:nvSpPr>
+        <p:spPr>
+          <a:xfrm>
+            <a:off x="0" y="6292185"/>
+            <a:ext cx="1071832" cy="400110"/>
+          </a:xfrm>
+          <a:prstGeom prst="rect">
+            <a:avLst/>
+          </a:prstGeom>
+          <a:noFill/>
+        </p:spPr>
+        <p:txBody>
+          <a:bodyPr wrap="none" rtlCol="0">
+            <a:spAutoFit/>
+          </a:bodyPr>
+          <a:lstStyle/>
+          <a:p>
+            <a:r>
+              <a:rPr lang="fr-FR" sz="2000" i="1" dirty="0">
+                <a:latin typeface="+mj-lt"/>
+              </a:rPr>
+              <a:t>*ça rime</a:t>
+            </a:r>
+          </a:p>
+        </p:txBody>
+      </p:sp>
+      <p:sp>
+        <p:nvSpPr>
+          <p:cNvPr id="9" name="ZoneTexte 8">
+            <a:extLst>
+              <a:ext uri="{FF2B5EF4-FFF2-40B4-BE49-F238E27FC236}">
+                <a16:creationId xmlns:a16="http://schemas.microsoft.com/office/drawing/2014/main" id="{0E54FEA6-7EE1-41CC-AAA0-651782AE7CA1}"/>
+              </a:ext>
+            </a:extLst>
+          </p:cNvPr>
+          <p:cNvSpPr txBox="1"/>
+          <p:nvPr/>
+        </p:nvSpPr>
+        <p:spPr>
+          <a:xfrm>
+            <a:off x="7777871" y="2197887"/>
+            <a:ext cx="312906" cy="400110"/>
+          </a:xfrm>
+          <a:prstGeom prst="rect">
+            <a:avLst/>
+          </a:prstGeom>
+          <a:noFill/>
+        </p:spPr>
+        <p:txBody>
+          <a:bodyPr wrap="none" rtlCol="0">
+            <a:spAutoFit/>
+          </a:bodyPr>
+          <a:lstStyle/>
+          <a:p>
+            <a:r>
+              <a:rPr lang="fr-FR" sz="2000" i="1" dirty="0">
+                <a:latin typeface="+mj-lt"/>
+              </a:rPr>
+              <a:t>*</a:t>
+            </a:r>
+          </a:p>
+        </p:txBody>
+      </p:sp>
+    </p:spTree>
+    <p:extLst>
+      <p:ext uri="{BB962C8B-B14F-4D97-AF65-F5344CB8AC3E}">
+        <p14:creationId xmlns:p14="http://schemas.microsoft.com/office/powerpoint/2010/main" val="3731403155"/>
+      </p:ext>
+    </p:extLst>
+  </p:cSld>
+  <p:clrMapOvr>
+    <a:masterClrMapping/>
+  </p:clrMapOvr>
+</p:sld>
+</file>
+
+<file path=ppt/slides/slide2.xml><?xml version="1.0" encoding="utf-8"?>
 <p:sld xmlns:a="http://schemas.openxmlformats.org/drawingml/2006/main" xmlns:r="http://schemas.openxmlformats.org/officeDocument/2006/relationships" xmlns:p="http://schemas.openxmlformats.org/presentationml/2006/main">
   <p:cSld>
     <p:spTree>
@@ -5311,10 +5719,10 @@
         </p:nvGrpSpPr>
         <p:grpSpPr>
           <a:xfrm>
-            <a:off x="389204" y="147058"/>
-            <a:ext cx="11526764" cy="461665"/>
-            <a:chOff x="389204" y="147058"/>
-            <a:chExt cx="11526764" cy="461665"/>
+            <a:off x="272313" y="147058"/>
+            <a:ext cx="11530483" cy="461665"/>
+            <a:chOff x="272313" y="147058"/>
+            <a:chExt cx="11530483" cy="461665"/>
           </a:xfrm>
         </p:grpSpPr>
         <p:sp>
@@ -5331,8 +5739,8 @@
           </p:nvSpPr>
           <p:spPr>
             <a:xfrm>
-              <a:off x="389204" y="177835"/>
-              <a:ext cx="1501373" cy="400110"/>
+              <a:off x="272313" y="147058"/>
+              <a:ext cx="1735155" cy="461665"/>
             </a:xfrm>
             <a:prstGeom prst="rect">
               <a:avLst/>
@@ -5347,7 +5755,7 @@
             <a:p>
               <a:pPr algn="ctr"/>
               <a:r>
-                <a:rPr lang="fr-FR" sz="2000" cap="small" dirty="0">
+                <a:rPr lang="fr-FR" sz="2400" b="1" cap="small" dirty="0">
                   <a:solidFill>
                     <a:schemeClr val="bg1"/>
                   </a:solidFill>
@@ -5355,7 +5763,7 @@
                 </a:rPr>
                 <a:t>Introduction</a:t>
               </a:r>
-              <a:endParaRPr lang="fr-FR" cap="small" dirty="0">
+              <a:endParaRPr lang="fr-FR" b="1" cap="small" dirty="0">
                 <a:solidFill>
                   <a:schemeClr val="bg1"/>
                 </a:solidFill>
@@ -5675,8 +6083,8 @@
           </p:nvSpPr>
           <p:spPr>
             <a:xfrm>
-              <a:off x="10371763" y="147058"/>
-              <a:ext cx="1544205" cy="461665"/>
+              <a:off x="10484935" y="177835"/>
+              <a:ext cx="1317861" cy="400110"/>
             </a:xfrm>
             <a:prstGeom prst="rect">
               <a:avLst/>
@@ -5691,7 +6099,7 @@
             <a:p>
               <a:pPr algn="ctr"/>
               <a:r>
-                <a:rPr lang="fr-FR" sz="2400" cap="small" dirty="0">
+                <a:rPr lang="fr-FR" sz="2000" cap="small" dirty="0">
                   <a:solidFill>
                     <a:schemeClr val="bg1"/>
                   </a:solidFill>
@@ -5699,7 +6107,7 @@
                 </a:rPr>
                 <a:t>Conclusion</a:t>
               </a:r>
-              <a:endParaRPr lang="fr-FR" sz="2000" cap="small" dirty="0">
+              <a:endParaRPr lang="fr-FR" cap="small" dirty="0">
                 <a:solidFill>
                   <a:schemeClr val="bg1"/>
                 </a:solidFill>
@@ -5805,7 +6213,7 @@
                   <a:latin typeface="+mj-lt"/>
                 </a:rPr>
                 <a:pPr algn="ctr"/>
-                <a:t>12</a:t>
+                <a:t>2</a:t>
               </a:fld>
               <a:endParaRPr lang="fr-FR" sz="1400" b="1" cap="small" dirty="0">
                 <a:solidFill>
@@ -5817,10 +6225,144 @@
           </p:txBody>
         </p:sp>
       </p:grpSp>
+      <p:sp>
+        <p:nvSpPr>
+          <p:cNvPr id="31" name="ZoneTexte 30">
+            <a:extLst>
+              <a:ext uri="{FF2B5EF4-FFF2-40B4-BE49-F238E27FC236}">
+                <a16:creationId xmlns:a16="http://schemas.microsoft.com/office/drawing/2014/main" id="{4233B308-EC76-4910-91B9-E4D4C4B45507}"/>
+              </a:ext>
+            </a:extLst>
+          </p:cNvPr>
+          <p:cNvSpPr txBox="1"/>
+          <p:nvPr/>
+        </p:nvSpPr>
+        <p:spPr>
+          <a:xfrm>
+            <a:off x="961052" y="1121167"/>
+            <a:ext cx="1935915" cy="461665"/>
+          </a:xfrm>
+          <a:prstGeom prst="rect">
+            <a:avLst/>
+          </a:prstGeom>
+          <a:noFill/>
+        </p:spPr>
+        <p:txBody>
+          <a:bodyPr wrap="none" rtlCol="0">
+            <a:spAutoFit/>
+          </a:bodyPr>
+          <a:lstStyle/>
+          <a:p>
+            <a:r>
+              <a:rPr lang="fr-FR" sz="2400" cap="small" dirty="0">
+                <a:latin typeface="+mj-lt"/>
+              </a:rPr>
+              <a:t>Problématique</a:t>
+            </a:r>
+            <a:endParaRPr lang="fr-FR" sz="2000" cap="small" dirty="0">
+              <a:latin typeface="+mj-lt"/>
+            </a:endParaRPr>
+          </a:p>
+        </p:txBody>
+      </p:sp>
+      <p:sp>
+        <p:nvSpPr>
+          <p:cNvPr id="32" name="ZoneTexte 31">
+            <a:extLst>
+              <a:ext uri="{FF2B5EF4-FFF2-40B4-BE49-F238E27FC236}">
+                <a16:creationId xmlns:a16="http://schemas.microsoft.com/office/drawing/2014/main" id="{F691E28A-145E-479C-99F5-2DFB2CCFE4C7}"/>
+              </a:ext>
+            </a:extLst>
+          </p:cNvPr>
+          <p:cNvSpPr txBox="1"/>
+          <p:nvPr/>
+        </p:nvSpPr>
+        <p:spPr>
+          <a:xfrm>
+            <a:off x="961052" y="1822385"/>
+            <a:ext cx="8445517" cy="3045449"/>
+          </a:xfrm>
+          <a:prstGeom prst="rect">
+            <a:avLst/>
+          </a:prstGeom>
+          <a:noFill/>
+        </p:spPr>
+        <p:txBody>
+          <a:bodyPr wrap="none" rtlCol="0">
+            <a:spAutoFit/>
+          </a:bodyPr>
+          <a:lstStyle/>
+          <a:p>
+            <a:pPr>
+              <a:lnSpc>
+                <a:spcPct val="250000"/>
+              </a:lnSpc>
+            </a:pPr>
+            <a:r>
+              <a:rPr lang="fr-FR" sz="2000" dirty="0">
+                <a:latin typeface="+mj-lt"/>
+              </a:rPr>
+              <a:t>« Comment différencier des éléments de la flore locale de façon automatisée ? »</a:t>
+            </a:r>
+          </a:p>
+          <a:p>
+            <a:pPr>
+              <a:lnSpc>
+                <a:spcPct val="250000"/>
+              </a:lnSpc>
+            </a:pPr>
+            <a:r>
+              <a:rPr lang="fr-FR" sz="2000" dirty="0">
+                <a:latin typeface="+mj-lt"/>
+              </a:rPr>
+              <a:t> </a:t>
+            </a:r>
+          </a:p>
+          <a:p>
+            <a:pPr marL="457200" indent="-457200">
+              <a:lnSpc>
+                <a:spcPct val="250000"/>
+              </a:lnSpc>
+              <a:buFont typeface="Arial" panose="020B0604020202020204" pitchFamily="34" charset="0"/>
+              <a:buChar char="•"/>
+            </a:pPr>
+            <a:r>
+              <a:rPr lang="fr-FR" sz="2000" dirty="0">
+                <a:latin typeface="+mj-lt"/>
+              </a:rPr>
+              <a:t>Réduction du périmètre d’étude aux arbres et aux fleurs</a:t>
+            </a:r>
+          </a:p>
+          <a:p>
+            <a:pPr marL="457200" indent="-457200">
+              <a:lnSpc>
+                <a:spcPct val="250000"/>
+              </a:lnSpc>
+              <a:buFont typeface="Arial" panose="020B0604020202020204" pitchFamily="34" charset="0"/>
+              <a:buChar char="•"/>
+            </a:pPr>
+            <a:r>
+              <a:rPr lang="fr-FR" sz="2000" dirty="0">
+                <a:latin typeface="+mj-lt"/>
+              </a:rPr>
+              <a:t>Utilisation d’outils de </a:t>
+            </a:r>
+            <a:r>
+              <a:rPr lang="fr-FR" sz="2000" i="1" dirty="0">
+                <a:latin typeface="+mj-lt"/>
+              </a:rPr>
+              <a:t>computer vision</a:t>
+            </a:r>
+            <a:endParaRPr lang="fr-FR" sz="2000" dirty="0">
+              <a:latin typeface="+mj-lt"/>
+            </a:endParaRPr>
+          </a:p>
+        </p:txBody>
+      </p:sp>
     </p:spTree>
     <p:extLst>
       <p:ext uri="{BB962C8B-B14F-4D97-AF65-F5344CB8AC3E}">
-        <p14:creationId xmlns:p14="http://schemas.microsoft.com/office/powerpoint/2010/main" val="653378786"/>
+        <p14:creationId xmlns:p14="http://schemas.microsoft.com/office/powerpoint/2010/main" val="3603664874"/>
       </p:ext>
     </p:extLst>
   </p:cSld>
@@ -5830,7 +6372,7 @@
 </p:sld>
 </file>
 
-<file path=ppt/slides/slide13.xml><?xml version="1.0" encoding="utf-8"?>
+<file path=ppt/slides/slide3.xml><?xml version="1.0" encoding="utf-8"?>
 <p:sld xmlns:a="http://schemas.openxmlformats.org/drawingml/2006/main" xmlns:r="http://schemas.openxmlformats.org/officeDocument/2006/relationships" xmlns:p="http://schemas.openxmlformats.org/presentationml/2006/main">
   <p:cSld>
     <p:spTree>
@@ -5875,8 +6417,8 @@
         </p:blipFill>
         <p:spPr>
           <a:xfrm>
-            <a:off x="8784336" y="6126480"/>
-            <a:ext cx="3407664" cy="731520"/>
+            <a:off x="9395926" y="6257770"/>
+            <a:ext cx="2796073" cy="600230"/>
           </a:xfrm>
           <a:prstGeom prst="rect">
             <a:avLst/>
@@ -5885,424 +6427,10 @@
       </p:pic>
       <p:sp>
         <p:nvSpPr>
-          <p:cNvPr id="6" name="ZoneTexte 5">
-            <a:extLst>
-              <a:ext uri="{FF2B5EF4-FFF2-40B4-BE49-F238E27FC236}">
-                <a16:creationId xmlns:a16="http://schemas.microsoft.com/office/drawing/2014/main" id="{EADC1902-EA7B-477E-8724-D40FDE082A23}"/>
-              </a:ext>
-            </a:extLst>
-          </p:cNvPr>
-          <p:cNvSpPr txBox="1"/>
-          <p:nvPr/>
-        </p:nvSpPr>
-        <p:spPr>
-          <a:xfrm>
-            <a:off x="2276235" y="1659278"/>
-            <a:ext cx="7639527" cy="1077218"/>
-          </a:xfrm>
-          <a:prstGeom prst="rect">
-            <a:avLst/>
-          </a:prstGeom>
-          <a:noFill/>
-        </p:spPr>
-        <p:txBody>
-          <a:bodyPr wrap="square" rtlCol="0">
-            <a:spAutoFit/>
-          </a:bodyPr>
-          <a:lstStyle/>
-          <a:p>
-            <a:pPr algn="ctr"/>
-            <a:r>
-              <a:rPr lang="fr-FR" sz="3200" cap="small" dirty="0">
-                <a:latin typeface="+mj-lt"/>
-              </a:rPr>
-              <a:t>Merci pour votre attention.</a:t>
-            </a:r>
-          </a:p>
-          <a:p>
-            <a:pPr algn="ctr"/>
-            <a:r>
-              <a:rPr lang="fr-FR" sz="3200" cap="small" dirty="0">
-                <a:latin typeface="+mj-lt"/>
-              </a:rPr>
-              <a:t>Place aux questions !</a:t>
-            </a:r>
-            <a:endParaRPr lang="fr-FR" sz="2000" dirty="0">
-              <a:latin typeface="+mj-lt"/>
-            </a:endParaRPr>
-          </a:p>
-        </p:txBody>
-      </p:sp>
-      <p:sp>
-        <p:nvSpPr>
-          <p:cNvPr id="7" name="ZoneTexte 6">
-            <a:extLst>
-              <a:ext uri="{FF2B5EF4-FFF2-40B4-BE49-F238E27FC236}">
-                <a16:creationId xmlns:a16="http://schemas.microsoft.com/office/drawing/2014/main" id="{B8204BF9-5470-4E6D-8E8E-87F50C60BCDD}"/>
-              </a:ext>
-            </a:extLst>
-          </p:cNvPr>
-          <p:cNvSpPr txBox="1"/>
-          <p:nvPr/>
-        </p:nvSpPr>
-        <p:spPr>
-          <a:xfrm>
-            <a:off x="4414130" y="4231433"/>
-            <a:ext cx="3363741" cy="400110"/>
-          </a:xfrm>
-          <a:prstGeom prst="rect">
-            <a:avLst/>
-          </a:prstGeom>
-          <a:noFill/>
-        </p:spPr>
-        <p:txBody>
-          <a:bodyPr wrap="none" rtlCol="0">
-            <a:spAutoFit/>
-          </a:bodyPr>
-          <a:lstStyle/>
-          <a:p>
-            <a:r>
-              <a:rPr lang="fr-FR" sz="2000" dirty="0">
-                <a:latin typeface="+mj-lt"/>
-              </a:rPr>
-              <a:t>Pierre </a:t>
-            </a:r>
-            <a:r>
-              <a:rPr lang="fr-FR" sz="2000" cap="small" dirty="0">
-                <a:latin typeface="+mj-lt"/>
-              </a:rPr>
-              <a:t>Cottais</a:t>
-            </a:r>
-            <a:r>
-              <a:rPr lang="fr-FR" sz="2000" dirty="0">
-                <a:latin typeface="+mj-lt"/>
-              </a:rPr>
-              <a:t> &amp; Elias </a:t>
-            </a:r>
-            <a:r>
-              <a:rPr lang="fr-FR" sz="2000" cap="small" dirty="0">
-                <a:latin typeface="+mj-lt"/>
-              </a:rPr>
-              <a:t>Hermance</a:t>
-            </a:r>
-          </a:p>
-        </p:txBody>
-      </p:sp>
-      <p:sp>
-        <p:nvSpPr>
-          <p:cNvPr id="8" name="ZoneTexte 7">
-            <a:extLst>
-              <a:ext uri="{FF2B5EF4-FFF2-40B4-BE49-F238E27FC236}">
-                <a16:creationId xmlns:a16="http://schemas.microsoft.com/office/drawing/2014/main" id="{4B942E5C-FE18-480C-811C-0E244F5FE5F6}"/>
-              </a:ext>
-            </a:extLst>
-          </p:cNvPr>
-          <p:cNvSpPr txBox="1"/>
-          <p:nvPr/>
-        </p:nvSpPr>
-        <p:spPr>
-          <a:xfrm>
-            <a:off x="4740372" y="6292185"/>
-            <a:ext cx="2711255" cy="400110"/>
-          </a:xfrm>
-          <a:prstGeom prst="rect">
-            <a:avLst/>
-          </a:prstGeom>
-          <a:noFill/>
-        </p:spPr>
-        <p:txBody>
-          <a:bodyPr wrap="none" rtlCol="0">
-            <a:spAutoFit/>
-          </a:bodyPr>
-          <a:lstStyle/>
-          <a:p>
-            <a:r>
-              <a:rPr lang="fr-FR" sz="2000" dirty="0">
-                <a:latin typeface="+mj-lt"/>
-              </a:rPr>
-              <a:t>vendredi 2 octobre 2021</a:t>
-            </a:r>
-            <a:endParaRPr lang="fr-FR" sz="2000" cap="small" dirty="0">
-              <a:latin typeface="+mj-lt"/>
-            </a:endParaRPr>
-          </a:p>
-        </p:txBody>
-      </p:sp>
-      <p:sp>
-        <p:nvSpPr>
-          <p:cNvPr id="2" name="ZoneTexte 1">
-            <a:extLst>
-              <a:ext uri="{FF2B5EF4-FFF2-40B4-BE49-F238E27FC236}">
-                <a16:creationId xmlns:a16="http://schemas.microsoft.com/office/drawing/2014/main" id="{ECA17448-7820-4440-A6F4-328E8830503F}"/>
-              </a:ext>
-            </a:extLst>
-          </p:cNvPr>
-          <p:cNvSpPr txBox="1"/>
-          <p:nvPr/>
-        </p:nvSpPr>
-        <p:spPr>
-          <a:xfrm>
-            <a:off x="0" y="6292185"/>
-            <a:ext cx="1071832" cy="400110"/>
-          </a:xfrm>
-          <a:prstGeom prst="rect">
-            <a:avLst/>
-          </a:prstGeom>
-          <a:noFill/>
-        </p:spPr>
-        <p:txBody>
-          <a:bodyPr wrap="none" rtlCol="0">
-            <a:spAutoFit/>
-          </a:bodyPr>
-          <a:lstStyle/>
-          <a:p>
-            <a:r>
-              <a:rPr lang="fr-FR" sz="2000" i="1" dirty="0">
-                <a:latin typeface="+mj-lt"/>
-              </a:rPr>
-              <a:t>*ça rime</a:t>
-            </a:r>
-          </a:p>
-        </p:txBody>
-      </p:sp>
-      <p:sp>
-        <p:nvSpPr>
-          <p:cNvPr id="9" name="ZoneTexte 8">
-            <a:extLst>
-              <a:ext uri="{FF2B5EF4-FFF2-40B4-BE49-F238E27FC236}">
-                <a16:creationId xmlns:a16="http://schemas.microsoft.com/office/drawing/2014/main" id="{0E54FEA6-7EE1-41CC-AAA0-651782AE7CA1}"/>
-              </a:ext>
-            </a:extLst>
-          </p:cNvPr>
-          <p:cNvSpPr txBox="1"/>
-          <p:nvPr/>
-        </p:nvSpPr>
-        <p:spPr>
-          <a:xfrm>
-            <a:off x="7777871" y="2197887"/>
-            <a:ext cx="312906" cy="400110"/>
-          </a:xfrm>
-          <a:prstGeom prst="rect">
-            <a:avLst/>
-          </a:prstGeom>
-          <a:noFill/>
-        </p:spPr>
-        <p:txBody>
-          <a:bodyPr wrap="none" rtlCol="0">
-            <a:spAutoFit/>
-          </a:bodyPr>
-          <a:lstStyle/>
-          <a:p>
-            <a:r>
-              <a:rPr lang="fr-FR" sz="2000" i="1" dirty="0">
-                <a:latin typeface="+mj-lt"/>
-              </a:rPr>
-              <a:t>*</a:t>
-            </a:r>
-          </a:p>
-        </p:txBody>
-      </p:sp>
-    </p:spTree>
-    <p:extLst>
-      <p:ext uri="{BB962C8B-B14F-4D97-AF65-F5344CB8AC3E}">
-        <p14:creationId xmlns:p14="http://schemas.microsoft.com/office/powerpoint/2010/main" val="3731403155"/>
-      </p:ext>
-    </p:extLst>
-  </p:cSld>
-  <p:clrMapOvr>
-    <a:masterClrMapping/>
-  </p:clrMapOvr>
-</p:sld>
-</file>
-
-<file path=ppt/slides/slide2.xml><?xml version="1.0" encoding="utf-8"?>
-<p:sld xmlns:a="http://schemas.openxmlformats.org/drawingml/2006/main" xmlns:r="http://schemas.openxmlformats.org/officeDocument/2006/relationships" xmlns:p="http://schemas.openxmlformats.org/presentationml/2006/main" show="0">
-  <p:cSld>
-    <p:spTree>
-      <p:nvGrpSpPr>
-        <p:cNvPr id="1" name=""/>
-        <p:cNvGrpSpPr/>
-        <p:nvPr/>
-      </p:nvGrpSpPr>
-      <p:grpSpPr>
-        <a:xfrm>
-          <a:off x="0" y="0"/>
-          <a:ext cx="0" cy="0"/>
-          <a:chOff x="0" y="0"/>
-          <a:chExt cx="0" cy="0"/>
-        </a:xfrm>
-      </p:grpSpPr>
-      <p:pic>
-        <p:nvPicPr>
-          <p:cNvPr id="5" name="Image 4">
-            <a:extLst>
-              <a:ext uri="{FF2B5EF4-FFF2-40B4-BE49-F238E27FC236}">
-                <a16:creationId xmlns:a16="http://schemas.microsoft.com/office/drawing/2014/main" id="{5FD2D5AA-CDB1-49E6-A114-DD9177C972B2}"/>
-              </a:ext>
-            </a:extLst>
-          </p:cNvPr>
-          <p:cNvPicPr>
-            <a:picLocks noChangeAspect="1"/>
-          </p:cNvPicPr>
-          <p:nvPr/>
-        </p:nvPicPr>
-        <p:blipFill>
-          <a:blip r:embed="rId2">
-            <a:extLst>
-              <a:ext uri="{28A0092B-C50C-407E-A947-70E740481C1C}">
-                <a14:useLocalDpi xmlns:a14="http://schemas.microsoft.com/office/drawing/2010/main" val="0"/>
-              </a:ext>
-            </a:extLst>
-          </a:blip>
-          <a:stretch>
-            <a:fillRect/>
-          </a:stretch>
-        </p:blipFill>
-        <p:spPr>
-          <a:xfrm>
-            <a:off x="9843796" y="6353914"/>
-            <a:ext cx="2348203" cy="504086"/>
-          </a:xfrm>
-          <a:prstGeom prst="rect">
-            <a:avLst/>
-          </a:prstGeom>
-        </p:spPr>
-      </p:pic>
-      <p:sp>
-        <p:nvSpPr>
-          <p:cNvPr id="2" name="ZoneTexte 1">
-            <a:extLst>
-              <a:ext uri="{FF2B5EF4-FFF2-40B4-BE49-F238E27FC236}">
-                <a16:creationId xmlns:a16="http://schemas.microsoft.com/office/drawing/2014/main" id="{7DD336B8-343D-462D-A3DF-A86FF2730AC8}"/>
-              </a:ext>
-            </a:extLst>
-          </p:cNvPr>
-          <p:cNvSpPr txBox="1"/>
-          <p:nvPr/>
-        </p:nvSpPr>
-        <p:spPr>
-          <a:xfrm>
-            <a:off x="961052" y="1121167"/>
-            <a:ext cx="1354858" cy="461665"/>
-          </a:xfrm>
-          <a:prstGeom prst="rect">
-            <a:avLst/>
-          </a:prstGeom>
-          <a:noFill/>
-        </p:spPr>
-        <p:txBody>
-          <a:bodyPr wrap="none" rtlCol="0">
-            <a:spAutoFit/>
-          </a:bodyPr>
-          <a:lstStyle/>
-          <a:p>
-            <a:r>
-              <a:rPr lang="fr-FR" sz="2400" cap="small" dirty="0">
-                <a:latin typeface="+mj-lt"/>
-              </a:rPr>
-              <a:t>Sommaire</a:t>
-            </a:r>
-            <a:endParaRPr lang="fr-FR" sz="2000" cap="small" dirty="0">
-              <a:latin typeface="+mj-lt"/>
-            </a:endParaRPr>
-          </a:p>
-        </p:txBody>
-      </p:sp>
-      <p:sp>
-        <p:nvSpPr>
-          <p:cNvPr id="3" name="ZoneTexte 2">
-            <a:extLst>
-              <a:ext uri="{FF2B5EF4-FFF2-40B4-BE49-F238E27FC236}">
-                <a16:creationId xmlns:a16="http://schemas.microsoft.com/office/drawing/2014/main" id="{50E8BC02-35CF-4436-AC26-58B450D82DD3}"/>
-              </a:ext>
-            </a:extLst>
-          </p:cNvPr>
-          <p:cNvSpPr txBox="1"/>
-          <p:nvPr/>
-        </p:nvSpPr>
-        <p:spPr>
-          <a:xfrm>
-            <a:off x="961052" y="1822385"/>
-            <a:ext cx="3306674" cy="3045449"/>
-          </a:xfrm>
-          <a:prstGeom prst="rect">
-            <a:avLst/>
-          </a:prstGeom>
-          <a:noFill/>
-        </p:spPr>
-        <p:txBody>
-          <a:bodyPr wrap="none" rtlCol="0">
-            <a:spAutoFit/>
-          </a:bodyPr>
-          <a:lstStyle/>
-          <a:p>
-            <a:pPr marL="457200" indent="-457200">
-              <a:lnSpc>
-                <a:spcPct val="250000"/>
-              </a:lnSpc>
-              <a:buFont typeface="+mj-lt"/>
-              <a:buAutoNum type="arabicPeriod"/>
-            </a:pPr>
-            <a:r>
-              <a:rPr lang="fr-FR" sz="2000" dirty="0">
-                <a:latin typeface="+mj-lt"/>
-              </a:rPr>
-              <a:t>Introduction</a:t>
-            </a:r>
-          </a:p>
-          <a:p>
-            <a:pPr marL="457200" indent="-457200">
-              <a:lnSpc>
-                <a:spcPct val="250000"/>
-              </a:lnSpc>
-              <a:buFont typeface="+mj-lt"/>
-              <a:buAutoNum type="arabicPeriod"/>
-            </a:pPr>
-            <a:r>
-              <a:rPr lang="fr-FR" sz="2000" dirty="0">
-                <a:latin typeface="+mj-lt"/>
-              </a:rPr>
-              <a:t>Présentation des données</a:t>
-            </a:r>
-          </a:p>
-          <a:p>
-            <a:pPr marL="457200" indent="-457200">
-              <a:lnSpc>
-                <a:spcPct val="250000"/>
-              </a:lnSpc>
-              <a:buFont typeface="+mj-lt"/>
-              <a:buAutoNum type="arabicPeriod"/>
-            </a:pPr>
-            <a:r>
-              <a:rPr lang="fr-FR" sz="2000" dirty="0">
-                <a:latin typeface="+mj-lt"/>
-              </a:rPr>
-              <a:t>Méthodologie</a:t>
-            </a:r>
-          </a:p>
-          <a:p>
-            <a:pPr marL="457200" indent="-457200">
-              <a:lnSpc>
-                <a:spcPct val="250000"/>
-              </a:lnSpc>
-              <a:buFont typeface="+mj-lt"/>
-              <a:buAutoNum type="arabicPeriod"/>
-            </a:pPr>
-            <a:r>
-              <a:rPr lang="fr-FR" sz="2000" dirty="0">
-                <a:latin typeface="+mj-lt"/>
-              </a:rPr>
-              <a:t>Conclusion</a:t>
-            </a:r>
-          </a:p>
-        </p:txBody>
-      </p:sp>
-      <p:sp>
-        <p:nvSpPr>
-          <p:cNvPr id="9" name="Rectangle 8">
-            <a:extLst>
-              <a:ext uri="{FF2B5EF4-FFF2-40B4-BE49-F238E27FC236}">
-                <a16:creationId xmlns:a16="http://schemas.microsoft.com/office/drawing/2014/main" id="{BBE1F772-B61C-4D02-8842-496CFD31D481}"/>
+          <p:cNvPr id="8" name="Rectangle 7">
+            <a:extLst>
+              <a:ext uri="{FF2B5EF4-FFF2-40B4-BE49-F238E27FC236}">
+                <a16:creationId xmlns:a16="http://schemas.microsoft.com/office/drawing/2014/main" id="{FCF996CB-F368-4F5C-9EAF-4B0E08A7DC95}"/>
               </a:ext>
             </a:extLst>
           </p:cNvPr>
@@ -6349,76 +6477,424 @@
           </a:p>
         </p:txBody>
       </p:sp>
-      <p:sp>
-        <p:nvSpPr>
-          <p:cNvPr id="10" name="ZoneTexte 9">
-            <a:extLst>
-              <a:ext uri="{FF2B5EF4-FFF2-40B4-BE49-F238E27FC236}">
-                <a16:creationId xmlns:a16="http://schemas.microsoft.com/office/drawing/2014/main" id="{CBF8BD96-CE1A-4AE9-801E-6534C3428275}"/>
-              </a:ext>
-            </a:extLst>
-          </p:cNvPr>
-          <p:cNvSpPr txBox="1"/>
-          <p:nvPr/>
-        </p:nvSpPr>
-        <p:spPr>
-          <a:xfrm>
-            <a:off x="3815055" y="6436680"/>
-            <a:ext cx="4561890" cy="307777"/>
-          </a:xfrm>
-          <a:prstGeom prst="rect">
-            <a:avLst/>
-          </a:prstGeom>
-          <a:noFill/>
-        </p:spPr>
-        <p:txBody>
-          <a:bodyPr wrap="none" rtlCol="0">
-            <a:spAutoFit/>
-          </a:bodyPr>
-          <a:lstStyle/>
-          <a:p>
-            <a:r>
-              <a:rPr lang="fr-FR" sz="1400" dirty="0">
-                <a:latin typeface="+mj-lt"/>
-              </a:rPr>
-              <a:t>Pierre </a:t>
-            </a:r>
-            <a:r>
-              <a:rPr lang="fr-FR" sz="1400" cap="small" dirty="0">
-                <a:latin typeface="+mj-lt"/>
-              </a:rPr>
-              <a:t>Cottais</a:t>
-            </a:r>
-            <a:r>
-              <a:rPr lang="fr-FR" sz="1400" dirty="0">
-                <a:latin typeface="+mj-lt"/>
-              </a:rPr>
-              <a:t> &amp; Elias </a:t>
-            </a:r>
-            <a:r>
-              <a:rPr lang="fr-FR" sz="1400" cap="small" dirty="0">
-                <a:latin typeface="+mj-lt"/>
-              </a:rPr>
-              <a:t>Hermance</a:t>
-            </a:r>
-            <a:r>
-              <a:rPr lang="fr-FR" sz="1400" dirty="0">
-                <a:latin typeface="+mj-lt"/>
-              </a:rPr>
-              <a:t>   –   vendredi 2 octobre 2021</a:t>
-            </a:r>
-            <a:endParaRPr lang="fr-FR" sz="1400" cap="small" dirty="0">
-              <a:latin typeface="+mj-lt"/>
-            </a:endParaRPr>
-          </a:p>
-        </p:txBody>
-      </p:sp>
       <p:grpSp>
         <p:nvGrpSpPr>
-          <p:cNvPr id="14" name="Groupe 13">
-            <a:extLst>
-              <a:ext uri="{FF2B5EF4-FFF2-40B4-BE49-F238E27FC236}">
-                <a16:creationId xmlns:a16="http://schemas.microsoft.com/office/drawing/2014/main" id="{4325C283-0B4A-4AFC-A3BC-EC15D4BDA131}"/>
+          <p:cNvPr id="29" name="Groupe 28">
+            <a:extLst>
+              <a:ext uri="{FF2B5EF4-FFF2-40B4-BE49-F238E27FC236}">
+                <a16:creationId xmlns:a16="http://schemas.microsoft.com/office/drawing/2014/main" id="{9A649E15-B5A0-4D14-82D6-F2D50410A646}"/>
+              </a:ext>
+            </a:extLst>
+          </p:cNvPr>
+          <p:cNvGrpSpPr/>
+          <p:nvPr/>
+        </p:nvGrpSpPr>
+        <p:grpSpPr>
+          <a:xfrm>
+            <a:off x="389204" y="147058"/>
+            <a:ext cx="11413592" cy="461665"/>
+            <a:chOff x="389204" y="147058"/>
+            <a:chExt cx="11413592" cy="461665"/>
+          </a:xfrm>
+        </p:grpSpPr>
+        <p:sp>
+          <p:nvSpPr>
+            <p:cNvPr id="13" name="ZoneTexte 12">
+              <a:extLst>
+                <a:ext uri="{FF2B5EF4-FFF2-40B4-BE49-F238E27FC236}">
+                  <a16:creationId xmlns:a16="http://schemas.microsoft.com/office/drawing/2014/main" id="{30AAF4A8-CF22-44A6-8F3F-A384FBBEC01E}"/>
+                </a:ext>
+              </a:extLst>
+            </p:cNvPr>
+            <p:cNvSpPr txBox="1"/>
+            <p:nvPr/>
+          </p:nvSpPr>
+          <p:spPr>
+            <a:xfrm>
+              <a:off x="389204" y="177835"/>
+              <a:ext cx="1501373" cy="400110"/>
+            </a:xfrm>
+            <a:prstGeom prst="rect">
+              <a:avLst/>
+            </a:prstGeom>
+            <a:noFill/>
+          </p:spPr>
+          <p:txBody>
+            <a:bodyPr wrap="none" rtlCol="0" anchor="ctr">
+              <a:spAutoFit/>
+            </a:bodyPr>
+            <a:lstStyle/>
+            <a:p>
+              <a:pPr algn="ctr"/>
+              <a:r>
+                <a:rPr lang="fr-FR" sz="2000" cap="small" dirty="0">
+                  <a:solidFill>
+                    <a:schemeClr val="bg1"/>
+                  </a:solidFill>
+                  <a:latin typeface="+mj-lt"/>
+                </a:rPr>
+                <a:t>Introduction</a:t>
+              </a:r>
+              <a:endParaRPr lang="fr-FR" cap="small" dirty="0">
+                <a:solidFill>
+                  <a:schemeClr val="bg1"/>
+                </a:solidFill>
+                <a:latin typeface="+mj-lt"/>
+              </a:endParaRPr>
+            </a:p>
+          </p:txBody>
+        </p:sp>
+        <p:pic>
+          <p:nvPicPr>
+            <p:cNvPr id="12" name="Graphique 11" descr="Fleur">
+              <a:extLst>
+                <a:ext uri="{FF2B5EF4-FFF2-40B4-BE49-F238E27FC236}">
+                  <a16:creationId xmlns:a16="http://schemas.microsoft.com/office/drawing/2014/main" id="{4D2C7DCA-0FD4-4E8F-8777-D23655D95F5D}"/>
+                </a:ext>
+              </a:extLst>
+            </p:cNvPr>
+            <p:cNvPicPr>
+              <a:picLocks noChangeAspect="1"/>
+            </p:cNvPicPr>
+            <p:nvPr/>
+          </p:nvPicPr>
+          <p:blipFill>
+            <a:blip r:embed="rId3">
+              <a:extLst>
+                <a:ext uri="{28A0092B-C50C-407E-A947-70E740481C1C}">
+                  <a14:useLocalDpi xmlns:a14="http://schemas.microsoft.com/office/drawing/2010/main" val="0"/>
+                </a:ext>
+                <a:ext uri="{96DAC541-7B7A-43D3-8B79-37D633B846F1}">
+                  <asvg:svgBlip xmlns:asvg="http://schemas.microsoft.com/office/drawing/2016/SVG/main" r:embed="rId4"/>
+                </a:ext>
+              </a:extLst>
+            </a:blip>
+            <a:stretch>
+              <a:fillRect/>
+            </a:stretch>
+          </p:blipFill>
+          <p:spPr>
+            <a:xfrm>
+              <a:off x="2340732" y="220825"/>
+              <a:ext cx="314130" cy="314130"/>
+            </a:xfrm>
+            <a:prstGeom prst="rect">
+              <a:avLst/>
+            </a:prstGeom>
+          </p:spPr>
+        </p:pic>
+        <p:sp>
+          <p:nvSpPr>
+            <p:cNvPr id="14" name="ZoneTexte 13">
+              <a:extLst>
+                <a:ext uri="{FF2B5EF4-FFF2-40B4-BE49-F238E27FC236}">
+                  <a16:creationId xmlns:a16="http://schemas.microsoft.com/office/drawing/2014/main" id="{055EB385-473B-4778-87DC-34E03CAF3376}"/>
+                </a:ext>
+              </a:extLst>
+            </p:cNvPr>
+            <p:cNvSpPr txBox="1"/>
+            <p:nvPr/>
+          </p:nvSpPr>
+          <p:spPr>
+            <a:xfrm>
+              <a:off x="3031503" y="147058"/>
+              <a:ext cx="1177695" cy="461665"/>
+            </a:xfrm>
+            <a:prstGeom prst="rect">
+              <a:avLst/>
+            </a:prstGeom>
+            <a:noFill/>
+          </p:spPr>
+          <p:txBody>
+            <a:bodyPr wrap="none" rtlCol="0" anchor="ctr">
+              <a:spAutoFit/>
+            </a:bodyPr>
+            <a:lstStyle/>
+            <a:p>
+              <a:pPr algn="ctr"/>
+              <a:r>
+                <a:rPr lang="fr-FR" sz="2400" b="1" cap="small" dirty="0">
+                  <a:solidFill>
+                    <a:schemeClr val="bg1"/>
+                  </a:solidFill>
+                  <a:latin typeface="+mj-lt"/>
+                </a:rPr>
+                <a:t>Données</a:t>
+              </a:r>
+              <a:endParaRPr lang="fr-FR" b="1" cap="small" dirty="0">
+                <a:solidFill>
+                  <a:schemeClr val="bg1"/>
+                </a:solidFill>
+                <a:latin typeface="+mj-lt"/>
+              </a:endParaRPr>
+            </a:p>
+          </p:txBody>
+        </p:sp>
+        <p:pic>
+          <p:nvPicPr>
+            <p:cNvPr id="15" name="Graphique 14" descr="Fleur">
+              <a:extLst>
+                <a:ext uri="{FF2B5EF4-FFF2-40B4-BE49-F238E27FC236}">
+                  <a16:creationId xmlns:a16="http://schemas.microsoft.com/office/drawing/2014/main" id="{4E4EE84B-1256-4284-984F-657605E30A13}"/>
+                </a:ext>
+              </a:extLst>
+            </p:cNvPr>
+            <p:cNvPicPr>
+              <a:picLocks noChangeAspect="1"/>
+            </p:cNvPicPr>
+            <p:nvPr/>
+          </p:nvPicPr>
+          <p:blipFill>
+            <a:blip r:embed="rId3">
+              <a:extLst>
+                <a:ext uri="{28A0092B-C50C-407E-A947-70E740481C1C}">
+                  <a14:useLocalDpi xmlns:a14="http://schemas.microsoft.com/office/drawing/2010/main" val="0"/>
+                </a:ext>
+                <a:ext uri="{96DAC541-7B7A-43D3-8B79-37D633B846F1}">
+                  <asvg:svgBlip xmlns:asvg="http://schemas.microsoft.com/office/drawing/2016/SVG/main" r:embed="rId4"/>
+                </a:ext>
+              </a:extLst>
+            </a:blip>
+            <a:stretch>
+              <a:fillRect/>
+            </a:stretch>
+          </p:blipFill>
+          <p:spPr>
+            <a:xfrm>
+              <a:off x="4585839" y="220825"/>
+              <a:ext cx="314130" cy="314130"/>
+            </a:xfrm>
+            <a:prstGeom prst="rect">
+              <a:avLst/>
+            </a:prstGeom>
+          </p:spPr>
+        </p:pic>
+        <p:sp>
+          <p:nvSpPr>
+            <p:cNvPr id="16" name="ZoneTexte 15">
+              <a:extLst>
+                <a:ext uri="{FF2B5EF4-FFF2-40B4-BE49-F238E27FC236}">
+                  <a16:creationId xmlns:a16="http://schemas.microsoft.com/office/drawing/2014/main" id="{05AAF3AF-AAF3-472E-919C-52585E78C58C}"/>
+                </a:ext>
+              </a:extLst>
+            </p:cNvPr>
+            <p:cNvSpPr txBox="1"/>
+            <p:nvPr/>
+          </p:nvSpPr>
+          <p:spPr>
+            <a:xfrm>
+              <a:off x="5350124" y="177835"/>
+              <a:ext cx="1617559" cy="400110"/>
+            </a:xfrm>
+            <a:prstGeom prst="rect">
+              <a:avLst/>
+            </a:prstGeom>
+            <a:noFill/>
+          </p:spPr>
+          <p:txBody>
+            <a:bodyPr wrap="none" rtlCol="0" anchor="ctr">
+              <a:spAutoFit/>
+            </a:bodyPr>
+            <a:lstStyle/>
+            <a:p>
+              <a:pPr algn="ctr"/>
+              <a:r>
+                <a:rPr lang="fr-FR" sz="2000" cap="small" dirty="0">
+                  <a:solidFill>
+                    <a:schemeClr val="bg1"/>
+                  </a:solidFill>
+                  <a:latin typeface="+mj-lt"/>
+                </a:rPr>
+                <a:t>Méthodologie</a:t>
+              </a:r>
+              <a:endParaRPr lang="fr-FR" cap="small" dirty="0">
+                <a:solidFill>
+                  <a:schemeClr val="bg1"/>
+                </a:solidFill>
+                <a:latin typeface="+mj-lt"/>
+              </a:endParaRPr>
+            </a:p>
+          </p:txBody>
+        </p:sp>
+        <p:pic>
+          <p:nvPicPr>
+            <p:cNvPr id="17" name="Graphique 16" descr="Fleur">
+              <a:extLst>
+                <a:ext uri="{FF2B5EF4-FFF2-40B4-BE49-F238E27FC236}">
+                  <a16:creationId xmlns:a16="http://schemas.microsoft.com/office/drawing/2014/main" id="{43CE3428-5A9A-496D-9BC4-E0DA18424B35}"/>
+                </a:ext>
+              </a:extLst>
+            </p:cNvPr>
+            <p:cNvPicPr>
+              <a:picLocks noChangeAspect="1"/>
+            </p:cNvPicPr>
+            <p:nvPr/>
+          </p:nvPicPr>
+          <p:blipFill>
+            <a:blip r:embed="rId3">
+              <a:extLst>
+                <a:ext uri="{28A0092B-C50C-407E-A947-70E740481C1C}">
+                  <a14:useLocalDpi xmlns:a14="http://schemas.microsoft.com/office/drawing/2010/main" val="0"/>
+                </a:ext>
+                <a:ext uri="{96DAC541-7B7A-43D3-8B79-37D633B846F1}">
+                  <asvg:svgBlip xmlns:asvg="http://schemas.microsoft.com/office/drawing/2016/SVG/main" r:embed="rId4"/>
+                </a:ext>
+              </a:extLst>
+            </a:blip>
+            <a:stretch>
+              <a:fillRect/>
+            </a:stretch>
+          </p:blipFill>
+          <p:spPr>
+            <a:xfrm>
+              <a:off x="7417838" y="220825"/>
+              <a:ext cx="314130" cy="314130"/>
+            </a:xfrm>
+            <a:prstGeom prst="rect">
+              <a:avLst/>
+            </a:prstGeom>
+          </p:spPr>
+        </p:pic>
+        <p:sp>
+          <p:nvSpPr>
+            <p:cNvPr id="18" name="ZoneTexte 17">
+              <a:extLst>
+                <a:ext uri="{FF2B5EF4-FFF2-40B4-BE49-F238E27FC236}">
+                  <a16:creationId xmlns:a16="http://schemas.microsoft.com/office/drawing/2014/main" id="{3EDA8A79-7905-4A01-80F7-4B3C4D31FB86}"/>
+                </a:ext>
+              </a:extLst>
+            </p:cNvPr>
+            <p:cNvSpPr txBox="1"/>
+            <p:nvPr/>
+          </p:nvSpPr>
+          <p:spPr>
+            <a:xfrm>
+              <a:off x="8182123" y="177835"/>
+              <a:ext cx="1088375" cy="400110"/>
+            </a:xfrm>
+            <a:prstGeom prst="rect">
+              <a:avLst/>
+            </a:prstGeom>
+            <a:noFill/>
+          </p:spPr>
+          <p:txBody>
+            <a:bodyPr wrap="none" rtlCol="0" anchor="ctr">
+              <a:spAutoFit/>
+            </a:bodyPr>
+            <a:lstStyle/>
+            <a:p>
+              <a:pPr algn="ctr"/>
+              <a:r>
+                <a:rPr lang="fr-FR" sz="2000" cap="small" dirty="0">
+                  <a:solidFill>
+                    <a:schemeClr val="bg1"/>
+                  </a:solidFill>
+                  <a:latin typeface="+mj-lt"/>
+                </a:rPr>
+                <a:t>Résultats</a:t>
+              </a:r>
+              <a:endParaRPr lang="fr-FR" cap="small" dirty="0">
+                <a:solidFill>
+                  <a:schemeClr val="bg1"/>
+                </a:solidFill>
+                <a:latin typeface="+mj-lt"/>
+              </a:endParaRPr>
+            </a:p>
+          </p:txBody>
+        </p:sp>
+        <p:pic>
+          <p:nvPicPr>
+            <p:cNvPr id="19" name="Graphique 18" descr="Fleur">
+              <a:extLst>
+                <a:ext uri="{FF2B5EF4-FFF2-40B4-BE49-F238E27FC236}">
+                  <a16:creationId xmlns:a16="http://schemas.microsoft.com/office/drawing/2014/main" id="{E97D50FA-1726-4AFB-9CDC-0B4A9E8C6087}"/>
+                </a:ext>
+              </a:extLst>
+            </p:cNvPr>
+            <p:cNvPicPr>
+              <a:picLocks noChangeAspect="1"/>
+            </p:cNvPicPr>
+            <p:nvPr/>
+          </p:nvPicPr>
+          <p:blipFill>
+            <a:blip r:embed="rId3">
+              <a:extLst>
+                <a:ext uri="{28A0092B-C50C-407E-A947-70E740481C1C}">
+                  <a14:useLocalDpi xmlns:a14="http://schemas.microsoft.com/office/drawing/2010/main" val="0"/>
+                </a:ext>
+                <a:ext uri="{96DAC541-7B7A-43D3-8B79-37D633B846F1}">
+                  <asvg:svgBlip xmlns:asvg="http://schemas.microsoft.com/office/drawing/2016/SVG/main" r:embed="rId4"/>
+                </a:ext>
+              </a:extLst>
+            </a:blip>
+            <a:stretch>
+              <a:fillRect/>
+            </a:stretch>
+          </p:blipFill>
+          <p:spPr>
+            <a:xfrm>
+              <a:off x="9720653" y="220825"/>
+              <a:ext cx="314130" cy="314130"/>
+            </a:xfrm>
+            <a:prstGeom prst="rect">
+              <a:avLst/>
+            </a:prstGeom>
+          </p:spPr>
+        </p:pic>
+        <p:sp>
+          <p:nvSpPr>
+            <p:cNvPr id="20" name="ZoneTexte 19">
+              <a:extLst>
+                <a:ext uri="{FF2B5EF4-FFF2-40B4-BE49-F238E27FC236}">
+                  <a16:creationId xmlns:a16="http://schemas.microsoft.com/office/drawing/2014/main" id="{AEBF759D-5C10-429A-9FF9-D4F831590151}"/>
+                </a:ext>
+              </a:extLst>
+            </p:cNvPr>
+            <p:cNvSpPr txBox="1"/>
+            <p:nvPr/>
+          </p:nvSpPr>
+          <p:spPr>
+            <a:xfrm>
+              <a:off x="10484935" y="177835"/>
+              <a:ext cx="1317861" cy="400110"/>
+            </a:xfrm>
+            <a:prstGeom prst="rect">
+              <a:avLst/>
+            </a:prstGeom>
+            <a:noFill/>
+          </p:spPr>
+          <p:txBody>
+            <a:bodyPr wrap="none" rtlCol="0" anchor="ctr">
+              <a:spAutoFit/>
+            </a:bodyPr>
+            <a:lstStyle/>
+            <a:p>
+              <a:pPr algn="ctr"/>
+              <a:r>
+                <a:rPr lang="fr-FR" sz="2000" cap="small" dirty="0">
+                  <a:solidFill>
+                    <a:schemeClr val="bg1"/>
+                  </a:solidFill>
+                  <a:latin typeface="+mj-lt"/>
+                </a:rPr>
+                <a:t>Conclusion</a:t>
+              </a:r>
+              <a:endParaRPr lang="fr-FR" cap="small" dirty="0">
+                <a:solidFill>
+                  <a:schemeClr val="bg1"/>
+                </a:solidFill>
+                <a:latin typeface="+mj-lt"/>
+              </a:endParaRPr>
+            </a:p>
+          </p:txBody>
+        </p:sp>
+      </p:grpSp>
+      <p:grpSp>
+        <p:nvGrpSpPr>
+          <p:cNvPr id="26" name="Groupe 25">
+            <a:extLst>
+              <a:ext uri="{FF2B5EF4-FFF2-40B4-BE49-F238E27FC236}">
+                <a16:creationId xmlns:a16="http://schemas.microsoft.com/office/drawing/2014/main" id="{B2F83180-81D8-4A5B-83FA-8D7CC6416E60}"/>
               </a:ext>
             </a:extLst>
           </p:cNvPr>
@@ -6435,10 +6911,10 @@
         </p:grpSpPr>
         <p:pic>
           <p:nvPicPr>
-            <p:cNvPr id="13" name="Graphique 12" descr="Arbre à feuilles caduques">
+            <p:cNvPr id="27" name="Graphique 26" descr="Arbre à feuilles caduques">
               <a:extLst>
                 <a:ext uri="{FF2B5EF4-FFF2-40B4-BE49-F238E27FC236}">
-                  <a16:creationId xmlns:a16="http://schemas.microsoft.com/office/drawing/2014/main" id="{0A939ACB-A5ED-44BA-9341-AB68BD2207C4}"/>
+                  <a16:creationId xmlns:a16="http://schemas.microsoft.com/office/drawing/2014/main" id="{043EB72D-1EA5-403D-9660-50EB39ACFC27}"/>
                 </a:ext>
               </a:extLst>
             </p:cNvPr>
@@ -6448,13 +6924,13 @@
             <p:nvPr/>
           </p:nvPicPr>
           <p:blipFill>
-            <a:blip r:embed="rId3">
+            <a:blip r:embed="rId5">
               <a:extLst>
                 <a:ext uri="{28A0092B-C50C-407E-A947-70E740481C1C}">
                   <a14:useLocalDpi xmlns:a14="http://schemas.microsoft.com/office/drawing/2010/main" val="0"/>
                 </a:ext>
                 <a:ext uri="{96DAC541-7B7A-43D3-8B79-37D633B846F1}">
-                  <asvg:svgBlip xmlns:asvg="http://schemas.microsoft.com/office/drawing/2016/SVG/main" r:embed="rId4"/>
+                  <asvg:svgBlip xmlns:asvg="http://schemas.microsoft.com/office/drawing/2016/SVG/main" r:embed="rId6"/>
                 </a:ext>
               </a:extLst>
             </a:blip>
@@ -6474,10 +6950,10 @@
         </p:pic>
         <p:sp>
           <p:nvSpPr>
-            <p:cNvPr id="11" name="ZoneTexte 10">
+            <p:cNvPr id="28" name="ZoneTexte 27">
               <a:extLst>
                 <a:ext uri="{FF2B5EF4-FFF2-40B4-BE49-F238E27FC236}">
-                  <a16:creationId xmlns:a16="http://schemas.microsoft.com/office/drawing/2014/main" id="{30870BC7-A7DC-4E8F-837B-5E8CBF48E760}"/>
+                  <a16:creationId xmlns:a16="http://schemas.microsoft.com/office/drawing/2014/main" id="{728E55B0-8123-427C-89D9-BBDCEF7530D2}"/>
                 </a:ext>
               </a:extLst>
             </p:cNvPr>
@@ -6509,7 +6985,7 @@
                   <a:latin typeface="+mj-lt"/>
                 </a:rPr>
                 <a:pPr algn="ctr"/>
-                <a:t>2</a:t>
+                <a:t>3</a:t>
               </a:fld>
               <a:endParaRPr lang="fr-FR" sz="1400" b="1" cap="small" dirty="0">
                 <a:solidFill>
@@ -6521,10 +6997,199 @@
           </p:txBody>
         </p:sp>
       </p:grpSp>
+      <p:sp>
+        <p:nvSpPr>
+          <p:cNvPr id="21" name="ZoneTexte 20">
+            <a:extLst>
+              <a:ext uri="{FF2B5EF4-FFF2-40B4-BE49-F238E27FC236}">
+                <a16:creationId xmlns:a16="http://schemas.microsoft.com/office/drawing/2014/main" id="{ADC16367-8912-47FF-B1E5-ED9477D6AEE7}"/>
+              </a:ext>
+            </a:extLst>
+          </p:cNvPr>
+          <p:cNvSpPr txBox="1"/>
+          <p:nvPr/>
+        </p:nvSpPr>
+        <p:spPr>
+          <a:xfrm>
+            <a:off x="961052" y="1121167"/>
+            <a:ext cx="3856505" cy="461665"/>
+          </a:xfrm>
+          <a:prstGeom prst="rect">
+            <a:avLst/>
+          </a:prstGeom>
+          <a:noFill/>
+        </p:spPr>
+        <p:txBody>
+          <a:bodyPr wrap="none" rtlCol="0">
+            <a:spAutoFit/>
+          </a:bodyPr>
+          <a:lstStyle/>
+          <a:p>
+            <a:r>
+              <a:rPr lang="fr-FR" sz="2400" cap="small" dirty="0">
+                <a:latin typeface="+mj-lt"/>
+              </a:rPr>
+              <a:t>Composition du jeu de données</a:t>
+            </a:r>
+            <a:endParaRPr lang="fr-FR" sz="2000" cap="small" dirty="0">
+              <a:latin typeface="+mj-lt"/>
+            </a:endParaRPr>
+          </a:p>
+        </p:txBody>
+      </p:sp>
+      <p:sp>
+        <p:nvSpPr>
+          <p:cNvPr id="22" name="ZoneTexte 21">
+            <a:extLst>
+              <a:ext uri="{FF2B5EF4-FFF2-40B4-BE49-F238E27FC236}">
+                <a16:creationId xmlns:a16="http://schemas.microsoft.com/office/drawing/2014/main" id="{2330F9C8-7B22-4A25-BFF9-D558E4CAA036}"/>
+              </a:ext>
+            </a:extLst>
+          </p:cNvPr>
+          <p:cNvSpPr txBox="1"/>
+          <p:nvPr/>
+        </p:nvSpPr>
+        <p:spPr>
+          <a:xfrm>
+            <a:off x="961052" y="1822385"/>
+            <a:ext cx="5087931" cy="3814890"/>
+          </a:xfrm>
+          <a:prstGeom prst="rect">
+            <a:avLst/>
+          </a:prstGeom>
+          <a:noFill/>
+        </p:spPr>
+        <p:txBody>
+          <a:bodyPr wrap="none" rtlCol="0">
+            <a:spAutoFit/>
+          </a:bodyPr>
+          <a:lstStyle/>
+          <a:p>
+            <a:pPr marL="457200" indent="-457200">
+              <a:lnSpc>
+                <a:spcPct val="250000"/>
+              </a:lnSpc>
+              <a:buFont typeface="Arial" panose="020B0604020202020204" pitchFamily="34" charset="0"/>
+              <a:buChar char="•"/>
+            </a:pPr>
+            <a:r>
+              <a:rPr lang="fr-FR" sz="2000" dirty="0">
+                <a:latin typeface="+mj-lt"/>
+              </a:rPr>
+              <a:t>3 classes : {Arbre ; Fleur ; Autre}</a:t>
+            </a:r>
+          </a:p>
+          <a:p>
+            <a:pPr marL="457200" indent="-457200">
+              <a:lnSpc>
+                <a:spcPct val="250000"/>
+              </a:lnSpc>
+              <a:buFont typeface="Arial" panose="020B0604020202020204" pitchFamily="34" charset="0"/>
+              <a:buChar char="•"/>
+            </a:pPr>
+            <a:r>
+              <a:rPr lang="fr-FR" sz="2000" dirty="0">
+                <a:latin typeface="+mj-lt"/>
+              </a:rPr>
+              <a:t>68 photos (Ille-et-Vilaine et Côtes d’Armor) </a:t>
+            </a:r>
+          </a:p>
+          <a:p>
+            <a:pPr marL="457200" indent="-457200">
+              <a:lnSpc>
+                <a:spcPct val="250000"/>
+              </a:lnSpc>
+              <a:buFont typeface="Arial" panose="020B0604020202020204" pitchFamily="34" charset="0"/>
+              <a:buChar char="•"/>
+            </a:pPr>
+            <a:r>
+              <a:rPr lang="fr-FR" sz="2000" dirty="0">
+                <a:latin typeface="+mj-lt"/>
+              </a:rPr>
+              <a:t>4622 images collectées (libres de droit)</a:t>
+            </a:r>
+          </a:p>
+          <a:p>
+            <a:pPr marL="457200" indent="-457200">
+              <a:lnSpc>
+                <a:spcPct val="250000"/>
+              </a:lnSpc>
+              <a:buFont typeface="Arial" panose="020B0604020202020204" pitchFamily="34" charset="0"/>
+              <a:buChar char="•"/>
+            </a:pPr>
+            <a:r>
+              <a:rPr lang="fr-FR" sz="2000" i="1" dirty="0">
+                <a:latin typeface="+mj-lt"/>
+              </a:rPr>
+              <a:t>Data augmentation (si </a:t>
+            </a:r>
+            <a:r>
+              <a:rPr lang="fr-FR" sz="2000" i="1" dirty="0" err="1">
+                <a:latin typeface="+mj-lt"/>
+              </a:rPr>
+              <a:t>overfitting</a:t>
+            </a:r>
+            <a:r>
+              <a:rPr lang="fr-FR" sz="2000" i="1" dirty="0">
+                <a:latin typeface="+mj-lt"/>
+              </a:rPr>
+              <a:t>)</a:t>
+            </a:r>
+          </a:p>
+          <a:p>
+            <a:pPr marL="457200" indent="-457200">
+              <a:lnSpc>
+                <a:spcPct val="250000"/>
+              </a:lnSpc>
+              <a:buFont typeface="Arial" panose="020B0604020202020204" pitchFamily="34" charset="0"/>
+              <a:buChar char="•"/>
+            </a:pPr>
+            <a:endParaRPr lang="fr-FR" sz="2000" dirty="0">
+              <a:latin typeface="+mj-lt"/>
+            </a:endParaRPr>
+          </a:p>
+        </p:txBody>
+      </p:sp>
+      <p:pic>
+        <p:nvPicPr>
+          <p:cNvPr id="4" name="Image 3">
+            <a:extLst>
+              <a:ext uri="{FF2B5EF4-FFF2-40B4-BE49-F238E27FC236}">
+                <a16:creationId xmlns:a16="http://schemas.microsoft.com/office/drawing/2014/main" id="{EE331B03-F497-4DCD-A521-87B2BD9A87F6}"/>
+              </a:ext>
+            </a:extLst>
+          </p:cNvPr>
+          <p:cNvPicPr>
+            <a:picLocks noChangeAspect="1"/>
+          </p:cNvPicPr>
+          <p:nvPr/>
+        </p:nvPicPr>
+        <p:blipFill>
+          <a:blip r:embed="rId7">
+            <a:extLst>
+              <a:ext uri="{28A0092B-C50C-407E-A947-70E740481C1C}">
+                <a14:useLocalDpi xmlns:a14="http://schemas.microsoft.com/office/drawing/2010/main" val="0"/>
+              </a:ext>
+            </a:extLst>
+          </a:blip>
+          <a:stretch>
+            <a:fillRect/>
+          </a:stretch>
+        </p:blipFill>
+        <p:spPr>
+          <a:xfrm>
+            <a:off x="6714865" y="1822385"/>
+            <a:ext cx="5087931" cy="3391954"/>
+          </a:xfrm>
+          <a:prstGeom prst="rect">
+            <a:avLst/>
+          </a:prstGeom>
+        </p:spPr>
+      </p:pic>
     </p:spTree>
     <p:extLst>
       <p:ext uri="{BB962C8B-B14F-4D97-AF65-F5344CB8AC3E}">
-        <p14:creationId xmlns:p14="http://schemas.microsoft.com/office/powerpoint/2010/main" val="1125556380"/>
+        <p14:creationId xmlns:p14="http://schemas.microsoft.com/office/powerpoint/2010/main" val="1745770482"/>
       </p:ext>
     </p:extLst>
   </p:cSld>
@@ -6534,7 +7199,7 @@
 </p:sld>
 </file>
 
-<file path=ppt/slides/slide3.xml><?xml version="1.0" encoding="utf-8"?>
+<file path=ppt/slides/slide4.xml><?xml version="1.0" encoding="utf-8"?>
 <p:sld xmlns:a="http://schemas.openxmlformats.org/drawingml/2006/main" xmlns:r="http://schemas.openxmlformats.org/officeDocument/2006/relationships" xmlns:p="http://schemas.openxmlformats.org/presentationml/2006/main">
   <p:cSld>
     <p:spTree>
@@ -6653,10 +7318,10 @@
         </p:nvGrpSpPr>
         <p:grpSpPr>
           <a:xfrm>
-            <a:off x="272313" y="147058"/>
-            <a:ext cx="11530483" cy="461665"/>
-            <a:chOff x="272313" y="147058"/>
-            <a:chExt cx="11530483" cy="461665"/>
+            <a:off x="389204" y="147058"/>
+            <a:ext cx="11413592" cy="461665"/>
+            <a:chOff x="389204" y="147058"/>
+            <a:chExt cx="11413592" cy="461665"/>
           </a:xfrm>
         </p:grpSpPr>
         <p:sp>
@@ -6673,8 +7338,94 @@
           </p:nvSpPr>
           <p:spPr>
             <a:xfrm>
-              <a:off x="272313" y="147058"/>
-              <a:ext cx="1735155" cy="461665"/>
+              <a:off x="389204" y="177835"/>
+              <a:ext cx="1501373" cy="400110"/>
+            </a:xfrm>
+            <a:prstGeom prst="rect">
+              <a:avLst/>
+            </a:prstGeom>
+            <a:noFill/>
+          </p:spPr>
+          <p:txBody>
+            <a:bodyPr wrap="none" rtlCol="0" anchor="ctr">
+              <a:spAutoFit/>
+            </a:bodyPr>
+            <a:lstStyle/>
+            <a:p>
+              <a:pPr algn="ctr"/>
+              <a:r>
+                <a:rPr lang="fr-FR" sz="2000" cap="small" dirty="0">
+                  <a:solidFill>
+                    <a:schemeClr val="bg1"/>
+                  </a:solidFill>
+                  <a:latin typeface="+mj-lt"/>
+                </a:rPr>
+                <a:t>Introduction</a:t>
+              </a:r>
+              <a:endParaRPr lang="fr-FR" cap="small" dirty="0">
+                <a:solidFill>
+                  <a:schemeClr val="bg1"/>
+                </a:solidFill>
+                <a:latin typeface="+mj-lt"/>
+              </a:endParaRPr>
+            </a:p>
+          </p:txBody>
+        </p:sp>
+        <p:pic>
+          <p:nvPicPr>
+            <p:cNvPr id="12" name="Graphique 11" descr="Fleur">
+              <a:extLst>
+                <a:ext uri="{FF2B5EF4-FFF2-40B4-BE49-F238E27FC236}">
+                  <a16:creationId xmlns:a16="http://schemas.microsoft.com/office/drawing/2014/main" id="{4D2C7DCA-0FD4-4E8F-8777-D23655D95F5D}"/>
+                </a:ext>
+              </a:extLst>
+            </p:cNvPr>
+            <p:cNvPicPr>
+              <a:picLocks noChangeAspect="1"/>
+            </p:cNvPicPr>
+            <p:nvPr/>
+          </p:nvPicPr>
+          <p:blipFill>
+            <a:blip r:embed="rId3">
+              <a:extLst>
+                <a:ext uri="{28A0092B-C50C-407E-A947-70E740481C1C}">
+                  <a14:useLocalDpi xmlns:a14="http://schemas.microsoft.com/office/drawing/2010/main" val="0"/>
+                </a:ext>
+                <a:ext uri="{96DAC541-7B7A-43D3-8B79-37D633B846F1}">
+                  <asvg:svgBlip xmlns:asvg="http://schemas.microsoft.com/office/drawing/2016/SVG/main" r:embed="rId4"/>
+                </a:ext>
+              </a:extLst>
+            </a:blip>
+            <a:stretch>
+              <a:fillRect/>
+            </a:stretch>
+          </p:blipFill>
+          <p:spPr>
+            <a:xfrm>
+              <a:off x="2340732" y="220825"/>
+              <a:ext cx="314130" cy="314130"/>
+            </a:xfrm>
+            <a:prstGeom prst="rect">
+              <a:avLst/>
+            </a:prstGeom>
+          </p:spPr>
+        </p:pic>
+        <p:sp>
+          <p:nvSpPr>
+            <p:cNvPr id="14" name="ZoneTexte 13">
+              <a:extLst>
+                <a:ext uri="{FF2B5EF4-FFF2-40B4-BE49-F238E27FC236}">
+                  <a16:creationId xmlns:a16="http://schemas.microsoft.com/office/drawing/2014/main" id="{055EB385-473B-4778-87DC-34E03CAF3376}"/>
+                </a:ext>
+              </a:extLst>
+            </p:cNvPr>
+            <p:cNvSpPr txBox="1"/>
+            <p:nvPr/>
+          </p:nvSpPr>
+          <p:spPr>
+            <a:xfrm>
+              <a:off x="3031503" y="147058"/>
+              <a:ext cx="1177695" cy="461665"/>
             </a:xfrm>
             <a:prstGeom prst="rect">
               <a:avLst/>
@@ -6695,95 +7446,9 @@
                   </a:solidFill>
                   <a:latin typeface="+mj-lt"/>
                 </a:rPr>
-                <a:t>Introduction</a:t>
+                <a:t>Données</a:t>
               </a:r>
               <a:endParaRPr lang="fr-FR" b="1" cap="small" dirty="0">
-                <a:solidFill>
-                  <a:schemeClr val="bg1"/>
-                </a:solidFill>
-                <a:latin typeface="+mj-lt"/>
-              </a:endParaRPr>
-            </a:p>
-          </p:txBody>
-        </p:sp>
-        <p:pic>
-          <p:nvPicPr>
-            <p:cNvPr id="12" name="Graphique 11" descr="Fleur">
-              <a:extLst>
-                <a:ext uri="{FF2B5EF4-FFF2-40B4-BE49-F238E27FC236}">
-                  <a16:creationId xmlns:a16="http://schemas.microsoft.com/office/drawing/2014/main" id="{4D2C7DCA-0FD4-4E8F-8777-D23655D95F5D}"/>
-                </a:ext>
-              </a:extLst>
-            </p:cNvPr>
-            <p:cNvPicPr>
-              <a:picLocks noChangeAspect="1"/>
-            </p:cNvPicPr>
-            <p:nvPr/>
-          </p:nvPicPr>
-          <p:blipFill>
-            <a:blip r:embed="rId3">
-              <a:extLst>
-                <a:ext uri="{28A0092B-C50C-407E-A947-70E740481C1C}">
-                  <a14:useLocalDpi xmlns:a14="http://schemas.microsoft.com/office/drawing/2010/main" val="0"/>
-                </a:ext>
-                <a:ext uri="{96DAC541-7B7A-43D3-8B79-37D633B846F1}">
-                  <asvg:svgBlip xmlns:asvg="http://schemas.microsoft.com/office/drawing/2016/SVG/main" r:embed="rId4"/>
-                </a:ext>
-              </a:extLst>
-            </a:blip>
-            <a:stretch>
-              <a:fillRect/>
-            </a:stretch>
-          </p:blipFill>
-          <p:spPr>
-            <a:xfrm>
-              <a:off x="2340732" y="220825"/>
-              <a:ext cx="314130" cy="314130"/>
-            </a:xfrm>
-            <a:prstGeom prst="rect">
-              <a:avLst/>
-            </a:prstGeom>
-          </p:spPr>
-        </p:pic>
-        <p:sp>
-          <p:nvSpPr>
-            <p:cNvPr id="14" name="ZoneTexte 13">
-              <a:extLst>
-                <a:ext uri="{FF2B5EF4-FFF2-40B4-BE49-F238E27FC236}">
-                  <a16:creationId xmlns:a16="http://schemas.microsoft.com/office/drawing/2014/main" id="{055EB385-473B-4778-87DC-34E03CAF3376}"/>
-                </a:ext>
-              </a:extLst>
-            </p:cNvPr>
-            <p:cNvSpPr txBox="1"/>
-            <p:nvPr/>
-          </p:nvSpPr>
-          <p:spPr>
-            <a:xfrm>
-              <a:off x="3105017" y="177835"/>
-              <a:ext cx="1030667" cy="400110"/>
-            </a:xfrm>
-            <a:prstGeom prst="rect">
-              <a:avLst/>
-            </a:prstGeom>
-            <a:noFill/>
-          </p:spPr>
-          <p:txBody>
-            <a:bodyPr wrap="none" rtlCol="0" anchor="ctr">
-              <a:spAutoFit/>
-            </a:bodyPr>
-            <a:lstStyle/>
-            <a:p>
-              <a:pPr algn="ctr"/>
-              <a:r>
-                <a:rPr lang="fr-FR" sz="2000" cap="small" dirty="0">
-                  <a:solidFill>
-                    <a:schemeClr val="bg1"/>
-                  </a:solidFill>
-                  <a:latin typeface="+mj-lt"/>
-                </a:rPr>
-                <a:t>Données</a:t>
-              </a:r>
-              <a:endParaRPr lang="fr-FR" cap="small" dirty="0">
                 <a:solidFill>
                   <a:schemeClr val="bg1"/>
                 </a:solidFill>
@@ -7147,7 +7812,7 @@
                   <a:latin typeface="+mj-lt"/>
                 </a:rPr>
                 <a:pPr algn="ctr"/>
-                <a:t>3</a:t>
+                <a:t>4</a:t>
               </a:fld>
               <a:endParaRPr lang="fr-FR" sz="1400" b="1" cap="small" dirty="0">
                 <a:solidFill>
@@ -7161,10 +7826,10 @@
       </p:grpSp>
       <p:sp>
         <p:nvSpPr>
-          <p:cNvPr id="31" name="ZoneTexte 30">
-            <a:extLst>
-              <a:ext uri="{FF2B5EF4-FFF2-40B4-BE49-F238E27FC236}">
-                <a16:creationId xmlns:a16="http://schemas.microsoft.com/office/drawing/2014/main" id="{4233B308-EC76-4910-91B9-E4D4C4B45507}"/>
+          <p:cNvPr id="21" name="ZoneTexte 20">
+            <a:extLst>
+              <a:ext uri="{FF2B5EF4-FFF2-40B4-BE49-F238E27FC236}">
+                <a16:creationId xmlns:a16="http://schemas.microsoft.com/office/drawing/2014/main" id="{ADC16367-8912-47FF-B1E5-ED9477D6AEE7}"/>
               </a:ext>
             </a:extLst>
           </p:cNvPr>
@@ -7174,7 +7839,7 @@
         <p:spPr>
           <a:xfrm>
             <a:off x="961052" y="1121167"/>
-            <a:ext cx="1935915" cy="461665"/>
+            <a:ext cx="5592941" cy="461665"/>
           </a:xfrm>
           <a:prstGeom prst="rect">
             <a:avLst/>
@@ -7188,12 +7853,18 @@
           <a:lstStyle/>
           <a:p>
             <a:r>
+              <a:rPr lang="fr-FR" sz="2400" i="1" cap="small" dirty="0">
+                <a:latin typeface="+mj-lt"/>
+              </a:rPr>
+              <a:t>Data augmentation </a:t>
+            </a:r>
+            <a:r>
               <a:rPr lang="fr-FR" sz="2400" cap="small" dirty="0">
                 <a:latin typeface="+mj-lt"/>
               </a:rPr>
-              <a:t>Problématique</a:t>
-            </a:r>
-            <a:endParaRPr lang="fr-FR" sz="2000" cap="small" dirty="0">
+              <a:t>par modification aléatoire</a:t>
+            </a:r>
+            <a:endParaRPr lang="fr-FR" sz="2000" i="1" cap="small" dirty="0">
               <a:latin typeface="+mj-lt"/>
             </a:endParaRPr>
           </a:p>
@@ -7201,10 +7872,10 @@
       </p:sp>
       <p:sp>
         <p:nvSpPr>
-          <p:cNvPr id="32" name="ZoneTexte 31">
-            <a:extLst>
-              <a:ext uri="{FF2B5EF4-FFF2-40B4-BE49-F238E27FC236}">
-                <a16:creationId xmlns:a16="http://schemas.microsoft.com/office/drawing/2014/main" id="{F691E28A-145E-479C-99F5-2DFB2CCFE4C7}"/>
+          <p:cNvPr id="22" name="ZoneTexte 21">
+            <a:extLst>
+              <a:ext uri="{FF2B5EF4-FFF2-40B4-BE49-F238E27FC236}">
+                <a16:creationId xmlns:a16="http://schemas.microsoft.com/office/drawing/2014/main" id="{2330F9C8-7B22-4A25-BFF9-D558E4CAA036}"/>
               </a:ext>
             </a:extLst>
           </p:cNvPr>
@@ -7214,7 +7885,7 @@
         <p:spPr>
           <a:xfrm>
             <a:off x="961052" y="1822385"/>
-            <a:ext cx="8445517" cy="3045449"/>
+            <a:ext cx="1463221" cy="1506566"/>
           </a:xfrm>
           <a:prstGeom prst="rect">
             <a:avLst/>
@@ -7227,33 +7898,7 @@
           </a:bodyPr>
           <a:lstStyle/>
           <a:p>
-            <a:pPr>
-              <a:lnSpc>
-                <a:spcPct val="250000"/>
-              </a:lnSpc>
-            </a:pPr>
-            <a:r>
-              <a:rPr lang="fr-FR" sz="2000" dirty="0">
-                <a:latin typeface="+mj-lt"/>
-              </a:rPr>
-              <a:t>« Comment différencier des éléments de la flore locale de façon automatisée ? »</a:t>
-            </a:r>
-          </a:p>
-          <a:p>
-            <a:pPr>
-              <a:lnSpc>
-                <a:spcPct val="250000"/>
-              </a:lnSpc>
-            </a:pPr>
-            <a:r>
-              <a:rPr lang="fr-FR" sz="2000" dirty="0">
-                <a:latin typeface="+mj-lt"/>
-              </a:rPr>
-              <a:t> </a:t>
-            </a:r>
-          </a:p>
-          <a:p>
-            <a:pPr marL="457200" indent="-457200">
+            <a:pPr marL="342900" indent="-342900">
               <a:lnSpc>
                 <a:spcPct val="250000"/>
               </a:lnSpc>
@@ -7264,11 +7909,11 @@
               <a:rPr lang="fr-FR" sz="2000" dirty="0">
                 <a:latin typeface="+mj-lt"/>
               </a:rPr>
-              <a:t>Réduction du périmètre d’étude aux arbres et aux fleurs</a:t>
-            </a:r>
-          </a:p>
-          <a:p>
-            <a:pPr marL="457200" indent="-457200">
+              <a:t>Inversion</a:t>
+            </a:r>
+          </a:p>
+          <a:p>
+            <a:pPr marL="342900" indent="-342900">
               <a:lnSpc>
                 <a:spcPct val="250000"/>
               </a:lnSpc>
@@ -7279,24 +7924,229 @@
               <a:rPr lang="fr-FR" sz="2000" dirty="0">
                 <a:latin typeface="+mj-lt"/>
               </a:rPr>
-              <a:t>Utilisation d’outils de </a:t>
-            </a:r>
-            <a:r>
-              <a:rPr lang="fr-FR" sz="2000" i="1" dirty="0">
-                <a:latin typeface="+mj-lt"/>
-              </a:rPr>
-              <a:t>computer vision</a:t>
-            </a:r>
-            <a:endParaRPr lang="fr-FR" sz="2000" dirty="0">
-              <a:latin typeface="+mj-lt"/>
+              <a:t>Rotation</a:t>
+            </a:r>
+          </a:p>
+        </p:txBody>
+      </p:sp>
+      <p:pic>
+        <p:nvPicPr>
+          <p:cNvPr id="10" name="Image 9">
+            <a:extLst>
+              <a:ext uri="{FF2B5EF4-FFF2-40B4-BE49-F238E27FC236}">
+                <a16:creationId xmlns:a16="http://schemas.microsoft.com/office/drawing/2014/main" id="{F7A76FAC-B2B9-47B6-B3C6-BE9EE5289095}"/>
+              </a:ext>
+            </a:extLst>
+          </p:cNvPr>
+          <p:cNvPicPr>
+            <a:picLocks noChangeAspect="1"/>
+          </p:cNvPicPr>
+          <p:nvPr/>
+        </p:nvPicPr>
+        <p:blipFill>
+          <a:blip r:embed="rId7">
+            <a:extLst>
+              <a:ext uri="{28A0092B-C50C-407E-A947-70E740481C1C}">
+                <a14:useLocalDpi xmlns:a14="http://schemas.microsoft.com/office/drawing/2010/main" val="0"/>
+              </a:ext>
+            </a:extLst>
+          </a:blip>
+          <a:stretch>
+            <a:fillRect/>
+          </a:stretch>
+        </p:blipFill>
+        <p:spPr>
+          <a:xfrm>
+            <a:off x="7289562" y="1822385"/>
+            <a:ext cx="4255219" cy="4255219"/>
+          </a:xfrm>
+          <a:prstGeom prst="rect">
+            <a:avLst/>
+          </a:prstGeom>
+        </p:spPr>
+      </p:pic>
+      <p:sp>
+        <p:nvSpPr>
+          <p:cNvPr id="24" name="ZoneTexte 23">
+            <a:extLst>
+              <a:ext uri="{FF2B5EF4-FFF2-40B4-BE49-F238E27FC236}">
+                <a16:creationId xmlns:a16="http://schemas.microsoft.com/office/drawing/2014/main" id="{078944C0-DC7C-4C60-8378-1C8C55F2B0DF}"/>
+              </a:ext>
+            </a:extLst>
+          </p:cNvPr>
+          <p:cNvSpPr txBox="1"/>
+          <p:nvPr/>
+        </p:nvSpPr>
+        <p:spPr>
+          <a:xfrm>
+            <a:off x="961052" y="4451000"/>
+            <a:ext cx="184731" cy="338554"/>
+          </a:xfrm>
+          <a:prstGeom prst="rect">
+            <a:avLst/>
+          </a:prstGeom>
+          <a:noFill/>
+        </p:spPr>
+        <p:txBody>
+          <a:bodyPr wrap="none" rtlCol="0">
+            <a:spAutoFit/>
+          </a:bodyPr>
+          <a:lstStyle/>
+          <a:p>
+            <a:endParaRPr lang="fr-FR" sz="1600" dirty="0">
+              <a:solidFill>
+                <a:srgbClr val="61A53A"/>
+              </a:solidFill>
+              <a:latin typeface="Consolas" panose="020B0609020204030204" pitchFamily="49" charset="0"/>
             </a:endParaRPr>
+          </a:p>
+        </p:txBody>
+      </p:sp>
+      <p:sp>
+        <p:nvSpPr>
+          <p:cNvPr id="25" name="ZoneTexte 24">
+            <a:extLst>
+              <a:ext uri="{FF2B5EF4-FFF2-40B4-BE49-F238E27FC236}">
+                <a16:creationId xmlns:a16="http://schemas.microsoft.com/office/drawing/2014/main" id="{47534E5D-0BAD-40B7-95E4-A380CA7F6D4E}"/>
+              </a:ext>
+            </a:extLst>
+          </p:cNvPr>
+          <p:cNvSpPr txBox="1"/>
+          <p:nvPr/>
+        </p:nvSpPr>
+        <p:spPr>
+          <a:xfrm>
+            <a:off x="961052" y="4413394"/>
+            <a:ext cx="6131807" cy="1077218"/>
+          </a:xfrm>
+          <a:prstGeom prst="rect">
+            <a:avLst/>
+          </a:prstGeom>
+          <a:noFill/>
+          <a:ln>
+            <a:solidFill>
+              <a:srgbClr val="61A53A"/>
+            </a:solidFill>
+          </a:ln>
+        </p:spPr>
+        <p:txBody>
+          <a:bodyPr wrap="none" rtlCol="0">
+            <a:spAutoFit/>
+          </a:bodyPr>
+          <a:lstStyle/>
+          <a:p>
+            <a:r>
+              <a:rPr lang="fr-FR" sz="1600" dirty="0" err="1">
+                <a:solidFill>
+                  <a:srgbClr val="61A53A"/>
+                </a:solidFill>
+                <a:latin typeface="Consolas" panose="020B0609020204030204" pitchFamily="49" charset="0"/>
+              </a:rPr>
+              <a:t>keras.Sequential</a:t>
+            </a:r>
+            <a:r>
+              <a:rPr lang="fr-FR" sz="1600" dirty="0">
+                <a:solidFill>
+                  <a:srgbClr val="61A53A"/>
+                </a:solidFill>
+                <a:latin typeface="Consolas" panose="020B0609020204030204" pitchFamily="49" charset="0"/>
+              </a:rPr>
+              <a:t>([</a:t>
+            </a:r>
+          </a:p>
+          <a:p>
+            <a:r>
+              <a:rPr lang="fr-FR" sz="1600" dirty="0">
+                <a:solidFill>
+                  <a:srgbClr val="61A53A"/>
+                </a:solidFill>
+                <a:latin typeface="Consolas" panose="020B0609020204030204" pitchFamily="49" charset="0"/>
+              </a:rPr>
+              <a:t>        </a:t>
+            </a:r>
+            <a:r>
+              <a:rPr lang="fr-FR" sz="1600" dirty="0" err="1">
+                <a:solidFill>
+                  <a:srgbClr val="61A53A"/>
+                </a:solidFill>
+                <a:latin typeface="Consolas" panose="020B0609020204030204" pitchFamily="49" charset="0"/>
+              </a:rPr>
+              <a:t>layers.RandomFlip</a:t>
+            </a:r>
+            <a:r>
+              <a:rPr lang="fr-FR" sz="1600" dirty="0">
+                <a:solidFill>
+                  <a:srgbClr val="61A53A"/>
+                </a:solidFill>
+                <a:latin typeface="Consolas" panose="020B0609020204030204" pitchFamily="49" charset="0"/>
+              </a:rPr>
+              <a:t>("</a:t>
+            </a:r>
+            <a:r>
+              <a:rPr lang="fr-FR" sz="1600" dirty="0" err="1">
+                <a:solidFill>
+                  <a:srgbClr val="61A53A"/>
+                </a:solidFill>
+                <a:latin typeface="Consolas" panose="020B0609020204030204" pitchFamily="49" charset="0"/>
+              </a:rPr>
+              <a:t>horizontal_and_vertical</a:t>
+            </a:r>
+            <a:r>
+              <a:rPr lang="fr-FR" sz="1600" dirty="0">
+                <a:solidFill>
+                  <a:srgbClr val="61A53A"/>
+                </a:solidFill>
+                <a:latin typeface="Consolas" panose="020B0609020204030204" pitchFamily="49" charset="0"/>
+              </a:rPr>
+              <a:t>"),</a:t>
+            </a:r>
+          </a:p>
+          <a:p>
+            <a:r>
+              <a:rPr lang="fr-FR" sz="1600" dirty="0">
+                <a:solidFill>
+                  <a:srgbClr val="61A53A"/>
+                </a:solidFill>
+                <a:latin typeface="Consolas" panose="020B0609020204030204" pitchFamily="49" charset="0"/>
+              </a:rPr>
+              <a:t>        </a:t>
+            </a:r>
+            <a:r>
+              <a:rPr lang="fr-FR" sz="1600" dirty="0" err="1">
+                <a:solidFill>
+                  <a:srgbClr val="61A53A"/>
+                </a:solidFill>
+                <a:latin typeface="Consolas" panose="020B0609020204030204" pitchFamily="49" charset="0"/>
+              </a:rPr>
+              <a:t>layers.RandomRotation</a:t>
+            </a:r>
+            <a:r>
+              <a:rPr lang="fr-FR" sz="1600" dirty="0">
+                <a:solidFill>
+                  <a:srgbClr val="61A53A"/>
+                </a:solidFill>
+                <a:latin typeface="Consolas" panose="020B0609020204030204" pitchFamily="49" charset="0"/>
+              </a:rPr>
+              <a:t>(0.2)</a:t>
+            </a:r>
+          </a:p>
+          <a:p>
+            <a:r>
+              <a:rPr lang="fr-FR" sz="1600" dirty="0">
+                <a:solidFill>
+                  <a:srgbClr val="61A53A"/>
+                </a:solidFill>
+                <a:latin typeface="Consolas" panose="020B0609020204030204" pitchFamily="49" charset="0"/>
+              </a:rPr>
+              <a:t>])</a:t>
+            </a:r>
           </a:p>
         </p:txBody>
       </p:sp>
     </p:spTree>
     <p:extLst>
       <p:ext uri="{BB962C8B-B14F-4D97-AF65-F5344CB8AC3E}">
-        <p14:creationId xmlns:p14="http://schemas.microsoft.com/office/powerpoint/2010/main" val="3603664874"/>
+        <p14:creationId xmlns:p14="http://schemas.microsoft.com/office/powerpoint/2010/main" val="3384116046"/>
       </p:ext>
     </p:extLst>
   </p:cSld>
@@ -7306,7 +8156,7 @@
 </p:sld>
 </file>
 
-<file path=ppt/slides/slide4.xml><?xml version="1.0" encoding="utf-8"?>
+<file path=ppt/slides/slide5.xml><?xml version="1.0" encoding="utf-8"?>
 <p:sld xmlns:a="http://schemas.openxmlformats.org/drawingml/2006/main" xmlns:r="http://schemas.openxmlformats.org/officeDocument/2006/relationships" xmlns:p="http://schemas.openxmlformats.org/presentationml/2006/main">
   <p:cSld>
     <p:spTree>
@@ -7531,8 +8381,94 @@
           </p:nvSpPr>
           <p:spPr>
             <a:xfrm>
-              <a:off x="3031503" y="147058"/>
-              <a:ext cx="1177695" cy="461665"/>
+              <a:off x="3105017" y="177835"/>
+              <a:ext cx="1030667" cy="400110"/>
+            </a:xfrm>
+            <a:prstGeom prst="rect">
+              <a:avLst/>
+            </a:prstGeom>
+            <a:noFill/>
+          </p:spPr>
+          <p:txBody>
+            <a:bodyPr wrap="none" rtlCol="0" anchor="ctr">
+              <a:spAutoFit/>
+            </a:bodyPr>
+            <a:lstStyle/>
+            <a:p>
+              <a:pPr algn="ctr"/>
+              <a:r>
+                <a:rPr lang="fr-FR" sz="2000" cap="small" dirty="0">
+                  <a:solidFill>
+                    <a:schemeClr val="bg1"/>
+                  </a:solidFill>
+                  <a:latin typeface="+mj-lt"/>
+                </a:rPr>
+                <a:t>Données</a:t>
+              </a:r>
+              <a:endParaRPr lang="fr-FR" cap="small" dirty="0">
+                <a:solidFill>
+                  <a:schemeClr val="bg1"/>
+                </a:solidFill>
+                <a:latin typeface="+mj-lt"/>
+              </a:endParaRPr>
+            </a:p>
+          </p:txBody>
+        </p:sp>
+        <p:pic>
+          <p:nvPicPr>
+            <p:cNvPr id="15" name="Graphique 14" descr="Fleur">
+              <a:extLst>
+                <a:ext uri="{FF2B5EF4-FFF2-40B4-BE49-F238E27FC236}">
+                  <a16:creationId xmlns:a16="http://schemas.microsoft.com/office/drawing/2014/main" id="{4E4EE84B-1256-4284-984F-657605E30A13}"/>
+                </a:ext>
+              </a:extLst>
+            </p:cNvPr>
+            <p:cNvPicPr>
+              <a:picLocks noChangeAspect="1"/>
+            </p:cNvPicPr>
+            <p:nvPr/>
+          </p:nvPicPr>
+          <p:blipFill>
+            <a:blip r:embed="rId3">
+              <a:extLst>
+                <a:ext uri="{28A0092B-C50C-407E-A947-70E740481C1C}">
+                  <a14:useLocalDpi xmlns:a14="http://schemas.microsoft.com/office/drawing/2010/main" val="0"/>
+                </a:ext>
+                <a:ext uri="{96DAC541-7B7A-43D3-8B79-37D633B846F1}">
+                  <asvg:svgBlip xmlns:asvg="http://schemas.microsoft.com/office/drawing/2016/SVG/main" r:embed="rId4"/>
+                </a:ext>
+              </a:extLst>
+            </a:blip>
+            <a:stretch>
+              <a:fillRect/>
+            </a:stretch>
+          </p:blipFill>
+          <p:spPr>
+            <a:xfrm>
+              <a:off x="4585839" y="220825"/>
+              <a:ext cx="314130" cy="314130"/>
+            </a:xfrm>
+            <a:prstGeom prst="rect">
+              <a:avLst/>
+            </a:prstGeom>
+          </p:spPr>
+        </p:pic>
+        <p:sp>
+          <p:nvSpPr>
+            <p:cNvPr id="16" name="ZoneTexte 15">
+              <a:extLst>
+                <a:ext uri="{FF2B5EF4-FFF2-40B4-BE49-F238E27FC236}">
+                  <a16:creationId xmlns:a16="http://schemas.microsoft.com/office/drawing/2014/main" id="{05AAF3AF-AAF3-472E-919C-52585E78C58C}"/>
+                </a:ext>
+              </a:extLst>
+            </p:cNvPr>
+            <p:cNvSpPr txBox="1"/>
+            <p:nvPr/>
+          </p:nvSpPr>
+          <p:spPr>
+            <a:xfrm>
+              <a:off x="5222397" y="147058"/>
+              <a:ext cx="1873013" cy="461665"/>
             </a:xfrm>
             <a:prstGeom prst="rect">
               <a:avLst/>
@@ -7553,95 +8489,9 @@
                   </a:solidFill>
                   <a:latin typeface="+mj-lt"/>
                 </a:rPr>
-                <a:t>Données</a:t>
-              </a:r>
-              <a:endParaRPr lang="fr-FR" b="1" cap="small" dirty="0">
-                <a:solidFill>
-                  <a:schemeClr val="bg1"/>
-                </a:solidFill>
-                <a:latin typeface="+mj-lt"/>
-              </a:endParaRPr>
-            </a:p>
-          </p:txBody>
-        </p:sp>
-        <p:pic>
-          <p:nvPicPr>
-            <p:cNvPr id="15" name="Graphique 14" descr="Fleur">
-              <a:extLst>
-                <a:ext uri="{FF2B5EF4-FFF2-40B4-BE49-F238E27FC236}">
-                  <a16:creationId xmlns:a16="http://schemas.microsoft.com/office/drawing/2014/main" id="{4E4EE84B-1256-4284-984F-657605E30A13}"/>
-                </a:ext>
-              </a:extLst>
-            </p:cNvPr>
-            <p:cNvPicPr>
-              <a:picLocks noChangeAspect="1"/>
-            </p:cNvPicPr>
-            <p:nvPr/>
-          </p:nvPicPr>
-          <p:blipFill>
-            <a:blip r:embed="rId3">
-              <a:extLst>
-                <a:ext uri="{28A0092B-C50C-407E-A947-70E740481C1C}">
-                  <a14:useLocalDpi xmlns:a14="http://schemas.microsoft.com/office/drawing/2010/main" val="0"/>
-                </a:ext>
-                <a:ext uri="{96DAC541-7B7A-43D3-8B79-37D633B846F1}">
-                  <asvg:svgBlip xmlns:asvg="http://schemas.microsoft.com/office/drawing/2016/SVG/main" r:embed="rId4"/>
-                </a:ext>
-              </a:extLst>
-            </a:blip>
-            <a:stretch>
-              <a:fillRect/>
-            </a:stretch>
-          </p:blipFill>
-          <p:spPr>
-            <a:xfrm>
-              <a:off x="4585839" y="220825"/>
-              <a:ext cx="314130" cy="314130"/>
-            </a:xfrm>
-            <a:prstGeom prst="rect">
-              <a:avLst/>
-            </a:prstGeom>
-          </p:spPr>
-        </p:pic>
-        <p:sp>
-          <p:nvSpPr>
-            <p:cNvPr id="16" name="ZoneTexte 15">
-              <a:extLst>
-                <a:ext uri="{FF2B5EF4-FFF2-40B4-BE49-F238E27FC236}">
-                  <a16:creationId xmlns:a16="http://schemas.microsoft.com/office/drawing/2014/main" id="{05AAF3AF-AAF3-472E-919C-52585E78C58C}"/>
-                </a:ext>
-              </a:extLst>
-            </p:cNvPr>
-            <p:cNvSpPr txBox="1"/>
-            <p:nvPr/>
-          </p:nvSpPr>
-          <p:spPr>
-            <a:xfrm>
-              <a:off x="5350124" y="177835"/>
-              <a:ext cx="1617559" cy="400110"/>
-            </a:xfrm>
-            <a:prstGeom prst="rect">
-              <a:avLst/>
-            </a:prstGeom>
-            <a:noFill/>
-          </p:spPr>
-          <p:txBody>
-            <a:bodyPr wrap="none" rtlCol="0" anchor="ctr">
-              <a:spAutoFit/>
-            </a:bodyPr>
-            <a:lstStyle/>
-            <a:p>
-              <a:pPr algn="ctr"/>
-              <a:r>
-                <a:rPr lang="fr-FR" sz="2000" cap="small" dirty="0">
-                  <a:solidFill>
-                    <a:schemeClr val="bg1"/>
-                  </a:solidFill>
-                  <a:latin typeface="+mj-lt"/>
-                </a:rPr>
                 <a:t>Méthodologie</a:t>
               </a:r>
-              <a:endParaRPr lang="fr-FR" cap="small" dirty="0">
+              <a:endParaRPr lang="fr-FR" sz="2000" b="1" cap="small" dirty="0">
                 <a:solidFill>
                   <a:schemeClr val="bg1"/>
                 </a:solidFill>
@@ -7919,7 +8769,7 @@
                   <a:latin typeface="+mj-lt"/>
                 </a:rPr>
                 <a:pPr algn="ctr"/>
-                <a:t>4</a:t>
+                <a:t>5</a:t>
               </a:fld>
               <a:endParaRPr lang="fr-FR" sz="1400" b="1" cap="small" dirty="0">
                 <a:solidFill>
@@ -7936,7 +8786,7 @@
           <p:cNvPr id="21" name="ZoneTexte 20">
             <a:extLst>
               <a:ext uri="{FF2B5EF4-FFF2-40B4-BE49-F238E27FC236}">
-                <a16:creationId xmlns:a16="http://schemas.microsoft.com/office/drawing/2014/main" id="{ADC16367-8912-47FF-B1E5-ED9477D6AEE7}"/>
+                <a16:creationId xmlns:a16="http://schemas.microsoft.com/office/drawing/2014/main" id="{0695CCF8-5151-47C8-90E9-98F7E6E3B3EC}"/>
               </a:ext>
             </a:extLst>
           </p:cNvPr>
@@ -7945,8 +8795,8 @@
         </p:nvSpPr>
         <p:spPr>
           <a:xfrm>
-            <a:off x="961052" y="1121167"/>
-            <a:ext cx="3856505" cy="461665"/>
+            <a:off x="961052" y="1822385"/>
+            <a:ext cx="5430461" cy="3045449"/>
           </a:xfrm>
           <a:prstGeom prst="rect">
             <a:avLst/>
@@ -7959,13 +8809,71 @@
           </a:bodyPr>
           <a:lstStyle/>
           <a:p>
-            <a:r>
-              <a:rPr lang="fr-FR" sz="2400" cap="small" dirty="0">
-                <a:latin typeface="+mj-lt"/>
-              </a:rPr>
-              <a:t>Composition du jeu de données</a:t>
-            </a:r>
-            <a:endParaRPr lang="fr-FR" sz="2000" cap="small" dirty="0">
+            <a:pPr marL="457200" indent="-457200">
+              <a:lnSpc>
+                <a:spcPct val="250000"/>
+              </a:lnSpc>
+              <a:buFont typeface="Arial" panose="020B0604020202020204" pitchFamily="34" charset="0"/>
+              <a:buChar char="•"/>
+            </a:pPr>
+            <a:r>
+              <a:rPr lang="fr-FR" sz="2000" dirty="0">
+                <a:latin typeface="+mj-lt"/>
+              </a:rPr>
+              <a:t>Échantillon d’apprentissage (1107 en 3 classes)</a:t>
+            </a:r>
+          </a:p>
+          <a:p>
+            <a:pPr marL="457200" indent="-457200">
+              <a:lnSpc>
+                <a:spcPct val="250000"/>
+              </a:lnSpc>
+              <a:buFont typeface="Arial" panose="020B0604020202020204" pitchFamily="34" charset="0"/>
+              <a:buChar char="•"/>
+            </a:pPr>
+            <a:r>
+              <a:rPr lang="fr-FR" sz="2000" dirty="0">
+                <a:latin typeface="+mj-lt"/>
+              </a:rPr>
+              <a:t>Échantillon de validation (3799 en 3 classes)</a:t>
+            </a:r>
+          </a:p>
+          <a:p>
+            <a:pPr marL="457200" indent="-457200">
+              <a:lnSpc>
+                <a:spcPct val="250000"/>
+              </a:lnSpc>
+              <a:buFont typeface="Arial" panose="020B0604020202020204" pitchFamily="34" charset="0"/>
+              <a:buChar char="•"/>
+            </a:pPr>
+            <a:r>
+              <a:rPr lang="fr-FR" sz="2000" dirty="0">
+                <a:latin typeface="+mj-lt"/>
+              </a:rPr>
+              <a:t>20 cycles itératifs (</a:t>
+            </a:r>
+            <a:r>
+              <a:rPr lang="fr-FR" sz="2000" i="1" dirty="0">
+                <a:latin typeface="+mj-lt"/>
+              </a:rPr>
+              <a:t>epochs</a:t>
+            </a:r>
+            <a:r>
+              <a:rPr lang="fr-FR" sz="2000" dirty="0">
+                <a:latin typeface="+mj-lt"/>
+              </a:rPr>
+              <a:t>)</a:t>
+            </a:r>
+          </a:p>
+          <a:p>
+            <a:pPr marL="457200" indent="-457200">
+              <a:lnSpc>
+                <a:spcPct val="250000"/>
+              </a:lnSpc>
+              <a:buFont typeface="Arial" panose="020B0604020202020204" pitchFamily="34" charset="0"/>
+              <a:buChar char="•"/>
+            </a:pPr>
+            <a:endParaRPr lang="fr-FR" sz="2000" dirty="0">
               <a:latin typeface="+mj-lt"/>
             </a:endParaRPr>
           </a:p>
@@ -7976,7 +8884,7 @@
           <p:cNvPr id="22" name="ZoneTexte 21">
             <a:extLst>
               <a:ext uri="{FF2B5EF4-FFF2-40B4-BE49-F238E27FC236}">
-                <a16:creationId xmlns:a16="http://schemas.microsoft.com/office/drawing/2014/main" id="{2330F9C8-7B22-4A25-BFF9-D558E4CAA036}"/>
+                <a16:creationId xmlns:a16="http://schemas.microsoft.com/office/drawing/2014/main" id="{96F1E696-815D-4F72-B787-82EC7F96C7CB}"/>
               </a:ext>
             </a:extLst>
           </p:cNvPr>
@@ -7985,8 +8893,8 @@
         </p:nvSpPr>
         <p:spPr>
           <a:xfrm>
-            <a:off x="961052" y="1822385"/>
-            <a:ext cx="5087931" cy="3814890"/>
+            <a:off x="961052" y="1121167"/>
+            <a:ext cx="4701480" cy="461665"/>
           </a:xfrm>
           <a:prstGeom prst="rect">
             <a:avLst/>
@@ -7999,131 +8907,22 @@
           </a:bodyPr>
           <a:lstStyle/>
           <a:p>
-            <a:pPr marL="457200" indent="-457200">
-              <a:lnSpc>
-                <a:spcPct val="250000"/>
-              </a:lnSpc>
-              <a:buFont typeface="Arial" panose="020B0604020202020204" pitchFamily="34" charset="0"/>
-              <a:buChar char="•"/>
-            </a:pPr>
-            <a:r>
-              <a:rPr lang="fr-FR" sz="2000" dirty="0">
-                <a:latin typeface="+mj-lt"/>
-              </a:rPr>
-              <a:t>3 classes : {Arbre ; Fleur ; Autre}</a:t>
-            </a:r>
-          </a:p>
-          <a:p>
-            <a:pPr marL="457200" indent="-457200">
-              <a:lnSpc>
-                <a:spcPct val="250000"/>
-              </a:lnSpc>
-              <a:buFont typeface="Arial" panose="020B0604020202020204" pitchFamily="34" charset="0"/>
-              <a:buChar char="•"/>
-            </a:pPr>
-            <a:r>
-              <a:rPr lang="fr-FR" sz="2000" dirty="0">
-                <a:latin typeface="+mj-lt"/>
-              </a:rPr>
-              <a:t>68 photos (Ille-et-Vilaine et Côtes d’Armor) </a:t>
-            </a:r>
-          </a:p>
-          <a:p>
-            <a:pPr marL="457200" indent="-457200">
-              <a:lnSpc>
-                <a:spcPct val="250000"/>
-              </a:lnSpc>
-              <a:buFont typeface="Arial" panose="020B0604020202020204" pitchFamily="34" charset="0"/>
-              <a:buChar char="•"/>
-            </a:pPr>
-            <a:r>
-              <a:rPr lang="fr-FR" sz="2000" dirty="0">
-                <a:latin typeface="+mj-lt"/>
-              </a:rPr>
-              <a:t>4622 images collectées (libres de droit)</a:t>
-            </a:r>
-          </a:p>
-          <a:p>
-            <a:pPr marL="457200" indent="-457200">
-              <a:lnSpc>
-                <a:spcPct val="250000"/>
-              </a:lnSpc>
-              <a:buFont typeface="Arial" panose="020B0604020202020204" pitchFamily="34" charset="0"/>
-              <a:buChar char="•"/>
-            </a:pPr>
-            <a:r>
-              <a:rPr lang="fr-FR" sz="2000" i="1" dirty="0">
-                <a:latin typeface="+mj-lt"/>
-              </a:rPr>
-              <a:t>Data augmentation (si </a:t>
-            </a:r>
-            <a:r>
-              <a:rPr lang="fr-FR" sz="2000" i="1" dirty="0" err="1">
-                <a:latin typeface="+mj-lt"/>
-              </a:rPr>
-              <a:t>overfitting</a:t>
-            </a:r>
-            <a:r>
-              <a:rPr lang="fr-FR" sz="2000" i="1" dirty="0">
-                <a:latin typeface="+mj-lt"/>
-              </a:rPr>
-              <a:t>)</a:t>
-            </a:r>
-          </a:p>
-          <a:p>
-            <a:pPr marL="457200" indent="-457200">
-              <a:lnSpc>
-                <a:spcPct val="250000"/>
-              </a:lnSpc>
-              <a:buFont typeface="Arial" panose="020B0604020202020204" pitchFamily="34" charset="0"/>
-              <a:buChar char="•"/>
-            </a:pPr>
-            <a:endParaRPr lang="fr-FR" sz="2000" dirty="0">
+            <a:r>
+              <a:rPr lang="fr-FR" sz="2400" cap="small" dirty="0">
+                <a:latin typeface="+mj-lt"/>
+              </a:rPr>
+              <a:t>Entraînement et validation du modèle</a:t>
+            </a:r>
+            <a:endParaRPr lang="fr-FR" sz="2000" cap="small" dirty="0">
               <a:latin typeface="+mj-lt"/>
             </a:endParaRPr>
           </a:p>
         </p:txBody>
       </p:sp>
-      <p:pic>
-        <p:nvPicPr>
-          <p:cNvPr id="4" name="Image 3">
-            <a:extLst>
-              <a:ext uri="{FF2B5EF4-FFF2-40B4-BE49-F238E27FC236}">
-                <a16:creationId xmlns:a16="http://schemas.microsoft.com/office/drawing/2014/main" id="{EE331B03-F497-4DCD-A521-87B2BD9A87F6}"/>
-              </a:ext>
-            </a:extLst>
-          </p:cNvPr>
-          <p:cNvPicPr>
-            <a:picLocks noChangeAspect="1"/>
-          </p:cNvPicPr>
-          <p:nvPr/>
-        </p:nvPicPr>
-        <p:blipFill>
-          <a:blip r:embed="rId7">
-            <a:extLst>
-              <a:ext uri="{28A0092B-C50C-407E-A947-70E740481C1C}">
-                <a14:useLocalDpi xmlns:a14="http://schemas.microsoft.com/office/drawing/2010/main" val="0"/>
-              </a:ext>
-            </a:extLst>
-          </a:blip>
-          <a:stretch>
-            <a:fillRect/>
-          </a:stretch>
-        </p:blipFill>
-        <p:spPr>
-          <a:xfrm>
-            <a:off x="6714865" y="1822385"/>
-            <a:ext cx="5087931" cy="3391954"/>
-          </a:xfrm>
-          <a:prstGeom prst="rect">
-            <a:avLst/>
-          </a:prstGeom>
-        </p:spPr>
-      </p:pic>
     </p:spTree>
     <p:extLst>
       <p:ext uri="{BB962C8B-B14F-4D97-AF65-F5344CB8AC3E}">
-        <p14:creationId xmlns:p14="http://schemas.microsoft.com/office/powerpoint/2010/main" val="1745770482"/>
+        <p14:creationId xmlns:p14="http://schemas.microsoft.com/office/powerpoint/2010/main" val="663149631"/>
       </p:ext>
     </p:extLst>
   </p:cSld>
@@ -8133,7 +8932,7 @@
 </p:sld>
 </file>
 
-<file path=ppt/slides/slide5.xml><?xml version="1.0" encoding="utf-8"?>
+<file path=ppt/slides/slide6.xml><?xml version="1.0" encoding="utf-8"?>
 <p:sld xmlns:a="http://schemas.openxmlformats.org/drawingml/2006/main" xmlns:r="http://schemas.openxmlformats.org/officeDocument/2006/relationships" xmlns:p="http://schemas.openxmlformats.org/presentationml/2006/main">
   <p:cSld>
     <p:spTree>
@@ -8358,8 +9157,94 @@
           </p:nvSpPr>
           <p:spPr>
             <a:xfrm>
-              <a:off x="3031503" y="147058"/>
-              <a:ext cx="1177695" cy="461665"/>
+              <a:off x="3105017" y="177835"/>
+              <a:ext cx="1030667" cy="400110"/>
+            </a:xfrm>
+            <a:prstGeom prst="rect">
+              <a:avLst/>
+            </a:prstGeom>
+            <a:noFill/>
+          </p:spPr>
+          <p:txBody>
+            <a:bodyPr wrap="none" rtlCol="0" anchor="ctr">
+              <a:spAutoFit/>
+            </a:bodyPr>
+            <a:lstStyle/>
+            <a:p>
+              <a:pPr algn="ctr"/>
+              <a:r>
+                <a:rPr lang="fr-FR" sz="2000" cap="small" dirty="0">
+                  <a:solidFill>
+                    <a:schemeClr val="bg1"/>
+                  </a:solidFill>
+                  <a:latin typeface="+mj-lt"/>
+                </a:rPr>
+                <a:t>Données</a:t>
+              </a:r>
+              <a:endParaRPr lang="fr-FR" cap="small" dirty="0">
+                <a:solidFill>
+                  <a:schemeClr val="bg1"/>
+                </a:solidFill>
+                <a:latin typeface="+mj-lt"/>
+              </a:endParaRPr>
+            </a:p>
+          </p:txBody>
+        </p:sp>
+        <p:pic>
+          <p:nvPicPr>
+            <p:cNvPr id="15" name="Graphique 14" descr="Fleur">
+              <a:extLst>
+                <a:ext uri="{FF2B5EF4-FFF2-40B4-BE49-F238E27FC236}">
+                  <a16:creationId xmlns:a16="http://schemas.microsoft.com/office/drawing/2014/main" id="{4E4EE84B-1256-4284-984F-657605E30A13}"/>
+                </a:ext>
+              </a:extLst>
+            </p:cNvPr>
+            <p:cNvPicPr>
+              <a:picLocks noChangeAspect="1"/>
+            </p:cNvPicPr>
+            <p:nvPr/>
+          </p:nvPicPr>
+          <p:blipFill>
+            <a:blip r:embed="rId3">
+              <a:extLst>
+                <a:ext uri="{28A0092B-C50C-407E-A947-70E740481C1C}">
+                  <a14:useLocalDpi xmlns:a14="http://schemas.microsoft.com/office/drawing/2010/main" val="0"/>
+                </a:ext>
+                <a:ext uri="{96DAC541-7B7A-43D3-8B79-37D633B846F1}">
+                  <asvg:svgBlip xmlns:asvg="http://schemas.microsoft.com/office/drawing/2016/SVG/main" r:embed="rId4"/>
+                </a:ext>
+              </a:extLst>
+            </a:blip>
+            <a:stretch>
+              <a:fillRect/>
+            </a:stretch>
+          </p:blipFill>
+          <p:spPr>
+            <a:xfrm>
+              <a:off x="4585839" y="220825"/>
+              <a:ext cx="314130" cy="314130"/>
+            </a:xfrm>
+            <a:prstGeom prst="rect">
+              <a:avLst/>
+            </a:prstGeom>
+          </p:spPr>
+        </p:pic>
+        <p:sp>
+          <p:nvSpPr>
+            <p:cNvPr id="16" name="ZoneTexte 15">
+              <a:extLst>
+                <a:ext uri="{FF2B5EF4-FFF2-40B4-BE49-F238E27FC236}">
+                  <a16:creationId xmlns:a16="http://schemas.microsoft.com/office/drawing/2014/main" id="{05AAF3AF-AAF3-472E-919C-52585E78C58C}"/>
+                </a:ext>
+              </a:extLst>
+            </p:cNvPr>
+            <p:cNvSpPr txBox="1"/>
+            <p:nvPr/>
+          </p:nvSpPr>
+          <p:spPr>
+            <a:xfrm>
+              <a:off x="5222397" y="147058"/>
+              <a:ext cx="1873013" cy="461665"/>
             </a:xfrm>
             <a:prstGeom prst="rect">
               <a:avLst/>
@@ -8380,95 +9265,9 @@
                   </a:solidFill>
                   <a:latin typeface="+mj-lt"/>
                 </a:rPr>
-                <a:t>Données</a:t>
-              </a:r>
-              <a:endParaRPr lang="fr-FR" b="1" cap="small" dirty="0">
-                <a:solidFill>
-                  <a:schemeClr val="bg1"/>
-                </a:solidFill>
-                <a:latin typeface="+mj-lt"/>
-              </a:endParaRPr>
-            </a:p>
-          </p:txBody>
-        </p:sp>
-        <p:pic>
-          <p:nvPicPr>
-            <p:cNvPr id="15" name="Graphique 14" descr="Fleur">
-              <a:extLst>
-                <a:ext uri="{FF2B5EF4-FFF2-40B4-BE49-F238E27FC236}">
-                  <a16:creationId xmlns:a16="http://schemas.microsoft.com/office/drawing/2014/main" id="{4E4EE84B-1256-4284-984F-657605E30A13}"/>
-                </a:ext>
-              </a:extLst>
-            </p:cNvPr>
-            <p:cNvPicPr>
-              <a:picLocks noChangeAspect="1"/>
-            </p:cNvPicPr>
-            <p:nvPr/>
-          </p:nvPicPr>
-          <p:blipFill>
-            <a:blip r:embed="rId3">
-              <a:extLst>
-                <a:ext uri="{28A0092B-C50C-407E-A947-70E740481C1C}">
-                  <a14:useLocalDpi xmlns:a14="http://schemas.microsoft.com/office/drawing/2010/main" val="0"/>
-                </a:ext>
-                <a:ext uri="{96DAC541-7B7A-43D3-8B79-37D633B846F1}">
-                  <asvg:svgBlip xmlns:asvg="http://schemas.microsoft.com/office/drawing/2016/SVG/main" r:embed="rId4"/>
-                </a:ext>
-              </a:extLst>
-            </a:blip>
-            <a:stretch>
-              <a:fillRect/>
-            </a:stretch>
-          </p:blipFill>
-          <p:spPr>
-            <a:xfrm>
-              <a:off x="4585839" y="220825"/>
-              <a:ext cx="314130" cy="314130"/>
-            </a:xfrm>
-            <a:prstGeom prst="rect">
-              <a:avLst/>
-            </a:prstGeom>
-          </p:spPr>
-        </p:pic>
-        <p:sp>
-          <p:nvSpPr>
-            <p:cNvPr id="16" name="ZoneTexte 15">
-              <a:extLst>
-                <a:ext uri="{FF2B5EF4-FFF2-40B4-BE49-F238E27FC236}">
-                  <a16:creationId xmlns:a16="http://schemas.microsoft.com/office/drawing/2014/main" id="{05AAF3AF-AAF3-472E-919C-52585E78C58C}"/>
-                </a:ext>
-              </a:extLst>
-            </p:cNvPr>
-            <p:cNvSpPr txBox="1"/>
-            <p:nvPr/>
-          </p:nvSpPr>
-          <p:spPr>
-            <a:xfrm>
-              <a:off x="5350124" y="177835"/>
-              <a:ext cx="1617559" cy="400110"/>
-            </a:xfrm>
-            <a:prstGeom prst="rect">
-              <a:avLst/>
-            </a:prstGeom>
-            <a:noFill/>
-          </p:spPr>
-          <p:txBody>
-            <a:bodyPr wrap="none" rtlCol="0" anchor="ctr">
-              <a:spAutoFit/>
-            </a:bodyPr>
-            <a:lstStyle/>
-            <a:p>
-              <a:pPr algn="ctr"/>
-              <a:r>
-                <a:rPr lang="fr-FR" sz="2000" cap="small" dirty="0">
-                  <a:solidFill>
-                    <a:schemeClr val="bg1"/>
-                  </a:solidFill>
-                  <a:latin typeface="+mj-lt"/>
-                </a:rPr>
                 <a:t>Méthodologie</a:t>
               </a:r>
-              <a:endParaRPr lang="fr-FR" cap="small" dirty="0">
+              <a:endParaRPr lang="fr-FR" sz="2000" b="1" cap="small" dirty="0">
                 <a:solidFill>
                   <a:schemeClr val="bg1"/>
                 </a:solidFill>
@@ -8746,7 +9545,7 @@
                   <a:latin typeface="+mj-lt"/>
                 </a:rPr>
                 <a:pPr algn="ctr"/>
-                <a:t>5</a:t>
+                <a:t>6</a:t>
               </a:fld>
               <a:endParaRPr lang="fr-FR" sz="1400" b="1" cap="small" dirty="0">
                 <a:solidFill>
@@ -8763,7 +9562,7 @@
           <p:cNvPr id="21" name="ZoneTexte 20">
             <a:extLst>
               <a:ext uri="{FF2B5EF4-FFF2-40B4-BE49-F238E27FC236}">
-                <a16:creationId xmlns:a16="http://schemas.microsoft.com/office/drawing/2014/main" id="{ADC16367-8912-47FF-B1E5-ED9477D6AEE7}"/>
+                <a16:creationId xmlns:a16="http://schemas.microsoft.com/office/drawing/2014/main" id="{0695CCF8-5151-47C8-90E9-98F7E6E3B3EC}"/>
               </a:ext>
             </a:extLst>
           </p:cNvPr>
@@ -8772,8 +9571,8 @@
         </p:nvSpPr>
         <p:spPr>
           <a:xfrm>
-            <a:off x="961052" y="1121167"/>
-            <a:ext cx="5592941" cy="461665"/>
+            <a:off x="961052" y="1822385"/>
+            <a:ext cx="4137415" cy="3814890"/>
           </a:xfrm>
           <a:prstGeom prst="rect">
             <a:avLst/>
@@ -8786,19 +9585,71 @@
           </a:bodyPr>
           <a:lstStyle/>
           <a:p>
-            <a:r>
-              <a:rPr lang="fr-FR" sz="2400" i="1" cap="small" dirty="0">
-                <a:latin typeface="+mj-lt"/>
-              </a:rPr>
-              <a:t>Data augmentation </a:t>
-            </a:r>
-            <a:r>
-              <a:rPr lang="fr-FR" sz="2400" cap="small" dirty="0">
-                <a:latin typeface="+mj-lt"/>
-              </a:rPr>
-              <a:t>par modification aléatoire</a:t>
-            </a:r>
-            <a:endParaRPr lang="fr-FR" sz="2000" i="1" cap="small" dirty="0">
+            <a:pPr marL="457200" indent="-457200">
+              <a:lnSpc>
+                <a:spcPct val="250000"/>
+              </a:lnSpc>
+              <a:buFont typeface="Arial" panose="020B0604020202020204" pitchFamily="34" charset="0"/>
+              <a:buChar char="•"/>
+            </a:pPr>
+            <a:r>
+              <a:rPr lang="fr-FR" sz="2000" dirty="0">
+                <a:latin typeface="+mj-lt"/>
+              </a:rPr>
+              <a:t>Réduction de l’échelle</a:t>
+            </a:r>
+          </a:p>
+          <a:p>
+            <a:pPr marL="457200" indent="-457200">
+              <a:lnSpc>
+                <a:spcPct val="250000"/>
+              </a:lnSpc>
+              <a:buFont typeface="Arial" panose="020B0604020202020204" pitchFamily="34" charset="0"/>
+              <a:buChar char="•"/>
+            </a:pPr>
+            <a:r>
+              <a:rPr lang="fr-FR" sz="2000" dirty="0">
+                <a:latin typeface="+mj-lt"/>
+              </a:rPr>
+              <a:t>Transformation 2D</a:t>
+            </a:r>
+          </a:p>
+          <a:p>
+            <a:pPr marL="457200" indent="-457200">
+              <a:lnSpc>
+                <a:spcPct val="250000"/>
+              </a:lnSpc>
+              <a:buFont typeface="Arial" panose="020B0604020202020204" pitchFamily="34" charset="0"/>
+              <a:buChar char="•"/>
+            </a:pPr>
+            <a:r>
+              <a:rPr lang="fr-FR" sz="2000" dirty="0">
+                <a:latin typeface="+mj-lt"/>
+              </a:rPr>
+              <a:t>Sélection temporaire de neurones</a:t>
+            </a:r>
+          </a:p>
+          <a:p>
+            <a:pPr marL="457200" indent="-457200">
+              <a:lnSpc>
+                <a:spcPct val="250000"/>
+              </a:lnSpc>
+              <a:buFont typeface="Arial" panose="020B0604020202020204" pitchFamily="34" charset="0"/>
+              <a:buChar char="•"/>
+            </a:pPr>
+            <a:endParaRPr lang="fr-FR" sz="2000" dirty="0">
+              <a:latin typeface="+mj-lt"/>
+            </a:endParaRPr>
+          </a:p>
+          <a:p>
+            <a:pPr marL="457200" indent="-457200">
+              <a:lnSpc>
+                <a:spcPct val="250000"/>
+              </a:lnSpc>
+              <a:buFont typeface="Arial" panose="020B0604020202020204" pitchFamily="34" charset="0"/>
+              <a:buChar char="•"/>
+            </a:pPr>
+            <a:endParaRPr lang="fr-FR" sz="2000" dirty="0">
               <a:latin typeface="+mj-lt"/>
             </a:endParaRPr>
           </a:p>
@@ -8809,7 +9660,7 @@
           <p:cNvPr id="22" name="ZoneTexte 21">
             <a:extLst>
               <a:ext uri="{FF2B5EF4-FFF2-40B4-BE49-F238E27FC236}">
-                <a16:creationId xmlns:a16="http://schemas.microsoft.com/office/drawing/2014/main" id="{2330F9C8-7B22-4A25-BFF9-D558E4CAA036}"/>
+                <a16:creationId xmlns:a16="http://schemas.microsoft.com/office/drawing/2014/main" id="{96F1E696-815D-4F72-B787-82EC7F96C7CB}"/>
               </a:ext>
             </a:extLst>
           </p:cNvPr>
@@ -8818,8 +9669,8 @@
         </p:nvSpPr>
         <p:spPr>
           <a:xfrm>
-            <a:off x="961052" y="1822385"/>
-            <a:ext cx="1463221" cy="1506566"/>
+            <a:off x="961052" y="1121167"/>
+            <a:ext cx="1389868" cy="461665"/>
           </a:xfrm>
           <a:prstGeom prst="rect">
             <a:avLst/>
@@ -8832,79 +9683,24 @@
           </a:bodyPr>
           <a:lstStyle/>
           <a:p>
-            <a:pPr marL="342900" indent="-342900">
-              <a:lnSpc>
-                <a:spcPct val="250000"/>
-              </a:lnSpc>
-              <a:buFont typeface="Arial" panose="020B0604020202020204" pitchFamily="34" charset="0"/>
-              <a:buChar char="•"/>
-            </a:pPr>
-            <a:r>
-              <a:rPr lang="fr-FR" sz="2000" dirty="0">
-                <a:latin typeface="+mj-lt"/>
-              </a:rPr>
-              <a:t>Inversion</a:t>
-            </a:r>
-          </a:p>
-          <a:p>
-            <a:pPr marL="342900" indent="-342900">
-              <a:lnSpc>
-                <a:spcPct val="250000"/>
-              </a:lnSpc>
-              <a:buFont typeface="Arial" panose="020B0604020202020204" pitchFamily="34" charset="0"/>
-              <a:buChar char="•"/>
-            </a:pPr>
-            <a:r>
-              <a:rPr lang="fr-FR" sz="2000" dirty="0">
-                <a:latin typeface="+mj-lt"/>
-              </a:rPr>
-              <a:t>Rotation</a:t>
-            </a:r>
+            <a:r>
+              <a:rPr lang="fr-FR" sz="2400" cap="small" dirty="0">
+                <a:latin typeface="+mj-lt"/>
+              </a:rPr>
+              <a:t>Structure</a:t>
+            </a:r>
+            <a:endParaRPr lang="fr-FR" sz="2000" cap="small" dirty="0">
+              <a:latin typeface="+mj-lt"/>
+            </a:endParaRPr>
           </a:p>
         </p:txBody>
       </p:sp>
-      <p:pic>
-        <p:nvPicPr>
-          <p:cNvPr id="10" name="Image 9">
-            <a:extLst>
-              <a:ext uri="{FF2B5EF4-FFF2-40B4-BE49-F238E27FC236}">
-                <a16:creationId xmlns:a16="http://schemas.microsoft.com/office/drawing/2014/main" id="{F7A76FAC-B2B9-47B6-B3C6-BE9EE5289095}"/>
-              </a:ext>
-            </a:extLst>
-          </p:cNvPr>
-          <p:cNvPicPr>
-            <a:picLocks noChangeAspect="1"/>
-          </p:cNvPicPr>
-          <p:nvPr/>
-        </p:nvPicPr>
-        <p:blipFill>
-          <a:blip r:embed="rId7">
-            <a:extLst>
-              <a:ext uri="{28A0092B-C50C-407E-A947-70E740481C1C}">
-                <a14:useLocalDpi xmlns:a14="http://schemas.microsoft.com/office/drawing/2010/main" val="0"/>
-              </a:ext>
-            </a:extLst>
-          </a:blip>
-          <a:stretch>
-            <a:fillRect/>
-          </a:stretch>
-        </p:blipFill>
-        <p:spPr>
-          <a:xfrm>
-            <a:off x="7289562" y="1822385"/>
-            <a:ext cx="4255219" cy="4255219"/>
-          </a:xfrm>
-          <a:prstGeom prst="rect">
-            <a:avLst/>
-          </a:prstGeom>
-        </p:spPr>
-      </p:pic>
       <p:sp>
         <p:nvSpPr>
-          <p:cNvPr id="24" name="ZoneTexte 23">
-            <a:extLst>
-              <a:ext uri="{FF2B5EF4-FFF2-40B4-BE49-F238E27FC236}">
-                <a16:creationId xmlns:a16="http://schemas.microsoft.com/office/drawing/2014/main" id="{078944C0-DC7C-4C60-8378-1C8C55F2B0DF}"/>
+          <p:cNvPr id="23" name="ZoneTexte 22">
+            <a:extLst>
+              <a:ext uri="{FF2B5EF4-FFF2-40B4-BE49-F238E27FC236}">
+                <a16:creationId xmlns:a16="http://schemas.microsoft.com/office/drawing/2014/main" id="{0A3BACAF-29D5-48BB-9AEE-BDF643DB78DF}"/>
               </a:ext>
             </a:extLst>
           </p:cNvPr>
@@ -8913,45 +9709,8 @@
         </p:nvSpPr>
         <p:spPr>
           <a:xfrm>
-            <a:off x="961052" y="4451000"/>
-            <a:ext cx="184731" cy="338554"/>
-          </a:xfrm>
-          <a:prstGeom prst="rect">
-            <a:avLst/>
-          </a:prstGeom>
-          <a:noFill/>
-        </p:spPr>
-        <p:txBody>
-          <a:bodyPr wrap="none" rtlCol="0">
-            <a:spAutoFit/>
-          </a:bodyPr>
-          <a:lstStyle/>
-          <a:p>
-            <a:endParaRPr lang="fr-FR" sz="1600" dirty="0">
-              <a:solidFill>
-                <a:srgbClr val="61A53A"/>
-              </a:solidFill>
-              <a:latin typeface="Consolas" panose="020B0609020204030204" pitchFamily="49" charset="0"/>
-            </a:endParaRPr>
-          </a:p>
-        </p:txBody>
-      </p:sp>
-      <p:sp>
-        <p:nvSpPr>
-          <p:cNvPr id="25" name="ZoneTexte 24">
-            <a:extLst>
-              <a:ext uri="{FF2B5EF4-FFF2-40B4-BE49-F238E27FC236}">
-                <a16:creationId xmlns:a16="http://schemas.microsoft.com/office/drawing/2014/main" id="{47534E5D-0BAD-40B7-95E4-A380CA7F6D4E}"/>
-              </a:ext>
-            </a:extLst>
-          </p:cNvPr>
-          <p:cNvSpPr txBox="1"/>
-          <p:nvPr/>
-        </p:nvSpPr>
-        <p:spPr>
-          <a:xfrm>
-            <a:off x="961052" y="4413394"/>
-            <a:ext cx="6131807" cy="1077218"/>
+            <a:off x="5323562" y="1582832"/>
+            <a:ext cx="5907386" cy="4031873"/>
           </a:xfrm>
           <a:prstGeom prst="rect">
             <a:avLst/>
@@ -8970,13 +9729,22 @@
           <a:lstStyle/>
           <a:p>
             <a:r>
+              <a:rPr lang="fr-FR" sz="1600" dirty="0">
+                <a:solidFill>
+                  <a:srgbClr val="61A53A"/>
+                </a:solidFill>
+                <a:latin typeface="Consolas" panose="020B0609020204030204" pitchFamily="49" charset="0"/>
+              </a:rPr>
+              <a:t>inputs = </a:t>
+            </a:r>
+            <a:r>
               <a:rPr lang="fr-FR" sz="1600" dirty="0" err="1">
                 <a:solidFill>
                   <a:srgbClr val="61A53A"/>
                 </a:solidFill>
                 <a:latin typeface="Consolas" panose="020B0609020204030204" pitchFamily="49" charset="0"/>
               </a:rPr>
-              <a:t>keras.Sequential</a:t>
+              <a:t>keras.Input</a:t>
             </a:r>
             <a:r>
               <a:rPr lang="fr-FR" sz="1600" dirty="0">
@@ -8985,10 +9753,17 @@
                 </a:solidFill>
                 <a:latin typeface="Consolas" panose="020B0609020204030204" pitchFamily="49" charset="0"/>
               </a:rPr>
-              <a:t>([</a:t>
-            </a:r>
-          </a:p>
-          <a:p>
+              <a:t>(</a:t>
+            </a:r>
+            <a:r>
+              <a:rPr lang="fr-FR" sz="1600" dirty="0" err="1">
+                <a:solidFill>
+                  <a:srgbClr val="61A53A"/>
+                </a:solidFill>
+                <a:latin typeface="Consolas" panose="020B0609020204030204" pitchFamily="49" charset="0"/>
+              </a:rPr>
+              <a:t>shape</a:t>
+            </a:r>
             <a:r>
               <a:rPr lang="fr-FR" sz="1600" dirty="0">
                 <a:solidFill>
@@ -8996,7 +9771,18 @@
                 </a:solidFill>
                 <a:latin typeface="Consolas" panose="020B0609020204030204" pitchFamily="49" charset="0"/>
               </a:rPr>
-              <a:t>        </a:t>
+              <a:t>=(256,256,3))</a:t>
+            </a:r>
+          </a:p>
+          <a:p>
+            <a:r>
+              <a:rPr lang="fr-FR" sz="1600" dirty="0">
+                <a:solidFill>
+                  <a:srgbClr val="61A53A"/>
+                </a:solidFill>
+                <a:latin typeface="Consolas" panose="020B0609020204030204" pitchFamily="49" charset="0"/>
+              </a:rPr>
+              <a:t>x = </a:t>
             </a:r>
             <a:r>
               <a:rPr lang="fr-FR" sz="1600" dirty="0" err="1">
@@ -9005,7 +9791,7 @@
                 </a:solidFill>
                 <a:latin typeface="Consolas" panose="020B0609020204030204" pitchFamily="49" charset="0"/>
               </a:rPr>
-              <a:t>layers.RandomFlip</a:t>
+              <a:t>layers.Rescaling</a:t>
             </a:r>
             <a:r>
               <a:rPr lang="fr-FR" sz="1600" dirty="0">
@@ -9014,7 +9800,7 @@
                 </a:solidFill>
                 <a:latin typeface="Consolas" panose="020B0609020204030204" pitchFamily="49" charset="0"/>
               </a:rPr>
-              <a:t>("</a:t>
+              <a:t>(</a:t>
             </a:r>
             <a:r>
               <a:rPr lang="fr-FR" sz="1600" dirty="0" err="1">
@@ -9023,7 +9809,7 @@
                 </a:solidFill>
                 <a:latin typeface="Consolas" panose="020B0609020204030204" pitchFamily="49" charset="0"/>
               </a:rPr>
-              <a:t>horizontal_and_vertical</a:t>
+              <a:t>scale</a:t>
             </a:r>
             <a:r>
               <a:rPr lang="fr-FR" sz="1600" dirty="0">
@@ -9032,7 +9818,7 @@
                 </a:solidFill>
                 <a:latin typeface="Consolas" panose="020B0609020204030204" pitchFamily="49" charset="0"/>
               </a:rPr>
-              <a:t>"),</a:t>
+              <a:t>=1.0 / 255)(inputs)</a:t>
             </a:r>
           </a:p>
           <a:p>
@@ -9043,7 +9829,7 @@
                 </a:solidFill>
                 <a:latin typeface="Consolas" panose="020B0609020204030204" pitchFamily="49" charset="0"/>
               </a:rPr>
-              <a:t>        </a:t>
+              <a:t>#x = </a:t>
             </a:r>
             <a:r>
               <a:rPr lang="fr-FR" sz="1600" dirty="0" err="1">
@@ -9052,7 +9838,7 @@
                 </a:solidFill>
                 <a:latin typeface="Consolas" panose="020B0609020204030204" pitchFamily="49" charset="0"/>
               </a:rPr>
-              <a:t>layers.RandomRotation</a:t>
+              <a:t>data_augmentation</a:t>
             </a:r>
             <a:r>
               <a:rPr lang="fr-FR" sz="1600" dirty="0">
@@ -9061,7 +9847,7 @@
                 </a:solidFill>
                 <a:latin typeface="Consolas" panose="020B0609020204030204" pitchFamily="49" charset="0"/>
               </a:rPr>
-              <a:t>(0.2)</a:t>
+              <a:t>(x)</a:t>
             </a:r>
           </a:p>
           <a:p>
@@ -9072,7 +9858,391 @@
                 </a:solidFill>
                 <a:latin typeface="Consolas" panose="020B0609020204030204" pitchFamily="49" charset="0"/>
               </a:rPr>
-              <a:t>])</a:t>
+              <a:t>x = </a:t>
+            </a:r>
+            <a:r>
+              <a:rPr lang="fr-FR" sz="1600" dirty="0" err="1">
+                <a:solidFill>
+                  <a:srgbClr val="61A53A"/>
+                </a:solidFill>
+                <a:latin typeface="Consolas" panose="020B0609020204030204" pitchFamily="49" charset="0"/>
+              </a:rPr>
+              <a:t>layers.BatchNormalization</a:t>
+            </a:r>
+            <a:r>
+              <a:rPr lang="fr-FR" sz="1600" dirty="0">
+                <a:solidFill>
+                  <a:srgbClr val="61A53A"/>
+                </a:solidFill>
+                <a:latin typeface="Consolas" panose="020B0609020204030204" pitchFamily="49" charset="0"/>
+              </a:rPr>
+              <a:t>()(x)</a:t>
+            </a:r>
+          </a:p>
+          <a:p>
+            <a:r>
+              <a:rPr lang="fr-FR" sz="1600" dirty="0">
+                <a:solidFill>
+                  <a:srgbClr val="61A53A"/>
+                </a:solidFill>
+                <a:latin typeface="Consolas" panose="020B0609020204030204" pitchFamily="49" charset="0"/>
+              </a:rPr>
+              <a:t>x = layers.Conv2D(</a:t>
+            </a:r>
+            <a:r>
+              <a:rPr lang="fr-FR" sz="1600" dirty="0" err="1">
+                <a:solidFill>
+                  <a:srgbClr val="61A53A"/>
+                </a:solidFill>
+                <a:latin typeface="Consolas" panose="020B0609020204030204" pitchFamily="49" charset="0"/>
+              </a:rPr>
+              <a:t>filters</a:t>
+            </a:r>
+            <a:r>
+              <a:rPr lang="fr-FR" sz="1600" dirty="0">
+                <a:solidFill>
+                  <a:srgbClr val="61A53A"/>
+                </a:solidFill>
+                <a:latin typeface="Consolas" panose="020B0609020204030204" pitchFamily="49" charset="0"/>
+              </a:rPr>
+              <a:t>=32, </a:t>
+            </a:r>
+            <a:r>
+              <a:rPr lang="fr-FR" sz="1600" dirty="0" err="1">
+                <a:solidFill>
+                  <a:srgbClr val="61A53A"/>
+                </a:solidFill>
+                <a:latin typeface="Consolas" panose="020B0609020204030204" pitchFamily="49" charset="0"/>
+              </a:rPr>
+              <a:t>kernel_size</a:t>
+            </a:r>
+            <a:r>
+              <a:rPr lang="fr-FR" sz="1600" dirty="0">
+                <a:solidFill>
+                  <a:srgbClr val="61A53A"/>
+                </a:solidFill>
+                <a:latin typeface="Consolas" panose="020B0609020204030204" pitchFamily="49" charset="0"/>
+              </a:rPr>
+              <a:t>=(3, 3),</a:t>
+            </a:r>
+          </a:p>
+          <a:p>
+            <a:r>
+              <a:rPr lang="fr-FR" sz="1600" dirty="0">
+                <a:solidFill>
+                  <a:srgbClr val="61A53A"/>
+                </a:solidFill>
+                <a:latin typeface="Consolas" panose="020B0609020204030204" pitchFamily="49" charset="0"/>
+              </a:rPr>
+              <a:t>                  activation="relu")(x)</a:t>
+            </a:r>
+          </a:p>
+          <a:p>
+            <a:r>
+              <a:rPr lang="fr-FR" sz="1600" dirty="0">
+                <a:solidFill>
+                  <a:srgbClr val="61A53A"/>
+                </a:solidFill>
+                <a:latin typeface="Consolas" panose="020B0609020204030204" pitchFamily="49" charset="0"/>
+              </a:rPr>
+              <a:t>x = layers.MaxPooling2D(</a:t>
+            </a:r>
+            <a:r>
+              <a:rPr lang="fr-FR" sz="1600" dirty="0" err="1">
+                <a:solidFill>
+                  <a:srgbClr val="61A53A"/>
+                </a:solidFill>
+                <a:latin typeface="Consolas" panose="020B0609020204030204" pitchFamily="49" charset="0"/>
+              </a:rPr>
+              <a:t>pool_size</a:t>
+            </a:r>
+            <a:r>
+              <a:rPr lang="fr-FR" sz="1600" dirty="0">
+                <a:solidFill>
+                  <a:srgbClr val="61A53A"/>
+                </a:solidFill>
+                <a:latin typeface="Consolas" panose="020B0609020204030204" pitchFamily="49" charset="0"/>
+              </a:rPr>
+              <a:t>=(3, 3))(x)</a:t>
+            </a:r>
+          </a:p>
+          <a:p>
+            <a:r>
+              <a:rPr lang="fr-FR" sz="1600" dirty="0">
+                <a:solidFill>
+                  <a:srgbClr val="61A53A"/>
+                </a:solidFill>
+                <a:latin typeface="Consolas" panose="020B0609020204030204" pitchFamily="49" charset="0"/>
+              </a:rPr>
+              <a:t>x = layers.Conv2D(</a:t>
+            </a:r>
+            <a:r>
+              <a:rPr lang="fr-FR" sz="1600" dirty="0" err="1">
+                <a:solidFill>
+                  <a:srgbClr val="61A53A"/>
+                </a:solidFill>
+                <a:latin typeface="Consolas" panose="020B0609020204030204" pitchFamily="49" charset="0"/>
+              </a:rPr>
+              <a:t>filters</a:t>
+            </a:r>
+            <a:r>
+              <a:rPr lang="fr-FR" sz="1600" dirty="0">
+                <a:solidFill>
+                  <a:srgbClr val="61A53A"/>
+                </a:solidFill>
+                <a:latin typeface="Consolas" panose="020B0609020204030204" pitchFamily="49" charset="0"/>
+              </a:rPr>
+              <a:t>=32, </a:t>
+            </a:r>
+            <a:r>
+              <a:rPr lang="fr-FR" sz="1600" dirty="0" err="1">
+                <a:solidFill>
+                  <a:srgbClr val="61A53A"/>
+                </a:solidFill>
+                <a:latin typeface="Consolas" panose="020B0609020204030204" pitchFamily="49" charset="0"/>
+              </a:rPr>
+              <a:t>kernel_size</a:t>
+            </a:r>
+            <a:r>
+              <a:rPr lang="fr-FR" sz="1600" dirty="0">
+                <a:solidFill>
+                  <a:srgbClr val="61A53A"/>
+                </a:solidFill>
+                <a:latin typeface="Consolas" panose="020B0609020204030204" pitchFamily="49" charset="0"/>
+              </a:rPr>
+              <a:t>=(3, 3),</a:t>
+            </a:r>
+          </a:p>
+          <a:p>
+            <a:r>
+              <a:rPr lang="fr-FR" sz="1600" dirty="0">
+                <a:solidFill>
+                  <a:srgbClr val="61A53A"/>
+                </a:solidFill>
+                <a:latin typeface="Consolas" panose="020B0609020204030204" pitchFamily="49" charset="0"/>
+              </a:rPr>
+              <a:t>                  activation="relu")(x)</a:t>
+            </a:r>
+          </a:p>
+          <a:p>
+            <a:r>
+              <a:rPr lang="fr-FR" sz="1600" dirty="0">
+                <a:solidFill>
+                  <a:srgbClr val="61A53A"/>
+                </a:solidFill>
+                <a:latin typeface="Consolas" panose="020B0609020204030204" pitchFamily="49" charset="0"/>
+              </a:rPr>
+              <a:t>x = layers.MaxPooling2D(</a:t>
+            </a:r>
+            <a:r>
+              <a:rPr lang="fr-FR" sz="1600" dirty="0" err="1">
+                <a:solidFill>
+                  <a:srgbClr val="61A53A"/>
+                </a:solidFill>
+                <a:latin typeface="Consolas" panose="020B0609020204030204" pitchFamily="49" charset="0"/>
+              </a:rPr>
+              <a:t>pool_size</a:t>
+            </a:r>
+            <a:r>
+              <a:rPr lang="fr-FR" sz="1600" dirty="0">
+                <a:solidFill>
+                  <a:srgbClr val="61A53A"/>
+                </a:solidFill>
+                <a:latin typeface="Consolas" panose="020B0609020204030204" pitchFamily="49" charset="0"/>
+              </a:rPr>
+              <a:t>=(2, 2))(x)</a:t>
+            </a:r>
+          </a:p>
+          <a:p>
+            <a:r>
+              <a:rPr lang="fr-FR" sz="1600" dirty="0">
+                <a:solidFill>
+                  <a:srgbClr val="61A53A"/>
+                </a:solidFill>
+                <a:latin typeface="Consolas" panose="020B0609020204030204" pitchFamily="49" charset="0"/>
+              </a:rPr>
+              <a:t>x = layers.Conv2D(</a:t>
+            </a:r>
+            <a:r>
+              <a:rPr lang="fr-FR" sz="1600" dirty="0" err="1">
+                <a:solidFill>
+                  <a:srgbClr val="61A53A"/>
+                </a:solidFill>
+                <a:latin typeface="Consolas" panose="020B0609020204030204" pitchFamily="49" charset="0"/>
+              </a:rPr>
+              <a:t>filters</a:t>
+            </a:r>
+            <a:r>
+              <a:rPr lang="fr-FR" sz="1600" dirty="0">
+                <a:solidFill>
+                  <a:srgbClr val="61A53A"/>
+                </a:solidFill>
+                <a:latin typeface="Consolas" panose="020B0609020204030204" pitchFamily="49" charset="0"/>
+              </a:rPr>
+              <a:t>=32, </a:t>
+            </a:r>
+            <a:r>
+              <a:rPr lang="fr-FR" sz="1600" dirty="0" err="1">
+                <a:solidFill>
+                  <a:srgbClr val="61A53A"/>
+                </a:solidFill>
+                <a:latin typeface="Consolas" panose="020B0609020204030204" pitchFamily="49" charset="0"/>
+              </a:rPr>
+              <a:t>kernel_size</a:t>
+            </a:r>
+            <a:r>
+              <a:rPr lang="fr-FR" sz="1600" dirty="0">
+                <a:solidFill>
+                  <a:srgbClr val="61A53A"/>
+                </a:solidFill>
+                <a:latin typeface="Consolas" panose="020B0609020204030204" pitchFamily="49" charset="0"/>
+              </a:rPr>
+              <a:t>=(3, 3),</a:t>
+            </a:r>
+          </a:p>
+          <a:p>
+            <a:r>
+              <a:rPr lang="fr-FR" sz="1600" dirty="0">
+                <a:solidFill>
+                  <a:srgbClr val="61A53A"/>
+                </a:solidFill>
+                <a:latin typeface="Consolas" panose="020B0609020204030204" pitchFamily="49" charset="0"/>
+              </a:rPr>
+              <a:t>                  activation="relu")(x)</a:t>
+            </a:r>
+          </a:p>
+          <a:p>
+            <a:r>
+              <a:rPr lang="fr-FR" sz="1600" dirty="0">
+                <a:solidFill>
+                  <a:srgbClr val="61A53A"/>
+                </a:solidFill>
+                <a:latin typeface="Consolas" panose="020B0609020204030204" pitchFamily="49" charset="0"/>
+              </a:rPr>
+              <a:t>x = </a:t>
+            </a:r>
+            <a:r>
+              <a:rPr lang="fr-FR" sz="1600" dirty="0" err="1">
+                <a:solidFill>
+                  <a:srgbClr val="61A53A"/>
+                </a:solidFill>
+                <a:latin typeface="Consolas" panose="020B0609020204030204" pitchFamily="49" charset="0"/>
+              </a:rPr>
+              <a:t>layers.Dropout</a:t>
+            </a:r>
+            <a:r>
+              <a:rPr lang="fr-FR" sz="1600" dirty="0">
+                <a:solidFill>
+                  <a:srgbClr val="61A53A"/>
+                </a:solidFill>
+                <a:latin typeface="Consolas" panose="020B0609020204030204" pitchFamily="49" charset="0"/>
+              </a:rPr>
+              <a:t>(0.4, </a:t>
+            </a:r>
+            <a:r>
+              <a:rPr lang="fr-FR" sz="1600" dirty="0" err="1">
+                <a:solidFill>
+                  <a:srgbClr val="61A53A"/>
+                </a:solidFill>
+                <a:latin typeface="Consolas" panose="020B0609020204030204" pitchFamily="49" charset="0"/>
+              </a:rPr>
+              <a:t>seed</a:t>
+            </a:r>
+            <a:r>
+              <a:rPr lang="fr-FR" sz="1600" dirty="0">
+                <a:solidFill>
+                  <a:srgbClr val="61A53A"/>
+                </a:solidFill>
+                <a:latin typeface="Consolas" panose="020B0609020204030204" pitchFamily="49" charset="0"/>
+              </a:rPr>
+              <a:t> = 123)(x)</a:t>
+            </a:r>
+          </a:p>
+          <a:p>
+            <a:r>
+              <a:rPr lang="fr-FR" sz="1600" dirty="0">
+                <a:solidFill>
+                  <a:srgbClr val="61A53A"/>
+                </a:solidFill>
+                <a:latin typeface="Consolas" panose="020B0609020204030204" pitchFamily="49" charset="0"/>
+              </a:rPr>
+              <a:t>x = layers.GlobalAveragePooling2D()(x)</a:t>
+            </a:r>
+          </a:p>
+          <a:p>
+            <a:r>
+              <a:rPr lang="fr-FR" sz="1600" dirty="0">
+                <a:solidFill>
+                  <a:srgbClr val="61A53A"/>
+                </a:solidFill>
+                <a:latin typeface="Consolas" panose="020B0609020204030204" pitchFamily="49" charset="0"/>
+              </a:rPr>
+              <a:t>outputs = </a:t>
+            </a:r>
+            <a:r>
+              <a:rPr lang="fr-FR" sz="1600" dirty="0" err="1">
+                <a:solidFill>
+                  <a:srgbClr val="61A53A"/>
+                </a:solidFill>
+                <a:latin typeface="Consolas" panose="020B0609020204030204" pitchFamily="49" charset="0"/>
+              </a:rPr>
+              <a:t>layers.Dense</a:t>
+            </a:r>
+            <a:r>
+              <a:rPr lang="fr-FR" sz="1600" dirty="0">
+                <a:solidFill>
+                  <a:srgbClr val="61A53A"/>
+                </a:solidFill>
+                <a:latin typeface="Consolas" panose="020B0609020204030204" pitchFamily="49" charset="0"/>
+              </a:rPr>
+              <a:t>(3, activation="</a:t>
+            </a:r>
+            <a:r>
+              <a:rPr lang="fr-FR" sz="1600" dirty="0" err="1">
+                <a:solidFill>
+                  <a:srgbClr val="61A53A"/>
+                </a:solidFill>
+                <a:latin typeface="Consolas" panose="020B0609020204030204" pitchFamily="49" charset="0"/>
+              </a:rPr>
+              <a:t>softmax</a:t>
+            </a:r>
+            <a:r>
+              <a:rPr lang="fr-FR" sz="1600" dirty="0">
+                <a:solidFill>
+                  <a:srgbClr val="61A53A"/>
+                </a:solidFill>
+                <a:latin typeface="Consolas" panose="020B0609020204030204" pitchFamily="49" charset="0"/>
+              </a:rPr>
+              <a:t>")(x)</a:t>
+            </a:r>
+          </a:p>
+          <a:p>
+            <a:r>
+              <a:rPr lang="fr-FR" sz="1600" dirty="0">
+                <a:solidFill>
+                  <a:srgbClr val="61A53A"/>
+                </a:solidFill>
+                <a:latin typeface="Consolas" panose="020B0609020204030204" pitchFamily="49" charset="0"/>
+              </a:rPr>
+              <a:t>model = </a:t>
+            </a:r>
+            <a:r>
+              <a:rPr lang="fr-FR" sz="1600" dirty="0" err="1">
+                <a:solidFill>
+                  <a:srgbClr val="61A53A"/>
+                </a:solidFill>
+                <a:latin typeface="Consolas" panose="020B0609020204030204" pitchFamily="49" charset="0"/>
+              </a:rPr>
+              <a:t>keras.Model</a:t>
+            </a:r>
+            <a:r>
+              <a:rPr lang="fr-FR" sz="1600" dirty="0">
+                <a:solidFill>
+                  <a:srgbClr val="61A53A"/>
+                </a:solidFill>
+                <a:latin typeface="Consolas" panose="020B0609020204030204" pitchFamily="49" charset="0"/>
+              </a:rPr>
+              <a:t>(inputs=inputs, outputs=outputs)</a:t>
             </a:r>
           </a:p>
         </p:txBody>
@@ -9080,7 +10250,7 @@
     </p:spTree>
     <p:extLst>
       <p:ext uri="{BB962C8B-B14F-4D97-AF65-F5344CB8AC3E}">
-        <p14:creationId xmlns:p14="http://schemas.microsoft.com/office/powerpoint/2010/main" val="3384116046"/>
+        <p14:creationId xmlns:p14="http://schemas.microsoft.com/office/powerpoint/2010/main" val="4110192676"/>
       </p:ext>
     </p:extLst>
   </p:cSld>
@@ -9090,7 +10260,7 @@
 </p:sld>
 </file>
 
-<file path=ppt/slides/slide6.xml><?xml version="1.0" encoding="utf-8"?>
+<file path=ppt/slides/slide7.xml><?xml version="1.0" encoding="utf-8"?>
 <p:sld xmlns:a="http://schemas.openxmlformats.org/drawingml/2006/main" xmlns:r="http://schemas.openxmlformats.org/officeDocument/2006/relationships" xmlns:p="http://schemas.openxmlformats.org/presentationml/2006/main">
   <p:cSld>
     <p:spTree>
@@ -9401,8 +10571,94 @@
           </p:nvSpPr>
           <p:spPr>
             <a:xfrm>
-              <a:off x="5222397" y="147058"/>
-              <a:ext cx="1873013" cy="461665"/>
+              <a:off x="5350124" y="177835"/>
+              <a:ext cx="1617559" cy="400110"/>
+            </a:xfrm>
+            <a:prstGeom prst="rect">
+              <a:avLst/>
+            </a:prstGeom>
+            <a:noFill/>
+          </p:spPr>
+          <p:txBody>
+            <a:bodyPr wrap="none" rtlCol="0" anchor="ctr">
+              <a:spAutoFit/>
+            </a:bodyPr>
+            <a:lstStyle/>
+            <a:p>
+              <a:pPr algn="ctr"/>
+              <a:r>
+                <a:rPr lang="fr-FR" sz="2000" cap="small" dirty="0">
+                  <a:solidFill>
+                    <a:schemeClr val="bg1"/>
+                  </a:solidFill>
+                  <a:latin typeface="+mj-lt"/>
+                </a:rPr>
+                <a:t>Méthodologie</a:t>
+              </a:r>
+              <a:endParaRPr lang="fr-FR" cap="small" dirty="0">
+                <a:solidFill>
+                  <a:schemeClr val="bg1"/>
+                </a:solidFill>
+                <a:latin typeface="+mj-lt"/>
+              </a:endParaRPr>
+            </a:p>
+          </p:txBody>
+        </p:sp>
+        <p:pic>
+          <p:nvPicPr>
+            <p:cNvPr id="17" name="Graphique 16" descr="Fleur">
+              <a:extLst>
+                <a:ext uri="{FF2B5EF4-FFF2-40B4-BE49-F238E27FC236}">
+                  <a16:creationId xmlns:a16="http://schemas.microsoft.com/office/drawing/2014/main" id="{43CE3428-5A9A-496D-9BC4-E0DA18424B35}"/>
+                </a:ext>
+              </a:extLst>
+            </p:cNvPr>
+            <p:cNvPicPr>
+              <a:picLocks noChangeAspect="1"/>
+            </p:cNvPicPr>
+            <p:nvPr/>
+          </p:nvPicPr>
+          <p:blipFill>
+            <a:blip r:embed="rId3">
+              <a:extLst>
+                <a:ext uri="{28A0092B-C50C-407E-A947-70E740481C1C}">
+                  <a14:useLocalDpi xmlns:a14="http://schemas.microsoft.com/office/drawing/2010/main" val="0"/>
+                </a:ext>
+                <a:ext uri="{96DAC541-7B7A-43D3-8B79-37D633B846F1}">
+                  <asvg:svgBlip xmlns:asvg="http://schemas.microsoft.com/office/drawing/2016/SVG/main" r:embed="rId4"/>
+                </a:ext>
+              </a:extLst>
+            </a:blip>
+            <a:stretch>
+              <a:fillRect/>
+            </a:stretch>
+          </p:blipFill>
+          <p:spPr>
+            <a:xfrm>
+              <a:off x="7417838" y="220825"/>
+              <a:ext cx="314130" cy="314130"/>
+            </a:xfrm>
+            <a:prstGeom prst="rect">
+              <a:avLst/>
+            </a:prstGeom>
+          </p:spPr>
+        </p:pic>
+        <p:sp>
+          <p:nvSpPr>
+            <p:cNvPr id="18" name="ZoneTexte 17">
+              <a:extLst>
+                <a:ext uri="{FF2B5EF4-FFF2-40B4-BE49-F238E27FC236}">
+                  <a16:creationId xmlns:a16="http://schemas.microsoft.com/office/drawing/2014/main" id="{3EDA8A79-7905-4A01-80F7-4B3C4D31FB86}"/>
+                </a:ext>
+              </a:extLst>
+            </p:cNvPr>
+            <p:cNvSpPr txBox="1"/>
+            <p:nvPr/>
+          </p:nvSpPr>
+          <p:spPr>
+            <a:xfrm>
+              <a:off x="8102999" y="147058"/>
+              <a:ext cx="1246623" cy="461665"/>
             </a:xfrm>
             <a:prstGeom prst="rect">
               <a:avLst/>
@@ -9423,95 +10679,9 @@
                   </a:solidFill>
                   <a:latin typeface="+mj-lt"/>
                 </a:rPr>
-                <a:t>Méthodologie</a:t>
-              </a:r>
-              <a:endParaRPr lang="fr-FR" sz="2000" b="1" cap="small" dirty="0">
-                <a:solidFill>
-                  <a:schemeClr val="bg1"/>
-                </a:solidFill>
-                <a:latin typeface="+mj-lt"/>
-              </a:endParaRPr>
-            </a:p>
-          </p:txBody>
-        </p:sp>
-        <p:pic>
-          <p:nvPicPr>
-            <p:cNvPr id="17" name="Graphique 16" descr="Fleur">
-              <a:extLst>
-                <a:ext uri="{FF2B5EF4-FFF2-40B4-BE49-F238E27FC236}">
-                  <a16:creationId xmlns:a16="http://schemas.microsoft.com/office/drawing/2014/main" id="{43CE3428-5A9A-496D-9BC4-E0DA18424B35}"/>
-                </a:ext>
-              </a:extLst>
-            </p:cNvPr>
-            <p:cNvPicPr>
-              <a:picLocks noChangeAspect="1"/>
-            </p:cNvPicPr>
-            <p:nvPr/>
-          </p:nvPicPr>
-          <p:blipFill>
-            <a:blip r:embed="rId3">
-              <a:extLst>
-                <a:ext uri="{28A0092B-C50C-407E-A947-70E740481C1C}">
-                  <a14:useLocalDpi xmlns:a14="http://schemas.microsoft.com/office/drawing/2010/main" val="0"/>
-                </a:ext>
-                <a:ext uri="{96DAC541-7B7A-43D3-8B79-37D633B846F1}">
-                  <asvg:svgBlip xmlns:asvg="http://schemas.microsoft.com/office/drawing/2016/SVG/main" r:embed="rId4"/>
-                </a:ext>
-              </a:extLst>
-            </a:blip>
-            <a:stretch>
-              <a:fillRect/>
-            </a:stretch>
-          </p:blipFill>
-          <p:spPr>
-            <a:xfrm>
-              <a:off x="7417838" y="220825"/>
-              <a:ext cx="314130" cy="314130"/>
-            </a:xfrm>
-            <a:prstGeom prst="rect">
-              <a:avLst/>
-            </a:prstGeom>
-          </p:spPr>
-        </p:pic>
-        <p:sp>
-          <p:nvSpPr>
-            <p:cNvPr id="18" name="ZoneTexte 17">
-              <a:extLst>
-                <a:ext uri="{FF2B5EF4-FFF2-40B4-BE49-F238E27FC236}">
-                  <a16:creationId xmlns:a16="http://schemas.microsoft.com/office/drawing/2014/main" id="{3EDA8A79-7905-4A01-80F7-4B3C4D31FB86}"/>
-                </a:ext>
-              </a:extLst>
-            </p:cNvPr>
-            <p:cNvSpPr txBox="1"/>
-            <p:nvPr/>
-          </p:nvSpPr>
-          <p:spPr>
-            <a:xfrm>
-              <a:off x="8182123" y="177835"/>
-              <a:ext cx="1088375" cy="400110"/>
-            </a:xfrm>
-            <a:prstGeom prst="rect">
-              <a:avLst/>
-            </a:prstGeom>
-            <a:noFill/>
-          </p:spPr>
-          <p:txBody>
-            <a:bodyPr wrap="none" rtlCol="0" anchor="ctr">
-              <a:spAutoFit/>
-            </a:bodyPr>
-            <a:lstStyle/>
-            <a:p>
-              <a:pPr algn="ctr"/>
-              <a:r>
-                <a:rPr lang="fr-FR" sz="2000" cap="small" dirty="0">
-                  <a:solidFill>
-                    <a:schemeClr val="bg1"/>
-                  </a:solidFill>
-                  <a:latin typeface="+mj-lt"/>
-                </a:rPr>
                 <a:t>Résultats</a:t>
               </a:r>
-              <a:endParaRPr lang="fr-FR" cap="small" dirty="0">
+              <a:endParaRPr lang="fr-FR" b="1" cap="small" dirty="0">
                 <a:solidFill>
                   <a:schemeClr val="bg1"/>
                 </a:solidFill>
@@ -9703,7 +10873,7 @@
                   <a:latin typeface="+mj-lt"/>
                 </a:rPr>
                 <a:pPr algn="ctr"/>
-                <a:t>6</a:t>
+                <a:t>7</a:t>
               </a:fld>
               <a:endParaRPr lang="fr-FR" sz="1400" b="1" cap="small" dirty="0">
                 <a:solidFill>
@@ -9720,7 +10890,7 @@
           <p:cNvPr id="21" name="ZoneTexte 20">
             <a:extLst>
               <a:ext uri="{FF2B5EF4-FFF2-40B4-BE49-F238E27FC236}">
-                <a16:creationId xmlns:a16="http://schemas.microsoft.com/office/drawing/2014/main" id="{0695CCF8-5151-47C8-90E9-98F7E6E3B3EC}"/>
+                <a16:creationId xmlns:a16="http://schemas.microsoft.com/office/drawing/2014/main" id="{9A3583B9-D707-40A2-BB99-15A51867E2AE}"/>
               </a:ext>
             </a:extLst>
           </p:cNvPr>
@@ -9729,8 +10899,8 @@
         </p:nvSpPr>
         <p:spPr>
           <a:xfrm>
-            <a:off x="961052" y="1822385"/>
-            <a:ext cx="4137415" cy="3814890"/>
+            <a:off x="961052" y="1121167"/>
+            <a:ext cx="3515001" cy="461665"/>
           </a:xfrm>
           <a:prstGeom prst="rect">
             <a:avLst/>
@@ -9743,71 +10913,13 @@
           </a:bodyPr>
           <a:lstStyle/>
           <a:p>
-            <a:pPr marL="457200" indent="-457200">
-              <a:lnSpc>
-                <a:spcPct val="250000"/>
-              </a:lnSpc>
-              <a:buFont typeface="Arial" panose="020B0604020202020204" pitchFamily="34" charset="0"/>
-              <a:buChar char="•"/>
-            </a:pPr>
-            <a:r>
-              <a:rPr lang="fr-FR" sz="2000" dirty="0">
-                <a:latin typeface="+mj-lt"/>
-              </a:rPr>
-              <a:t>Réduction de l’échelle</a:t>
-            </a:r>
-          </a:p>
-          <a:p>
-            <a:pPr marL="457200" indent="-457200">
-              <a:lnSpc>
-                <a:spcPct val="250000"/>
-              </a:lnSpc>
-              <a:buFont typeface="Arial" panose="020B0604020202020204" pitchFamily="34" charset="0"/>
-              <a:buChar char="•"/>
-            </a:pPr>
-            <a:r>
-              <a:rPr lang="fr-FR" sz="2000" dirty="0">
-                <a:latin typeface="+mj-lt"/>
-              </a:rPr>
-              <a:t>Transformation 2D</a:t>
-            </a:r>
-          </a:p>
-          <a:p>
-            <a:pPr marL="457200" indent="-457200">
-              <a:lnSpc>
-                <a:spcPct val="250000"/>
-              </a:lnSpc>
-              <a:buFont typeface="Arial" panose="020B0604020202020204" pitchFamily="34" charset="0"/>
-              <a:buChar char="•"/>
-            </a:pPr>
-            <a:r>
-              <a:rPr lang="fr-FR" sz="2000" dirty="0">
-                <a:latin typeface="+mj-lt"/>
-              </a:rPr>
-              <a:t>Sélection temporaire de neurones</a:t>
-            </a:r>
-          </a:p>
-          <a:p>
-            <a:pPr marL="457200" indent="-457200">
-              <a:lnSpc>
-                <a:spcPct val="250000"/>
-              </a:lnSpc>
-              <a:buFont typeface="Arial" panose="020B0604020202020204" pitchFamily="34" charset="0"/>
-              <a:buChar char="•"/>
-            </a:pPr>
-            <a:endParaRPr lang="fr-FR" sz="2000" dirty="0">
-              <a:latin typeface="+mj-lt"/>
-            </a:endParaRPr>
-          </a:p>
-          <a:p>
-            <a:pPr marL="457200" indent="-457200">
-              <a:lnSpc>
-                <a:spcPct val="250000"/>
-              </a:lnSpc>
-              <a:buFont typeface="Arial" panose="020B0604020202020204" pitchFamily="34" charset="0"/>
-              <a:buChar char="•"/>
-            </a:pPr>
-            <a:endParaRPr lang="fr-FR" sz="2000" dirty="0">
+            <a:r>
+              <a:rPr lang="fr-FR" sz="2400" cap="small" dirty="0">
+                <a:latin typeface="+mj-lt"/>
+              </a:rPr>
+              <a:t>Confrontation des résultats</a:t>
+            </a:r>
+            <a:endParaRPr lang="fr-FR" sz="2000" cap="small" dirty="0">
               <a:latin typeface="+mj-lt"/>
             </a:endParaRPr>
           </a:p>
@@ -9815,10 +10927,10 @@
       </p:sp>
       <p:sp>
         <p:nvSpPr>
-          <p:cNvPr id="22" name="ZoneTexte 21">
-            <a:extLst>
-              <a:ext uri="{FF2B5EF4-FFF2-40B4-BE49-F238E27FC236}">
-                <a16:creationId xmlns:a16="http://schemas.microsoft.com/office/drawing/2014/main" id="{96F1E696-815D-4F72-B787-82EC7F96C7CB}"/>
+          <p:cNvPr id="23" name="ZoneTexte 22">
+            <a:extLst>
+              <a:ext uri="{FF2B5EF4-FFF2-40B4-BE49-F238E27FC236}">
+                <a16:creationId xmlns:a16="http://schemas.microsoft.com/office/drawing/2014/main" id="{8E01B494-50FE-46B4-A84F-859920A3792D}"/>
               </a:ext>
             </a:extLst>
           </p:cNvPr>
@@ -9827,8 +10939,8 @@
         </p:nvSpPr>
         <p:spPr>
           <a:xfrm>
-            <a:off x="961052" y="1121167"/>
-            <a:ext cx="1389868" cy="461665"/>
+            <a:off x="961052" y="1822385"/>
+            <a:ext cx="1031051" cy="3814890"/>
           </a:xfrm>
           <a:prstGeom prst="rect">
             <a:avLst/>
@@ -9841,574 +10953,119 @@
           </a:bodyPr>
           <a:lstStyle/>
           <a:p>
-            <a:r>
-              <a:rPr lang="fr-FR" sz="2400" cap="small" dirty="0">
-                <a:latin typeface="+mj-lt"/>
-              </a:rPr>
-              <a:t>Structure</a:t>
-            </a:r>
-            <a:endParaRPr lang="fr-FR" sz="2000" cap="small" dirty="0">
+            <a:pPr marL="457200" indent="-457200">
+              <a:lnSpc>
+                <a:spcPct val="250000"/>
+              </a:lnSpc>
+              <a:buFont typeface="Arial" panose="020B0604020202020204" pitchFamily="34" charset="0"/>
+              <a:buChar char="•"/>
+            </a:pPr>
+            <a:r>
+              <a:rPr lang="fr-FR" sz="2000" dirty="0">
+                <a:latin typeface="+mj-lt"/>
+              </a:rPr>
+              <a:t>___</a:t>
+            </a:r>
+          </a:p>
+          <a:p>
+            <a:pPr marL="457200" indent="-457200">
+              <a:lnSpc>
+                <a:spcPct val="250000"/>
+              </a:lnSpc>
+              <a:buFont typeface="Arial" panose="020B0604020202020204" pitchFamily="34" charset="0"/>
+              <a:buChar char="•"/>
+            </a:pPr>
+            <a:r>
+              <a:rPr lang="fr-FR" sz="2000" dirty="0">
+                <a:latin typeface="+mj-lt"/>
+              </a:rPr>
+              <a:t>___</a:t>
+            </a:r>
+          </a:p>
+          <a:p>
+            <a:pPr marL="457200" indent="-457200">
+              <a:lnSpc>
+                <a:spcPct val="250000"/>
+              </a:lnSpc>
+              <a:buFont typeface="Arial" panose="020B0604020202020204" pitchFamily="34" charset="0"/>
+              <a:buChar char="•"/>
+            </a:pPr>
+            <a:r>
+              <a:rPr lang="fr-FR" sz="2000" dirty="0">
+                <a:latin typeface="+mj-lt"/>
+              </a:rPr>
+              <a:t>___</a:t>
+            </a:r>
+          </a:p>
+          <a:p>
+            <a:pPr marL="457200" indent="-457200">
+              <a:lnSpc>
+                <a:spcPct val="250000"/>
+              </a:lnSpc>
+              <a:buFont typeface="Arial" panose="020B0604020202020204" pitchFamily="34" charset="0"/>
+              <a:buChar char="•"/>
+            </a:pPr>
+            <a:r>
+              <a:rPr lang="fr-FR" sz="2000" dirty="0">
+                <a:latin typeface="+mj-lt"/>
+              </a:rPr>
+              <a:t>__</a:t>
+            </a:r>
+          </a:p>
+          <a:p>
+            <a:pPr marL="457200" indent="-457200">
+              <a:lnSpc>
+                <a:spcPct val="250000"/>
+              </a:lnSpc>
+              <a:buFont typeface="Arial" panose="020B0604020202020204" pitchFamily="34" charset="0"/>
+              <a:buChar char="•"/>
+            </a:pPr>
+            <a:endParaRPr lang="fr-FR" sz="2000" dirty="0">
               <a:latin typeface="+mj-lt"/>
             </a:endParaRPr>
           </a:p>
         </p:txBody>
       </p:sp>
-      <p:sp>
-        <p:nvSpPr>
-          <p:cNvPr id="23" name="ZoneTexte 22">
-            <a:extLst>
-              <a:ext uri="{FF2B5EF4-FFF2-40B4-BE49-F238E27FC236}">
-                <a16:creationId xmlns:a16="http://schemas.microsoft.com/office/drawing/2014/main" id="{0A3BACAF-29D5-48BB-9AEE-BDF643DB78DF}"/>
-              </a:ext>
-            </a:extLst>
-          </p:cNvPr>
-          <p:cNvSpPr txBox="1"/>
+      <p:pic>
+        <p:nvPicPr>
+          <p:cNvPr id="22" name="Image 21">
+            <a:extLst>
+              <a:ext uri="{FF2B5EF4-FFF2-40B4-BE49-F238E27FC236}">
+                <a16:creationId xmlns:a16="http://schemas.microsoft.com/office/drawing/2014/main" id="{D54C31C0-DFE2-4866-B5DC-780E9D905C36}"/>
+              </a:ext>
+            </a:extLst>
+          </p:cNvPr>
+          <p:cNvPicPr>
+            <a:picLocks noChangeAspect="1"/>
+          </p:cNvPicPr>
           <p:nvPr/>
-        </p:nvSpPr>
+        </p:nvPicPr>
+        <p:blipFill>
+          <a:blip r:embed="rId7">
+            <a:extLst>
+              <a:ext uri="{28A0092B-C50C-407E-A947-70E740481C1C}">
+                <a14:useLocalDpi xmlns:a14="http://schemas.microsoft.com/office/drawing/2010/main" val="0"/>
+              </a:ext>
+            </a:extLst>
+          </a:blip>
+          <a:stretch>
+            <a:fillRect/>
+          </a:stretch>
+        </p:blipFill>
         <p:spPr>
           <a:xfrm>
-            <a:off x="5323562" y="1582832"/>
-            <a:ext cx="5907386" cy="4031873"/>
+            <a:off x="6621362" y="1822385"/>
+            <a:ext cx="5181433" cy="3454289"/>
           </a:xfrm>
           <a:prstGeom prst="rect">
             <a:avLst/>
           </a:prstGeom>
-          <a:noFill/>
-          <a:ln>
-            <a:solidFill>
-              <a:srgbClr val="61A53A"/>
-            </a:solidFill>
-          </a:ln>
         </p:spPr>
-        <p:txBody>
-          <a:bodyPr wrap="none" rtlCol="0">
-            <a:spAutoFit/>
-          </a:bodyPr>
-          <a:lstStyle/>
-          <a:p>
-            <a:r>
-              <a:rPr lang="fr-FR" sz="1600" dirty="0">
-                <a:solidFill>
-                  <a:srgbClr val="61A53A"/>
-                </a:solidFill>
-                <a:latin typeface="Consolas" panose="020B0609020204030204" pitchFamily="49" charset="0"/>
-              </a:rPr>
-              <a:t>inputs = </a:t>
-            </a:r>
-            <a:r>
-              <a:rPr lang="fr-FR" sz="1600" dirty="0" err="1">
-                <a:solidFill>
-                  <a:srgbClr val="61A53A"/>
-                </a:solidFill>
-                <a:latin typeface="Consolas" panose="020B0609020204030204" pitchFamily="49" charset="0"/>
-              </a:rPr>
-              <a:t>keras.Input</a:t>
-            </a:r>
-            <a:r>
-              <a:rPr lang="fr-FR" sz="1600" dirty="0">
-                <a:solidFill>
-                  <a:srgbClr val="61A53A"/>
-                </a:solidFill>
-                <a:latin typeface="Consolas" panose="020B0609020204030204" pitchFamily="49" charset="0"/>
-              </a:rPr>
-              <a:t>(</a:t>
-            </a:r>
-            <a:r>
-              <a:rPr lang="fr-FR" sz="1600" dirty="0" err="1">
-                <a:solidFill>
-                  <a:srgbClr val="61A53A"/>
-                </a:solidFill>
-                <a:latin typeface="Consolas" panose="020B0609020204030204" pitchFamily="49" charset="0"/>
-              </a:rPr>
-              <a:t>shape</a:t>
-            </a:r>
-            <a:r>
-              <a:rPr lang="fr-FR" sz="1600" dirty="0">
-                <a:solidFill>
-                  <a:srgbClr val="61A53A"/>
-                </a:solidFill>
-                <a:latin typeface="Consolas" panose="020B0609020204030204" pitchFamily="49" charset="0"/>
-              </a:rPr>
-              <a:t>=(256,256,3))</a:t>
-            </a:r>
-          </a:p>
-          <a:p>
-            <a:r>
-              <a:rPr lang="fr-FR" sz="1600" dirty="0">
-                <a:solidFill>
-                  <a:srgbClr val="61A53A"/>
-                </a:solidFill>
-                <a:latin typeface="Consolas" panose="020B0609020204030204" pitchFamily="49" charset="0"/>
-              </a:rPr>
-              <a:t>x = </a:t>
-            </a:r>
-            <a:r>
-              <a:rPr lang="fr-FR" sz="1600" dirty="0" err="1">
-                <a:solidFill>
-                  <a:srgbClr val="61A53A"/>
-                </a:solidFill>
-                <a:latin typeface="Consolas" panose="020B0609020204030204" pitchFamily="49" charset="0"/>
-              </a:rPr>
-              <a:t>layers.Rescaling</a:t>
-            </a:r>
-            <a:r>
-              <a:rPr lang="fr-FR" sz="1600" dirty="0">
-                <a:solidFill>
-                  <a:srgbClr val="61A53A"/>
-                </a:solidFill>
-                <a:latin typeface="Consolas" panose="020B0609020204030204" pitchFamily="49" charset="0"/>
-              </a:rPr>
-              <a:t>(</a:t>
-            </a:r>
-            <a:r>
-              <a:rPr lang="fr-FR" sz="1600" dirty="0" err="1">
-                <a:solidFill>
-                  <a:srgbClr val="61A53A"/>
-                </a:solidFill>
-                <a:latin typeface="Consolas" panose="020B0609020204030204" pitchFamily="49" charset="0"/>
-              </a:rPr>
-              <a:t>scale</a:t>
-            </a:r>
-            <a:r>
-              <a:rPr lang="fr-FR" sz="1600" dirty="0">
-                <a:solidFill>
-                  <a:srgbClr val="61A53A"/>
-                </a:solidFill>
-                <a:latin typeface="Consolas" panose="020B0609020204030204" pitchFamily="49" charset="0"/>
-              </a:rPr>
-              <a:t>=1.0 / 255)(inputs)</a:t>
-            </a:r>
-          </a:p>
-          <a:p>
-            <a:r>
-              <a:rPr lang="fr-FR" sz="1600" dirty="0">
-                <a:solidFill>
-                  <a:srgbClr val="61A53A"/>
-                </a:solidFill>
-                <a:latin typeface="Consolas" panose="020B0609020204030204" pitchFamily="49" charset="0"/>
-              </a:rPr>
-              <a:t>#x = </a:t>
-            </a:r>
-            <a:r>
-              <a:rPr lang="fr-FR" sz="1600" dirty="0" err="1">
-                <a:solidFill>
-                  <a:srgbClr val="61A53A"/>
-                </a:solidFill>
-                <a:latin typeface="Consolas" panose="020B0609020204030204" pitchFamily="49" charset="0"/>
-              </a:rPr>
-              <a:t>data_augmentation</a:t>
-            </a:r>
-            <a:r>
-              <a:rPr lang="fr-FR" sz="1600" dirty="0">
-                <a:solidFill>
-                  <a:srgbClr val="61A53A"/>
-                </a:solidFill>
-                <a:latin typeface="Consolas" panose="020B0609020204030204" pitchFamily="49" charset="0"/>
-              </a:rPr>
-              <a:t>(x)</a:t>
-            </a:r>
-          </a:p>
-          <a:p>
-            <a:r>
-              <a:rPr lang="fr-FR" sz="1600" dirty="0">
-                <a:solidFill>
-                  <a:srgbClr val="61A53A"/>
-                </a:solidFill>
-                <a:latin typeface="Consolas" panose="020B0609020204030204" pitchFamily="49" charset="0"/>
-              </a:rPr>
-              <a:t>x = </a:t>
-            </a:r>
-            <a:r>
-              <a:rPr lang="fr-FR" sz="1600" dirty="0" err="1">
-                <a:solidFill>
-                  <a:srgbClr val="61A53A"/>
-                </a:solidFill>
-                <a:latin typeface="Consolas" panose="020B0609020204030204" pitchFamily="49" charset="0"/>
-              </a:rPr>
-              <a:t>layers.BatchNormalization</a:t>
-            </a:r>
-            <a:r>
-              <a:rPr lang="fr-FR" sz="1600" dirty="0">
-                <a:solidFill>
-                  <a:srgbClr val="61A53A"/>
-                </a:solidFill>
-                <a:latin typeface="Consolas" panose="020B0609020204030204" pitchFamily="49" charset="0"/>
-              </a:rPr>
-              <a:t>()(x)</a:t>
-            </a:r>
-          </a:p>
-          <a:p>
-            <a:r>
-              <a:rPr lang="fr-FR" sz="1600" dirty="0">
-                <a:solidFill>
-                  <a:srgbClr val="61A53A"/>
-                </a:solidFill>
-                <a:latin typeface="Consolas" panose="020B0609020204030204" pitchFamily="49" charset="0"/>
-              </a:rPr>
-              <a:t>x = layers.Conv2D(</a:t>
-            </a:r>
-            <a:r>
-              <a:rPr lang="fr-FR" sz="1600" dirty="0" err="1">
-                <a:solidFill>
-                  <a:srgbClr val="61A53A"/>
-                </a:solidFill>
-                <a:latin typeface="Consolas" panose="020B0609020204030204" pitchFamily="49" charset="0"/>
-              </a:rPr>
-              <a:t>filters</a:t>
-            </a:r>
-            <a:r>
-              <a:rPr lang="fr-FR" sz="1600" dirty="0">
-                <a:solidFill>
-                  <a:srgbClr val="61A53A"/>
-                </a:solidFill>
-                <a:latin typeface="Consolas" panose="020B0609020204030204" pitchFamily="49" charset="0"/>
-              </a:rPr>
-              <a:t>=32, </a:t>
-            </a:r>
-            <a:r>
-              <a:rPr lang="fr-FR" sz="1600" dirty="0" err="1">
-                <a:solidFill>
-                  <a:srgbClr val="61A53A"/>
-                </a:solidFill>
-                <a:latin typeface="Consolas" panose="020B0609020204030204" pitchFamily="49" charset="0"/>
-              </a:rPr>
-              <a:t>kernel_size</a:t>
-            </a:r>
-            <a:r>
-              <a:rPr lang="fr-FR" sz="1600" dirty="0">
-                <a:solidFill>
-                  <a:srgbClr val="61A53A"/>
-                </a:solidFill>
-                <a:latin typeface="Consolas" panose="020B0609020204030204" pitchFamily="49" charset="0"/>
-              </a:rPr>
-              <a:t>=(3, 3),</a:t>
-            </a:r>
-          </a:p>
-          <a:p>
-            <a:r>
-              <a:rPr lang="fr-FR" sz="1600" dirty="0">
-                <a:solidFill>
-                  <a:srgbClr val="61A53A"/>
-                </a:solidFill>
-                <a:latin typeface="Consolas" panose="020B0609020204030204" pitchFamily="49" charset="0"/>
-              </a:rPr>
-              <a:t>                  activation="relu")(x)</a:t>
-            </a:r>
-          </a:p>
-          <a:p>
-            <a:r>
-              <a:rPr lang="fr-FR" sz="1600" dirty="0">
-                <a:solidFill>
-                  <a:srgbClr val="61A53A"/>
-                </a:solidFill>
-                <a:latin typeface="Consolas" panose="020B0609020204030204" pitchFamily="49" charset="0"/>
-              </a:rPr>
-              <a:t>x = layers.MaxPooling2D(</a:t>
-            </a:r>
-            <a:r>
-              <a:rPr lang="fr-FR" sz="1600" dirty="0" err="1">
-                <a:solidFill>
-                  <a:srgbClr val="61A53A"/>
-                </a:solidFill>
-                <a:latin typeface="Consolas" panose="020B0609020204030204" pitchFamily="49" charset="0"/>
-              </a:rPr>
-              <a:t>pool_size</a:t>
-            </a:r>
-            <a:r>
-              <a:rPr lang="fr-FR" sz="1600" dirty="0">
-                <a:solidFill>
-                  <a:srgbClr val="61A53A"/>
-                </a:solidFill>
-                <a:latin typeface="Consolas" panose="020B0609020204030204" pitchFamily="49" charset="0"/>
-              </a:rPr>
-              <a:t>=(3, 3))(x)</a:t>
-            </a:r>
-          </a:p>
-          <a:p>
-            <a:r>
-              <a:rPr lang="fr-FR" sz="1600" dirty="0">
-                <a:solidFill>
-                  <a:srgbClr val="61A53A"/>
-                </a:solidFill>
-                <a:latin typeface="Consolas" panose="020B0609020204030204" pitchFamily="49" charset="0"/>
-              </a:rPr>
-              <a:t>x = layers.Conv2D(</a:t>
-            </a:r>
-            <a:r>
-              <a:rPr lang="fr-FR" sz="1600" dirty="0" err="1">
-                <a:solidFill>
-                  <a:srgbClr val="61A53A"/>
-                </a:solidFill>
-                <a:latin typeface="Consolas" panose="020B0609020204030204" pitchFamily="49" charset="0"/>
-              </a:rPr>
-              <a:t>filters</a:t>
-            </a:r>
-            <a:r>
-              <a:rPr lang="fr-FR" sz="1600" dirty="0">
-                <a:solidFill>
-                  <a:srgbClr val="61A53A"/>
-                </a:solidFill>
-                <a:latin typeface="Consolas" panose="020B0609020204030204" pitchFamily="49" charset="0"/>
-              </a:rPr>
-              <a:t>=32, </a:t>
-            </a:r>
-            <a:r>
-              <a:rPr lang="fr-FR" sz="1600" dirty="0" err="1">
-                <a:solidFill>
-                  <a:srgbClr val="61A53A"/>
-                </a:solidFill>
-                <a:latin typeface="Consolas" panose="020B0609020204030204" pitchFamily="49" charset="0"/>
-              </a:rPr>
-              <a:t>kernel_size</a:t>
-            </a:r>
-            <a:r>
-              <a:rPr lang="fr-FR" sz="1600" dirty="0">
-                <a:solidFill>
-                  <a:srgbClr val="61A53A"/>
-                </a:solidFill>
-                <a:latin typeface="Consolas" panose="020B0609020204030204" pitchFamily="49" charset="0"/>
-              </a:rPr>
-              <a:t>=(3, 3),</a:t>
-            </a:r>
-          </a:p>
-          <a:p>
-            <a:r>
-              <a:rPr lang="fr-FR" sz="1600" dirty="0">
-                <a:solidFill>
-                  <a:srgbClr val="61A53A"/>
-                </a:solidFill>
-                <a:latin typeface="Consolas" panose="020B0609020204030204" pitchFamily="49" charset="0"/>
-              </a:rPr>
-              <a:t>                  activation="relu")(x)</a:t>
-            </a:r>
-          </a:p>
-          <a:p>
-            <a:r>
-              <a:rPr lang="fr-FR" sz="1600" dirty="0">
-                <a:solidFill>
-                  <a:srgbClr val="61A53A"/>
-                </a:solidFill>
-                <a:latin typeface="Consolas" panose="020B0609020204030204" pitchFamily="49" charset="0"/>
-              </a:rPr>
-              <a:t>x = layers.MaxPooling2D(</a:t>
-            </a:r>
-            <a:r>
-              <a:rPr lang="fr-FR" sz="1600" dirty="0" err="1">
-                <a:solidFill>
-                  <a:srgbClr val="61A53A"/>
-                </a:solidFill>
-                <a:latin typeface="Consolas" panose="020B0609020204030204" pitchFamily="49" charset="0"/>
-              </a:rPr>
-              <a:t>pool_size</a:t>
-            </a:r>
-            <a:r>
-              <a:rPr lang="fr-FR" sz="1600" dirty="0">
-                <a:solidFill>
-                  <a:srgbClr val="61A53A"/>
-                </a:solidFill>
-                <a:latin typeface="Consolas" panose="020B0609020204030204" pitchFamily="49" charset="0"/>
-              </a:rPr>
-              <a:t>=(2, 2))(x)</a:t>
-            </a:r>
-          </a:p>
-          <a:p>
-            <a:r>
-              <a:rPr lang="fr-FR" sz="1600" dirty="0">
-                <a:solidFill>
-                  <a:srgbClr val="61A53A"/>
-                </a:solidFill>
-                <a:latin typeface="Consolas" panose="020B0609020204030204" pitchFamily="49" charset="0"/>
-              </a:rPr>
-              <a:t>x = layers.Conv2D(</a:t>
-            </a:r>
-            <a:r>
-              <a:rPr lang="fr-FR" sz="1600" dirty="0" err="1">
-                <a:solidFill>
-                  <a:srgbClr val="61A53A"/>
-                </a:solidFill>
-                <a:latin typeface="Consolas" panose="020B0609020204030204" pitchFamily="49" charset="0"/>
-              </a:rPr>
-              <a:t>filters</a:t>
-            </a:r>
-            <a:r>
-              <a:rPr lang="fr-FR" sz="1600" dirty="0">
-                <a:solidFill>
-                  <a:srgbClr val="61A53A"/>
-                </a:solidFill>
-                <a:latin typeface="Consolas" panose="020B0609020204030204" pitchFamily="49" charset="0"/>
-              </a:rPr>
-              <a:t>=32, </a:t>
-            </a:r>
-            <a:r>
-              <a:rPr lang="fr-FR" sz="1600" dirty="0" err="1">
-                <a:solidFill>
-                  <a:srgbClr val="61A53A"/>
-                </a:solidFill>
-                <a:latin typeface="Consolas" panose="020B0609020204030204" pitchFamily="49" charset="0"/>
-              </a:rPr>
-              <a:t>kernel_size</a:t>
-            </a:r>
-            <a:r>
-              <a:rPr lang="fr-FR" sz="1600" dirty="0">
-                <a:solidFill>
-                  <a:srgbClr val="61A53A"/>
-                </a:solidFill>
-                <a:latin typeface="Consolas" panose="020B0609020204030204" pitchFamily="49" charset="0"/>
-              </a:rPr>
-              <a:t>=(3, 3),</a:t>
-            </a:r>
-          </a:p>
-          <a:p>
-            <a:r>
-              <a:rPr lang="fr-FR" sz="1600" dirty="0">
-                <a:solidFill>
-                  <a:srgbClr val="61A53A"/>
-                </a:solidFill>
-                <a:latin typeface="Consolas" panose="020B0609020204030204" pitchFamily="49" charset="0"/>
-              </a:rPr>
-              <a:t>                  activation="relu")(x)</a:t>
-            </a:r>
-          </a:p>
-          <a:p>
-            <a:r>
-              <a:rPr lang="fr-FR" sz="1600" dirty="0">
-                <a:solidFill>
-                  <a:srgbClr val="61A53A"/>
-                </a:solidFill>
-                <a:latin typeface="Consolas" panose="020B0609020204030204" pitchFamily="49" charset="0"/>
-              </a:rPr>
-              <a:t>x = </a:t>
-            </a:r>
-            <a:r>
-              <a:rPr lang="fr-FR" sz="1600" dirty="0" err="1">
-                <a:solidFill>
-                  <a:srgbClr val="61A53A"/>
-                </a:solidFill>
-                <a:latin typeface="Consolas" panose="020B0609020204030204" pitchFamily="49" charset="0"/>
-              </a:rPr>
-              <a:t>layers.Dropout</a:t>
-            </a:r>
-            <a:r>
-              <a:rPr lang="fr-FR" sz="1600" dirty="0">
-                <a:solidFill>
-                  <a:srgbClr val="61A53A"/>
-                </a:solidFill>
-                <a:latin typeface="Consolas" panose="020B0609020204030204" pitchFamily="49" charset="0"/>
-              </a:rPr>
-              <a:t>(0.4, </a:t>
-            </a:r>
-            <a:r>
-              <a:rPr lang="fr-FR" sz="1600" dirty="0" err="1">
-                <a:solidFill>
-                  <a:srgbClr val="61A53A"/>
-                </a:solidFill>
-                <a:latin typeface="Consolas" panose="020B0609020204030204" pitchFamily="49" charset="0"/>
-              </a:rPr>
-              <a:t>seed</a:t>
-            </a:r>
-            <a:r>
-              <a:rPr lang="fr-FR" sz="1600" dirty="0">
-                <a:solidFill>
-                  <a:srgbClr val="61A53A"/>
-                </a:solidFill>
-                <a:latin typeface="Consolas" panose="020B0609020204030204" pitchFamily="49" charset="0"/>
-              </a:rPr>
-              <a:t> = 123)(x)</a:t>
-            </a:r>
-          </a:p>
-          <a:p>
-            <a:r>
-              <a:rPr lang="fr-FR" sz="1600" dirty="0">
-                <a:solidFill>
-                  <a:srgbClr val="61A53A"/>
-                </a:solidFill>
-                <a:latin typeface="Consolas" panose="020B0609020204030204" pitchFamily="49" charset="0"/>
-              </a:rPr>
-              <a:t>x = layers.GlobalAveragePooling2D()(x)</a:t>
-            </a:r>
-          </a:p>
-          <a:p>
-            <a:r>
-              <a:rPr lang="fr-FR" sz="1600" dirty="0">
-                <a:solidFill>
-                  <a:srgbClr val="61A53A"/>
-                </a:solidFill>
-                <a:latin typeface="Consolas" panose="020B0609020204030204" pitchFamily="49" charset="0"/>
-              </a:rPr>
-              <a:t>outputs = </a:t>
-            </a:r>
-            <a:r>
-              <a:rPr lang="fr-FR" sz="1600" dirty="0" err="1">
-                <a:solidFill>
-                  <a:srgbClr val="61A53A"/>
-                </a:solidFill>
-                <a:latin typeface="Consolas" panose="020B0609020204030204" pitchFamily="49" charset="0"/>
-              </a:rPr>
-              <a:t>layers.Dense</a:t>
-            </a:r>
-            <a:r>
-              <a:rPr lang="fr-FR" sz="1600" dirty="0">
-                <a:solidFill>
-                  <a:srgbClr val="61A53A"/>
-                </a:solidFill>
-                <a:latin typeface="Consolas" panose="020B0609020204030204" pitchFamily="49" charset="0"/>
-              </a:rPr>
-              <a:t>(3, activation="</a:t>
-            </a:r>
-            <a:r>
-              <a:rPr lang="fr-FR" sz="1600" dirty="0" err="1">
-                <a:solidFill>
-                  <a:srgbClr val="61A53A"/>
-                </a:solidFill>
-                <a:latin typeface="Consolas" panose="020B0609020204030204" pitchFamily="49" charset="0"/>
-              </a:rPr>
-              <a:t>softmax</a:t>
-            </a:r>
-            <a:r>
-              <a:rPr lang="fr-FR" sz="1600" dirty="0">
-                <a:solidFill>
-                  <a:srgbClr val="61A53A"/>
-                </a:solidFill>
-                <a:latin typeface="Consolas" panose="020B0609020204030204" pitchFamily="49" charset="0"/>
-              </a:rPr>
-              <a:t>")(x)</a:t>
-            </a:r>
-          </a:p>
-          <a:p>
-            <a:r>
-              <a:rPr lang="fr-FR" sz="1600" dirty="0">
-                <a:solidFill>
-                  <a:srgbClr val="61A53A"/>
-                </a:solidFill>
-                <a:latin typeface="Consolas" panose="020B0609020204030204" pitchFamily="49" charset="0"/>
-              </a:rPr>
-              <a:t>model = </a:t>
-            </a:r>
-            <a:r>
-              <a:rPr lang="fr-FR" sz="1600" dirty="0" err="1">
-                <a:solidFill>
-                  <a:srgbClr val="61A53A"/>
-                </a:solidFill>
-                <a:latin typeface="Consolas" panose="020B0609020204030204" pitchFamily="49" charset="0"/>
-              </a:rPr>
-              <a:t>keras.Model</a:t>
-            </a:r>
-            <a:r>
-              <a:rPr lang="fr-FR" sz="1600" dirty="0">
-                <a:solidFill>
-                  <a:srgbClr val="61A53A"/>
-                </a:solidFill>
-                <a:latin typeface="Consolas" panose="020B0609020204030204" pitchFamily="49" charset="0"/>
-              </a:rPr>
-              <a:t>(inputs=inputs, outputs=outputs)</a:t>
-            </a:r>
-          </a:p>
-        </p:txBody>
-      </p:sp>
+      </p:pic>
     </p:spTree>
     <p:extLst>
       <p:ext uri="{BB962C8B-B14F-4D97-AF65-F5344CB8AC3E}">
-        <p14:creationId xmlns:p14="http://schemas.microsoft.com/office/powerpoint/2010/main" val="4110192676"/>
+        <p14:creationId xmlns:p14="http://schemas.microsoft.com/office/powerpoint/2010/main" val="3892436992"/>
       </p:ext>
     </p:extLst>
   </p:cSld>
@@ -10418,7 +11075,7 @@
 </p:sld>
 </file>
 
-<file path=ppt/slides/slide7.xml><?xml version="1.0" encoding="utf-8"?>
+<file path=ppt/slides/slide8.xml><?xml version="1.0" encoding="utf-8"?>
 <p:sld xmlns:a="http://schemas.openxmlformats.org/drawingml/2006/main" xmlns:r="http://schemas.openxmlformats.org/officeDocument/2006/relationships" xmlns:p="http://schemas.openxmlformats.org/presentationml/2006/main">
   <p:cSld>
     <p:spTree>
@@ -10729,8 +11386,94 @@
           </p:nvSpPr>
           <p:spPr>
             <a:xfrm>
-              <a:off x="5222397" y="147058"/>
-              <a:ext cx="1873013" cy="461665"/>
+              <a:off x="5350124" y="177835"/>
+              <a:ext cx="1617559" cy="400110"/>
+            </a:xfrm>
+            <a:prstGeom prst="rect">
+              <a:avLst/>
+            </a:prstGeom>
+            <a:noFill/>
+          </p:spPr>
+          <p:txBody>
+            <a:bodyPr wrap="none" rtlCol="0" anchor="ctr">
+              <a:spAutoFit/>
+            </a:bodyPr>
+            <a:lstStyle/>
+            <a:p>
+              <a:pPr algn="ctr"/>
+              <a:r>
+                <a:rPr lang="fr-FR" sz="2000" cap="small" dirty="0">
+                  <a:solidFill>
+                    <a:schemeClr val="bg1"/>
+                  </a:solidFill>
+                  <a:latin typeface="+mj-lt"/>
+                </a:rPr>
+                <a:t>Méthodologie</a:t>
+              </a:r>
+              <a:endParaRPr lang="fr-FR" cap="small" dirty="0">
+                <a:solidFill>
+                  <a:schemeClr val="bg1"/>
+                </a:solidFill>
+                <a:latin typeface="+mj-lt"/>
+              </a:endParaRPr>
+            </a:p>
+          </p:txBody>
+        </p:sp>
+        <p:pic>
+          <p:nvPicPr>
+            <p:cNvPr id="17" name="Graphique 16" descr="Fleur">
+              <a:extLst>
+                <a:ext uri="{FF2B5EF4-FFF2-40B4-BE49-F238E27FC236}">
+                  <a16:creationId xmlns:a16="http://schemas.microsoft.com/office/drawing/2014/main" id="{43CE3428-5A9A-496D-9BC4-E0DA18424B35}"/>
+                </a:ext>
+              </a:extLst>
+            </p:cNvPr>
+            <p:cNvPicPr>
+              <a:picLocks noChangeAspect="1"/>
+            </p:cNvPicPr>
+            <p:nvPr/>
+          </p:nvPicPr>
+          <p:blipFill>
+            <a:blip r:embed="rId3">
+              <a:extLst>
+                <a:ext uri="{28A0092B-C50C-407E-A947-70E740481C1C}">
+                  <a14:useLocalDpi xmlns:a14="http://schemas.microsoft.com/office/drawing/2010/main" val="0"/>
+                </a:ext>
+                <a:ext uri="{96DAC541-7B7A-43D3-8B79-37D633B846F1}">
+                  <asvg:svgBlip xmlns:asvg="http://schemas.microsoft.com/office/drawing/2016/SVG/main" r:embed="rId4"/>
+                </a:ext>
+              </a:extLst>
+            </a:blip>
+            <a:stretch>
+              <a:fillRect/>
+            </a:stretch>
+          </p:blipFill>
+          <p:spPr>
+            <a:xfrm>
+              <a:off x="7417838" y="220825"/>
+              <a:ext cx="314130" cy="314130"/>
+            </a:xfrm>
+            <a:prstGeom prst="rect">
+              <a:avLst/>
+            </a:prstGeom>
+          </p:spPr>
+        </p:pic>
+        <p:sp>
+          <p:nvSpPr>
+            <p:cNvPr id="18" name="ZoneTexte 17">
+              <a:extLst>
+                <a:ext uri="{FF2B5EF4-FFF2-40B4-BE49-F238E27FC236}">
+                  <a16:creationId xmlns:a16="http://schemas.microsoft.com/office/drawing/2014/main" id="{3EDA8A79-7905-4A01-80F7-4B3C4D31FB86}"/>
+                </a:ext>
+              </a:extLst>
+            </p:cNvPr>
+            <p:cNvSpPr txBox="1"/>
+            <p:nvPr/>
+          </p:nvSpPr>
+          <p:spPr>
+            <a:xfrm>
+              <a:off x="8102999" y="147058"/>
+              <a:ext cx="1246623" cy="461665"/>
             </a:xfrm>
             <a:prstGeom prst="rect">
               <a:avLst/>
@@ -10751,95 +11494,9 @@
                   </a:solidFill>
                   <a:latin typeface="+mj-lt"/>
                 </a:rPr>
-                <a:t>Méthodologie</a:t>
-              </a:r>
-              <a:endParaRPr lang="fr-FR" sz="2000" b="1" cap="small" dirty="0">
-                <a:solidFill>
-                  <a:schemeClr val="bg1"/>
-                </a:solidFill>
-                <a:latin typeface="+mj-lt"/>
-              </a:endParaRPr>
-            </a:p>
-          </p:txBody>
-        </p:sp>
-        <p:pic>
-          <p:nvPicPr>
-            <p:cNvPr id="17" name="Graphique 16" descr="Fleur">
-              <a:extLst>
-                <a:ext uri="{FF2B5EF4-FFF2-40B4-BE49-F238E27FC236}">
-                  <a16:creationId xmlns:a16="http://schemas.microsoft.com/office/drawing/2014/main" id="{43CE3428-5A9A-496D-9BC4-E0DA18424B35}"/>
-                </a:ext>
-              </a:extLst>
-            </p:cNvPr>
-            <p:cNvPicPr>
-              <a:picLocks noChangeAspect="1"/>
-            </p:cNvPicPr>
-            <p:nvPr/>
-          </p:nvPicPr>
-          <p:blipFill>
-            <a:blip r:embed="rId3">
-              <a:extLst>
-                <a:ext uri="{28A0092B-C50C-407E-A947-70E740481C1C}">
-                  <a14:useLocalDpi xmlns:a14="http://schemas.microsoft.com/office/drawing/2010/main" val="0"/>
-                </a:ext>
-                <a:ext uri="{96DAC541-7B7A-43D3-8B79-37D633B846F1}">
-                  <asvg:svgBlip xmlns:asvg="http://schemas.microsoft.com/office/drawing/2016/SVG/main" r:embed="rId4"/>
-                </a:ext>
-              </a:extLst>
-            </a:blip>
-            <a:stretch>
-              <a:fillRect/>
-            </a:stretch>
-          </p:blipFill>
-          <p:spPr>
-            <a:xfrm>
-              <a:off x="7417838" y="220825"/>
-              <a:ext cx="314130" cy="314130"/>
-            </a:xfrm>
-            <a:prstGeom prst="rect">
-              <a:avLst/>
-            </a:prstGeom>
-          </p:spPr>
-        </p:pic>
-        <p:sp>
-          <p:nvSpPr>
-            <p:cNvPr id="18" name="ZoneTexte 17">
-              <a:extLst>
-                <a:ext uri="{FF2B5EF4-FFF2-40B4-BE49-F238E27FC236}">
-                  <a16:creationId xmlns:a16="http://schemas.microsoft.com/office/drawing/2014/main" id="{3EDA8A79-7905-4A01-80F7-4B3C4D31FB86}"/>
-                </a:ext>
-              </a:extLst>
-            </p:cNvPr>
-            <p:cNvSpPr txBox="1"/>
-            <p:nvPr/>
-          </p:nvSpPr>
-          <p:spPr>
-            <a:xfrm>
-              <a:off x="8182123" y="177835"/>
-              <a:ext cx="1088375" cy="400110"/>
-            </a:xfrm>
-            <a:prstGeom prst="rect">
-              <a:avLst/>
-            </a:prstGeom>
-            <a:noFill/>
-          </p:spPr>
-          <p:txBody>
-            <a:bodyPr wrap="none" rtlCol="0" anchor="ctr">
-              <a:spAutoFit/>
-            </a:bodyPr>
-            <a:lstStyle/>
-            <a:p>
-              <a:pPr algn="ctr"/>
-              <a:r>
-                <a:rPr lang="fr-FR" sz="2000" cap="small" dirty="0">
-                  <a:solidFill>
-                    <a:schemeClr val="bg1"/>
-                  </a:solidFill>
-                  <a:latin typeface="+mj-lt"/>
-                </a:rPr>
                 <a:t>Résultats</a:t>
               </a:r>
-              <a:endParaRPr lang="fr-FR" cap="small" dirty="0">
+              <a:endParaRPr lang="fr-FR" b="1" cap="small" dirty="0">
                 <a:solidFill>
                   <a:schemeClr val="bg1"/>
                 </a:solidFill>
@@ -11031,7 +11688,7 @@
                   <a:latin typeface="+mj-lt"/>
                 </a:rPr>
                 <a:pPr algn="ctr"/>
-                <a:t>7</a:t>
+                <a:t>8</a:t>
               </a:fld>
               <a:endParaRPr lang="fr-FR" sz="1400" b="1" cap="small" dirty="0">
                 <a:solidFill>
@@ -11048,7 +11705,7 @@
           <p:cNvPr id="21" name="ZoneTexte 20">
             <a:extLst>
               <a:ext uri="{FF2B5EF4-FFF2-40B4-BE49-F238E27FC236}">
-                <a16:creationId xmlns:a16="http://schemas.microsoft.com/office/drawing/2014/main" id="{0695CCF8-5151-47C8-90E9-98F7E6E3B3EC}"/>
+                <a16:creationId xmlns:a16="http://schemas.microsoft.com/office/drawing/2014/main" id="{9A3583B9-D707-40A2-BB99-15A51867E2AE}"/>
               </a:ext>
             </a:extLst>
           </p:cNvPr>
@@ -11057,8 +11714,8 @@
         </p:nvSpPr>
         <p:spPr>
           <a:xfrm>
-            <a:off x="961052" y="1822385"/>
-            <a:ext cx="5430461" cy="3045449"/>
+            <a:off x="961052" y="1121167"/>
+            <a:ext cx="3515001" cy="461665"/>
           </a:xfrm>
           <a:prstGeom prst="rect">
             <a:avLst/>
@@ -11071,71 +11728,13 @@
           </a:bodyPr>
           <a:lstStyle/>
           <a:p>
-            <a:pPr marL="457200" indent="-457200">
-              <a:lnSpc>
-                <a:spcPct val="250000"/>
-              </a:lnSpc>
-              <a:buFont typeface="Arial" panose="020B0604020202020204" pitchFamily="34" charset="0"/>
-              <a:buChar char="•"/>
-            </a:pPr>
-            <a:r>
-              <a:rPr lang="fr-FR" sz="2000" dirty="0">
-                <a:latin typeface="+mj-lt"/>
-              </a:rPr>
-              <a:t>Échantillon d’apprentissage (1107 en 3 classes)</a:t>
-            </a:r>
-          </a:p>
-          <a:p>
-            <a:pPr marL="457200" indent="-457200">
-              <a:lnSpc>
-                <a:spcPct val="250000"/>
-              </a:lnSpc>
-              <a:buFont typeface="Arial" panose="020B0604020202020204" pitchFamily="34" charset="0"/>
-              <a:buChar char="•"/>
-            </a:pPr>
-            <a:r>
-              <a:rPr lang="fr-FR" sz="2000" dirty="0">
-                <a:latin typeface="+mj-lt"/>
-              </a:rPr>
-              <a:t>Échantillon de validation (3799 en 3 classes)</a:t>
-            </a:r>
-          </a:p>
-          <a:p>
-            <a:pPr marL="457200" indent="-457200">
-              <a:lnSpc>
-                <a:spcPct val="250000"/>
-              </a:lnSpc>
-              <a:buFont typeface="Arial" panose="020B0604020202020204" pitchFamily="34" charset="0"/>
-              <a:buChar char="•"/>
-            </a:pPr>
-            <a:r>
-              <a:rPr lang="fr-FR" sz="2000" dirty="0">
-                <a:latin typeface="+mj-lt"/>
-              </a:rPr>
-              <a:t>20 cycles itératifs (</a:t>
-            </a:r>
-            <a:r>
-              <a:rPr lang="fr-FR" sz="2000" i="1" dirty="0">
-                <a:latin typeface="+mj-lt"/>
-              </a:rPr>
-              <a:t>epochs</a:t>
-            </a:r>
-            <a:r>
-              <a:rPr lang="fr-FR" sz="2000" dirty="0">
-                <a:latin typeface="+mj-lt"/>
-              </a:rPr>
-              <a:t>)</a:t>
-            </a:r>
-          </a:p>
-          <a:p>
-            <a:pPr marL="457200" indent="-457200">
-              <a:lnSpc>
-                <a:spcPct val="250000"/>
-              </a:lnSpc>
-              <a:buFont typeface="Arial" panose="020B0604020202020204" pitchFamily="34" charset="0"/>
-              <a:buChar char="•"/>
-            </a:pPr>
-            <a:endParaRPr lang="fr-FR" sz="2000" dirty="0">
+            <a:r>
+              <a:rPr lang="fr-FR" sz="2400" cap="small" dirty="0">
+                <a:latin typeface="+mj-lt"/>
+              </a:rPr>
+              <a:t>Confrontation des résultats</a:t>
+            </a:r>
+            <a:endParaRPr lang="fr-FR" sz="2000" cap="small" dirty="0">
               <a:latin typeface="+mj-lt"/>
             </a:endParaRPr>
           </a:p>
@@ -11143,10 +11742,10 @@
       </p:sp>
       <p:sp>
         <p:nvSpPr>
-          <p:cNvPr id="22" name="ZoneTexte 21">
-            <a:extLst>
-              <a:ext uri="{FF2B5EF4-FFF2-40B4-BE49-F238E27FC236}">
-                <a16:creationId xmlns:a16="http://schemas.microsoft.com/office/drawing/2014/main" id="{96F1E696-815D-4F72-B787-82EC7F96C7CB}"/>
+          <p:cNvPr id="23" name="ZoneTexte 22">
+            <a:extLst>
+              <a:ext uri="{FF2B5EF4-FFF2-40B4-BE49-F238E27FC236}">
+                <a16:creationId xmlns:a16="http://schemas.microsoft.com/office/drawing/2014/main" id="{8E01B494-50FE-46B4-A84F-859920A3792D}"/>
               </a:ext>
             </a:extLst>
           </p:cNvPr>
@@ -11155,8 +11754,8 @@
         </p:nvSpPr>
         <p:spPr>
           <a:xfrm>
-            <a:off x="961052" y="1121167"/>
-            <a:ext cx="4701480" cy="461665"/>
+            <a:off x="961052" y="1822385"/>
+            <a:ext cx="1031051" cy="3814890"/>
           </a:xfrm>
           <a:prstGeom prst="rect">
             <a:avLst/>
@@ -11169,22 +11768,119 @@
           </a:bodyPr>
           <a:lstStyle/>
           <a:p>
-            <a:r>
-              <a:rPr lang="fr-FR" sz="2400" cap="small" dirty="0">
-                <a:latin typeface="+mj-lt"/>
-              </a:rPr>
-              <a:t>Entraînement et validation du modèle</a:t>
-            </a:r>
-            <a:endParaRPr lang="fr-FR" sz="2000" cap="small" dirty="0">
+            <a:pPr marL="457200" indent="-457200">
+              <a:lnSpc>
+                <a:spcPct val="250000"/>
+              </a:lnSpc>
+              <a:buFont typeface="Arial" panose="020B0604020202020204" pitchFamily="34" charset="0"/>
+              <a:buChar char="•"/>
+            </a:pPr>
+            <a:r>
+              <a:rPr lang="fr-FR" sz="2000" dirty="0">
+                <a:latin typeface="+mj-lt"/>
+              </a:rPr>
+              <a:t>___</a:t>
+            </a:r>
+          </a:p>
+          <a:p>
+            <a:pPr marL="457200" indent="-457200">
+              <a:lnSpc>
+                <a:spcPct val="250000"/>
+              </a:lnSpc>
+              <a:buFont typeface="Arial" panose="020B0604020202020204" pitchFamily="34" charset="0"/>
+              <a:buChar char="•"/>
+            </a:pPr>
+            <a:r>
+              <a:rPr lang="fr-FR" sz="2000" dirty="0">
+                <a:latin typeface="+mj-lt"/>
+              </a:rPr>
+              <a:t>___</a:t>
+            </a:r>
+          </a:p>
+          <a:p>
+            <a:pPr marL="457200" indent="-457200">
+              <a:lnSpc>
+                <a:spcPct val="250000"/>
+              </a:lnSpc>
+              <a:buFont typeface="Arial" panose="020B0604020202020204" pitchFamily="34" charset="0"/>
+              <a:buChar char="•"/>
+            </a:pPr>
+            <a:r>
+              <a:rPr lang="fr-FR" sz="2000" dirty="0">
+                <a:latin typeface="+mj-lt"/>
+              </a:rPr>
+              <a:t>___</a:t>
+            </a:r>
+          </a:p>
+          <a:p>
+            <a:pPr marL="457200" indent="-457200">
+              <a:lnSpc>
+                <a:spcPct val="250000"/>
+              </a:lnSpc>
+              <a:buFont typeface="Arial" panose="020B0604020202020204" pitchFamily="34" charset="0"/>
+              <a:buChar char="•"/>
+            </a:pPr>
+            <a:r>
+              <a:rPr lang="fr-FR" sz="2000" dirty="0">
+                <a:latin typeface="+mj-lt"/>
+              </a:rPr>
+              <a:t>__</a:t>
+            </a:r>
+          </a:p>
+          <a:p>
+            <a:pPr marL="457200" indent="-457200">
+              <a:lnSpc>
+                <a:spcPct val="250000"/>
+              </a:lnSpc>
+              <a:buFont typeface="Arial" panose="020B0604020202020204" pitchFamily="34" charset="0"/>
+              <a:buChar char="•"/>
+            </a:pPr>
+            <a:endParaRPr lang="fr-FR" sz="2000" dirty="0">
               <a:latin typeface="+mj-lt"/>
             </a:endParaRPr>
           </a:p>
         </p:txBody>
       </p:sp>
+      <p:pic>
+        <p:nvPicPr>
+          <p:cNvPr id="7" name="Image 6">
+            <a:extLst>
+              <a:ext uri="{FF2B5EF4-FFF2-40B4-BE49-F238E27FC236}">
+                <a16:creationId xmlns:a16="http://schemas.microsoft.com/office/drawing/2014/main" id="{4954E5B8-3EC0-442D-B069-315C54F7AC46}"/>
+              </a:ext>
+            </a:extLst>
+          </p:cNvPr>
+          <p:cNvPicPr>
+            <a:picLocks noChangeAspect="1"/>
+          </p:cNvPicPr>
+          <p:nvPr/>
+        </p:nvPicPr>
+        <p:blipFill>
+          <a:blip r:embed="rId7">
+            <a:extLst>
+              <a:ext uri="{28A0092B-C50C-407E-A947-70E740481C1C}">
+                <a14:useLocalDpi xmlns:a14="http://schemas.microsoft.com/office/drawing/2010/main" val="0"/>
+              </a:ext>
+            </a:extLst>
+          </a:blip>
+          <a:stretch>
+            <a:fillRect/>
+          </a:stretch>
+        </p:blipFill>
+        <p:spPr>
+          <a:xfrm>
+            <a:off x="6621361" y="1822385"/>
+            <a:ext cx="5181435" cy="3454289"/>
+          </a:xfrm>
+          <a:prstGeom prst="rect">
+            <a:avLst/>
+          </a:prstGeom>
+        </p:spPr>
+      </p:pic>
     </p:spTree>
     <p:extLst>
       <p:ext uri="{BB962C8B-B14F-4D97-AF65-F5344CB8AC3E}">
-        <p14:creationId xmlns:p14="http://schemas.microsoft.com/office/powerpoint/2010/main" val="663149631"/>
+        <p14:creationId xmlns:p14="http://schemas.microsoft.com/office/powerpoint/2010/main" val="4099971760"/>
       </p:ext>
     </p:extLst>
   </p:cSld>
@@ -11194,7 +11890,7 @@
 </p:sld>
 </file>
 
-<file path=ppt/slides/slide8.xml><?xml version="1.0" encoding="utf-8"?>
+<file path=ppt/slides/slide9.xml><?xml version="1.0" encoding="utf-8"?>
 <p:sld xmlns:a="http://schemas.openxmlformats.org/drawingml/2006/main" xmlns:r="http://schemas.openxmlformats.org/officeDocument/2006/relationships" xmlns:p="http://schemas.openxmlformats.org/presentationml/2006/main">
   <p:cSld>
     <p:spTree>
@@ -11807,7 +12503,7 @@
                   <a:latin typeface="+mj-lt"/>
                 </a:rPr>
                 <a:pPr algn="ctr"/>
-                <a:t>8</a:t>
+                <a:t>9</a:t>
               </a:fld>
               <a:endParaRPr lang="fr-FR" sz="1400" b="1" cap="small" dirty="0">
                 <a:solidFill>
@@ -11962,10 +12658,10 @@
       </p:sp>
       <p:pic>
         <p:nvPicPr>
-          <p:cNvPr id="22" name="Image 21">
-            <a:extLst>
-              <a:ext uri="{FF2B5EF4-FFF2-40B4-BE49-F238E27FC236}">
-                <a16:creationId xmlns:a16="http://schemas.microsoft.com/office/drawing/2014/main" id="{D54C31C0-DFE2-4866-B5DC-780E9D905C36}"/>
+          <p:cNvPr id="7" name="Image 6">
+            <a:extLst>
+              <a:ext uri="{FF2B5EF4-FFF2-40B4-BE49-F238E27FC236}">
+                <a16:creationId xmlns:a16="http://schemas.microsoft.com/office/drawing/2014/main" id="{4954E5B8-3EC0-442D-B069-315C54F7AC46}"/>
               </a:ext>
             </a:extLst>
           </p:cNvPr>
@@ -11988,8 +12684,8 @@
         </p:blipFill>
         <p:spPr>
           <a:xfrm>
-            <a:off x="6621362" y="1822385"/>
-            <a:ext cx="5181433" cy="3454289"/>
+            <a:off x="6386469" y="2595119"/>
+            <a:ext cx="5181435" cy="1823311"/>
           </a:xfrm>
           <a:prstGeom prst="rect">
             <a:avLst/>
@@ -11999,822 +12695,7 @@
     </p:spTree>
     <p:extLst>
       <p:ext uri="{BB962C8B-B14F-4D97-AF65-F5344CB8AC3E}">
-        <p14:creationId xmlns:p14="http://schemas.microsoft.com/office/powerpoint/2010/main" val="3892436992"/>
-      </p:ext>
-    </p:extLst>
-  </p:cSld>
-  <p:clrMapOvr>
-    <a:masterClrMapping/>
-  </p:clrMapOvr>
-</p:sld>
-</file>
-
-<file path=ppt/slides/slide9.xml><?xml version="1.0" encoding="utf-8"?>
-<p:sld xmlns:a="http://schemas.openxmlformats.org/drawingml/2006/main" xmlns:r="http://schemas.openxmlformats.org/officeDocument/2006/relationships" xmlns:p="http://schemas.openxmlformats.org/presentationml/2006/main">
-  <p:cSld>
-    <p:spTree>
-      <p:nvGrpSpPr>
-        <p:cNvPr id="1" name=""/>
-        <p:cNvGrpSpPr/>
-        <p:nvPr/>
-      </p:nvGrpSpPr>
-      <p:grpSpPr>
-        <a:xfrm>
-          <a:off x="0" y="0"/>
-          <a:ext cx="0" cy="0"/>
-          <a:chOff x="0" y="0"/>
-          <a:chExt cx="0" cy="0"/>
-        </a:xfrm>
-      </p:grpSpPr>
-      <p:pic>
-        <p:nvPicPr>
-          <p:cNvPr id="5" name="Image 4">
-            <a:extLst>
-              <a:ext uri="{FF2B5EF4-FFF2-40B4-BE49-F238E27FC236}">
-                <a16:creationId xmlns:a16="http://schemas.microsoft.com/office/drawing/2014/main" id="{5FD2D5AA-CDB1-49E6-A114-DD9177C972B2}"/>
-              </a:ext>
-            </a:extLst>
-          </p:cNvPr>
-          <p:cNvPicPr>
-            <a:picLocks noChangeAspect="1"/>
-          </p:cNvPicPr>
-          <p:nvPr/>
-        </p:nvPicPr>
-        <p:blipFill>
-          <a:blip r:embed="rId2">
-            <a:extLst>
-              <a:ext uri="{28A0092B-C50C-407E-A947-70E740481C1C}">
-                <a14:useLocalDpi xmlns:a14="http://schemas.microsoft.com/office/drawing/2010/main" val="0"/>
-              </a:ext>
-            </a:extLst>
-          </a:blip>
-          <a:stretch>
-            <a:fillRect/>
-          </a:stretch>
-        </p:blipFill>
-        <p:spPr>
-          <a:xfrm>
-            <a:off x="9395926" y="6257770"/>
-            <a:ext cx="2796073" cy="600230"/>
-          </a:xfrm>
-          <a:prstGeom prst="rect">
-            <a:avLst/>
-          </a:prstGeom>
-        </p:spPr>
-      </p:pic>
-      <p:sp>
-        <p:nvSpPr>
-          <p:cNvPr id="8" name="Rectangle 7">
-            <a:extLst>
-              <a:ext uri="{FF2B5EF4-FFF2-40B4-BE49-F238E27FC236}">
-                <a16:creationId xmlns:a16="http://schemas.microsoft.com/office/drawing/2014/main" id="{FCF996CB-F368-4F5C-9EAF-4B0E08A7DC95}"/>
-              </a:ext>
-            </a:extLst>
-          </p:cNvPr>
-          <p:cNvSpPr/>
-          <p:nvPr/>
-        </p:nvSpPr>
-        <p:spPr>
-          <a:xfrm>
-            <a:off x="0" y="0"/>
-            <a:ext cx="12191999" cy="755780"/>
-          </a:xfrm>
-          <a:prstGeom prst="rect">
-            <a:avLst/>
-          </a:prstGeom>
-          <a:solidFill>
-            <a:srgbClr val="61A53A"/>
-          </a:solidFill>
-          <a:ln>
-            <a:noFill/>
-          </a:ln>
-        </p:spPr>
-        <p:style>
-          <a:lnRef idx="2">
-            <a:schemeClr val="accent1">
-              <a:shade val="50000"/>
-            </a:schemeClr>
-          </a:lnRef>
-          <a:fillRef idx="1">
-            <a:schemeClr val="accent1"/>
-          </a:fillRef>
-          <a:effectRef idx="0">
-            <a:schemeClr val="accent1"/>
-          </a:effectRef>
-          <a:fontRef idx="minor">
-            <a:schemeClr val="lt1"/>
-          </a:fontRef>
-        </p:style>
-        <p:txBody>
-          <a:bodyPr rtlCol="0" anchor="ctr"/>
-          <a:lstStyle/>
-          <a:p>
-            <a:pPr algn="ctr"/>
-            <a:endParaRPr lang="fr-FR"/>
-          </a:p>
-        </p:txBody>
-      </p:sp>
-      <p:grpSp>
-        <p:nvGrpSpPr>
-          <p:cNvPr id="29" name="Groupe 28">
-            <a:extLst>
-              <a:ext uri="{FF2B5EF4-FFF2-40B4-BE49-F238E27FC236}">
-                <a16:creationId xmlns:a16="http://schemas.microsoft.com/office/drawing/2014/main" id="{9A649E15-B5A0-4D14-82D6-F2D50410A646}"/>
-              </a:ext>
-            </a:extLst>
-          </p:cNvPr>
-          <p:cNvGrpSpPr/>
-          <p:nvPr/>
-        </p:nvGrpSpPr>
-        <p:grpSpPr>
-          <a:xfrm>
-            <a:off x="389204" y="147058"/>
-            <a:ext cx="11413592" cy="461665"/>
-            <a:chOff x="389204" y="147058"/>
-            <a:chExt cx="11413592" cy="461665"/>
-          </a:xfrm>
-        </p:grpSpPr>
-        <p:sp>
-          <p:nvSpPr>
-            <p:cNvPr id="13" name="ZoneTexte 12">
-              <a:extLst>
-                <a:ext uri="{FF2B5EF4-FFF2-40B4-BE49-F238E27FC236}">
-                  <a16:creationId xmlns:a16="http://schemas.microsoft.com/office/drawing/2014/main" id="{30AAF4A8-CF22-44A6-8F3F-A384FBBEC01E}"/>
-                </a:ext>
-              </a:extLst>
-            </p:cNvPr>
-            <p:cNvSpPr txBox="1"/>
-            <p:nvPr/>
-          </p:nvSpPr>
-          <p:spPr>
-            <a:xfrm>
-              <a:off x="389204" y="177835"/>
-              <a:ext cx="1501373" cy="400110"/>
-            </a:xfrm>
-            <a:prstGeom prst="rect">
-              <a:avLst/>
-            </a:prstGeom>
-            <a:noFill/>
-          </p:spPr>
-          <p:txBody>
-            <a:bodyPr wrap="none" rtlCol="0" anchor="ctr">
-              <a:spAutoFit/>
-            </a:bodyPr>
-            <a:lstStyle/>
-            <a:p>
-              <a:pPr algn="ctr"/>
-              <a:r>
-                <a:rPr lang="fr-FR" sz="2000" cap="small" dirty="0">
-                  <a:solidFill>
-                    <a:schemeClr val="bg1"/>
-                  </a:solidFill>
-                  <a:latin typeface="+mj-lt"/>
-                </a:rPr>
-                <a:t>Introduction</a:t>
-              </a:r>
-              <a:endParaRPr lang="fr-FR" cap="small" dirty="0">
-                <a:solidFill>
-                  <a:schemeClr val="bg1"/>
-                </a:solidFill>
-                <a:latin typeface="+mj-lt"/>
-              </a:endParaRPr>
-            </a:p>
-          </p:txBody>
-        </p:sp>
-        <p:pic>
-          <p:nvPicPr>
-            <p:cNvPr id="12" name="Graphique 11" descr="Fleur">
-              <a:extLst>
-                <a:ext uri="{FF2B5EF4-FFF2-40B4-BE49-F238E27FC236}">
-                  <a16:creationId xmlns:a16="http://schemas.microsoft.com/office/drawing/2014/main" id="{4D2C7DCA-0FD4-4E8F-8777-D23655D95F5D}"/>
-                </a:ext>
-              </a:extLst>
-            </p:cNvPr>
-            <p:cNvPicPr>
-              <a:picLocks noChangeAspect="1"/>
-            </p:cNvPicPr>
-            <p:nvPr/>
-          </p:nvPicPr>
-          <p:blipFill>
-            <a:blip r:embed="rId3">
-              <a:extLst>
-                <a:ext uri="{28A0092B-C50C-407E-A947-70E740481C1C}">
-                  <a14:useLocalDpi xmlns:a14="http://schemas.microsoft.com/office/drawing/2010/main" val="0"/>
-                </a:ext>
-                <a:ext uri="{96DAC541-7B7A-43D3-8B79-37D633B846F1}">
-                  <asvg:svgBlip xmlns:asvg="http://schemas.microsoft.com/office/drawing/2016/SVG/main" r:embed="rId4"/>
-                </a:ext>
-              </a:extLst>
-            </a:blip>
-            <a:stretch>
-              <a:fillRect/>
-            </a:stretch>
-          </p:blipFill>
-          <p:spPr>
-            <a:xfrm>
-              <a:off x="2340732" y="220825"/>
-              <a:ext cx="314130" cy="314130"/>
-            </a:xfrm>
-            <a:prstGeom prst="rect">
-              <a:avLst/>
-            </a:prstGeom>
-          </p:spPr>
-        </p:pic>
-        <p:sp>
-          <p:nvSpPr>
-            <p:cNvPr id="14" name="ZoneTexte 13">
-              <a:extLst>
-                <a:ext uri="{FF2B5EF4-FFF2-40B4-BE49-F238E27FC236}">
-                  <a16:creationId xmlns:a16="http://schemas.microsoft.com/office/drawing/2014/main" id="{055EB385-473B-4778-87DC-34E03CAF3376}"/>
-                </a:ext>
-              </a:extLst>
-            </p:cNvPr>
-            <p:cNvSpPr txBox="1"/>
-            <p:nvPr/>
-          </p:nvSpPr>
-          <p:spPr>
-            <a:xfrm>
-              <a:off x="3105017" y="177835"/>
-              <a:ext cx="1030667" cy="400110"/>
-            </a:xfrm>
-            <a:prstGeom prst="rect">
-              <a:avLst/>
-            </a:prstGeom>
-            <a:noFill/>
-          </p:spPr>
-          <p:txBody>
-            <a:bodyPr wrap="none" rtlCol="0" anchor="ctr">
-              <a:spAutoFit/>
-            </a:bodyPr>
-            <a:lstStyle/>
-            <a:p>
-              <a:pPr algn="ctr"/>
-              <a:r>
-                <a:rPr lang="fr-FR" sz="2000" cap="small" dirty="0">
-                  <a:solidFill>
-                    <a:schemeClr val="bg1"/>
-                  </a:solidFill>
-                  <a:latin typeface="+mj-lt"/>
-                </a:rPr>
-                <a:t>Données</a:t>
-              </a:r>
-              <a:endParaRPr lang="fr-FR" cap="small" dirty="0">
-                <a:solidFill>
-                  <a:schemeClr val="bg1"/>
-                </a:solidFill>
-                <a:latin typeface="+mj-lt"/>
-              </a:endParaRPr>
-            </a:p>
-          </p:txBody>
-        </p:sp>
-        <p:pic>
-          <p:nvPicPr>
-            <p:cNvPr id="15" name="Graphique 14" descr="Fleur">
-              <a:extLst>
-                <a:ext uri="{FF2B5EF4-FFF2-40B4-BE49-F238E27FC236}">
-                  <a16:creationId xmlns:a16="http://schemas.microsoft.com/office/drawing/2014/main" id="{4E4EE84B-1256-4284-984F-657605E30A13}"/>
-                </a:ext>
-              </a:extLst>
-            </p:cNvPr>
-            <p:cNvPicPr>
-              <a:picLocks noChangeAspect="1"/>
-            </p:cNvPicPr>
-            <p:nvPr/>
-          </p:nvPicPr>
-          <p:blipFill>
-            <a:blip r:embed="rId3">
-              <a:extLst>
-                <a:ext uri="{28A0092B-C50C-407E-A947-70E740481C1C}">
-                  <a14:useLocalDpi xmlns:a14="http://schemas.microsoft.com/office/drawing/2010/main" val="0"/>
-                </a:ext>
-                <a:ext uri="{96DAC541-7B7A-43D3-8B79-37D633B846F1}">
-                  <asvg:svgBlip xmlns:asvg="http://schemas.microsoft.com/office/drawing/2016/SVG/main" r:embed="rId4"/>
-                </a:ext>
-              </a:extLst>
-            </a:blip>
-            <a:stretch>
-              <a:fillRect/>
-            </a:stretch>
-          </p:blipFill>
-          <p:spPr>
-            <a:xfrm>
-              <a:off x="4585839" y="220825"/>
-              <a:ext cx="314130" cy="314130"/>
-            </a:xfrm>
-            <a:prstGeom prst="rect">
-              <a:avLst/>
-            </a:prstGeom>
-          </p:spPr>
-        </p:pic>
-        <p:sp>
-          <p:nvSpPr>
-            <p:cNvPr id="16" name="ZoneTexte 15">
-              <a:extLst>
-                <a:ext uri="{FF2B5EF4-FFF2-40B4-BE49-F238E27FC236}">
-                  <a16:creationId xmlns:a16="http://schemas.microsoft.com/office/drawing/2014/main" id="{05AAF3AF-AAF3-472E-919C-52585E78C58C}"/>
-                </a:ext>
-              </a:extLst>
-            </p:cNvPr>
-            <p:cNvSpPr txBox="1"/>
-            <p:nvPr/>
-          </p:nvSpPr>
-          <p:spPr>
-            <a:xfrm>
-              <a:off x="5350124" y="177835"/>
-              <a:ext cx="1617559" cy="400110"/>
-            </a:xfrm>
-            <a:prstGeom prst="rect">
-              <a:avLst/>
-            </a:prstGeom>
-            <a:noFill/>
-          </p:spPr>
-          <p:txBody>
-            <a:bodyPr wrap="none" rtlCol="0" anchor="ctr">
-              <a:spAutoFit/>
-            </a:bodyPr>
-            <a:lstStyle/>
-            <a:p>
-              <a:pPr algn="ctr"/>
-              <a:r>
-                <a:rPr lang="fr-FR" sz="2000" cap="small" dirty="0">
-                  <a:solidFill>
-                    <a:schemeClr val="bg1"/>
-                  </a:solidFill>
-                  <a:latin typeface="+mj-lt"/>
-                </a:rPr>
-                <a:t>Méthodologie</a:t>
-              </a:r>
-              <a:endParaRPr lang="fr-FR" cap="small" dirty="0">
-                <a:solidFill>
-                  <a:schemeClr val="bg1"/>
-                </a:solidFill>
-                <a:latin typeface="+mj-lt"/>
-              </a:endParaRPr>
-            </a:p>
-          </p:txBody>
-        </p:sp>
-        <p:pic>
-          <p:nvPicPr>
-            <p:cNvPr id="17" name="Graphique 16" descr="Fleur">
-              <a:extLst>
-                <a:ext uri="{FF2B5EF4-FFF2-40B4-BE49-F238E27FC236}">
-                  <a16:creationId xmlns:a16="http://schemas.microsoft.com/office/drawing/2014/main" id="{43CE3428-5A9A-496D-9BC4-E0DA18424B35}"/>
-                </a:ext>
-              </a:extLst>
-            </p:cNvPr>
-            <p:cNvPicPr>
-              <a:picLocks noChangeAspect="1"/>
-            </p:cNvPicPr>
-            <p:nvPr/>
-          </p:nvPicPr>
-          <p:blipFill>
-            <a:blip r:embed="rId3">
-              <a:extLst>
-                <a:ext uri="{28A0092B-C50C-407E-A947-70E740481C1C}">
-                  <a14:useLocalDpi xmlns:a14="http://schemas.microsoft.com/office/drawing/2010/main" val="0"/>
-                </a:ext>
-                <a:ext uri="{96DAC541-7B7A-43D3-8B79-37D633B846F1}">
-                  <asvg:svgBlip xmlns:asvg="http://schemas.microsoft.com/office/drawing/2016/SVG/main" r:embed="rId4"/>
-                </a:ext>
-              </a:extLst>
-            </a:blip>
-            <a:stretch>
-              <a:fillRect/>
-            </a:stretch>
-          </p:blipFill>
-          <p:spPr>
-            <a:xfrm>
-              <a:off x="7417838" y="220825"/>
-              <a:ext cx="314130" cy="314130"/>
-            </a:xfrm>
-            <a:prstGeom prst="rect">
-              <a:avLst/>
-            </a:prstGeom>
-          </p:spPr>
-        </p:pic>
-        <p:sp>
-          <p:nvSpPr>
-            <p:cNvPr id="18" name="ZoneTexte 17">
-              <a:extLst>
-                <a:ext uri="{FF2B5EF4-FFF2-40B4-BE49-F238E27FC236}">
-                  <a16:creationId xmlns:a16="http://schemas.microsoft.com/office/drawing/2014/main" id="{3EDA8A79-7905-4A01-80F7-4B3C4D31FB86}"/>
-                </a:ext>
-              </a:extLst>
-            </p:cNvPr>
-            <p:cNvSpPr txBox="1"/>
-            <p:nvPr/>
-          </p:nvSpPr>
-          <p:spPr>
-            <a:xfrm>
-              <a:off x="8102999" y="147058"/>
-              <a:ext cx="1246623" cy="461665"/>
-            </a:xfrm>
-            <a:prstGeom prst="rect">
-              <a:avLst/>
-            </a:prstGeom>
-            <a:noFill/>
-          </p:spPr>
-          <p:txBody>
-            <a:bodyPr wrap="none" rtlCol="0" anchor="ctr">
-              <a:spAutoFit/>
-            </a:bodyPr>
-            <a:lstStyle/>
-            <a:p>
-              <a:pPr algn="ctr"/>
-              <a:r>
-                <a:rPr lang="fr-FR" sz="2400" b="1" cap="small" dirty="0">
-                  <a:solidFill>
-                    <a:schemeClr val="bg1"/>
-                  </a:solidFill>
-                  <a:latin typeface="+mj-lt"/>
-                </a:rPr>
-                <a:t>Résultats</a:t>
-              </a:r>
-              <a:endParaRPr lang="fr-FR" b="1" cap="small" dirty="0">
-                <a:solidFill>
-                  <a:schemeClr val="bg1"/>
-                </a:solidFill>
-                <a:latin typeface="+mj-lt"/>
-              </a:endParaRPr>
-            </a:p>
-          </p:txBody>
-        </p:sp>
-        <p:pic>
-          <p:nvPicPr>
-            <p:cNvPr id="19" name="Graphique 18" descr="Fleur">
-              <a:extLst>
-                <a:ext uri="{FF2B5EF4-FFF2-40B4-BE49-F238E27FC236}">
-                  <a16:creationId xmlns:a16="http://schemas.microsoft.com/office/drawing/2014/main" id="{E97D50FA-1726-4AFB-9CDC-0B4A9E8C6087}"/>
-                </a:ext>
-              </a:extLst>
-            </p:cNvPr>
-            <p:cNvPicPr>
-              <a:picLocks noChangeAspect="1"/>
-            </p:cNvPicPr>
-            <p:nvPr/>
-          </p:nvPicPr>
-          <p:blipFill>
-            <a:blip r:embed="rId3">
-              <a:extLst>
-                <a:ext uri="{28A0092B-C50C-407E-A947-70E740481C1C}">
-                  <a14:useLocalDpi xmlns:a14="http://schemas.microsoft.com/office/drawing/2010/main" val="0"/>
-                </a:ext>
-                <a:ext uri="{96DAC541-7B7A-43D3-8B79-37D633B846F1}">
-                  <asvg:svgBlip xmlns:asvg="http://schemas.microsoft.com/office/drawing/2016/SVG/main" r:embed="rId4"/>
-                </a:ext>
-              </a:extLst>
-            </a:blip>
-            <a:stretch>
-              <a:fillRect/>
-            </a:stretch>
-          </p:blipFill>
-          <p:spPr>
-            <a:xfrm>
-              <a:off x="9720653" y="220825"/>
-              <a:ext cx="314130" cy="314130"/>
-            </a:xfrm>
-            <a:prstGeom prst="rect">
-              <a:avLst/>
-            </a:prstGeom>
-          </p:spPr>
-        </p:pic>
-        <p:sp>
-          <p:nvSpPr>
-            <p:cNvPr id="20" name="ZoneTexte 19">
-              <a:extLst>
-                <a:ext uri="{FF2B5EF4-FFF2-40B4-BE49-F238E27FC236}">
-                  <a16:creationId xmlns:a16="http://schemas.microsoft.com/office/drawing/2014/main" id="{AEBF759D-5C10-429A-9FF9-D4F831590151}"/>
-                </a:ext>
-              </a:extLst>
-            </p:cNvPr>
-            <p:cNvSpPr txBox="1"/>
-            <p:nvPr/>
-          </p:nvSpPr>
-          <p:spPr>
-            <a:xfrm>
-              <a:off x="10484935" y="177835"/>
-              <a:ext cx="1317861" cy="400110"/>
-            </a:xfrm>
-            <a:prstGeom prst="rect">
-              <a:avLst/>
-            </a:prstGeom>
-            <a:noFill/>
-          </p:spPr>
-          <p:txBody>
-            <a:bodyPr wrap="none" rtlCol="0" anchor="ctr">
-              <a:spAutoFit/>
-            </a:bodyPr>
-            <a:lstStyle/>
-            <a:p>
-              <a:pPr algn="ctr"/>
-              <a:r>
-                <a:rPr lang="fr-FR" sz="2000" cap="small" dirty="0">
-                  <a:solidFill>
-                    <a:schemeClr val="bg1"/>
-                  </a:solidFill>
-                  <a:latin typeface="+mj-lt"/>
-                </a:rPr>
-                <a:t>Conclusion</a:t>
-              </a:r>
-              <a:endParaRPr lang="fr-FR" cap="small" dirty="0">
-                <a:solidFill>
-                  <a:schemeClr val="bg1"/>
-                </a:solidFill>
-                <a:latin typeface="+mj-lt"/>
-              </a:endParaRPr>
-            </a:p>
-          </p:txBody>
-        </p:sp>
-      </p:grpSp>
-      <p:grpSp>
-        <p:nvGrpSpPr>
-          <p:cNvPr id="26" name="Groupe 25">
-            <a:extLst>
-              <a:ext uri="{FF2B5EF4-FFF2-40B4-BE49-F238E27FC236}">
-                <a16:creationId xmlns:a16="http://schemas.microsoft.com/office/drawing/2014/main" id="{B2F83180-81D8-4A5B-83FA-8D7CC6416E60}"/>
-              </a:ext>
-            </a:extLst>
-          </p:cNvPr>
-          <p:cNvGrpSpPr/>
-          <p:nvPr/>
-        </p:nvGrpSpPr>
-        <p:grpSpPr>
-          <a:xfrm>
-            <a:off x="0" y="6366187"/>
-            <a:ext cx="518003" cy="518003"/>
-            <a:chOff x="0" y="6339996"/>
-            <a:chExt cx="518003" cy="518003"/>
-          </a:xfrm>
-        </p:grpSpPr>
-        <p:pic>
-          <p:nvPicPr>
-            <p:cNvPr id="27" name="Graphique 26" descr="Arbre à feuilles caduques">
-              <a:extLst>
-                <a:ext uri="{FF2B5EF4-FFF2-40B4-BE49-F238E27FC236}">
-                  <a16:creationId xmlns:a16="http://schemas.microsoft.com/office/drawing/2014/main" id="{043EB72D-1EA5-403D-9660-50EB39ACFC27}"/>
-                </a:ext>
-              </a:extLst>
-            </p:cNvPr>
-            <p:cNvPicPr>
-              <a:picLocks noChangeAspect="1"/>
-            </p:cNvPicPr>
-            <p:nvPr/>
-          </p:nvPicPr>
-          <p:blipFill>
-            <a:blip r:embed="rId5">
-              <a:extLst>
-                <a:ext uri="{28A0092B-C50C-407E-A947-70E740481C1C}">
-                  <a14:useLocalDpi xmlns:a14="http://schemas.microsoft.com/office/drawing/2010/main" val="0"/>
-                </a:ext>
-                <a:ext uri="{96DAC541-7B7A-43D3-8B79-37D633B846F1}">
-                  <asvg:svgBlip xmlns:asvg="http://schemas.microsoft.com/office/drawing/2016/SVG/main" r:embed="rId6"/>
-                </a:ext>
-              </a:extLst>
-            </a:blip>
-            <a:stretch>
-              <a:fillRect/>
-            </a:stretch>
-          </p:blipFill>
-          <p:spPr>
-            <a:xfrm>
-              <a:off x="0" y="6339996"/>
-              <a:ext cx="518003" cy="518003"/>
-            </a:xfrm>
-            <a:prstGeom prst="rect">
-              <a:avLst/>
-            </a:prstGeom>
-          </p:spPr>
-        </p:pic>
-        <p:sp>
-          <p:nvSpPr>
-            <p:cNvPr id="28" name="ZoneTexte 27">
-              <a:extLst>
-                <a:ext uri="{FF2B5EF4-FFF2-40B4-BE49-F238E27FC236}">
-                  <a16:creationId xmlns:a16="http://schemas.microsoft.com/office/drawing/2014/main" id="{728E55B0-8123-427C-89D9-BBDCEF7530D2}"/>
-                </a:ext>
-              </a:extLst>
-            </p:cNvPr>
-            <p:cNvSpPr txBox="1"/>
-            <p:nvPr/>
-          </p:nvSpPr>
-          <p:spPr>
-            <a:xfrm>
-              <a:off x="120982" y="6353914"/>
-              <a:ext cx="276038" cy="307777"/>
-            </a:xfrm>
-            <a:prstGeom prst="rect">
-              <a:avLst/>
-            </a:prstGeom>
-            <a:noFill/>
-          </p:spPr>
-          <p:txBody>
-            <a:bodyPr wrap="none" rtlCol="0">
-              <a:spAutoFit/>
-            </a:bodyPr>
-            <a:lstStyle/>
-            <a:p>
-              <a:pPr algn="ctr"/>
-              <a:fld id="{1851A6C7-A760-4DF3-8B19-92C1B6E4E80A}" type="slidenum">
-                <a:rPr lang="fr-FR" sz="1400" b="1" cap="small" smtClean="0">
-                  <a:solidFill>
-                    <a:schemeClr val="bg1"/>
-                  </a:solidFill>
-                  <a:latin typeface="+mj-lt"/>
-                </a:rPr>
-                <a:pPr algn="ctr"/>
-                <a:t>9</a:t>
-              </a:fld>
-              <a:endParaRPr lang="fr-FR" sz="1400" b="1" cap="small" dirty="0">
-                <a:solidFill>
-                  <a:schemeClr val="bg1"/>
-                </a:solidFill>
-                <a:latin typeface="+mj-lt"/>
-              </a:endParaRPr>
-            </a:p>
-          </p:txBody>
-        </p:sp>
-      </p:grpSp>
-      <p:sp>
-        <p:nvSpPr>
-          <p:cNvPr id="21" name="ZoneTexte 20">
-            <a:extLst>
-              <a:ext uri="{FF2B5EF4-FFF2-40B4-BE49-F238E27FC236}">
-                <a16:creationId xmlns:a16="http://schemas.microsoft.com/office/drawing/2014/main" id="{9A3583B9-D707-40A2-BB99-15A51867E2AE}"/>
-              </a:ext>
-            </a:extLst>
-          </p:cNvPr>
-          <p:cNvSpPr txBox="1"/>
-          <p:nvPr/>
-        </p:nvSpPr>
-        <p:spPr>
-          <a:xfrm>
-            <a:off x="961052" y="1121167"/>
-            <a:ext cx="3515001" cy="461665"/>
-          </a:xfrm>
-          <a:prstGeom prst="rect">
-            <a:avLst/>
-          </a:prstGeom>
-          <a:noFill/>
-        </p:spPr>
-        <p:txBody>
-          <a:bodyPr wrap="none" rtlCol="0">
-            <a:spAutoFit/>
-          </a:bodyPr>
-          <a:lstStyle/>
-          <a:p>
-            <a:r>
-              <a:rPr lang="fr-FR" sz="2400" cap="small" dirty="0">
-                <a:latin typeface="+mj-lt"/>
-              </a:rPr>
-              <a:t>Confrontation des résultats</a:t>
-            </a:r>
-            <a:endParaRPr lang="fr-FR" sz="2000" cap="small" dirty="0">
-              <a:latin typeface="+mj-lt"/>
-            </a:endParaRPr>
-          </a:p>
-        </p:txBody>
-      </p:sp>
-      <p:sp>
-        <p:nvSpPr>
-          <p:cNvPr id="23" name="ZoneTexte 22">
-            <a:extLst>
-              <a:ext uri="{FF2B5EF4-FFF2-40B4-BE49-F238E27FC236}">
-                <a16:creationId xmlns:a16="http://schemas.microsoft.com/office/drawing/2014/main" id="{8E01B494-50FE-46B4-A84F-859920A3792D}"/>
-              </a:ext>
-            </a:extLst>
-          </p:cNvPr>
-          <p:cNvSpPr txBox="1"/>
-          <p:nvPr/>
-        </p:nvSpPr>
-        <p:spPr>
-          <a:xfrm>
-            <a:off x="961052" y="1822385"/>
-            <a:ext cx="1031051" cy="3814890"/>
-          </a:xfrm>
-          <a:prstGeom prst="rect">
-            <a:avLst/>
-          </a:prstGeom>
-          <a:noFill/>
-        </p:spPr>
-        <p:txBody>
-          <a:bodyPr wrap="none" rtlCol="0">
-            <a:spAutoFit/>
-          </a:bodyPr>
-          <a:lstStyle/>
-          <a:p>
-            <a:pPr marL="457200" indent="-457200">
-              <a:lnSpc>
-                <a:spcPct val="250000"/>
-              </a:lnSpc>
-              <a:buFont typeface="Arial" panose="020B0604020202020204" pitchFamily="34" charset="0"/>
-              <a:buChar char="•"/>
-            </a:pPr>
-            <a:r>
-              <a:rPr lang="fr-FR" sz="2000" dirty="0">
-                <a:latin typeface="+mj-lt"/>
-              </a:rPr>
-              <a:t>___</a:t>
-            </a:r>
-          </a:p>
-          <a:p>
-            <a:pPr marL="457200" indent="-457200">
-              <a:lnSpc>
-                <a:spcPct val="250000"/>
-              </a:lnSpc>
-              <a:buFont typeface="Arial" panose="020B0604020202020204" pitchFamily="34" charset="0"/>
-              <a:buChar char="•"/>
-            </a:pPr>
-            <a:r>
-              <a:rPr lang="fr-FR" sz="2000" dirty="0">
-                <a:latin typeface="+mj-lt"/>
-              </a:rPr>
-              <a:t>___</a:t>
-            </a:r>
-          </a:p>
-          <a:p>
-            <a:pPr marL="457200" indent="-457200">
-              <a:lnSpc>
-                <a:spcPct val="250000"/>
-              </a:lnSpc>
-              <a:buFont typeface="Arial" panose="020B0604020202020204" pitchFamily="34" charset="0"/>
-              <a:buChar char="•"/>
-            </a:pPr>
-            <a:r>
-              <a:rPr lang="fr-FR" sz="2000" dirty="0">
-                <a:latin typeface="+mj-lt"/>
-              </a:rPr>
-              <a:t>___</a:t>
-            </a:r>
-          </a:p>
-          <a:p>
-            <a:pPr marL="457200" indent="-457200">
-              <a:lnSpc>
-                <a:spcPct val="250000"/>
-              </a:lnSpc>
-              <a:buFont typeface="Arial" panose="020B0604020202020204" pitchFamily="34" charset="0"/>
-              <a:buChar char="•"/>
-            </a:pPr>
-            <a:r>
-              <a:rPr lang="fr-FR" sz="2000" dirty="0">
-                <a:latin typeface="+mj-lt"/>
-              </a:rPr>
-              <a:t>__</a:t>
-            </a:r>
-          </a:p>
-          <a:p>
-            <a:pPr marL="457200" indent="-457200">
-              <a:lnSpc>
-                <a:spcPct val="250000"/>
-              </a:lnSpc>
-              <a:buFont typeface="Arial" panose="020B0604020202020204" pitchFamily="34" charset="0"/>
-              <a:buChar char="•"/>
-            </a:pPr>
-            <a:endParaRPr lang="fr-FR" sz="2000" dirty="0">
-              <a:latin typeface="+mj-lt"/>
-            </a:endParaRPr>
-          </a:p>
-        </p:txBody>
-      </p:sp>
-      <p:pic>
-        <p:nvPicPr>
-          <p:cNvPr id="7" name="Image 6">
-            <a:extLst>
-              <a:ext uri="{FF2B5EF4-FFF2-40B4-BE49-F238E27FC236}">
-                <a16:creationId xmlns:a16="http://schemas.microsoft.com/office/drawing/2014/main" id="{4954E5B8-3EC0-442D-B069-315C54F7AC46}"/>
-              </a:ext>
-            </a:extLst>
-          </p:cNvPr>
-          <p:cNvPicPr>
-            <a:picLocks noChangeAspect="1"/>
-          </p:cNvPicPr>
-          <p:nvPr/>
-        </p:nvPicPr>
-        <p:blipFill>
-          <a:blip r:embed="rId7">
-            <a:extLst>
-              <a:ext uri="{28A0092B-C50C-407E-A947-70E740481C1C}">
-                <a14:useLocalDpi xmlns:a14="http://schemas.microsoft.com/office/drawing/2010/main" val="0"/>
-              </a:ext>
-            </a:extLst>
-          </a:blip>
-          <a:stretch>
-            <a:fillRect/>
-          </a:stretch>
-        </p:blipFill>
-        <p:spPr>
-          <a:xfrm>
-            <a:off x="6621361" y="1822385"/>
-            <a:ext cx="5181435" cy="3454289"/>
-          </a:xfrm>
-          <a:prstGeom prst="rect">
-            <a:avLst/>
-          </a:prstGeom>
-        </p:spPr>
-      </p:pic>
-    </p:spTree>
-    <p:extLst>
-      <p:ext uri="{BB962C8B-B14F-4D97-AF65-F5344CB8AC3E}">
-        <p14:creationId xmlns:p14="http://schemas.microsoft.com/office/powerpoint/2010/main" val="4099971760"/>
+        <p14:creationId xmlns:p14="http://schemas.microsoft.com/office/powerpoint/2010/main" val="702948110"/>
       </p:ext>
     </p:extLst>
   </p:cSld>

--- a/presentation.pptx
+++ b/presentation.pptx
@@ -3557,6 +3557,208 @@
           <a:chExt cx="0" cy="0"/>
         </a:xfrm>
       </p:grpSpPr>
+      <p:sp>
+        <p:nvSpPr>
+          <p:cNvPr id="2" name="ZoneTexte 1">
+            <a:extLst>
+              <a:ext uri="{FF2B5EF4-FFF2-40B4-BE49-F238E27FC236}">
+                <a16:creationId xmlns:a16="http://schemas.microsoft.com/office/drawing/2014/main" id="{F1161A36-B97B-4F54-8155-8FE921DBA68B}"/>
+              </a:ext>
+            </a:extLst>
+          </p:cNvPr>
+          <p:cNvSpPr txBox="1"/>
+          <p:nvPr/>
+        </p:nvSpPr>
+        <p:spPr>
+          <a:xfrm>
+            <a:off x="960619" y="2157391"/>
+            <a:ext cx="10926067" cy="3077766"/>
+          </a:xfrm>
+          <a:prstGeom prst="rect">
+            <a:avLst/>
+          </a:prstGeom>
+          <a:noFill/>
+        </p:spPr>
+        <p:txBody>
+          <a:bodyPr wrap="square" rtlCol="0">
+            <a:spAutoFit/>
+          </a:bodyPr>
+          <a:lstStyle/>
+          <a:p>
+            <a:pPr marL="285750" indent="-285750">
+              <a:buFont typeface="Arial" panose="020B0604020202020204" pitchFamily="34" charset="0"/>
+              <a:buChar char="•"/>
+            </a:pPr>
+            <a:r>
+              <a:rPr lang="fr-FR" sz="2000" dirty="0">
+                <a:latin typeface="+mj-lt"/>
+              </a:rPr>
+              <a:t>Faible diversité d’images (Image test pas assez ressemblantes au jeu de données train)</a:t>
+            </a:r>
+          </a:p>
+          <a:p>
+            <a:pPr marL="742950" lvl="1" indent="-285750">
+              <a:buFont typeface="Wingdings" panose="05000000000000000000" pitchFamily="2" charset="2"/>
+              <a:buChar char="è"/>
+            </a:pPr>
+            <a:r>
+              <a:rPr lang="fr-FR" sz="1600" dirty="0">
+                <a:latin typeface="+mj-lt"/>
+                <a:sym typeface="Wingdings" panose="05000000000000000000" pitchFamily="2" charset="2"/>
+              </a:rPr>
+              <a:t>Autre : essentiellement des animaux dans la végétation, peut être confondu avec les données dans « Fleur »</a:t>
+            </a:r>
+          </a:p>
+          <a:p>
+            <a:pPr marL="742950" lvl="1" indent="-285750">
+              <a:buFont typeface="Wingdings" panose="05000000000000000000" pitchFamily="2" charset="2"/>
+              <a:buChar char="è"/>
+            </a:pPr>
+            <a:endParaRPr lang="fr-FR" sz="1600" dirty="0">
+              <a:latin typeface="+mj-lt"/>
+              <a:sym typeface="Wingdings" panose="05000000000000000000" pitchFamily="2" charset="2"/>
+            </a:endParaRPr>
+          </a:p>
+          <a:p>
+            <a:pPr marL="285750" indent="-285750">
+              <a:buFont typeface="Arial" panose="020B0604020202020204" pitchFamily="34" charset="0"/>
+              <a:buChar char="•"/>
+            </a:pPr>
+            <a:r>
+              <a:rPr lang="fr-FR" sz="2000" dirty="0">
+                <a:latin typeface="+mj-lt"/>
+                <a:sym typeface="Wingdings" panose="05000000000000000000" pitchFamily="2" charset="2"/>
+              </a:rPr>
+              <a:t>Images biaisées, mal rangées</a:t>
+            </a:r>
+          </a:p>
+          <a:p>
+            <a:pPr marL="742950" lvl="1" indent="-285750">
+              <a:buFont typeface="Wingdings" panose="05000000000000000000" pitchFamily="2" charset="2"/>
+              <a:buChar char="è"/>
+            </a:pPr>
+            <a:r>
+              <a:rPr lang="fr-FR" sz="1600" dirty="0">
+                <a:latin typeface="+mj-lt"/>
+                <a:sym typeface="Wingdings" panose="05000000000000000000" pitchFamily="2" charset="2"/>
+              </a:rPr>
+              <a:t>Les images prises dans des jeux de données n’ont pas été toutes passées en revue</a:t>
+            </a:r>
+          </a:p>
+          <a:p>
+            <a:pPr marL="742950" lvl="1" indent="-285750">
+              <a:buFont typeface="Wingdings" panose="05000000000000000000" pitchFamily="2" charset="2"/>
+              <a:buChar char="è"/>
+            </a:pPr>
+            <a:endParaRPr lang="fr-FR" dirty="0">
+              <a:sym typeface="Wingdings" panose="05000000000000000000" pitchFamily="2" charset="2"/>
+            </a:endParaRPr>
+          </a:p>
+          <a:p>
+            <a:pPr marL="285750" indent="-285750">
+              <a:buFont typeface="Arial" panose="020B0604020202020204" pitchFamily="34" charset="0"/>
+              <a:buChar char="•"/>
+            </a:pPr>
+            <a:r>
+              <a:rPr lang="fr-FR" sz="2000" dirty="0">
+                <a:latin typeface="+mj-lt"/>
+                <a:sym typeface="Wingdings" panose="05000000000000000000" pitchFamily="2" charset="2"/>
+              </a:rPr>
+              <a:t>Pas assez d’</a:t>
+            </a:r>
+            <a:r>
+              <a:rPr lang="fr-FR" sz="2000" dirty="0" err="1">
+                <a:latin typeface="+mj-lt"/>
+                <a:sym typeface="Wingdings" panose="05000000000000000000" pitchFamily="2" charset="2"/>
+              </a:rPr>
+              <a:t>epochs</a:t>
+            </a:r>
+            <a:r>
+              <a:rPr lang="fr-FR" sz="2000" dirty="0">
+                <a:latin typeface="+mj-lt"/>
+                <a:sym typeface="Wingdings" panose="05000000000000000000" pitchFamily="2" charset="2"/>
+              </a:rPr>
+              <a:t> ou architecture pas assez dense </a:t>
+            </a:r>
+          </a:p>
+          <a:p>
+            <a:pPr marL="742950" lvl="1" indent="-285750">
+              <a:buFont typeface="Wingdings" panose="05000000000000000000" pitchFamily="2" charset="2"/>
+              <a:buChar char="è"/>
+            </a:pPr>
+            <a:r>
+              <a:rPr lang="fr-FR" sz="1600" dirty="0">
+                <a:latin typeface="+mj-lt"/>
+                <a:sym typeface="Wingdings" panose="05000000000000000000" pitchFamily="2" charset="2"/>
+              </a:rPr>
+              <a:t>On voulait maximiser « </a:t>
+            </a:r>
+            <a:r>
+              <a:rPr lang="fr-FR" sz="1600" dirty="0" err="1">
+                <a:latin typeface="+mj-lt"/>
+                <a:sym typeface="Wingdings" panose="05000000000000000000" pitchFamily="2" charset="2"/>
+              </a:rPr>
+              <a:t>computing</a:t>
+            </a:r>
+            <a:r>
+              <a:rPr lang="fr-FR" sz="1600" dirty="0">
+                <a:latin typeface="+mj-lt"/>
+                <a:sym typeface="Wingdings" panose="05000000000000000000" pitchFamily="2" charset="2"/>
+              </a:rPr>
+              <a:t> time » (le temps d’entrainement du modèle et de validation) et « validation </a:t>
+            </a:r>
+            <a:r>
+              <a:rPr lang="fr-FR" sz="1600" dirty="0" err="1">
+                <a:latin typeface="+mj-lt"/>
+                <a:sym typeface="Wingdings" panose="05000000000000000000" pitchFamily="2" charset="2"/>
+              </a:rPr>
+              <a:t>accuracy</a:t>
+            </a:r>
+            <a:r>
+              <a:rPr lang="fr-FR" sz="1600" dirty="0">
+                <a:latin typeface="+mj-lt"/>
+                <a:sym typeface="Wingdings" panose="05000000000000000000" pitchFamily="2" charset="2"/>
+              </a:rPr>
+              <a:t>  »</a:t>
+            </a:r>
+          </a:p>
+          <a:p>
+            <a:pPr marL="742950" lvl="1" indent="-285750">
+              <a:buFont typeface="Wingdings" panose="05000000000000000000" pitchFamily="2" charset="2"/>
+              <a:buChar char="è"/>
+            </a:pPr>
+            <a:endParaRPr lang="fr-FR" sz="1600" dirty="0">
+              <a:latin typeface="+mj-lt"/>
+              <a:sym typeface="Wingdings" panose="05000000000000000000" pitchFamily="2" charset="2"/>
+            </a:endParaRPr>
+          </a:p>
+          <a:p>
+            <a:pPr marL="285750" indent="-285750">
+              <a:buFont typeface="Arial" panose="020B0604020202020204" pitchFamily="34" charset="0"/>
+              <a:buChar char="•"/>
+            </a:pPr>
+            <a:r>
+              <a:rPr lang="fr-FR" sz="2000" dirty="0">
+                <a:latin typeface="+mj-lt"/>
+              </a:rPr>
+              <a:t>Architecture pas adaptée</a:t>
+            </a:r>
+          </a:p>
+          <a:p>
+            <a:pPr lvl="1"/>
+            <a:r>
+              <a:rPr lang="fr-FR" sz="1600" dirty="0">
+                <a:latin typeface="+mj-lt"/>
+                <a:sym typeface="Wingdings" panose="05000000000000000000" pitchFamily="2" charset="2"/>
+              </a:rPr>
+              <a:t> On pourrait réutiliser des architectures spécialisées dans la classification de la flore</a:t>
+            </a:r>
+            <a:endParaRPr lang="fr-FR" sz="1600" dirty="0">
+              <a:latin typeface="+mj-lt"/>
+            </a:endParaRPr>
+          </a:p>
+        </p:txBody>
+      </p:sp>
       <p:pic>
         <p:nvPicPr>
           <p:cNvPr id="5" name="Image 4">
@@ -3660,9 +3862,9 @@
         <p:grpSpPr>
           <a:xfrm>
             <a:off x="389204" y="147058"/>
-            <a:ext cx="11526764" cy="461665"/>
+            <a:ext cx="11413592" cy="461665"/>
             <a:chOff x="389204" y="147058"/>
-            <a:chExt cx="11526764" cy="461665"/>
+            <a:chExt cx="11413592" cy="461665"/>
           </a:xfrm>
         </p:grpSpPr>
         <p:sp>
@@ -3937,8 +4139,94 @@
           </p:nvSpPr>
           <p:spPr>
             <a:xfrm>
-              <a:off x="8182123" y="177835"/>
-              <a:ext cx="1088375" cy="400110"/>
+              <a:off x="8102999" y="147058"/>
+              <a:ext cx="1246623" cy="461665"/>
+            </a:xfrm>
+            <a:prstGeom prst="rect">
+              <a:avLst/>
+            </a:prstGeom>
+            <a:noFill/>
+          </p:spPr>
+          <p:txBody>
+            <a:bodyPr wrap="none" rtlCol="0" anchor="ctr">
+              <a:spAutoFit/>
+            </a:bodyPr>
+            <a:lstStyle/>
+            <a:p>
+              <a:pPr algn="ctr"/>
+              <a:r>
+                <a:rPr lang="fr-FR" sz="2400" b="1" cap="small" dirty="0">
+                  <a:solidFill>
+                    <a:schemeClr val="bg1"/>
+                  </a:solidFill>
+                  <a:latin typeface="+mj-lt"/>
+                </a:rPr>
+                <a:t>Résultats</a:t>
+              </a:r>
+              <a:endParaRPr lang="fr-FR" sz="2000" b="1" cap="small" dirty="0">
+                <a:solidFill>
+                  <a:schemeClr val="bg1"/>
+                </a:solidFill>
+                <a:latin typeface="+mj-lt"/>
+              </a:endParaRPr>
+            </a:p>
+          </p:txBody>
+        </p:sp>
+        <p:pic>
+          <p:nvPicPr>
+            <p:cNvPr id="19" name="Graphique 18" descr="Fleur">
+              <a:extLst>
+                <a:ext uri="{FF2B5EF4-FFF2-40B4-BE49-F238E27FC236}">
+                  <a16:creationId xmlns:a16="http://schemas.microsoft.com/office/drawing/2014/main" id="{E97D50FA-1726-4AFB-9CDC-0B4A9E8C6087}"/>
+                </a:ext>
+              </a:extLst>
+            </p:cNvPr>
+            <p:cNvPicPr>
+              <a:picLocks noChangeAspect="1"/>
+            </p:cNvPicPr>
+            <p:nvPr/>
+          </p:nvPicPr>
+          <p:blipFill>
+            <a:blip r:embed="rId3">
+              <a:extLst>
+                <a:ext uri="{28A0092B-C50C-407E-A947-70E740481C1C}">
+                  <a14:useLocalDpi xmlns:a14="http://schemas.microsoft.com/office/drawing/2010/main" val="0"/>
+                </a:ext>
+                <a:ext uri="{96DAC541-7B7A-43D3-8B79-37D633B846F1}">
+                  <asvg:svgBlip xmlns:asvg="http://schemas.microsoft.com/office/drawing/2016/SVG/main" r:embed="rId4"/>
+                </a:ext>
+              </a:extLst>
+            </a:blip>
+            <a:stretch>
+              <a:fillRect/>
+            </a:stretch>
+          </p:blipFill>
+          <p:spPr>
+            <a:xfrm>
+              <a:off x="9720653" y="220825"/>
+              <a:ext cx="314130" cy="314130"/>
+            </a:xfrm>
+            <a:prstGeom prst="rect">
+              <a:avLst/>
+            </a:prstGeom>
+          </p:spPr>
+        </p:pic>
+        <p:sp>
+          <p:nvSpPr>
+            <p:cNvPr id="20" name="ZoneTexte 19">
+              <a:extLst>
+                <a:ext uri="{FF2B5EF4-FFF2-40B4-BE49-F238E27FC236}">
+                  <a16:creationId xmlns:a16="http://schemas.microsoft.com/office/drawing/2014/main" id="{AEBF759D-5C10-429A-9FF9-D4F831590151}"/>
+                </a:ext>
+              </a:extLst>
+            </p:cNvPr>
+            <p:cNvSpPr txBox="1"/>
+            <p:nvPr/>
+          </p:nvSpPr>
+          <p:spPr>
+            <a:xfrm>
+              <a:off x="10484935" y="177835"/>
+              <a:ext cx="1317861" cy="400110"/>
             </a:xfrm>
             <a:prstGeom prst="rect">
               <a:avLst/>
@@ -3959,100 +4247,8 @@
                   </a:solidFill>
                   <a:latin typeface="+mj-lt"/>
                 </a:rPr>
-                <a:t>Résultats</a:t>
-              </a:r>
-              <a:endParaRPr lang="fr-FR" cap="small" dirty="0">
-                <a:solidFill>
-                  <a:schemeClr val="bg1"/>
-                </a:solidFill>
-                <a:latin typeface="+mj-lt"/>
-              </a:endParaRPr>
-            </a:p>
-          </p:txBody>
-        </p:sp>
-        <p:pic>
-          <p:nvPicPr>
-            <p:cNvPr id="19" name="Graphique 18" descr="Fleur">
-              <a:extLst>
-                <a:ext uri="{FF2B5EF4-FFF2-40B4-BE49-F238E27FC236}">
-                  <a16:creationId xmlns:a16="http://schemas.microsoft.com/office/drawing/2014/main" id="{E97D50FA-1726-4AFB-9CDC-0B4A9E8C6087}"/>
-                </a:ext>
-              </a:extLst>
-            </p:cNvPr>
-            <p:cNvPicPr>
-              <a:picLocks noChangeAspect="1"/>
-            </p:cNvPicPr>
-            <p:nvPr/>
-          </p:nvPicPr>
-          <p:blipFill>
-            <a:blip r:embed="rId3">
-              <a:extLst>
-                <a:ext uri="{28A0092B-C50C-407E-A947-70E740481C1C}">
-                  <a14:useLocalDpi xmlns:a14="http://schemas.microsoft.com/office/drawing/2010/main" val="0"/>
-                </a:ext>
-                <a:ext uri="{96DAC541-7B7A-43D3-8B79-37D633B846F1}">
-                  <asvg:svgBlip xmlns:asvg="http://schemas.microsoft.com/office/drawing/2016/SVG/main" r:embed="rId4"/>
-                </a:ext>
-              </a:extLst>
-            </a:blip>
-            <a:stretch>
-              <a:fillRect/>
-            </a:stretch>
-          </p:blipFill>
-          <p:spPr>
-            <a:xfrm>
-              <a:off x="9720653" y="220825"/>
-              <a:ext cx="314130" cy="314130"/>
-            </a:xfrm>
-            <a:prstGeom prst="rect">
-              <a:avLst/>
-            </a:prstGeom>
-          </p:spPr>
-        </p:pic>
-        <p:sp>
-          <p:nvSpPr>
-            <p:cNvPr id="20" name="ZoneTexte 19">
-              <a:extLst>
-                <a:ext uri="{FF2B5EF4-FFF2-40B4-BE49-F238E27FC236}">
-                  <a16:creationId xmlns:a16="http://schemas.microsoft.com/office/drawing/2014/main" id="{AEBF759D-5C10-429A-9FF9-D4F831590151}"/>
-                </a:ext>
-              </a:extLst>
-            </p:cNvPr>
-            <p:cNvSpPr txBox="1"/>
-            <p:nvPr/>
-          </p:nvSpPr>
-          <p:spPr>
-            <a:xfrm>
-              <a:off x="10371764" y="147058"/>
-              <a:ext cx="1544204" cy="461665"/>
-            </a:xfrm>
-            <a:prstGeom prst="rect">
-              <a:avLst/>
-            </a:prstGeom>
-            <a:noFill/>
-          </p:spPr>
-          <p:txBody>
-            <a:bodyPr wrap="none" rtlCol="0" anchor="ctr">
-              <a:spAutoFit/>
-            </a:bodyPr>
-            <a:lstStyle/>
-            <a:p>
-              <a:pPr algn="ctr"/>
-              <a:r>
-                <a:rPr lang="fr-FR" sz="2400" cap="small" dirty="0">
-                  <a:solidFill>
-                    <a:schemeClr val="bg1"/>
-                  </a:solidFill>
-                  <a:latin typeface="+mj-lt"/>
-                </a:rPr>
                 <a:t>Conclusion</a:t>
               </a:r>
-              <a:endParaRPr lang="fr-FR" sz="2000" cap="small" dirty="0">
-                <a:solidFill>
-                  <a:schemeClr val="bg1"/>
-                </a:solidFill>
-                <a:latin typeface="+mj-lt"/>
-              </a:endParaRPr>
             </a:p>
           </p:txBody>
         </p:sp>
@@ -4165,208 +4361,6 @@
           </p:txBody>
         </p:sp>
       </p:grpSp>
-      <p:sp>
-        <p:nvSpPr>
-          <p:cNvPr id="2" name="ZoneTexte 1">
-            <a:extLst>
-              <a:ext uri="{FF2B5EF4-FFF2-40B4-BE49-F238E27FC236}">
-                <a16:creationId xmlns:a16="http://schemas.microsoft.com/office/drawing/2014/main" id="{F1161A36-B97B-4F54-8155-8FE921DBA68B}"/>
-              </a:ext>
-            </a:extLst>
-          </p:cNvPr>
-          <p:cNvSpPr txBox="1"/>
-          <p:nvPr/>
-        </p:nvSpPr>
-        <p:spPr>
-          <a:xfrm>
-            <a:off x="518003" y="2290195"/>
-            <a:ext cx="10926067" cy="3077766"/>
-          </a:xfrm>
-          <a:prstGeom prst="rect">
-            <a:avLst/>
-          </a:prstGeom>
-          <a:noFill/>
-        </p:spPr>
-        <p:txBody>
-          <a:bodyPr wrap="square" rtlCol="0">
-            <a:spAutoFit/>
-          </a:bodyPr>
-          <a:lstStyle/>
-          <a:p>
-            <a:pPr marL="285750" indent="-285750">
-              <a:buFont typeface="Arial" panose="020B0604020202020204" pitchFamily="34" charset="0"/>
-              <a:buChar char="•"/>
-            </a:pPr>
-            <a:r>
-              <a:rPr lang="fr-FR" sz="2000" dirty="0">
-                <a:latin typeface="+mj-lt"/>
-              </a:rPr>
-              <a:t>Faible diversité d’images (Image test trop pas assez ressemblantes au jeu de données train)</a:t>
-            </a:r>
-          </a:p>
-          <a:p>
-            <a:pPr marL="742950" lvl="1" indent="-285750">
-              <a:buFont typeface="Wingdings" panose="05000000000000000000" pitchFamily="2" charset="2"/>
-              <a:buChar char="è"/>
-            </a:pPr>
-            <a:r>
-              <a:rPr lang="fr-FR" sz="1600" dirty="0">
-                <a:latin typeface="+mj-lt"/>
-                <a:sym typeface="Wingdings" panose="05000000000000000000" pitchFamily="2" charset="2"/>
-              </a:rPr>
-              <a:t>Autre : essentiellement des animaux dans la végétation, peut être confondu avec les données dans « Fleur »</a:t>
-            </a:r>
-          </a:p>
-          <a:p>
-            <a:pPr marL="742950" lvl="1" indent="-285750">
-              <a:buFont typeface="Wingdings" panose="05000000000000000000" pitchFamily="2" charset="2"/>
-              <a:buChar char="è"/>
-            </a:pPr>
-            <a:endParaRPr lang="fr-FR" sz="1600" dirty="0">
-              <a:latin typeface="+mj-lt"/>
-              <a:sym typeface="Wingdings" panose="05000000000000000000" pitchFamily="2" charset="2"/>
-            </a:endParaRPr>
-          </a:p>
-          <a:p>
-            <a:pPr marL="285750" indent="-285750">
-              <a:buFont typeface="Arial" panose="020B0604020202020204" pitchFamily="34" charset="0"/>
-              <a:buChar char="•"/>
-            </a:pPr>
-            <a:r>
-              <a:rPr lang="fr-FR" sz="2000" dirty="0">
-                <a:latin typeface="+mj-lt"/>
-                <a:sym typeface="Wingdings" panose="05000000000000000000" pitchFamily="2" charset="2"/>
-              </a:rPr>
-              <a:t>Images biaisées, mal rangées</a:t>
-            </a:r>
-          </a:p>
-          <a:p>
-            <a:pPr marL="742950" lvl="1" indent="-285750">
-              <a:buFont typeface="Wingdings" panose="05000000000000000000" pitchFamily="2" charset="2"/>
-              <a:buChar char="è"/>
-            </a:pPr>
-            <a:r>
-              <a:rPr lang="fr-FR" sz="1600" dirty="0">
-                <a:latin typeface="+mj-lt"/>
-                <a:sym typeface="Wingdings" panose="05000000000000000000" pitchFamily="2" charset="2"/>
-              </a:rPr>
-              <a:t>Les images prises dans des jeux de données n’ont pas été toutes passées en revue</a:t>
-            </a:r>
-          </a:p>
-          <a:p>
-            <a:pPr marL="742950" lvl="1" indent="-285750">
-              <a:buFont typeface="Wingdings" panose="05000000000000000000" pitchFamily="2" charset="2"/>
-              <a:buChar char="è"/>
-            </a:pPr>
-            <a:endParaRPr lang="fr-FR" dirty="0">
-              <a:sym typeface="Wingdings" panose="05000000000000000000" pitchFamily="2" charset="2"/>
-            </a:endParaRPr>
-          </a:p>
-          <a:p>
-            <a:pPr marL="285750" indent="-285750">
-              <a:buFont typeface="Arial" panose="020B0604020202020204" pitchFamily="34" charset="0"/>
-              <a:buChar char="•"/>
-            </a:pPr>
-            <a:r>
-              <a:rPr lang="fr-FR" sz="2000" dirty="0">
-                <a:latin typeface="+mj-lt"/>
-                <a:sym typeface="Wingdings" panose="05000000000000000000" pitchFamily="2" charset="2"/>
-              </a:rPr>
-              <a:t>Pas assez d’</a:t>
-            </a:r>
-            <a:r>
-              <a:rPr lang="fr-FR" sz="2000" dirty="0" err="1">
-                <a:latin typeface="+mj-lt"/>
-                <a:sym typeface="Wingdings" panose="05000000000000000000" pitchFamily="2" charset="2"/>
-              </a:rPr>
-              <a:t>epochs</a:t>
-            </a:r>
-            <a:r>
-              <a:rPr lang="fr-FR" sz="2000" dirty="0">
-                <a:latin typeface="+mj-lt"/>
-                <a:sym typeface="Wingdings" panose="05000000000000000000" pitchFamily="2" charset="2"/>
-              </a:rPr>
-              <a:t> ou architecture pas assez dense </a:t>
-            </a:r>
-          </a:p>
-          <a:p>
-            <a:pPr marL="742950" lvl="1" indent="-285750">
-              <a:buFont typeface="Wingdings" panose="05000000000000000000" pitchFamily="2" charset="2"/>
-              <a:buChar char="è"/>
-            </a:pPr>
-            <a:r>
-              <a:rPr lang="fr-FR" sz="1600" dirty="0">
-                <a:latin typeface="+mj-lt"/>
-                <a:sym typeface="Wingdings" panose="05000000000000000000" pitchFamily="2" charset="2"/>
-              </a:rPr>
-              <a:t>On voulait maximiser « </a:t>
-            </a:r>
-            <a:r>
-              <a:rPr lang="fr-FR" sz="1600" dirty="0" err="1">
-                <a:latin typeface="+mj-lt"/>
-                <a:sym typeface="Wingdings" panose="05000000000000000000" pitchFamily="2" charset="2"/>
-              </a:rPr>
-              <a:t>computing</a:t>
-            </a:r>
-            <a:r>
-              <a:rPr lang="fr-FR" sz="1600" dirty="0">
-                <a:latin typeface="+mj-lt"/>
-                <a:sym typeface="Wingdings" panose="05000000000000000000" pitchFamily="2" charset="2"/>
-              </a:rPr>
-              <a:t> time » (le temps d’entrainement du modèle et de validation) et « validation </a:t>
-            </a:r>
-            <a:r>
-              <a:rPr lang="fr-FR" sz="1600" dirty="0" err="1">
-                <a:latin typeface="+mj-lt"/>
-                <a:sym typeface="Wingdings" panose="05000000000000000000" pitchFamily="2" charset="2"/>
-              </a:rPr>
-              <a:t>accuracy</a:t>
-            </a:r>
-            <a:r>
-              <a:rPr lang="fr-FR" sz="1600" dirty="0">
-                <a:latin typeface="+mj-lt"/>
-                <a:sym typeface="Wingdings" panose="05000000000000000000" pitchFamily="2" charset="2"/>
-              </a:rPr>
-              <a:t>  »</a:t>
-            </a:r>
-          </a:p>
-          <a:p>
-            <a:pPr marL="742950" lvl="1" indent="-285750">
-              <a:buFont typeface="Wingdings" panose="05000000000000000000" pitchFamily="2" charset="2"/>
-              <a:buChar char="è"/>
-            </a:pPr>
-            <a:endParaRPr lang="fr-FR" sz="1600" dirty="0">
-              <a:latin typeface="+mj-lt"/>
-              <a:sym typeface="Wingdings" panose="05000000000000000000" pitchFamily="2" charset="2"/>
-            </a:endParaRPr>
-          </a:p>
-          <a:p>
-            <a:pPr marL="285750" indent="-285750">
-              <a:buFont typeface="Arial" panose="020B0604020202020204" pitchFamily="34" charset="0"/>
-              <a:buChar char="•"/>
-            </a:pPr>
-            <a:r>
-              <a:rPr lang="fr-FR" sz="2000" dirty="0">
-                <a:latin typeface="+mj-lt"/>
-              </a:rPr>
-              <a:t>Architecture pas adaptée</a:t>
-            </a:r>
-          </a:p>
-          <a:p>
-            <a:pPr lvl="1"/>
-            <a:r>
-              <a:rPr lang="fr-FR" sz="1600" dirty="0">
-                <a:latin typeface="+mj-lt"/>
-                <a:sym typeface="Wingdings" panose="05000000000000000000" pitchFamily="2" charset="2"/>
-              </a:rPr>
-              <a:t> On pourrait réutiliser des architectures spécialisées dans la classification de la flore</a:t>
-            </a:r>
-            <a:endParaRPr lang="fr-FR" sz="1600" dirty="0">
-              <a:latin typeface="+mj-lt"/>
-            </a:endParaRPr>
-          </a:p>
-        </p:txBody>
-      </p:sp>
       <p:sp>
         <p:nvSpPr>
           <p:cNvPr id="23" name="ZoneTexte 22">
@@ -4540,9 +4534,9 @@
         <p:grpSpPr>
           <a:xfrm>
             <a:off x="389204" y="147058"/>
-            <a:ext cx="11526764" cy="461665"/>
+            <a:ext cx="11513139" cy="461665"/>
             <a:chOff x="389204" y="147058"/>
-            <a:chExt cx="11526764" cy="461665"/>
+            <a:chExt cx="11513139" cy="461665"/>
           </a:xfrm>
         </p:grpSpPr>
         <p:sp>
@@ -4903,8 +4897,8 @@
           </p:nvSpPr>
           <p:spPr>
             <a:xfrm>
-              <a:off x="10371764" y="147058"/>
-              <a:ext cx="1544204" cy="461665"/>
+              <a:off x="10385389" y="147058"/>
+              <a:ext cx="1516954" cy="461665"/>
             </a:xfrm>
             <a:prstGeom prst="rect">
               <a:avLst/>
@@ -4919,7 +4913,7 @@
             <a:p>
               <a:pPr algn="ctr"/>
               <a:r>
-                <a:rPr lang="fr-FR" sz="2400" cap="small" dirty="0">
+                <a:rPr lang="fr-FR" sz="2400" b="1" cap="small" dirty="0">
                   <a:solidFill>
                     <a:schemeClr val="bg1"/>
                   </a:solidFill>
@@ -4927,7 +4921,7 @@
                 </a:rPr>
                 <a:t>Conclusion</a:t>
               </a:r>
-              <a:endParaRPr lang="fr-FR" sz="2000" cap="small" dirty="0">
+              <a:endParaRPr lang="fr-FR" b="1" cap="small" dirty="0">
                 <a:solidFill>
                   <a:schemeClr val="bg1"/>
                 </a:solidFill>
@@ -5059,7 +5053,7 @@
         </p:nvSpPr>
         <p:spPr>
           <a:xfrm>
-            <a:off x="518003" y="2283711"/>
+            <a:off x="960619" y="2157391"/>
             <a:ext cx="11067193" cy="2677656"/>
           </a:xfrm>
           <a:prstGeom prst="rect">
@@ -7172,14 +7166,13 @@
               </a:ext>
             </a:extLst>
           </a:blip>
-          <a:stretch>
-            <a:fillRect/>
-          </a:stretch>
+          <a:srcRect/>
+          <a:stretch/>
         </p:blipFill>
         <p:spPr>
           <a:xfrm>
             <a:off x="6714865" y="1822385"/>
-            <a:ext cx="5087931" cy="3391954"/>
+            <a:ext cx="5087931" cy="3391953"/>
           </a:xfrm>
           <a:prstGeom prst="rect">
             <a:avLst/>
@@ -8795,8 +8788,8 @@
         </p:nvSpPr>
         <p:spPr>
           <a:xfrm>
-            <a:off x="961052" y="1822385"/>
-            <a:ext cx="5430461" cy="3045449"/>
+            <a:off x="961052" y="2290996"/>
+            <a:ext cx="4656083" cy="2276008"/>
           </a:xfrm>
           <a:prstGeom prst="rect">
             <a:avLst/>
@@ -8820,7 +8813,7 @@
               <a:rPr lang="fr-FR" sz="2000" dirty="0">
                 <a:latin typeface="+mj-lt"/>
               </a:rPr>
-              <a:t>Échantillon d’apprentissage (1107 en 3 classes)</a:t>
+              <a:t>Jeu d’apprentissage (1107 en 3 classes)</a:t>
             </a:r>
           </a:p>
           <a:p>
@@ -8835,43 +8828,14 @@
               <a:rPr lang="fr-FR" sz="2000" dirty="0">
                 <a:latin typeface="+mj-lt"/>
               </a:rPr>
-              <a:t>Échantillon de validation (3799 en 3 classes)</a:t>
-            </a:r>
-          </a:p>
-          <a:p>
-            <a:pPr marL="457200" indent="-457200">
+              <a:t>Jeu de validation (3799 en 3 classes)</a:t>
+            </a:r>
+          </a:p>
+          <a:p>
+            <a:pPr>
               <a:lnSpc>
                 <a:spcPct val="250000"/>
               </a:lnSpc>
-              <a:buFont typeface="Arial" panose="020B0604020202020204" pitchFamily="34" charset="0"/>
-              <a:buChar char="•"/>
-            </a:pPr>
-            <a:r>
-              <a:rPr lang="fr-FR" sz="2000" dirty="0">
-                <a:latin typeface="+mj-lt"/>
-              </a:rPr>
-              <a:t>20 cycles itératifs (</a:t>
-            </a:r>
-            <a:r>
-              <a:rPr lang="fr-FR" sz="2000" i="1" dirty="0">
-                <a:latin typeface="+mj-lt"/>
-              </a:rPr>
-              <a:t>epochs</a:t>
-            </a:r>
-            <a:r>
-              <a:rPr lang="fr-FR" sz="2000" dirty="0">
-                <a:latin typeface="+mj-lt"/>
-              </a:rPr>
-              <a:t>)</a:t>
-            </a:r>
-          </a:p>
-          <a:p>
-            <a:pPr marL="457200" indent="-457200">
-              <a:lnSpc>
-                <a:spcPct val="250000"/>
-              </a:lnSpc>
-              <a:buFont typeface="Arial" panose="020B0604020202020204" pitchFamily="34" charset="0"/>
-              <a:buChar char="•"/>
             </a:pPr>
             <a:endParaRPr lang="fr-FR" sz="2000" dirty="0">
               <a:latin typeface="+mj-lt"/>
@@ -8916,6 +8880,487 @@
             <a:endParaRPr lang="fr-FR" sz="2000" cap="small" dirty="0">
               <a:latin typeface="+mj-lt"/>
             </a:endParaRPr>
+          </a:p>
+        </p:txBody>
+      </p:sp>
+      <p:sp>
+        <p:nvSpPr>
+          <p:cNvPr id="23" name="ZoneTexte 22">
+            <a:extLst>
+              <a:ext uri="{FF2B5EF4-FFF2-40B4-BE49-F238E27FC236}">
+                <a16:creationId xmlns:a16="http://schemas.microsoft.com/office/drawing/2014/main" id="{5AEC46C8-6B18-4BDB-962F-75995CABD04B}"/>
+              </a:ext>
+            </a:extLst>
+          </p:cNvPr>
+          <p:cNvSpPr txBox="1"/>
+          <p:nvPr/>
+        </p:nvSpPr>
+        <p:spPr>
+          <a:xfrm>
+            <a:off x="5662532" y="2290996"/>
+            <a:ext cx="6019597" cy="3046988"/>
+          </a:xfrm>
+          <a:prstGeom prst="rect">
+            <a:avLst/>
+          </a:prstGeom>
+          <a:noFill/>
+          <a:ln>
+            <a:solidFill>
+              <a:srgbClr val="61A53A"/>
+            </a:solidFill>
+          </a:ln>
+        </p:spPr>
+        <p:txBody>
+          <a:bodyPr wrap="none" rtlCol="0">
+            <a:spAutoFit/>
+          </a:bodyPr>
+          <a:lstStyle/>
+          <a:p>
+            <a:r>
+              <a:rPr lang="fr-FR" sz="1600" dirty="0" err="1">
+                <a:solidFill>
+                  <a:srgbClr val="61A53A"/>
+                </a:solidFill>
+                <a:latin typeface="Consolas" panose="020B0609020204030204" pitchFamily="49" charset="0"/>
+              </a:rPr>
+              <a:t>tf.keras.preprocessing.image_dataset_from_directory</a:t>
+            </a:r>
+            <a:r>
+              <a:rPr lang="fr-FR" sz="1600" dirty="0">
+                <a:solidFill>
+                  <a:srgbClr val="61A53A"/>
+                </a:solidFill>
+                <a:latin typeface="Consolas" panose="020B0609020204030204" pitchFamily="49" charset="0"/>
+              </a:rPr>
+              <a:t>(</a:t>
+            </a:r>
+          </a:p>
+          <a:p>
+            <a:r>
+              <a:rPr lang="fr-FR" sz="1600" dirty="0">
+                <a:solidFill>
+                  <a:srgbClr val="61A53A"/>
+                </a:solidFill>
+                <a:latin typeface="Consolas" panose="020B0609020204030204" pitchFamily="49" charset="0"/>
+              </a:rPr>
+              <a:t>    directory="./</a:t>
+            </a:r>
+            <a:r>
+              <a:rPr lang="fr-FR" sz="1600" dirty="0" err="1">
+                <a:solidFill>
+                  <a:srgbClr val="61A53A"/>
+                </a:solidFill>
+                <a:latin typeface="Consolas" panose="020B0609020204030204" pitchFamily="49" charset="0"/>
+              </a:rPr>
+              <a:t>projet_python</a:t>
+            </a:r>
+            <a:r>
+              <a:rPr lang="fr-FR" sz="1600" dirty="0">
+                <a:solidFill>
+                  <a:srgbClr val="61A53A"/>
+                </a:solidFill>
+                <a:latin typeface="Consolas" panose="020B0609020204030204" pitchFamily="49" charset="0"/>
+              </a:rPr>
+              <a:t>/</a:t>
+            </a:r>
+            <a:r>
+              <a:rPr lang="fr-FR" sz="1600" dirty="0" err="1">
+                <a:solidFill>
+                  <a:srgbClr val="61A53A"/>
+                </a:solidFill>
+                <a:latin typeface="Consolas" panose="020B0609020204030204" pitchFamily="49" charset="0"/>
+              </a:rPr>
+              <a:t>Training_Data</a:t>
+            </a:r>
+            <a:r>
+              <a:rPr lang="fr-FR" sz="1600" dirty="0">
+                <a:solidFill>
+                  <a:srgbClr val="61A53A"/>
+                </a:solidFill>
+                <a:latin typeface="Consolas" panose="020B0609020204030204" pitchFamily="49" charset="0"/>
+              </a:rPr>
+              <a:t>/",</a:t>
+            </a:r>
+          </a:p>
+          <a:p>
+            <a:r>
+              <a:rPr lang="fr-FR" sz="1600" dirty="0">
+                <a:solidFill>
+                  <a:srgbClr val="61A53A"/>
+                </a:solidFill>
+                <a:latin typeface="Consolas" panose="020B0609020204030204" pitchFamily="49" charset="0"/>
+              </a:rPr>
+              <a:t>    labels="</a:t>
+            </a:r>
+            <a:r>
+              <a:rPr lang="fr-FR" sz="1600" dirty="0" err="1">
+                <a:solidFill>
+                  <a:srgbClr val="61A53A"/>
+                </a:solidFill>
+                <a:latin typeface="Consolas" panose="020B0609020204030204" pitchFamily="49" charset="0"/>
+              </a:rPr>
+              <a:t>inferred</a:t>
+            </a:r>
+            <a:r>
+              <a:rPr lang="fr-FR" sz="1600" dirty="0">
+                <a:solidFill>
+                  <a:srgbClr val="61A53A"/>
+                </a:solidFill>
+                <a:latin typeface="Consolas" panose="020B0609020204030204" pitchFamily="49" charset="0"/>
+              </a:rPr>
+              <a:t>",</a:t>
+            </a:r>
+          </a:p>
+          <a:p>
+            <a:r>
+              <a:rPr lang="fr-FR" sz="1600" dirty="0">
+                <a:solidFill>
+                  <a:srgbClr val="61A53A"/>
+                </a:solidFill>
+                <a:latin typeface="Consolas" panose="020B0609020204030204" pitchFamily="49" charset="0"/>
+              </a:rPr>
+              <a:t>    </a:t>
+            </a:r>
+            <a:r>
+              <a:rPr lang="fr-FR" sz="1600" dirty="0" err="1">
+                <a:solidFill>
+                  <a:srgbClr val="61A53A"/>
+                </a:solidFill>
+                <a:latin typeface="Consolas" panose="020B0609020204030204" pitchFamily="49" charset="0"/>
+              </a:rPr>
+              <a:t>label_mode</a:t>
+            </a:r>
+            <a:r>
+              <a:rPr lang="fr-FR" sz="1600" dirty="0">
+                <a:solidFill>
+                  <a:srgbClr val="61A53A"/>
+                </a:solidFill>
+                <a:latin typeface="Consolas" panose="020B0609020204030204" pitchFamily="49" charset="0"/>
+              </a:rPr>
+              <a:t>="</a:t>
+            </a:r>
+            <a:r>
+              <a:rPr lang="fr-FR" sz="1600" dirty="0" err="1">
+                <a:solidFill>
+                  <a:srgbClr val="61A53A"/>
+                </a:solidFill>
+                <a:latin typeface="Consolas" panose="020B0609020204030204" pitchFamily="49" charset="0"/>
+              </a:rPr>
+              <a:t>categorical</a:t>
+            </a:r>
+            <a:r>
+              <a:rPr lang="fr-FR" sz="1600" dirty="0">
+                <a:solidFill>
+                  <a:srgbClr val="61A53A"/>
+                </a:solidFill>
+                <a:latin typeface="Consolas" panose="020B0609020204030204" pitchFamily="49" charset="0"/>
+              </a:rPr>
+              <a:t>",</a:t>
+            </a:r>
+          </a:p>
+          <a:p>
+            <a:r>
+              <a:rPr lang="fr-FR" sz="1600" dirty="0">
+                <a:solidFill>
+                  <a:srgbClr val="61A53A"/>
+                </a:solidFill>
+                <a:latin typeface="Consolas" panose="020B0609020204030204" pitchFamily="49" charset="0"/>
+              </a:rPr>
+              <a:t>    </a:t>
+            </a:r>
+            <a:r>
+              <a:rPr lang="fr-FR" sz="1600" dirty="0" err="1">
+                <a:solidFill>
+                  <a:srgbClr val="61A53A"/>
+                </a:solidFill>
+                <a:latin typeface="Consolas" panose="020B0609020204030204" pitchFamily="49" charset="0"/>
+              </a:rPr>
+              <a:t>class_names</a:t>
+            </a:r>
+            <a:r>
+              <a:rPr lang="fr-FR" sz="1600" dirty="0">
+                <a:solidFill>
+                  <a:srgbClr val="61A53A"/>
+                </a:solidFill>
+                <a:latin typeface="Consolas" panose="020B0609020204030204" pitchFamily="49" charset="0"/>
+              </a:rPr>
+              <a:t>=None,</a:t>
+            </a:r>
+          </a:p>
+          <a:p>
+            <a:r>
+              <a:rPr lang="fr-FR" sz="1600" dirty="0">
+                <a:solidFill>
+                  <a:srgbClr val="61A53A"/>
+                </a:solidFill>
+                <a:latin typeface="Consolas" panose="020B0609020204030204" pitchFamily="49" charset="0"/>
+              </a:rPr>
+              <a:t>    </a:t>
+            </a:r>
+            <a:r>
+              <a:rPr lang="fr-FR" sz="1600" dirty="0" err="1">
+                <a:solidFill>
+                  <a:srgbClr val="61A53A"/>
+                </a:solidFill>
+                <a:latin typeface="Consolas" panose="020B0609020204030204" pitchFamily="49" charset="0"/>
+              </a:rPr>
+              <a:t>color_mode</a:t>
+            </a:r>
+            <a:r>
+              <a:rPr lang="fr-FR" sz="1600" dirty="0">
+                <a:solidFill>
+                  <a:srgbClr val="61A53A"/>
+                </a:solidFill>
+                <a:latin typeface="Consolas" panose="020B0609020204030204" pitchFamily="49" charset="0"/>
+              </a:rPr>
+              <a:t>="</a:t>
+            </a:r>
+            <a:r>
+              <a:rPr lang="fr-FR" sz="1600" dirty="0" err="1">
+                <a:solidFill>
+                  <a:srgbClr val="61A53A"/>
+                </a:solidFill>
+                <a:latin typeface="Consolas" panose="020B0609020204030204" pitchFamily="49" charset="0"/>
+              </a:rPr>
+              <a:t>rgb</a:t>
+            </a:r>
+            <a:r>
+              <a:rPr lang="fr-FR" sz="1600" dirty="0">
+                <a:solidFill>
+                  <a:srgbClr val="61A53A"/>
+                </a:solidFill>
+                <a:latin typeface="Consolas" panose="020B0609020204030204" pitchFamily="49" charset="0"/>
+              </a:rPr>
+              <a:t>",</a:t>
+            </a:r>
+          </a:p>
+          <a:p>
+            <a:r>
+              <a:rPr lang="fr-FR" sz="1600" dirty="0">
+                <a:solidFill>
+                  <a:srgbClr val="61A53A"/>
+                </a:solidFill>
+                <a:latin typeface="Consolas" panose="020B0609020204030204" pitchFamily="49" charset="0"/>
+              </a:rPr>
+              <a:t>    </a:t>
+            </a:r>
+            <a:r>
+              <a:rPr lang="fr-FR" sz="1600" dirty="0" err="1">
+                <a:solidFill>
+                  <a:srgbClr val="61A53A"/>
+                </a:solidFill>
+                <a:latin typeface="Consolas" panose="020B0609020204030204" pitchFamily="49" charset="0"/>
+              </a:rPr>
+              <a:t>batch_size</a:t>
+            </a:r>
+            <a:r>
+              <a:rPr lang="fr-FR" sz="1600" dirty="0">
+                <a:solidFill>
+                  <a:srgbClr val="61A53A"/>
+                </a:solidFill>
+                <a:latin typeface="Consolas" panose="020B0609020204030204" pitchFamily="49" charset="0"/>
+              </a:rPr>
+              <a:t>=</a:t>
+            </a:r>
+            <a:r>
+              <a:rPr lang="fr-FR" sz="1600" dirty="0" err="1">
+                <a:solidFill>
+                  <a:srgbClr val="61A53A"/>
+                </a:solidFill>
+                <a:latin typeface="Consolas" panose="020B0609020204030204" pitchFamily="49" charset="0"/>
+              </a:rPr>
+              <a:t>batch_size</a:t>
+            </a:r>
+            <a:r>
+              <a:rPr lang="fr-FR" sz="1600" dirty="0">
+                <a:solidFill>
+                  <a:srgbClr val="61A53A"/>
+                </a:solidFill>
+                <a:latin typeface="Consolas" panose="020B0609020204030204" pitchFamily="49" charset="0"/>
+              </a:rPr>
+              <a:t>,</a:t>
+            </a:r>
+          </a:p>
+          <a:p>
+            <a:r>
+              <a:rPr lang="fr-FR" sz="1600" dirty="0">
+                <a:solidFill>
+                  <a:srgbClr val="61A53A"/>
+                </a:solidFill>
+                <a:latin typeface="Consolas" panose="020B0609020204030204" pitchFamily="49" charset="0"/>
+              </a:rPr>
+              <a:t>    </a:t>
+            </a:r>
+            <a:r>
+              <a:rPr lang="fr-FR" sz="1600" dirty="0" err="1">
+                <a:solidFill>
+                  <a:srgbClr val="61A53A"/>
+                </a:solidFill>
+                <a:latin typeface="Consolas" panose="020B0609020204030204" pitchFamily="49" charset="0"/>
+              </a:rPr>
+              <a:t>image_size</a:t>
+            </a:r>
+            <a:r>
+              <a:rPr lang="fr-FR" sz="1600" dirty="0">
+                <a:solidFill>
+                  <a:srgbClr val="61A53A"/>
+                </a:solidFill>
+                <a:latin typeface="Consolas" panose="020B0609020204030204" pitchFamily="49" charset="0"/>
+              </a:rPr>
+              <a:t>=</a:t>
+            </a:r>
+            <a:r>
+              <a:rPr lang="fr-FR" sz="1600" dirty="0" err="1">
+                <a:solidFill>
+                  <a:srgbClr val="61A53A"/>
+                </a:solidFill>
+                <a:latin typeface="Consolas" panose="020B0609020204030204" pitchFamily="49" charset="0"/>
+              </a:rPr>
+              <a:t>image_size</a:t>
+            </a:r>
+            <a:r>
+              <a:rPr lang="fr-FR" sz="1600" dirty="0">
+                <a:solidFill>
+                  <a:srgbClr val="61A53A"/>
+                </a:solidFill>
+                <a:latin typeface="Consolas" panose="020B0609020204030204" pitchFamily="49" charset="0"/>
+              </a:rPr>
+              <a:t>,</a:t>
+            </a:r>
+          </a:p>
+          <a:p>
+            <a:r>
+              <a:rPr lang="fr-FR" sz="1600" dirty="0">
+                <a:solidFill>
+                  <a:srgbClr val="61A53A"/>
+                </a:solidFill>
+                <a:latin typeface="Consolas" panose="020B0609020204030204" pitchFamily="49" charset="0"/>
+              </a:rPr>
+              <a:t>    </a:t>
+            </a:r>
+            <a:r>
+              <a:rPr lang="fr-FR" sz="1600" dirty="0" err="1">
+                <a:solidFill>
+                  <a:srgbClr val="61A53A"/>
+                </a:solidFill>
+                <a:latin typeface="Consolas" panose="020B0609020204030204" pitchFamily="49" charset="0"/>
+              </a:rPr>
+              <a:t>shuffle</a:t>
+            </a:r>
+            <a:r>
+              <a:rPr lang="fr-FR" sz="1600" dirty="0">
+                <a:solidFill>
+                  <a:srgbClr val="61A53A"/>
+                </a:solidFill>
+                <a:latin typeface="Consolas" panose="020B0609020204030204" pitchFamily="49" charset="0"/>
+              </a:rPr>
+              <a:t>=</a:t>
+            </a:r>
+            <a:r>
+              <a:rPr lang="fr-FR" sz="1600" dirty="0" err="1">
+                <a:solidFill>
+                  <a:srgbClr val="61A53A"/>
+                </a:solidFill>
+                <a:latin typeface="Consolas" panose="020B0609020204030204" pitchFamily="49" charset="0"/>
+              </a:rPr>
+              <a:t>True</a:t>
+            </a:r>
+            <a:r>
+              <a:rPr lang="fr-FR" sz="1600" dirty="0">
+                <a:solidFill>
+                  <a:srgbClr val="61A53A"/>
+                </a:solidFill>
+                <a:latin typeface="Consolas" panose="020B0609020204030204" pitchFamily="49" charset="0"/>
+              </a:rPr>
+              <a:t>,</a:t>
+            </a:r>
+          </a:p>
+          <a:p>
+            <a:r>
+              <a:rPr lang="fr-FR" sz="1600" dirty="0">
+                <a:solidFill>
+                  <a:srgbClr val="61A53A"/>
+                </a:solidFill>
+                <a:latin typeface="Consolas" panose="020B0609020204030204" pitchFamily="49" charset="0"/>
+              </a:rPr>
+              <a:t>    interpolation="</a:t>
+            </a:r>
+            <a:r>
+              <a:rPr lang="fr-FR" sz="1600" dirty="0" err="1">
+                <a:solidFill>
+                  <a:srgbClr val="61A53A"/>
+                </a:solidFill>
+                <a:latin typeface="Consolas" panose="020B0609020204030204" pitchFamily="49" charset="0"/>
+              </a:rPr>
+              <a:t>bilinear</a:t>
+            </a:r>
+            <a:r>
+              <a:rPr lang="fr-FR" sz="1600" dirty="0">
+                <a:solidFill>
+                  <a:srgbClr val="61A53A"/>
+                </a:solidFill>
+                <a:latin typeface="Consolas" panose="020B0609020204030204" pitchFamily="49" charset="0"/>
+              </a:rPr>
+              <a:t>",</a:t>
+            </a:r>
+          </a:p>
+          <a:p>
+            <a:r>
+              <a:rPr lang="fr-FR" sz="1600" dirty="0">
+                <a:solidFill>
+                  <a:srgbClr val="61A53A"/>
+                </a:solidFill>
+                <a:latin typeface="Consolas" panose="020B0609020204030204" pitchFamily="49" charset="0"/>
+              </a:rPr>
+              <a:t>    </a:t>
+            </a:r>
+            <a:r>
+              <a:rPr lang="fr-FR" sz="1600" dirty="0" err="1">
+                <a:solidFill>
+                  <a:srgbClr val="61A53A"/>
+                </a:solidFill>
+                <a:latin typeface="Consolas" panose="020B0609020204030204" pitchFamily="49" charset="0"/>
+              </a:rPr>
+              <a:t>follow_links</a:t>
+            </a:r>
+            <a:r>
+              <a:rPr lang="fr-FR" sz="1600" dirty="0">
+                <a:solidFill>
+                  <a:srgbClr val="61A53A"/>
+                </a:solidFill>
+                <a:latin typeface="Consolas" panose="020B0609020204030204" pitchFamily="49" charset="0"/>
+              </a:rPr>
+              <a:t>=False,</a:t>
+            </a:r>
+          </a:p>
+          <a:p>
+            <a:r>
+              <a:rPr lang="fr-FR" sz="1600" dirty="0">
+                <a:solidFill>
+                  <a:srgbClr val="61A53A"/>
+                </a:solidFill>
+                <a:latin typeface="Consolas" panose="020B0609020204030204" pitchFamily="49" charset="0"/>
+              </a:rPr>
+              <a:t>    </a:t>
+            </a:r>
+            <a:r>
+              <a:rPr lang="fr-FR" sz="1600" dirty="0" err="1">
+                <a:solidFill>
+                  <a:srgbClr val="61A53A"/>
+                </a:solidFill>
+                <a:latin typeface="Consolas" panose="020B0609020204030204" pitchFamily="49" charset="0"/>
+              </a:rPr>
+              <a:t>crop_to_aspect_ratio</a:t>
+            </a:r>
+            <a:r>
+              <a:rPr lang="fr-FR" sz="1600" dirty="0">
+                <a:solidFill>
+                  <a:srgbClr val="61A53A"/>
+                </a:solidFill>
+                <a:latin typeface="Consolas" panose="020B0609020204030204" pitchFamily="49" charset="0"/>
+              </a:rPr>
+              <a:t>=False)</a:t>
+            </a:r>
           </a:p>
         </p:txBody>
       </p:sp>
@@ -9709,7 +10154,7 @@
         </p:nvSpPr>
         <p:spPr>
           <a:xfrm>
-            <a:off x="5323562" y="1582832"/>
+            <a:off x="5625565" y="1822385"/>
             <a:ext cx="5907386" cy="4031873"/>
           </a:xfrm>
           <a:prstGeom prst="rect">
@@ -10925,12 +11370,147 @@
           </a:p>
         </p:txBody>
       </p:sp>
+      <p:pic>
+        <p:nvPicPr>
+          <p:cNvPr id="22" name="Image 21">
+            <a:extLst>
+              <a:ext uri="{FF2B5EF4-FFF2-40B4-BE49-F238E27FC236}">
+                <a16:creationId xmlns:a16="http://schemas.microsoft.com/office/drawing/2014/main" id="{D54C31C0-DFE2-4866-B5DC-780E9D905C36}"/>
+              </a:ext>
+            </a:extLst>
+          </p:cNvPr>
+          <p:cNvPicPr>
+            <a:picLocks noChangeAspect="1"/>
+          </p:cNvPicPr>
+          <p:nvPr/>
+        </p:nvPicPr>
+        <p:blipFill>
+          <a:blip r:embed="rId7">
+            <a:extLst>
+              <a:ext uri="{28A0092B-C50C-407E-A947-70E740481C1C}">
+                <a14:useLocalDpi xmlns:a14="http://schemas.microsoft.com/office/drawing/2010/main" val="0"/>
+              </a:ext>
+            </a:extLst>
+          </a:blip>
+          <a:stretch>
+            <a:fillRect/>
+          </a:stretch>
+        </p:blipFill>
+        <p:spPr>
+          <a:xfrm>
+            <a:off x="6621363" y="1990164"/>
+            <a:ext cx="5181433" cy="3454289"/>
+          </a:xfrm>
+          <a:prstGeom prst="rect">
+            <a:avLst/>
+          </a:prstGeom>
+        </p:spPr>
+      </p:pic>
+      <p:grpSp>
+        <p:nvGrpSpPr>
+          <p:cNvPr id="3" name="Groupe 2">
+            <a:extLst>
+              <a:ext uri="{FF2B5EF4-FFF2-40B4-BE49-F238E27FC236}">
+                <a16:creationId xmlns:a16="http://schemas.microsoft.com/office/drawing/2014/main" id="{B7245637-3A7F-4278-9326-D1387B6EA059}"/>
+              </a:ext>
+            </a:extLst>
+          </p:cNvPr>
+          <p:cNvGrpSpPr/>
+          <p:nvPr/>
+        </p:nvGrpSpPr>
+        <p:grpSpPr>
+          <a:xfrm>
+            <a:off x="624632" y="1931334"/>
+            <a:ext cx="5181433" cy="3513119"/>
+            <a:chOff x="624632" y="1763553"/>
+            <a:chExt cx="5181433" cy="3513119"/>
+          </a:xfrm>
+        </p:grpSpPr>
+        <p:pic>
+          <p:nvPicPr>
+            <p:cNvPr id="24" name="Image 23">
+              <a:extLst>
+                <a:ext uri="{FF2B5EF4-FFF2-40B4-BE49-F238E27FC236}">
+                  <a16:creationId xmlns:a16="http://schemas.microsoft.com/office/drawing/2014/main" id="{0B8BF541-30EA-4706-BED9-1B22467D8719}"/>
+                </a:ext>
+              </a:extLst>
+            </p:cNvPr>
+            <p:cNvPicPr>
+              <a:picLocks noChangeAspect="1"/>
+            </p:cNvPicPr>
+            <p:nvPr/>
+          </p:nvPicPr>
+          <p:blipFill>
+            <a:blip r:embed="rId8">
+              <a:extLst>
+                <a:ext uri="{28A0092B-C50C-407E-A947-70E740481C1C}">
+                  <a14:useLocalDpi xmlns:a14="http://schemas.microsoft.com/office/drawing/2010/main" val="0"/>
+                </a:ext>
+              </a:extLst>
+            </a:blip>
+            <a:srcRect/>
+            <a:stretch/>
+          </p:blipFill>
+          <p:spPr>
+            <a:xfrm>
+              <a:off x="624632" y="1822384"/>
+              <a:ext cx="5181433" cy="3454288"/>
+            </a:xfrm>
+            <a:prstGeom prst="rect">
+              <a:avLst/>
+            </a:prstGeom>
+          </p:spPr>
+        </p:pic>
+        <p:sp>
+          <p:nvSpPr>
+            <p:cNvPr id="2" name="ZoneTexte 1">
+              <a:extLst>
+                <a:ext uri="{FF2B5EF4-FFF2-40B4-BE49-F238E27FC236}">
+                  <a16:creationId xmlns:a16="http://schemas.microsoft.com/office/drawing/2014/main" id="{60D28766-E0C2-416D-BC2F-D06F3B67201A}"/>
+                </a:ext>
+              </a:extLst>
+            </p:cNvPr>
+            <p:cNvSpPr txBox="1"/>
+            <p:nvPr/>
+          </p:nvSpPr>
+          <p:spPr>
+            <a:xfrm>
+              <a:off x="2311799" y="1763553"/>
+              <a:ext cx="1807098" cy="369332"/>
+            </a:xfrm>
+            <a:prstGeom prst="rect">
+              <a:avLst/>
+            </a:prstGeom>
+            <a:noFill/>
+          </p:spPr>
+          <p:txBody>
+            <a:bodyPr wrap="none" rtlCol="0">
+              <a:spAutoFit/>
+            </a:bodyPr>
+            <a:lstStyle/>
+            <a:p>
+              <a:r>
+                <a:rPr lang="fr-FR" i="1" dirty="0"/>
+                <a:t>RGB </a:t>
+              </a:r>
+              <a:r>
+                <a:rPr lang="fr-FR" i="1" dirty="0" err="1"/>
+                <a:t>from</a:t>
+              </a:r>
+              <a:r>
+                <a:rPr lang="fr-FR" i="1" dirty="0"/>
+                <a:t> scratch</a:t>
+              </a:r>
+            </a:p>
+          </p:txBody>
+        </p:sp>
+      </p:grpSp>
       <p:sp>
         <p:nvSpPr>
-          <p:cNvPr id="23" name="ZoneTexte 22">
-            <a:extLst>
-              <a:ext uri="{FF2B5EF4-FFF2-40B4-BE49-F238E27FC236}">
-                <a16:creationId xmlns:a16="http://schemas.microsoft.com/office/drawing/2014/main" id="{8E01B494-50FE-46B4-A84F-859920A3792D}"/>
+          <p:cNvPr id="25" name="ZoneTexte 24">
+            <a:extLst>
+              <a:ext uri="{FF2B5EF4-FFF2-40B4-BE49-F238E27FC236}">
+                <a16:creationId xmlns:a16="http://schemas.microsoft.com/office/drawing/2014/main" id="{2B996157-6068-4580-B71A-885C695DCAB3}"/>
               </a:ext>
             </a:extLst>
           </p:cNvPr>
@@ -10939,8 +11519,8 @@
         </p:nvSpPr>
         <p:spPr>
           <a:xfrm>
-            <a:off x="961052" y="1822385"/>
-            <a:ext cx="1031051" cy="3814890"/>
+            <a:off x="8233203" y="1931334"/>
+            <a:ext cx="2325445" cy="369332"/>
           </a:xfrm>
           <a:prstGeom prst="rect">
             <a:avLst/>
@@ -10953,115 +11533,88 @@
           </a:bodyPr>
           <a:lstStyle/>
           <a:p>
-            <a:pPr marL="457200" indent="-457200">
-              <a:lnSpc>
-                <a:spcPct val="250000"/>
-              </a:lnSpc>
-              <a:buFont typeface="Arial" panose="020B0604020202020204" pitchFamily="34" charset="0"/>
-              <a:buChar char="•"/>
-            </a:pPr>
-            <a:r>
-              <a:rPr lang="fr-FR" sz="2000" dirty="0">
-                <a:latin typeface="+mj-lt"/>
-              </a:rPr>
-              <a:t>___</a:t>
-            </a:r>
-          </a:p>
-          <a:p>
-            <a:pPr marL="457200" indent="-457200">
-              <a:lnSpc>
-                <a:spcPct val="250000"/>
-              </a:lnSpc>
-              <a:buFont typeface="Arial" panose="020B0604020202020204" pitchFamily="34" charset="0"/>
-              <a:buChar char="•"/>
-            </a:pPr>
-            <a:r>
-              <a:rPr lang="fr-FR" sz="2000" dirty="0">
-                <a:latin typeface="+mj-lt"/>
-              </a:rPr>
-              <a:t>___</a:t>
-            </a:r>
-          </a:p>
-          <a:p>
-            <a:pPr marL="457200" indent="-457200">
-              <a:lnSpc>
-                <a:spcPct val="250000"/>
-              </a:lnSpc>
-              <a:buFont typeface="Arial" panose="020B0604020202020204" pitchFamily="34" charset="0"/>
-              <a:buChar char="•"/>
-            </a:pPr>
-            <a:r>
-              <a:rPr lang="fr-FR" sz="2000" dirty="0">
-                <a:latin typeface="+mj-lt"/>
-              </a:rPr>
-              <a:t>___</a:t>
-            </a:r>
-          </a:p>
-          <a:p>
-            <a:pPr marL="457200" indent="-457200">
-              <a:lnSpc>
-                <a:spcPct val="250000"/>
-              </a:lnSpc>
-              <a:buFont typeface="Arial" panose="020B0604020202020204" pitchFamily="34" charset="0"/>
-              <a:buChar char="•"/>
-            </a:pPr>
-            <a:r>
-              <a:rPr lang="fr-FR" sz="2000" dirty="0">
-                <a:latin typeface="+mj-lt"/>
-              </a:rPr>
-              <a:t>__</a:t>
-            </a:r>
-          </a:p>
-          <a:p>
-            <a:pPr marL="457200" indent="-457200">
-              <a:lnSpc>
-                <a:spcPct val="250000"/>
-              </a:lnSpc>
-              <a:buFont typeface="Arial" panose="020B0604020202020204" pitchFamily="34" charset="0"/>
-              <a:buChar char="•"/>
-            </a:pPr>
-            <a:endParaRPr lang="fr-FR" sz="2000" dirty="0">
-              <a:latin typeface="+mj-lt"/>
-            </a:endParaRPr>
+            <a:r>
+              <a:rPr lang="fr-FR" i="1" dirty="0" err="1"/>
+              <a:t>Grayscale</a:t>
+            </a:r>
+            <a:r>
+              <a:rPr lang="fr-FR" i="1" dirty="0"/>
+              <a:t> </a:t>
+            </a:r>
+            <a:r>
+              <a:rPr lang="fr-FR" i="1" dirty="0" err="1"/>
+              <a:t>from</a:t>
+            </a:r>
+            <a:r>
+              <a:rPr lang="fr-FR" i="1" dirty="0"/>
+              <a:t> scratch</a:t>
+            </a:r>
           </a:p>
         </p:txBody>
       </p:sp>
-      <p:pic>
-        <p:nvPicPr>
-          <p:cNvPr id="22" name="Image 21">
-            <a:extLst>
-              <a:ext uri="{FF2B5EF4-FFF2-40B4-BE49-F238E27FC236}">
-                <a16:creationId xmlns:a16="http://schemas.microsoft.com/office/drawing/2014/main" id="{D54C31C0-DFE2-4866-B5DC-780E9D905C36}"/>
-              </a:ext>
-            </a:extLst>
-          </p:cNvPr>
-          <p:cNvPicPr>
-            <a:picLocks noChangeAspect="1"/>
-          </p:cNvPicPr>
+      <p:sp>
+        <p:nvSpPr>
+          <p:cNvPr id="32" name="ZoneTexte 31">
+            <a:extLst>
+              <a:ext uri="{FF2B5EF4-FFF2-40B4-BE49-F238E27FC236}">
+                <a16:creationId xmlns:a16="http://schemas.microsoft.com/office/drawing/2014/main" id="{7F3C3AF5-2633-4593-9E54-000A91CCE61A}"/>
+              </a:ext>
+            </a:extLst>
+          </p:cNvPr>
+          <p:cNvSpPr txBox="1"/>
           <p:nvPr/>
-        </p:nvPicPr>
-        <p:blipFill>
-          <a:blip r:embed="rId7">
-            <a:extLst>
-              <a:ext uri="{28A0092B-C50C-407E-A947-70E740481C1C}">
-                <a14:useLocalDpi xmlns:a14="http://schemas.microsoft.com/office/drawing/2010/main" val="0"/>
-              </a:ext>
-            </a:extLst>
-          </a:blip>
-          <a:stretch>
-            <a:fillRect/>
-          </a:stretch>
-        </p:blipFill>
+        </p:nvSpPr>
         <p:spPr>
           <a:xfrm>
-            <a:off x="6621362" y="1822385"/>
-            <a:ext cx="5181433" cy="3454289"/>
+            <a:off x="2838408" y="5301158"/>
+            <a:ext cx="6515181" cy="737125"/>
           </a:xfrm>
           <a:prstGeom prst="rect">
             <a:avLst/>
           </a:prstGeom>
+          <a:noFill/>
         </p:spPr>
-      </p:pic>
+        <p:txBody>
+          <a:bodyPr wrap="none" rtlCol="0">
+            <a:spAutoFit/>
+          </a:bodyPr>
+          <a:lstStyle/>
+          <a:p>
+            <a:pPr>
+              <a:lnSpc>
+                <a:spcPct val="250000"/>
+              </a:lnSpc>
+            </a:pPr>
+            <a:r>
+              <a:rPr lang="fr-FR" sz="2000" dirty="0">
+                <a:latin typeface="+mj-lt"/>
+              </a:rPr>
+              <a:t>Il y a très peu de différence entre les deux </a:t>
+            </a:r>
+            <a:r>
+              <a:rPr lang="fr-FR" sz="2000" i="1" dirty="0">
+                <a:latin typeface="+mj-lt"/>
+              </a:rPr>
+              <a:t>validation </a:t>
+            </a:r>
+            <a:r>
+              <a:rPr lang="fr-FR" sz="2000" i="1" dirty="0" err="1">
+                <a:latin typeface="+mj-lt"/>
+              </a:rPr>
+              <a:t>accuracy</a:t>
+            </a:r>
+            <a:r>
+              <a:rPr lang="fr-FR" sz="2000" i="1" dirty="0">
+                <a:latin typeface="+mj-lt"/>
+              </a:rPr>
+              <a:t>.</a:t>
+            </a:r>
+            <a:endParaRPr lang="fr-FR" sz="2000" dirty="0">
+              <a:latin typeface="+mj-lt"/>
+            </a:endParaRPr>
+          </a:p>
+        </p:txBody>
+      </p:sp>
     </p:spTree>
     <p:extLst>
       <p:ext uri="{BB962C8B-B14F-4D97-AF65-F5344CB8AC3E}">
@@ -11740,12 +12293,147 @@
           </a:p>
         </p:txBody>
       </p:sp>
+      <p:pic>
+        <p:nvPicPr>
+          <p:cNvPr id="7" name="Image 6">
+            <a:extLst>
+              <a:ext uri="{FF2B5EF4-FFF2-40B4-BE49-F238E27FC236}">
+                <a16:creationId xmlns:a16="http://schemas.microsoft.com/office/drawing/2014/main" id="{4954E5B8-3EC0-442D-B069-315C54F7AC46}"/>
+              </a:ext>
+            </a:extLst>
+          </p:cNvPr>
+          <p:cNvPicPr>
+            <a:picLocks noChangeAspect="1"/>
+          </p:cNvPicPr>
+          <p:nvPr/>
+        </p:nvPicPr>
+        <p:blipFill>
+          <a:blip r:embed="rId7">
+            <a:extLst>
+              <a:ext uri="{28A0092B-C50C-407E-A947-70E740481C1C}">
+                <a14:useLocalDpi xmlns:a14="http://schemas.microsoft.com/office/drawing/2010/main" val="0"/>
+              </a:ext>
+            </a:extLst>
+          </a:blip>
+          <a:stretch>
+            <a:fillRect/>
+          </a:stretch>
+        </p:blipFill>
+        <p:spPr>
+          <a:xfrm>
+            <a:off x="6621361" y="1990165"/>
+            <a:ext cx="5181435" cy="3454289"/>
+          </a:xfrm>
+          <a:prstGeom prst="rect">
+            <a:avLst/>
+          </a:prstGeom>
+        </p:spPr>
+      </p:pic>
+      <p:grpSp>
+        <p:nvGrpSpPr>
+          <p:cNvPr id="24" name="Groupe 23">
+            <a:extLst>
+              <a:ext uri="{FF2B5EF4-FFF2-40B4-BE49-F238E27FC236}">
+                <a16:creationId xmlns:a16="http://schemas.microsoft.com/office/drawing/2014/main" id="{284B4483-AA60-4565-A5C3-B285C8C82D1C}"/>
+              </a:ext>
+            </a:extLst>
+          </p:cNvPr>
+          <p:cNvGrpSpPr/>
+          <p:nvPr/>
+        </p:nvGrpSpPr>
+        <p:grpSpPr>
+          <a:xfrm>
+            <a:off x="624632" y="1931334"/>
+            <a:ext cx="5181433" cy="3513119"/>
+            <a:chOff x="624632" y="1763553"/>
+            <a:chExt cx="5181433" cy="3513119"/>
+          </a:xfrm>
+        </p:grpSpPr>
+        <p:pic>
+          <p:nvPicPr>
+            <p:cNvPr id="25" name="Image 24">
+              <a:extLst>
+                <a:ext uri="{FF2B5EF4-FFF2-40B4-BE49-F238E27FC236}">
+                  <a16:creationId xmlns:a16="http://schemas.microsoft.com/office/drawing/2014/main" id="{6FA5B253-F266-4C61-B9CC-DED52085ACFB}"/>
+                </a:ext>
+              </a:extLst>
+            </p:cNvPr>
+            <p:cNvPicPr>
+              <a:picLocks noChangeAspect="1"/>
+            </p:cNvPicPr>
+            <p:nvPr/>
+          </p:nvPicPr>
+          <p:blipFill>
+            <a:blip r:embed="rId8">
+              <a:extLst>
+                <a:ext uri="{28A0092B-C50C-407E-A947-70E740481C1C}">
+                  <a14:useLocalDpi xmlns:a14="http://schemas.microsoft.com/office/drawing/2010/main" val="0"/>
+                </a:ext>
+              </a:extLst>
+            </a:blip>
+            <a:srcRect/>
+            <a:stretch/>
+          </p:blipFill>
+          <p:spPr>
+            <a:xfrm>
+              <a:off x="624632" y="1822384"/>
+              <a:ext cx="5181433" cy="3454288"/>
+            </a:xfrm>
+            <a:prstGeom prst="rect">
+              <a:avLst/>
+            </a:prstGeom>
+          </p:spPr>
+        </p:pic>
+        <p:sp>
+          <p:nvSpPr>
+            <p:cNvPr id="30" name="ZoneTexte 29">
+              <a:extLst>
+                <a:ext uri="{FF2B5EF4-FFF2-40B4-BE49-F238E27FC236}">
+                  <a16:creationId xmlns:a16="http://schemas.microsoft.com/office/drawing/2014/main" id="{1FE28378-76A3-491A-AA6B-EA656E785AF5}"/>
+                </a:ext>
+              </a:extLst>
+            </p:cNvPr>
+            <p:cNvSpPr txBox="1"/>
+            <p:nvPr/>
+          </p:nvSpPr>
+          <p:spPr>
+            <a:xfrm>
+              <a:off x="2311799" y="1763553"/>
+              <a:ext cx="1807098" cy="369332"/>
+            </a:xfrm>
+            <a:prstGeom prst="rect">
+              <a:avLst/>
+            </a:prstGeom>
+            <a:noFill/>
+          </p:spPr>
+          <p:txBody>
+            <a:bodyPr wrap="none" rtlCol="0">
+              <a:spAutoFit/>
+            </a:bodyPr>
+            <a:lstStyle/>
+            <a:p>
+              <a:r>
+                <a:rPr lang="fr-FR" i="1" dirty="0"/>
+                <a:t>RGB </a:t>
+              </a:r>
+              <a:r>
+                <a:rPr lang="fr-FR" i="1" dirty="0" err="1"/>
+                <a:t>from</a:t>
+              </a:r>
+              <a:r>
+                <a:rPr lang="fr-FR" i="1" dirty="0"/>
+                <a:t> scratch</a:t>
+              </a:r>
+            </a:p>
+          </p:txBody>
+        </p:sp>
+      </p:grpSp>
       <p:sp>
         <p:nvSpPr>
-          <p:cNvPr id="23" name="ZoneTexte 22">
-            <a:extLst>
-              <a:ext uri="{FF2B5EF4-FFF2-40B4-BE49-F238E27FC236}">
-                <a16:creationId xmlns:a16="http://schemas.microsoft.com/office/drawing/2014/main" id="{8E01B494-50FE-46B4-A84F-859920A3792D}"/>
+          <p:cNvPr id="32" name="ZoneTexte 31">
+            <a:extLst>
+              <a:ext uri="{FF2B5EF4-FFF2-40B4-BE49-F238E27FC236}">
+                <a16:creationId xmlns:a16="http://schemas.microsoft.com/office/drawing/2014/main" id="{07FEACAE-52F1-4F71-B0DA-CEBCA29D1076}"/>
               </a:ext>
             </a:extLst>
           </p:cNvPr>
@@ -11754,8 +12442,8 @@
         </p:nvSpPr>
         <p:spPr>
           <a:xfrm>
-            <a:off x="961052" y="1822385"/>
-            <a:ext cx="1031051" cy="3814890"/>
+            <a:off x="8261256" y="1931334"/>
+            <a:ext cx="2269339" cy="369332"/>
           </a:xfrm>
           <a:prstGeom prst="rect">
             <a:avLst/>
@@ -11768,115 +12456,81 @@
           </a:bodyPr>
           <a:lstStyle/>
           <a:p>
-            <a:pPr marL="457200" indent="-457200">
-              <a:lnSpc>
-                <a:spcPct val="250000"/>
-              </a:lnSpc>
-              <a:buFont typeface="Arial" panose="020B0604020202020204" pitchFamily="34" charset="0"/>
-              <a:buChar char="•"/>
-            </a:pPr>
-            <a:r>
-              <a:rPr lang="fr-FR" sz="2000" dirty="0">
-                <a:latin typeface="+mj-lt"/>
-              </a:rPr>
-              <a:t>___</a:t>
-            </a:r>
-          </a:p>
-          <a:p>
-            <a:pPr marL="457200" indent="-457200">
-              <a:lnSpc>
-                <a:spcPct val="250000"/>
-              </a:lnSpc>
-              <a:buFont typeface="Arial" panose="020B0604020202020204" pitchFamily="34" charset="0"/>
-              <a:buChar char="•"/>
-            </a:pPr>
-            <a:r>
-              <a:rPr lang="fr-FR" sz="2000" dirty="0">
-                <a:latin typeface="+mj-lt"/>
-              </a:rPr>
-              <a:t>___</a:t>
-            </a:r>
-          </a:p>
-          <a:p>
-            <a:pPr marL="457200" indent="-457200">
-              <a:lnSpc>
-                <a:spcPct val="250000"/>
-              </a:lnSpc>
-              <a:buFont typeface="Arial" panose="020B0604020202020204" pitchFamily="34" charset="0"/>
-              <a:buChar char="•"/>
-            </a:pPr>
-            <a:r>
-              <a:rPr lang="fr-FR" sz="2000" dirty="0">
-                <a:latin typeface="+mj-lt"/>
-              </a:rPr>
-              <a:t>___</a:t>
-            </a:r>
-          </a:p>
-          <a:p>
-            <a:pPr marL="457200" indent="-457200">
-              <a:lnSpc>
-                <a:spcPct val="250000"/>
-              </a:lnSpc>
-              <a:buFont typeface="Arial" panose="020B0604020202020204" pitchFamily="34" charset="0"/>
-              <a:buChar char="•"/>
-            </a:pPr>
-            <a:r>
-              <a:rPr lang="fr-FR" sz="2000" dirty="0">
-                <a:latin typeface="+mj-lt"/>
-              </a:rPr>
-              <a:t>__</a:t>
-            </a:r>
-          </a:p>
-          <a:p>
-            <a:pPr marL="457200" indent="-457200">
-              <a:lnSpc>
-                <a:spcPct val="250000"/>
-              </a:lnSpc>
-              <a:buFont typeface="Arial" panose="020B0604020202020204" pitchFamily="34" charset="0"/>
-              <a:buChar char="•"/>
-            </a:pPr>
-            <a:endParaRPr lang="fr-FR" sz="2000" dirty="0">
-              <a:latin typeface="+mj-lt"/>
-            </a:endParaRPr>
+            <a:r>
+              <a:rPr lang="fr-FR" i="1" dirty="0"/>
+              <a:t>RGB transfert </a:t>
+            </a:r>
+            <a:r>
+              <a:rPr lang="fr-FR" i="1" dirty="0" err="1"/>
+              <a:t>learning</a:t>
+            </a:r>
+            <a:endParaRPr lang="fr-FR" i="1" dirty="0"/>
           </a:p>
         </p:txBody>
       </p:sp>
-      <p:pic>
-        <p:nvPicPr>
-          <p:cNvPr id="7" name="Image 6">
-            <a:extLst>
-              <a:ext uri="{FF2B5EF4-FFF2-40B4-BE49-F238E27FC236}">
-                <a16:creationId xmlns:a16="http://schemas.microsoft.com/office/drawing/2014/main" id="{4954E5B8-3EC0-442D-B069-315C54F7AC46}"/>
-              </a:ext>
-            </a:extLst>
-          </p:cNvPr>
-          <p:cNvPicPr>
-            <a:picLocks noChangeAspect="1"/>
-          </p:cNvPicPr>
+      <p:sp>
+        <p:nvSpPr>
+          <p:cNvPr id="33" name="ZoneTexte 32">
+            <a:extLst>
+              <a:ext uri="{FF2B5EF4-FFF2-40B4-BE49-F238E27FC236}">
+                <a16:creationId xmlns:a16="http://schemas.microsoft.com/office/drawing/2014/main" id="{196F4CC8-C5BC-4A16-A559-17F91CC0DE10}"/>
+              </a:ext>
+            </a:extLst>
+          </p:cNvPr>
+          <p:cNvSpPr txBox="1"/>
           <p:nvPr/>
-        </p:nvPicPr>
-        <p:blipFill>
-          <a:blip r:embed="rId7">
-            <a:extLst>
-              <a:ext uri="{28A0092B-C50C-407E-A947-70E740481C1C}">
-                <a14:useLocalDpi xmlns:a14="http://schemas.microsoft.com/office/drawing/2010/main" val="0"/>
-              </a:ext>
-            </a:extLst>
-          </a:blip>
-          <a:stretch>
-            <a:fillRect/>
-          </a:stretch>
-        </p:blipFill>
+        </p:nvSpPr>
         <p:spPr>
           <a:xfrm>
-            <a:off x="6621361" y="1822385"/>
-            <a:ext cx="5181435" cy="3454289"/>
+            <a:off x="2838408" y="5301158"/>
+            <a:ext cx="6515181" cy="737125"/>
           </a:xfrm>
           <a:prstGeom prst="rect">
             <a:avLst/>
           </a:prstGeom>
+          <a:noFill/>
         </p:spPr>
-      </p:pic>
+        <p:txBody>
+          <a:bodyPr wrap="none" rtlCol="0">
+            <a:spAutoFit/>
+          </a:bodyPr>
+          <a:lstStyle/>
+          <a:p>
+            <a:pPr>
+              <a:lnSpc>
+                <a:spcPct val="250000"/>
+              </a:lnSpc>
+            </a:pPr>
+            <a:r>
+              <a:rPr lang="fr-FR" sz="2000" dirty="0">
+                <a:latin typeface="+mj-lt"/>
+              </a:rPr>
+              <a:t>Il y a très peu de différence entre les deux </a:t>
+            </a:r>
+            <a:r>
+              <a:rPr lang="fr-FR" sz="2000" i="1" dirty="0">
+                <a:latin typeface="+mj-lt"/>
+              </a:rPr>
+              <a:t>validation </a:t>
+            </a:r>
+            <a:r>
+              <a:rPr lang="fr-FR" sz="2000" i="1" dirty="0" err="1">
+                <a:latin typeface="+mj-lt"/>
+              </a:rPr>
+              <a:t>accuracy</a:t>
+            </a:r>
+            <a:r>
+              <a:rPr lang="fr-FR" sz="2000" i="1" dirty="0">
+                <a:latin typeface="+mj-lt"/>
+              </a:rPr>
+              <a:t>.</a:t>
+            </a:r>
+            <a:endParaRPr lang="fr-FR" sz="2000" dirty="0">
+              <a:latin typeface="+mj-lt"/>
+            </a:endParaRPr>
+          </a:p>
+        </p:txBody>
+      </p:sp>
     </p:spTree>
     <p:extLst>
       <p:ext uri="{BB962C8B-B14F-4D97-AF65-F5344CB8AC3E}">
@@ -12555,12 +13209,111 @@
           </a:p>
         </p:txBody>
       </p:sp>
+      <p:grpSp>
+        <p:nvGrpSpPr>
+          <p:cNvPr id="31" name="Groupe 30">
+            <a:extLst>
+              <a:ext uri="{FF2B5EF4-FFF2-40B4-BE49-F238E27FC236}">
+                <a16:creationId xmlns:a16="http://schemas.microsoft.com/office/drawing/2014/main" id="{B0439349-77CF-4889-A721-BBB73BB594B7}"/>
+              </a:ext>
+            </a:extLst>
+          </p:cNvPr>
+          <p:cNvGrpSpPr/>
+          <p:nvPr/>
+        </p:nvGrpSpPr>
+        <p:grpSpPr>
+          <a:xfrm>
+            <a:off x="624632" y="1931334"/>
+            <a:ext cx="5181433" cy="3513119"/>
+            <a:chOff x="624632" y="1763553"/>
+            <a:chExt cx="5181433" cy="3513119"/>
+          </a:xfrm>
+        </p:grpSpPr>
+        <p:pic>
+          <p:nvPicPr>
+            <p:cNvPr id="32" name="Image 31">
+              <a:extLst>
+                <a:ext uri="{FF2B5EF4-FFF2-40B4-BE49-F238E27FC236}">
+                  <a16:creationId xmlns:a16="http://schemas.microsoft.com/office/drawing/2014/main" id="{A51B90D7-5FFB-4A46-A0D5-413DFC9803CA}"/>
+                </a:ext>
+              </a:extLst>
+            </p:cNvPr>
+            <p:cNvPicPr>
+              <a:picLocks noChangeAspect="1"/>
+            </p:cNvPicPr>
+            <p:nvPr/>
+          </p:nvPicPr>
+          <p:blipFill>
+            <a:blip r:embed="rId7">
+              <a:extLst>
+                <a:ext uri="{28A0092B-C50C-407E-A947-70E740481C1C}">
+                  <a14:useLocalDpi xmlns:a14="http://schemas.microsoft.com/office/drawing/2010/main" val="0"/>
+                </a:ext>
+              </a:extLst>
+            </a:blip>
+            <a:srcRect/>
+            <a:stretch/>
+          </p:blipFill>
+          <p:spPr>
+            <a:xfrm>
+              <a:off x="624632" y="1822384"/>
+              <a:ext cx="5181433" cy="3454288"/>
+            </a:xfrm>
+            <a:prstGeom prst="rect">
+              <a:avLst/>
+            </a:prstGeom>
+          </p:spPr>
+        </p:pic>
+        <p:sp>
+          <p:nvSpPr>
+            <p:cNvPr id="33" name="ZoneTexte 32">
+              <a:extLst>
+                <a:ext uri="{FF2B5EF4-FFF2-40B4-BE49-F238E27FC236}">
+                  <a16:creationId xmlns:a16="http://schemas.microsoft.com/office/drawing/2014/main" id="{2D66ED04-6B94-4EEB-89DD-7429FB725C00}"/>
+                </a:ext>
+              </a:extLst>
+            </p:cNvPr>
+            <p:cNvSpPr txBox="1"/>
+            <p:nvPr/>
+          </p:nvSpPr>
+          <p:spPr>
+            <a:xfrm>
+              <a:off x="2311799" y="1763553"/>
+              <a:ext cx="1807098" cy="369332"/>
+            </a:xfrm>
+            <a:prstGeom prst="rect">
+              <a:avLst/>
+            </a:prstGeom>
+            <a:noFill/>
+          </p:spPr>
+          <p:txBody>
+            <a:bodyPr wrap="none" rtlCol="0">
+              <a:spAutoFit/>
+            </a:bodyPr>
+            <a:lstStyle/>
+            <a:p>
+              <a:r>
+                <a:rPr lang="fr-FR" i="1" dirty="0"/>
+                <a:t>RGB </a:t>
+              </a:r>
+              <a:r>
+                <a:rPr lang="fr-FR" i="1" dirty="0" err="1"/>
+                <a:t>from</a:t>
+              </a:r>
+              <a:r>
+                <a:rPr lang="fr-FR" i="1" dirty="0"/>
+                <a:t> scratch</a:t>
+              </a:r>
+            </a:p>
+          </p:txBody>
+        </p:sp>
+      </p:grpSp>
       <p:sp>
         <p:nvSpPr>
-          <p:cNvPr id="23" name="ZoneTexte 22">
-            <a:extLst>
-              <a:ext uri="{FF2B5EF4-FFF2-40B4-BE49-F238E27FC236}">
-                <a16:creationId xmlns:a16="http://schemas.microsoft.com/office/drawing/2014/main" id="{8E01B494-50FE-46B4-A84F-859920A3792D}"/>
+          <p:cNvPr id="34" name="ZoneTexte 33">
+            <a:extLst>
+              <a:ext uri="{FF2B5EF4-FFF2-40B4-BE49-F238E27FC236}">
+                <a16:creationId xmlns:a16="http://schemas.microsoft.com/office/drawing/2014/main" id="{4E814ADA-9760-4779-9289-2BE2B6E76A39}"/>
               </a:ext>
             </a:extLst>
           </p:cNvPr>
@@ -12569,8 +13322,8 @@
         </p:nvSpPr>
         <p:spPr>
           <a:xfrm>
-            <a:off x="961052" y="1822385"/>
-            <a:ext cx="1031051" cy="3814890"/>
+            <a:off x="8233203" y="1931334"/>
+            <a:ext cx="1559466" cy="369332"/>
           </a:xfrm>
           <a:prstGeom prst="rect">
             <a:avLst/>
@@ -12583,115 +13336,304 @@
           </a:bodyPr>
           <a:lstStyle/>
           <a:p>
-            <a:pPr marL="457200" indent="-457200">
-              <a:lnSpc>
-                <a:spcPct val="250000"/>
-              </a:lnSpc>
-              <a:buFont typeface="Arial" panose="020B0604020202020204" pitchFamily="34" charset="0"/>
-              <a:buChar char="•"/>
-            </a:pPr>
-            <a:r>
-              <a:rPr lang="fr-FR" sz="2000" dirty="0">
-                <a:latin typeface="+mj-lt"/>
-              </a:rPr>
-              <a:t>___</a:t>
-            </a:r>
-          </a:p>
-          <a:p>
-            <a:pPr marL="457200" indent="-457200">
-              <a:lnSpc>
-                <a:spcPct val="250000"/>
-              </a:lnSpc>
-              <a:buFont typeface="Arial" panose="020B0604020202020204" pitchFamily="34" charset="0"/>
-              <a:buChar char="•"/>
-            </a:pPr>
-            <a:r>
-              <a:rPr lang="fr-FR" sz="2000" dirty="0">
-                <a:latin typeface="+mj-lt"/>
-              </a:rPr>
-              <a:t>___</a:t>
-            </a:r>
-          </a:p>
-          <a:p>
-            <a:pPr marL="457200" indent="-457200">
-              <a:lnSpc>
-                <a:spcPct val="250000"/>
-              </a:lnSpc>
-              <a:buFont typeface="Arial" panose="020B0604020202020204" pitchFamily="34" charset="0"/>
-              <a:buChar char="•"/>
-            </a:pPr>
-            <a:r>
-              <a:rPr lang="fr-FR" sz="2000" dirty="0">
-                <a:latin typeface="+mj-lt"/>
-              </a:rPr>
-              <a:t>___</a:t>
-            </a:r>
-          </a:p>
-          <a:p>
-            <a:pPr marL="457200" indent="-457200">
-              <a:lnSpc>
-                <a:spcPct val="250000"/>
-              </a:lnSpc>
-              <a:buFont typeface="Arial" panose="020B0604020202020204" pitchFamily="34" charset="0"/>
-              <a:buChar char="•"/>
-            </a:pPr>
-            <a:r>
-              <a:rPr lang="fr-FR" sz="2000" dirty="0">
-                <a:latin typeface="+mj-lt"/>
-              </a:rPr>
-              <a:t>__</a:t>
-            </a:r>
-          </a:p>
-          <a:p>
-            <a:pPr marL="457200" indent="-457200">
-              <a:lnSpc>
-                <a:spcPct val="250000"/>
-              </a:lnSpc>
-              <a:buFont typeface="Arial" panose="020B0604020202020204" pitchFamily="34" charset="0"/>
-              <a:buChar char="•"/>
-            </a:pPr>
-            <a:endParaRPr lang="fr-FR" sz="2000" dirty="0">
-              <a:latin typeface="+mj-lt"/>
-            </a:endParaRPr>
+            <a:r>
+              <a:rPr lang="fr-FR" i="1" dirty="0" err="1"/>
+              <a:t>Random</a:t>
+            </a:r>
+            <a:r>
+              <a:rPr lang="fr-FR" i="1" dirty="0"/>
+              <a:t> </a:t>
+            </a:r>
+            <a:r>
+              <a:rPr lang="fr-FR" i="1" dirty="0" err="1"/>
+              <a:t>forest</a:t>
+            </a:r>
+            <a:endParaRPr lang="fr-FR" i="1" dirty="0"/>
           </a:p>
         </p:txBody>
       </p:sp>
-      <p:pic>
-        <p:nvPicPr>
-          <p:cNvPr id="7" name="Image 6">
-            <a:extLst>
-              <a:ext uri="{FF2B5EF4-FFF2-40B4-BE49-F238E27FC236}">
-                <a16:creationId xmlns:a16="http://schemas.microsoft.com/office/drawing/2014/main" id="{4954E5B8-3EC0-442D-B069-315C54F7AC46}"/>
-              </a:ext>
-            </a:extLst>
-          </p:cNvPr>
-          <p:cNvPicPr>
-            <a:picLocks noChangeAspect="1"/>
-          </p:cNvPicPr>
+      <p:sp>
+        <p:nvSpPr>
+          <p:cNvPr id="35" name="ZoneTexte 34">
+            <a:extLst>
+              <a:ext uri="{FF2B5EF4-FFF2-40B4-BE49-F238E27FC236}">
+                <a16:creationId xmlns:a16="http://schemas.microsoft.com/office/drawing/2014/main" id="{7B17390E-6F2A-4233-B6C2-17C0081B5D43}"/>
+              </a:ext>
+            </a:extLst>
+          </p:cNvPr>
+          <p:cNvSpPr txBox="1"/>
           <p:nvPr/>
-        </p:nvPicPr>
-        <p:blipFill>
-          <a:blip r:embed="rId7">
-            <a:extLst>
-              <a:ext uri="{28A0092B-C50C-407E-A947-70E740481C1C}">
-                <a14:useLocalDpi xmlns:a14="http://schemas.microsoft.com/office/drawing/2010/main" val="0"/>
-              </a:ext>
-            </a:extLst>
-          </a:blip>
-          <a:stretch>
-            <a:fillRect/>
-          </a:stretch>
-        </p:blipFill>
+        </p:nvSpPr>
         <p:spPr>
           <a:xfrm>
-            <a:off x="6386469" y="2595119"/>
-            <a:ext cx="5181435" cy="1823311"/>
+            <a:off x="2838408" y="5301158"/>
+            <a:ext cx="6515181" cy="737125"/>
           </a:xfrm>
           <a:prstGeom prst="rect">
             <a:avLst/>
           </a:prstGeom>
+          <a:noFill/>
         </p:spPr>
-      </p:pic>
+        <p:txBody>
+          <a:bodyPr wrap="none" rtlCol="0">
+            <a:spAutoFit/>
+          </a:bodyPr>
+          <a:lstStyle/>
+          <a:p>
+            <a:pPr>
+              <a:lnSpc>
+                <a:spcPct val="250000"/>
+              </a:lnSpc>
+            </a:pPr>
+            <a:r>
+              <a:rPr lang="fr-FR" sz="2000" dirty="0">
+                <a:latin typeface="+mj-lt"/>
+              </a:rPr>
+              <a:t>Il y a très peu de différence entre les deux </a:t>
+            </a:r>
+            <a:r>
+              <a:rPr lang="fr-FR" sz="2000" i="1" dirty="0">
+                <a:latin typeface="+mj-lt"/>
+              </a:rPr>
+              <a:t>validation </a:t>
+            </a:r>
+            <a:r>
+              <a:rPr lang="fr-FR" sz="2000" i="1" dirty="0" err="1">
+                <a:latin typeface="+mj-lt"/>
+              </a:rPr>
+              <a:t>accuracy</a:t>
+            </a:r>
+            <a:r>
+              <a:rPr lang="fr-FR" sz="2000" i="1" dirty="0">
+                <a:latin typeface="+mj-lt"/>
+              </a:rPr>
+              <a:t>.</a:t>
+            </a:r>
+            <a:endParaRPr lang="fr-FR" sz="2000" dirty="0">
+              <a:latin typeface="+mj-lt"/>
+            </a:endParaRPr>
+          </a:p>
+        </p:txBody>
+      </p:sp>
+      <p:grpSp>
+        <p:nvGrpSpPr>
+          <p:cNvPr id="39" name="Groupe 38">
+            <a:extLst>
+              <a:ext uri="{FF2B5EF4-FFF2-40B4-BE49-F238E27FC236}">
+                <a16:creationId xmlns:a16="http://schemas.microsoft.com/office/drawing/2014/main" id="{0C5A3F24-1292-4488-A1B3-780FEC61A274}"/>
+              </a:ext>
+            </a:extLst>
+          </p:cNvPr>
+          <p:cNvGrpSpPr/>
+          <p:nvPr/>
+        </p:nvGrpSpPr>
+        <p:grpSpPr>
+          <a:xfrm>
+            <a:off x="6521921" y="2233391"/>
+            <a:ext cx="5045104" cy="3112655"/>
+            <a:chOff x="6521921" y="2166279"/>
+            <a:chExt cx="5045104" cy="3112655"/>
+          </a:xfrm>
+        </p:grpSpPr>
+        <p:grpSp>
+          <p:nvGrpSpPr>
+            <p:cNvPr id="24" name="Groupe 23">
+              <a:extLst>
+                <a:ext uri="{FF2B5EF4-FFF2-40B4-BE49-F238E27FC236}">
+                  <a16:creationId xmlns:a16="http://schemas.microsoft.com/office/drawing/2014/main" id="{55753A52-F1ED-4164-BA91-9E2A6FE6849F}"/>
+                </a:ext>
+              </a:extLst>
+            </p:cNvPr>
+            <p:cNvGrpSpPr/>
+            <p:nvPr/>
+          </p:nvGrpSpPr>
+          <p:grpSpPr>
+            <a:xfrm>
+              <a:off x="6811860" y="2403984"/>
+              <a:ext cx="4755165" cy="2874950"/>
+              <a:chOff x="6811860" y="2538208"/>
+              <a:chExt cx="4755165" cy="2874950"/>
+            </a:xfrm>
+          </p:grpSpPr>
+          <p:pic>
+            <p:nvPicPr>
+              <p:cNvPr id="10" name="Image 9">
+                <a:extLst>
+                  <a:ext uri="{FF2B5EF4-FFF2-40B4-BE49-F238E27FC236}">
+                    <a16:creationId xmlns:a16="http://schemas.microsoft.com/office/drawing/2014/main" id="{C835F005-915D-441E-A87A-5983EE23E69A}"/>
+                  </a:ext>
+                </a:extLst>
+              </p:cNvPr>
+              <p:cNvPicPr>
+                <a:picLocks noChangeAspect="1"/>
+              </p:cNvPicPr>
+              <p:nvPr/>
+            </p:nvPicPr>
+            <p:blipFill>
+              <a:blip r:embed="rId8"/>
+              <a:stretch>
+                <a:fillRect/>
+              </a:stretch>
+            </p:blipFill>
+            <p:spPr>
+              <a:xfrm>
+                <a:off x="6811860" y="3370325"/>
+                <a:ext cx="4755165" cy="2042833"/>
+              </a:xfrm>
+              <a:prstGeom prst="rect">
+                <a:avLst/>
+              </a:prstGeom>
+            </p:spPr>
+          </p:pic>
+          <p:pic>
+            <p:nvPicPr>
+              <p:cNvPr id="22" name="Image 21">
+                <a:extLst>
+                  <a:ext uri="{FF2B5EF4-FFF2-40B4-BE49-F238E27FC236}">
+                    <a16:creationId xmlns:a16="http://schemas.microsoft.com/office/drawing/2014/main" id="{4E0E6D5C-5E91-4B4F-88E1-DE8DCDBF2E7E}"/>
+                  </a:ext>
+                </a:extLst>
+              </p:cNvPr>
+              <p:cNvPicPr>
+                <a:picLocks noChangeAspect="1"/>
+              </p:cNvPicPr>
+              <p:nvPr/>
+            </p:nvPicPr>
+            <p:blipFill>
+              <a:blip r:embed="rId9"/>
+              <a:stretch>
+                <a:fillRect/>
+              </a:stretch>
+            </p:blipFill>
+            <p:spPr>
+              <a:xfrm>
+                <a:off x="6811860" y="2538208"/>
+                <a:ext cx="4755165" cy="845746"/>
+              </a:xfrm>
+              <a:prstGeom prst="rect">
+                <a:avLst/>
+              </a:prstGeom>
+            </p:spPr>
+          </p:pic>
+        </p:grpSp>
+        <p:grpSp>
+          <p:nvGrpSpPr>
+            <p:cNvPr id="38" name="Groupe 37">
+              <a:extLst>
+                <a:ext uri="{FF2B5EF4-FFF2-40B4-BE49-F238E27FC236}">
+                  <a16:creationId xmlns:a16="http://schemas.microsoft.com/office/drawing/2014/main" id="{3980F19A-6842-4B92-BEFD-CD17416B57A3}"/>
+                </a:ext>
+              </a:extLst>
+            </p:cNvPr>
+            <p:cNvGrpSpPr/>
+            <p:nvPr/>
+          </p:nvGrpSpPr>
+          <p:grpSpPr>
+            <a:xfrm>
+              <a:off x="6521921" y="2166279"/>
+              <a:ext cx="1805792" cy="1122453"/>
+              <a:chOff x="6521921" y="2166279"/>
+              <a:chExt cx="1805792" cy="1122453"/>
+            </a:xfrm>
+          </p:grpSpPr>
+          <p:sp>
+            <p:nvSpPr>
+              <p:cNvPr id="25" name="ZoneTexte 24">
+                <a:extLst>
+                  <a:ext uri="{FF2B5EF4-FFF2-40B4-BE49-F238E27FC236}">
+                    <a16:creationId xmlns:a16="http://schemas.microsoft.com/office/drawing/2014/main" id="{A9766411-893F-4C46-BDA3-C15253FE70EF}"/>
+                  </a:ext>
+                </a:extLst>
+              </p:cNvPr>
+              <p:cNvSpPr txBox="1"/>
+              <p:nvPr/>
+            </p:nvSpPr>
+            <p:spPr>
+              <a:xfrm>
+                <a:off x="6521921" y="2550068"/>
+                <a:ext cx="289939" cy="738664"/>
+              </a:xfrm>
+              <a:prstGeom prst="rect">
+                <a:avLst/>
+              </a:prstGeom>
+              <a:noFill/>
+            </p:spPr>
+            <p:txBody>
+              <a:bodyPr wrap="square" rtlCol="0">
+                <a:spAutoFit/>
+              </a:bodyPr>
+              <a:lstStyle/>
+              <a:p>
+                <a:r>
+                  <a:rPr lang="fr-FR" sz="1400" b="1" dirty="0">
+                    <a:latin typeface="Consolas" panose="020B0609020204030204" pitchFamily="49" charset="0"/>
+                  </a:rPr>
+                  <a:t>0</a:t>
+                </a:r>
+                <a:br>
+                  <a:rPr lang="fr-FR" sz="1400" b="1" dirty="0">
+                    <a:latin typeface="Consolas" panose="020B0609020204030204" pitchFamily="49" charset="0"/>
+                  </a:rPr>
+                </a:br>
+                <a:r>
+                  <a:rPr lang="fr-FR" sz="1400" b="1" dirty="0">
+                    <a:latin typeface="Consolas" panose="020B0609020204030204" pitchFamily="49" charset="0"/>
+                  </a:rPr>
+                  <a:t>1</a:t>
+                </a:r>
+                <a:br>
+                  <a:rPr lang="fr-FR" sz="1400" b="1" dirty="0">
+                    <a:latin typeface="Consolas" panose="020B0609020204030204" pitchFamily="49" charset="0"/>
+                  </a:rPr>
+                </a:br>
+                <a:r>
+                  <a:rPr lang="fr-FR" sz="1400" b="1" dirty="0">
+                    <a:latin typeface="Consolas" panose="020B0609020204030204" pitchFamily="49" charset="0"/>
+                  </a:rPr>
+                  <a:t>2</a:t>
+                </a:r>
+              </a:p>
+            </p:txBody>
+          </p:sp>
+          <p:sp>
+            <p:nvSpPr>
+              <p:cNvPr id="37" name="ZoneTexte 36">
+                <a:extLst>
+                  <a:ext uri="{FF2B5EF4-FFF2-40B4-BE49-F238E27FC236}">
+                    <a16:creationId xmlns:a16="http://schemas.microsoft.com/office/drawing/2014/main" id="{3170F46B-C0D6-417E-B7FE-048136C9356B}"/>
+                  </a:ext>
+                </a:extLst>
+              </p:cNvPr>
+              <p:cNvSpPr txBox="1"/>
+              <p:nvPr/>
+            </p:nvSpPr>
+            <p:spPr>
+              <a:xfrm>
+                <a:off x="7136223" y="2166279"/>
+                <a:ext cx="1191490" cy="307777"/>
+              </a:xfrm>
+              <a:prstGeom prst="rect">
+                <a:avLst/>
+              </a:prstGeom>
+              <a:noFill/>
+            </p:spPr>
+            <p:txBody>
+              <a:bodyPr wrap="square" rtlCol="0">
+                <a:spAutoFit/>
+              </a:bodyPr>
+              <a:lstStyle/>
+              <a:p>
+                <a:r>
+                  <a:rPr lang="fr-FR" sz="1400" b="1" dirty="0">
+                    <a:latin typeface="Consolas" panose="020B0609020204030204" pitchFamily="49" charset="0"/>
+                  </a:rPr>
+                  <a:t>0   1   2</a:t>
+                </a:r>
+              </a:p>
+            </p:txBody>
+          </p:sp>
+        </p:grpSp>
+      </p:grpSp>
     </p:spTree>
     <p:extLst>
       <p:ext uri="{BB962C8B-B14F-4D97-AF65-F5344CB8AC3E}">

--- a/presentation.pptx
+++ b/presentation.pptx
@@ -3694,32 +3694,53 @@
               <a:t>On voulait maximiser « </a:t>
             </a:r>
             <a:r>
-              <a:rPr lang="fr-FR" sz="1600" dirty="0" err="1">
+              <a:rPr lang="fr-FR" sz="1600" i="1" dirty="0" err="1">
                 <a:latin typeface="+mj-lt"/>
                 <a:sym typeface="Wingdings" panose="05000000000000000000" pitchFamily="2" charset="2"/>
               </a:rPr>
               <a:t>computing</a:t>
             </a:r>
             <a:r>
+              <a:rPr lang="fr-FR" sz="1600" i="1" dirty="0">
+                <a:latin typeface="+mj-lt"/>
+                <a:sym typeface="Wingdings" panose="05000000000000000000" pitchFamily="2" charset="2"/>
+              </a:rPr>
+              <a:t> time </a:t>
+            </a:r>
+            <a:r>
               <a:rPr lang="fr-FR" sz="1600" dirty="0">
                 <a:latin typeface="+mj-lt"/>
                 <a:sym typeface="Wingdings" panose="05000000000000000000" pitchFamily="2" charset="2"/>
               </a:rPr>
-              <a:t> time » (le temps d’entrainement du modèle et de validation) et « validation </a:t>
-            </a:r>
-            <a:r>
-              <a:rPr lang="fr-FR" sz="1600" dirty="0" err="1">
+              <a:t>» (le temps d’entrainement du modèle et de validation) et « </a:t>
+            </a:r>
+            <a:r>
+              <a:rPr lang="fr-FR" sz="1600" i="1" dirty="0">
                 <a:latin typeface="+mj-lt"/>
                 <a:sym typeface="Wingdings" panose="05000000000000000000" pitchFamily="2" charset="2"/>
               </a:rPr>
+              <a:t>validation </a:t>
+            </a:r>
+            <a:r>
+              <a:rPr lang="fr-FR" sz="1600" i="1" dirty="0" err="1">
+                <a:latin typeface="+mj-lt"/>
+                <a:sym typeface="Wingdings" panose="05000000000000000000" pitchFamily="2" charset="2"/>
+              </a:rPr>
               <a:t>accuracy</a:t>
             </a:r>
             <a:r>
+              <a:rPr lang="fr-FR" sz="1600" i="1" dirty="0">
+                <a:latin typeface="+mj-lt"/>
+                <a:sym typeface="Wingdings" panose="05000000000000000000" pitchFamily="2" charset="2"/>
+              </a:rPr>
+              <a:t>  </a:t>
+            </a:r>
+            <a:r>
               <a:rPr lang="fr-FR" sz="1600" dirty="0">
                 <a:latin typeface="+mj-lt"/>
                 <a:sym typeface="Wingdings" panose="05000000000000000000" pitchFamily="2" charset="2"/>
               </a:rPr>
-              <a:t>  »</a:t>
+              <a:t>»</a:t>
             </a:r>
           </a:p>
           <a:p>
@@ -5078,7 +5099,7 @@
               <a:t>Utilisation d’un </a:t>
             </a:r>
             <a:r>
-              <a:rPr lang="fr-FR" sz="2000" dirty="0" err="1">
+              <a:rPr lang="fr-FR" sz="2000" i="1" dirty="0" err="1">
                 <a:latin typeface="+mj-lt"/>
               </a:rPr>
               <a:t>multilayer</a:t>
@@ -5087,19 +5108,37 @@
               <a:rPr lang="fr-FR" sz="2000" dirty="0">
                 <a:latin typeface="+mj-lt"/>
               </a:rPr>
-              <a:t> perceptron (et d’un </a:t>
-            </a:r>
-            <a:r>
-              <a:rPr lang="fr-FR" sz="2000" dirty="0" err="1">
+              <a:t> </a:t>
+            </a:r>
+            <a:r>
+              <a:rPr lang="fr-FR" sz="2000" i="1" dirty="0">
+                <a:latin typeface="+mj-lt"/>
+              </a:rPr>
+              <a:t>perceptron</a:t>
+            </a:r>
+            <a:r>
+              <a:rPr lang="fr-FR" sz="2000" dirty="0">
+                <a:latin typeface="+mj-lt"/>
+              </a:rPr>
+              <a:t> (et d’un </a:t>
+            </a:r>
+            <a:r>
+              <a:rPr lang="fr-FR" sz="2000" i="1" dirty="0" err="1">
                 <a:latin typeface="+mj-lt"/>
               </a:rPr>
               <a:t>flattening</a:t>
             </a:r>
             <a:r>
+              <a:rPr lang="fr-FR" sz="2000" i="1" dirty="0">
+                <a:latin typeface="+mj-lt"/>
+              </a:rPr>
+              <a:t> laye</a:t>
+            </a:r>
+            <a:r>
               <a:rPr lang="fr-FR" sz="2000" dirty="0">
                 <a:latin typeface="+mj-lt"/>
               </a:rPr>
-              <a:t> layer)</a:t>
+              <a:t>r)</a:t>
             </a:r>
           </a:p>
           <a:p>
@@ -5181,13 +5220,13 @@
               <a:t>Rajouter des </a:t>
             </a:r>
             <a:r>
-              <a:rPr lang="fr-FR" sz="2000" dirty="0" err="1">
+              <a:rPr lang="fr-FR" sz="2000" i="1" dirty="0" err="1">
                 <a:latin typeface="+mj-lt"/>
                 <a:sym typeface="Wingdings" panose="05000000000000000000" pitchFamily="2" charset="2"/>
               </a:rPr>
               <a:t>epochs</a:t>
             </a:r>
-            <a:endParaRPr lang="fr-FR" sz="2000" dirty="0">
+            <a:endParaRPr lang="fr-FR" sz="2000" i="1" dirty="0">
               <a:latin typeface="+mj-lt"/>
               <a:sym typeface="Wingdings" panose="05000000000000000000" pitchFamily="2" charset="2"/>
             </a:endParaRPr>
@@ -5205,7 +5244,7 @@
               <a:t>Nous n’avions pas atteint un plateau pour l’</a:t>
             </a:r>
             <a:r>
-              <a:rPr lang="fr-FR" sz="1600" dirty="0" err="1">
+              <a:rPr lang="fr-FR" sz="1600" i="1" dirty="0" err="1">
                 <a:latin typeface="+mj-lt"/>
                 <a:sym typeface="Wingdings" panose="05000000000000000000" pitchFamily="2" charset="2"/>
               </a:rPr>
@@ -12442,8 +12481,8 @@
         </p:nvSpPr>
         <p:spPr>
           <a:xfrm>
-            <a:off x="8261256" y="1931334"/>
-            <a:ext cx="2269339" cy="369332"/>
+            <a:off x="7959731" y="1931334"/>
+            <a:ext cx="2872389" cy="369332"/>
           </a:xfrm>
           <a:prstGeom prst="rect">
             <a:avLst/>
@@ -12458,13 +12497,12 @@
           <a:p>
             <a:r>
               <a:rPr lang="fr-FR" i="1" dirty="0"/>
-              <a:t>RGB transfert </a:t>
-            </a:r>
-            <a:r>
-              <a:rPr lang="fr-FR" i="1" dirty="0" err="1"/>
-              <a:t>learning</a:t>
-            </a:r>
-            <a:endParaRPr lang="fr-FR" i="1" dirty="0"/>
+              <a:t>RGB </a:t>
+            </a:r>
+            <a:r>
+              <a:rPr lang="fr-FR" dirty="0"/>
+              <a:t>transfert d’architecture</a:t>
+            </a:r>
           </a:p>
         </p:txBody>
       </p:sp>

--- a/presentation.pptx
+++ b/presentation.pptx
@@ -17,6 +17,7 @@
     <p:sldId id="265" r:id="rId11"/>
     <p:sldId id="275" r:id="rId12"/>
     <p:sldId id="269" r:id="rId13"/>
+    <p:sldId id="276" r:id="rId14"/>
   </p:sldIdLst>
   <p:sldSz cx="12192000" cy="6858000"/>
   <p:notesSz cx="6858000" cy="9144000"/>
@@ -3501,8 +3502,8 @@
         </p:nvSpPr>
         <p:spPr>
           <a:xfrm>
-            <a:off x="4740371" y="6392853"/>
-            <a:ext cx="2711255" cy="400110"/>
+            <a:off x="4675450" y="6392853"/>
+            <a:ext cx="2841099" cy="400110"/>
           </a:xfrm>
           <a:prstGeom prst="rect">
             <a:avLst/>
@@ -3519,7 +3520,7 @@
               <a:rPr lang="fr-FR" sz="2000" dirty="0">
                 <a:latin typeface="+mj-lt"/>
               </a:rPr>
-              <a:t>vendredi 2 octobre 2021</a:t>
+              <a:t>vendredi 22 octobre 2021</a:t>
             </a:r>
             <a:endParaRPr lang="fr-FR" sz="2000" cap="small" dirty="0">
               <a:latin typeface="+mj-lt"/>
@@ -5520,8 +5521,8 @@
         </p:nvSpPr>
         <p:spPr>
           <a:xfrm>
-            <a:off x="4740372" y="6292185"/>
-            <a:ext cx="2711255" cy="400110"/>
+            <a:off x="4675448" y="6292185"/>
+            <a:ext cx="2841099" cy="400110"/>
           </a:xfrm>
           <a:prstGeom prst="rect">
             <a:avLst/>
@@ -5538,7 +5539,7 @@
               <a:rPr lang="fr-FR" sz="2000" dirty="0">
                 <a:latin typeface="+mj-lt"/>
               </a:rPr>
-              <a:t>vendredi 2 octobre 2021</a:t>
+              <a:t>vendredi 22 octobre 2021</a:t>
             </a:r>
             <a:endParaRPr lang="fr-FR" sz="2000" cap="small" dirty="0">
               <a:latin typeface="+mj-lt"/>
@@ -5624,6 +5625,753 @@
     <p:extLst>
       <p:ext uri="{BB962C8B-B14F-4D97-AF65-F5344CB8AC3E}">
         <p14:creationId xmlns:p14="http://schemas.microsoft.com/office/powerpoint/2010/main" val="3731403155"/>
+      </p:ext>
+    </p:extLst>
+  </p:cSld>
+  <p:clrMapOvr>
+    <a:masterClrMapping/>
+  </p:clrMapOvr>
+</p:sld>
+</file>
+
+<file path=ppt/slides/slide13.xml><?xml version="1.0" encoding="utf-8"?>
+<p:sld xmlns:a="http://schemas.openxmlformats.org/drawingml/2006/main" xmlns:r="http://schemas.openxmlformats.org/officeDocument/2006/relationships" xmlns:p="http://schemas.openxmlformats.org/presentationml/2006/main">
+  <p:cSld>
+    <p:spTree>
+      <p:nvGrpSpPr>
+        <p:cNvPr id="1" name=""/>
+        <p:cNvGrpSpPr/>
+        <p:nvPr/>
+      </p:nvGrpSpPr>
+      <p:grpSpPr>
+        <a:xfrm>
+          <a:off x="0" y="0"/>
+          <a:ext cx="0" cy="0"/>
+          <a:chOff x="0" y="0"/>
+          <a:chExt cx="0" cy="0"/>
+        </a:xfrm>
+      </p:grpSpPr>
+      <p:sp>
+        <p:nvSpPr>
+          <p:cNvPr id="10" name="ZoneTexte 9">
+            <a:extLst>
+              <a:ext uri="{FF2B5EF4-FFF2-40B4-BE49-F238E27FC236}">
+                <a16:creationId xmlns:a16="http://schemas.microsoft.com/office/drawing/2014/main" id="{4F32B004-ABD9-4FC7-BB45-8876B13A9F77}"/>
+              </a:ext>
+            </a:extLst>
+          </p:cNvPr>
+          <p:cNvSpPr txBox="1"/>
+          <p:nvPr/>
+        </p:nvSpPr>
+        <p:spPr>
+          <a:xfrm>
+            <a:off x="1322013" y="305068"/>
+            <a:ext cx="9181004" cy="6247864"/>
+          </a:xfrm>
+          <a:prstGeom prst="rect">
+            <a:avLst/>
+          </a:prstGeom>
+          <a:noFill/>
+          <a:ln>
+            <a:solidFill>
+              <a:srgbClr val="61A53A"/>
+            </a:solidFill>
+          </a:ln>
+        </p:spPr>
+        <p:txBody>
+          <a:bodyPr wrap="square" rtlCol="0">
+            <a:spAutoFit/>
+          </a:bodyPr>
+          <a:lstStyle/>
+          <a:p>
+            <a:r>
+              <a:rPr lang="fr-FR" sz="1600" dirty="0">
+                <a:solidFill>
+                  <a:srgbClr val="61A53A"/>
+                </a:solidFill>
+                <a:latin typeface="Consolas" panose="020B0609020204030204" pitchFamily="49" charset="0"/>
+              </a:rPr>
+              <a:t>x = </a:t>
+            </a:r>
+            <a:r>
+              <a:rPr lang="fr-FR" sz="1600" dirty="0" err="1">
+                <a:solidFill>
+                  <a:srgbClr val="61A53A"/>
+                </a:solidFill>
+                <a:latin typeface="Consolas" panose="020B0609020204030204" pitchFamily="49" charset="0"/>
+              </a:rPr>
+              <a:t>layers.Rescaling</a:t>
+            </a:r>
+            <a:r>
+              <a:rPr lang="fr-FR" sz="1600" dirty="0">
+                <a:solidFill>
+                  <a:srgbClr val="61A53A"/>
+                </a:solidFill>
+                <a:latin typeface="Consolas" panose="020B0609020204030204" pitchFamily="49" charset="0"/>
+              </a:rPr>
+              <a:t>(</a:t>
+            </a:r>
+            <a:r>
+              <a:rPr lang="fr-FR" sz="1600" dirty="0" err="1">
+                <a:solidFill>
+                  <a:srgbClr val="61A53A"/>
+                </a:solidFill>
+                <a:latin typeface="Consolas" panose="020B0609020204030204" pitchFamily="49" charset="0"/>
+              </a:rPr>
+              <a:t>scale</a:t>
+            </a:r>
+            <a:r>
+              <a:rPr lang="fr-FR" sz="1600" dirty="0">
+                <a:solidFill>
+                  <a:srgbClr val="61A53A"/>
+                </a:solidFill>
+                <a:latin typeface="Consolas" panose="020B0609020204030204" pitchFamily="49" charset="0"/>
+              </a:rPr>
+              <a:t>=1.0 / 255)(inputs)</a:t>
+            </a:r>
+          </a:p>
+          <a:p>
+            <a:r>
+              <a:rPr lang="fr-FR" sz="1600" dirty="0">
+                <a:solidFill>
+                  <a:srgbClr val="61A53A"/>
+                </a:solidFill>
+                <a:latin typeface="Consolas" panose="020B0609020204030204" pitchFamily="49" charset="0"/>
+              </a:rPr>
+              <a:t># Apply </a:t>
+            </a:r>
+            <a:r>
+              <a:rPr lang="fr-FR" sz="1600" dirty="0" err="1">
+                <a:solidFill>
+                  <a:srgbClr val="61A53A"/>
+                </a:solidFill>
+                <a:latin typeface="Consolas" panose="020B0609020204030204" pitchFamily="49" charset="0"/>
+              </a:rPr>
+              <a:t>some</a:t>
+            </a:r>
+            <a:r>
+              <a:rPr lang="fr-FR" sz="1600" dirty="0">
+                <a:solidFill>
+                  <a:srgbClr val="61A53A"/>
+                </a:solidFill>
+                <a:latin typeface="Consolas" panose="020B0609020204030204" pitchFamily="49" charset="0"/>
+              </a:rPr>
+              <a:t> convolution and </a:t>
+            </a:r>
+            <a:r>
+              <a:rPr lang="fr-FR" sz="1600" dirty="0" err="1">
+                <a:solidFill>
+                  <a:srgbClr val="61A53A"/>
+                </a:solidFill>
+                <a:latin typeface="Consolas" panose="020B0609020204030204" pitchFamily="49" charset="0"/>
+              </a:rPr>
+              <a:t>pooling</a:t>
+            </a:r>
+            <a:r>
+              <a:rPr lang="fr-FR" sz="1600" dirty="0">
+                <a:solidFill>
+                  <a:srgbClr val="61A53A"/>
+                </a:solidFill>
+                <a:latin typeface="Consolas" panose="020B0609020204030204" pitchFamily="49" charset="0"/>
+              </a:rPr>
+              <a:t> </a:t>
+            </a:r>
+            <a:r>
+              <a:rPr lang="fr-FR" sz="1600" dirty="0" err="1">
+                <a:solidFill>
+                  <a:srgbClr val="61A53A"/>
+                </a:solidFill>
+                <a:latin typeface="Consolas" panose="020B0609020204030204" pitchFamily="49" charset="0"/>
+              </a:rPr>
+              <a:t>layers</a:t>
+            </a:r>
+            <a:endParaRPr lang="fr-FR" sz="1600" dirty="0">
+              <a:solidFill>
+                <a:srgbClr val="61A53A"/>
+              </a:solidFill>
+              <a:latin typeface="Consolas" panose="020B0609020204030204" pitchFamily="49" charset="0"/>
+            </a:endParaRPr>
+          </a:p>
+          <a:p>
+            <a:r>
+              <a:rPr lang="fr-FR" sz="1600" dirty="0">
+                <a:solidFill>
+                  <a:srgbClr val="61A53A"/>
+                </a:solidFill>
+                <a:latin typeface="Consolas" panose="020B0609020204030204" pitchFamily="49" charset="0"/>
+              </a:rPr>
+              <a:t># x = </a:t>
+            </a:r>
+            <a:r>
+              <a:rPr lang="fr-FR" sz="1600" dirty="0" err="1">
+                <a:solidFill>
+                  <a:srgbClr val="61A53A"/>
+                </a:solidFill>
+                <a:latin typeface="Consolas" panose="020B0609020204030204" pitchFamily="49" charset="0"/>
+              </a:rPr>
+              <a:t>layers.Dense</a:t>
+            </a:r>
+            <a:r>
+              <a:rPr lang="fr-FR" sz="1600" dirty="0">
+                <a:solidFill>
+                  <a:srgbClr val="61A53A"/>
+                </a:solidFill>
+                <a:latin typeface="Consolas" panose="020B0609020204030204" pitchFamily="49" charset="0"/>
+              </a:rPr>
+              <a:t>(10, activation = 'relu')(x)</a:t>
+            </a:r>
+          </a:p>
+          <a:p>
+            <a:endParaRPr lang="fr-FR" sz="1600" dirty="0">
+              <a:solidFill>
+                <a:srgbClr val="61A53A"/>
+              </a:solidFill>
+              <a:latin typeface="Consolas" panose="020B0609020204030204" pitchFamily="49" charset="0"/>
+            </a:endParaRPr>
+          </a:p>
+          <a:p>
+            <a:r>
+              <a:rPr lang="fr-FR" sz="1600" dirty="0">
+                <a:solidFill>
+                  <a:srgbClr val="61A53A"/>
+                </a:solidFill>
+                <a:latin typeface="Consolas" panose="020B0609020204030204" pitchFamily="49" charset="0"/>
+              </a:rPr>
+              <a:t>x = </a:t>
+            </a:r>
+            <a:r>
+              <a:rPr lang="fr-FR" sz="1600" dirty="0" err="1">
+                <a:solidFill>
+                  <a:srgbClr val="61A53A"/>
+                </a:solidFill>
+                <a:latin typeface="Consolas" panose="020B0609020204030204" pitchFamily="49" charset="0"/>
+              </a:rPr>
+              <a:t>layers.Dense</a:t>
+            </a:r>
+            <a:r>
+              <a:rPr lang="fr-FR" sz="1600" dirty="0">
+                <a:solidFill>
+                  <a:srgbClr val="61A53A"/>
+                </a:solidFill>
+                <a:latin typeface="Consolas" panose="020B0609020204030204" pitchFamily="49" charset="0"/>
+              </a:rPr>
+              <a:t>(2, activation="relu")(x)</a:t>
+            </a:r>
+          </a:p>
+          <a:p>
+            <a:r>
+              <a:rPr lang="fr-FR" sz="1600" dirty="0">
+                <a:solidFill>
+                  <a:srgbClr val="61A53A"/>
+                </a:solidFill>
+                <a:latin typeface="Consolas" panose="020B0609020204030204" pitchFamily="49" charset="0"/>
+              </a:rPr>
+              <a:t>x = </a:t>
+            </a:r>
+            <a:r>
+              <a:rPr lang="fr-FR" sz="1600" dirty="0" err="1">
+                <a:solidFill>
+                  <a:srgbClr val="61A53A"/>
+                </a:solidFill>
+                <a:latin typeface="Consolas" panose="020B0609020204030204" pitchFamily="49" charset="0"/>
+              </a:rPr>
+              <a:t>layers.Dense</a:t>
+            </a:r>
+            <a:r>
+              <a:rPr lang="fr-FR" sz="1600" dirty="0">
+                <a:solidFill>
+                  <a:srgbClr val="61A53A"/>
+                </a:solidFill>
+                <a:latin typeface="Consolas" panose="020B0609020204030204" pitchFamily="49" charset="0"/>
+              </a:rPr>
+              <a:t>(3, activation="relu") (x)</a:t>
+            </a:r>
+          </a:p>
+          <a:p>
+            <a:r>
+              <a:rPr lang="fr-FR" sz="1600" dirty="0">
+                <a:solidFill>
+                  <a:srgbClr val="61A53A"/>
+                </a:solidFill>
+                <a:latin typeface="Consolas" panose="020B0609020204030204" pitchFamily="49" charset="0"/>
+              </a:rPr>
+              <a:t>x = </a:t>
+            </a:r>
+            <a:r>
+              <a:rPr lang="fr-FR" sz="1600" dirty="0" err="1">
+                <a:solidFill>
+                  <a:srgbClr val="61A53A"/>
+                </a:solidFill>
+                <a:latin typeface="Consolas" panose="020B0609020204030204" pitchFamily="49" charset="0"/>
+              </a:rPr>
+              <a:t>layers.Dense</a:t>
+            </a:r>
+            <a:r>
+              <a:rPr lang="fr-FR" sz="1600" dirty="0">
+                <a:solidFill>
+                  <a:srgbClr val="61A53A"/>
+                </a:solidFill>
+                <a:latin typeface="Consolas" panose="020B0609020204030204" pitchFamily="49" charset="0"/>
+              </a:rPr>
+              <a:t>(4) (x)</a:t>
+            </a:r>
+          </a:p>
+          <a:p>
+            <a:endParaRPr lang="fr-FR" sz="1600" dirty="0">
+              <a:solidFill>
+                <a:srgbClr val="61A53A"/>
+              </a:solidFill>
+              <a:latin typeface="Consolas" panose="020B0609020204030204" pitchFamily="49" charset="0"/>
+            </a:endParaRPr>
+          </a:p>
+          <a:p>
+            <a:r>
+              <a:rPr lang="fr-FR" sz="1600" dirty="0">
+                <a:solidFill>
+                  <a:srgbClr val="61A53A"/>
+                </a:solidFill>
+                <a:latin typeface="Consolas" panose="020B0609020204030204" pitchFamily="49" charset="0"/>
+              </a:rPr>
+              <a:t>x = layers.Conv2D(</a:t>
+            </a:r>
+            <a:r>
+              <a:rPr lang="fr-FR" sz="1600" dirty="0" err="1">
+                <a:solidFill>
+                  <a:srgbClr val="61A53A"/>
+                </a:solidFill>
+                <a:latin typeface="Consolas" panose="020B0609020204030204" pitchFamily="49" charset="0"/>
+              </a:rPr>
+              <a:t>filters</a:t>
+            </a:r>
+            <a:r>
+              <a:rPr lang="fr-FR" sz="1600" dirty="0">
+                <a:solidFill>
+                  <a:srgbClr val="61A53A"/>
+                </a:solidFill>
+                <a:latin typeface="Consolas" panose="020B0609020204030204" pitchFamily="49" charset="0"/>
+              </a:rPr>
+              <a:t> = 32, </a:t>
+            </a:r>
+            <a:r>
+              <a:rPr lang="fr-FR" sz="1600" dirty="0" err="1">
+                <a:solidFill>
+                  <a:srgbClr val="61A53A"/>
+                </a:solidFill>
+                <a:latin typeface="Consolas" panose="020B0609020204030204" pitchFamily="49" charset="0"/>
+              </a:rPr>
+              <a:t>kernel_size</a:t>
+            </a:r>
+            <a:r>
+              <a:rPr lang="fr-FR" sz="1600" dirty="0">
+                <a:solidFill>
+                  <a:srgbClr val="61A53A"/>
+                </a:solidFill>
+                <a:latin typeface="Consolas" panose="020B0609020204030204" pitchFamily="49" charset="0"/>
+              </a:rPr>
+              <a:t> = (5,5),activation ='relu')(x)</a:t>
+            </a:r>
+          </a:p>
+          <a:p>
+            <a:r>
+              <a:rPr lang="fr-FR" sz="1600" dirty="0">
+                <a:solidFill>
+                  <a:srgbClr val="61A53A"/>
+                </a:solidFill>
+                <a:latin typeface="Consolas" panose="020B0609020204030204" pitchFamily="49" charset="0"/>
+              </a:rPr>
+              <a:t>x = layers.MaxPooling2D(</a:t>
+            </a:r>
+            <a:r>
+              <a:rPr lang="fr-FR" sz="1600" dirty="0" err="1">
+                <a:solidFill>
+                  <a:srgbClr val="61A53A"/>
+                </a:solidFill>
+                <a:latin typeface="Consolas" panose="020B0609020204030204" pitchFamily="49" charset="0"/>
+              </a:rPr>
+              <a:t>pool_size</a:t>
+            </a:r>
+            <a:r>
+              <a:rPr lang="fr-FR" sz="1600" dirty="0">
+                <a:solidFill>
+                  <a:srgbClr val="61A53A"/>
+                </a:solidFill>
+                <a:latin typeface="Consolas" panose="020B0609020204030204" pitchFamily="49" charset="0"/>
+              </a:rPr>
+              <a:t>=(2,2))(x)</a:t>
+            </a:r>
+          </a:p>
+          <a:p>
+            <a:endParaRPr lang="fr-FR" sz="1600" dirty="0">
+              <a:solidFill>
+                <a:srgbClr val="61A53A"/>
+              </a:solidFill>
+              <a:latin typeface="Consolas" panose="020B0609020204030204" pitchFamily="49" charset="0"/>
+            </a:endParaRPr>
+          </a:p>
+          <a:p>
+            <a:endParaRPr lang="fr-FR" sz="1600" dirty="0">
+              <a:solidFill>
+                <a:srgbClr val="61A53A"/>
+              </a:solidFill>
+              <a:latin typeface="Consolas" panose="020B0609020204030204" pitchFamily="49" charset="0"/>
+            </a:endParaRPr>
+          </a:p>
+          <a:p>
+            <a:r>
+              <a:rPr lang="fr-FR" sz="1600" dirty="0">
+                <a:solidFill>
+                  <a:srgbClr val="61A53A"/>
+                </a:solidFill>
+                <a:latin typeface="Consolas" panose="020B0609020204030204" pitchFamily="49" charset="0"/>
+              </a:rPr>
+              <a:t>x =layers.Conv2D(</a:t>
+            </a:r>
+            <a:r>
+              <a:rPr lang="fr-FR" sz="1600" dirty="0" err="1">
+                <a:solidFill>
+                  <a:srgbClr val="61A53A"/>
+                </a:solidFill>
+                <a:latin typeface="Consolas" panose="020B0609020204030204" pitchFamily="49" charset="0"/>
+              </a:rPr>
+              <a:t>filters</a:t>
+            </a:r>
+            <a:r>
+              <a:rPr lang="fr-FR" sz="1600" dirty="0">
+                <a:solidFill>
+                  <a:srgbClr val="61A53A"/>
+                </a:solidFill>
+                <a:latin typeface="Consolas" panose="020B0609020204030204" pitchFamily="49" charset="0"/>
+              </a:rPr>
+              <a:t> = 64, </a:t>
+            </a:r>
+            <a:r>
+              <a:rPr lang="fr-FR" sz="1600" dirty="0" err="1">
+                <a:solidFill>
+                  <a:srgbClr val="61A53A"/>
+                </a:solidFill>
+                <a:latin typeface="Consolas" panose="020B0609020204030204" pitchFamily="49" charset="0"/>
+              </a:rPr>
+              <a:t>kernel_size</a:t>
+            </a:r>
+            <a:r>
+              <a:rPr lang="fr-FR" sz="1600" dirty="0">
+                <a:solidFill>
+                  <a:srgbClr val="61A53A"/>
+                </a:solidFill>
+                <a:latin typeface="Consolas" panose="020B0609020204030204" pitchFamily="49" charset="0"/>
+              </a:rPr>
+              <a:t> = (3,3),activation ='relu')(x)</a:t>
+            </a:r>
+          </a:p>
+          <a:p>
+            <a:r>
+              <a:rPr lang="fr-FR" sz="1600" dirty="0">
+                <a:solidFill>
+                  <a:srgbClr val="61A53A"/>
+                </a:solidFill>
+                <a:latin typeface="Consolas" panose="020B0609020204030204" pitchFamily="49" charset="0"/>
+              </a:rPr>
+              <a:t>x =layers.MaxPooling2D(</a:t>
+            </a:r>
+            <a:r>
+              <a:rPr lang="fr-FR" sz="1600" dirty="0" err="1">
+                <a:solidFill>
+                  <a:srgbClr val="61A53A"/>
+                </a:solidFill>
+                <a:latin typeface="Consolas" panose="020B0609020204030204" pitchFamily="49" charset="0"/>
+              </a:rPr>
+              <a:t>pool_size</a:t>
+            </a:r>
+            <a:r>
+              <a:rPr lang="fr-FR" sz="1600" dirty="0">
+                <a:solidFill>
+                  <a:srgbClr val="61A53A"/>
+                </a:solidFill>
+                <a:latin typeface="Consolas" panose="020B0609020204030204" pitchFamily="49" charset="0"/>
+              </a:rPr>
+              <a:t>=(2,2), strides=(2,2))(x)</a:t>
+            </a:r>
+          </a:p>
+          <a:p>
+            <a:r>
+              <a:rPr lang="fr-FR" sz="1600" dirty="0">
+                <a:solidFill>
+                  <a:srgbClr val="61A53A"/>
+                </a:solidFill>
+                <a:latin typeface="Consolas" panose="020B0609020204030204" pitchFamily="49" charset="0"/>
+              </a:rPr>
+              <a:t> </a:t>
+            </a:r>
+          </a:p>
+          <a:p>
+            <a:endParaRPr lang="fr-FR" sz="1600" dirty="0">
+              <a:solidFill>
+                <a:srgbClr val="61A53A"/>
+              </a:solidFill>
+              <a:latin typeface="Consolas" panose="020B0609020204030204" pitchFamily="49" charset="0"/>
+            </a:endParaRPr>
+          </a:p>
+          <a:p>
+            <a:r>
+              <a:rPr lang="fr-FR" sz="1600" dirty="0">
+                <a:solidFill>
+                  <a:srgbClr val="61A53A"/>
+                </a:solidFill>
+                <a:latin typeface="Consolas" panose="020B0609020204030204" pitchFamily="49" charset="0"/>
+              </a:rPr>
+              <a:t>x =layers.Conv2D(</a:t>
+            </a:r>
+            <a:r>
+              <a:rPr lang="fr-FR" sz="1600" dirty="0" err="1">
+                <a:solidFill>
+                  <a:srgbClr val="61A53A"/>
+                </a:solidFill>
+                <a:latin typeface="Consolas" panose="020B0609020204030204" pitchFamily="49" charset="0"/>
+              </a:rPr>
+              <a:t>filters</a:t>
+            </a:r>
+            <a:r>
+              <a:rPr lang="fr-FR" sz="1600" dirty="0">
+                <a:solidFill>
+                  <a:srgbClr val="61A53A"/>
+                </a:solidFill>
+                <a:latin typeface="Consolas" panose="020B0609020204030204" pitchFamily="49" charset="0"/>
+              </a:rPr>
+              <a:t> =96, </a:t>
+            </a:r>
+            <a:r>
+              <a:rPr lang="fr-FR" sz="1600" dirty="0" err="1">
+                <a:solidFill>
+                  <a:srgbClr val="61A53A"/>
+                </a:solidFill>
+                <a:latin typeface="Consolas" panose="020B0609020204030204" pitchFamily="49" charset="0"/>
+              </a:rPr>
+              <a:t>kernel_size</a:t>
+            </a:r>
+            <a:r>
+              <a:rPr lang="fr-FR" sz="1600" dirty="0">
+                <a:solidFill>
+                  <a:srgbClr val="61A53A"/>
+                </a:solidFill>
+                <a:latin typeface="Consolas" panose="020B0609020204030204" pitchFamily="49" charset="0"/>
+              </a:rPr>
+              <a:t> = (3,3),activation ='relu')(x)</a:t>
+            </a:r>
+          </a:p>
+          <a:p>
+            <a:r>
+              <a:rPr lang="fr-FR" sz="1600" dirty="0">
+                <a:solidFill>
+                  <a:srgbClr val="61A53A"/>
+                </a:solidFill>
+                <a:latin typeface="Consolas" panose="020B0609020204030204" pitchFamily="49" charset="0"/>
+              </a:rPr>
+              <a:t>x =layers.MaxPooling2D(</a:t>
+            </a:r>
+            <a:r>
+              <a:rPr lang="fr-FR" sz="1600" dirty="0" err="1">
+                <a:solidFill>
+                  <a:srgbClr val="61A53A"/>
+                </a:solidFill>
+                <a:latin typeface="Consolas" panose="020B0609020204030204" pitchFamily="49" charset="0"/>
+              </a:rPr>
+              <a:t>pool_size</a:t>
+            </a:r>
+            <a:r>
+              <a:rPr lang="fr-FR" sz="1600" dirty="0">
+                <a:solidFill>
+                  <a:srgbClr val="61A53A"/>
+                </a:solidFill>
+                <a:latin typeface="Consolas" panose="020B0609020204030204" pitchFamily="49" charset="0"/>
+              </a:rPr>
+              <a:t>=(2,2), strides=(2,2))(x)</a:t>
+            </a:r>
+          </a:p>
+          <a:p>
+            <a:endParaRPr lang="fr-FR" sz="1600" dirty="0">
+              <a:solidFill>
+                <a:srgbClr val="61A53A"/>
+              </a:solidFill>
+              <a:latin typeface="Consolas" panose="020B0609020204030204" pitchFamily="49" charset="0"/>
+            </a:endParaRPr>
+          </a:p>
+          <a:p>
+            <a:r>
+              <a:rPr lang="fr-FR" sz="1600" dirty="0">
+                <a:solidFill>
+                  <a:srgbClr val="61A53A"/>
+                </a:solidFill>
+                <a:latin typeface="Consolas" panose="020B0609020204030204" pitchFamily="49" charset="0"/>
+              </a:rPr>
+              <a:t>x =layers.Conv2D(</a:t>
+            </a:r>
+            <a:r>
+              <a:rPr lang="fr-FR" sz="1600" dirty="0" err="1">
+                <a:solidFill>
+                  <a:srgbClr val="61A53A"/>
+                </a:solidFill>
+                <a:latin typeface="Consolas" panose="020B0609020204030204" pitchFamily="49" charset="0"/>
+              </a:rPr>
+              <a:t>filters</a:t>
+            </a:r>
+            <a:r>
+              <a:rPr lang="fr-FR" sz="1600" dirty="0">
+                <a:solidFill>
+                  <a:srgbClr val="61A53A"/>
+                </a:solidFill>
+                <a:latin typeface="Consolas" panose="020B0609020204030204" pitchFamily="49" charset="0"/>
+              </a:rPr>
+              <a:t> = 96, </a:t>
+            </a:r>
+            <a:r>
+              <a:rPr lang="fr-FR" sz="1600" dirty="0" err="1">
+                <a:solidFill>
+                  <a:srgbClr val="61A53A"/>
+                </a:solidFill>
+                <a:latin typeface="Consolas" panose="020B0609020204030204" pitchFamily="49" charset="0"/>
+              </a:rPr>
+              <a:t>kernel_size</a:t>
+            </a:r>
+            <a:r>
+              <a:rPr lang="fr-FR" sz="1600" dirty="0">
+                <a:solidFill>
+                  <a:srgbClr val="61A53A"/>
+                </a:solidFill>
+                <a:latin typeface="Consolas" panose="020B0609020204030204" pitchFamily="49" charset="0"/>
+              </a:rPr>
+              <a:t> = (3,3),activation ='relu')(x)</a:t>
+            </a:r>
+          </a:p>
+          <a:p>
+            <a:r>
+              <a:rPr lang="fr-FR" sz="1600" dirty="0">
+                <a:solidFill>
+                  <a:srgbClr val="61A53A"/>
+                </a:solidFill>
+                <a:latin typeface="Consolas" panose="020B0609020204030204" pitchFamily="49" charset="0"/>
+              </a:rPr>
+              <a:t>x =layers.MaxPooling2D(</a:t>
+            </a:r>
+            <a:r>
+              <a:rPr lang="fr-FR" sz="1600" dirty="0" err="1">
+                <a:solidFill>
+                  <a:srgbClr val="61A53A"/>
+                </a:solidFill>
+                <a:latin typeface="Consolas" panose="020B0609020204030204" pitchFamily="49" charset="0"/>
+              </a:rPr>
+              <a:t>pool_size</a:t>
+            </a:r>
+            <a:r>
+              <a:rPr lang="fr-FR" sz="1600" dirty="0">
+                <a:solidFill>
+                  <a:srgbClr val="61A53A"/>
+                </a:solidFill>
+                <a:latin typeface="Consolas" panose="020B0609020204030204" pitchFamily="49" charset="0"/>
+              </a:rPr>
+              <a:t>=(2,2), strides=(2,2))(x)</a:t>
+            </a:r>
+          </a:p>
+          <a:p>
+            <a:endParaRPr lang="fr-FR" sz="1600" dirty="0">
+              <a:solidFill>
+                <a:srgbClr val="61A53A"/>
+              </a:solidFill>
+              <a:latin typeface="Consolas" panose="020B0609020204030204" pitchFamily="49" charset="0"/>
+            </a:endParaRPr>
+          </a:p>
+          <a:p>
+            <a:r>
+              <a:rPr lang="fr-FR" sz="1600" dirty="0">
+                <a:solidFill>
+                  <a:srgbClr val="61A53A"/>
+                </a:solidFill>
+                <a:latin typeface="Consolas" panose="020B0609020204030204" pitchFamily="49" charset="0"/>
+              </a:rPr>
+              <a:t>x =</a:t>
+            </a:r>
+            <a:r>
+              <a:rPr lang="fr-FR" sz="1600" dirty="0" err="1">
+                <a:solidFill>
+                  <a:srgbClr val="61A53A"/>
+                </a:solidFill>
+                <a:latin typeface="Consolas" panose="020B0609020204030204" pitchFamily="49" charset="0"/>
+              </a:rPr>
+              <a:t>layers.Flatten</a:t>
+            </a:r>
+            <a:r>
+              <a:rPr lang="fr-FR" sz="1600" dirty="0">
+                <a:solidFill>
+                  <a:srgbClr val="61A53A"/>
+                </a:solidFill>
+                <a:latin typeface="Consolas" panose="020B0609020204030204" pitchFamily="49" charset="0"/>
+              </a:rPr>
+              <a:t>()(x)</a:t>
+            </a:r>
+          </a:p>
+          <a:p>
+            <a:r>
+              <a:rPr lang="fr-FR" sz="1600" dirty="0">
+                <a:solidFill>
+                  <a:srgbClr val="61A53A"/>
+                </a:solidFill>
+                <a:latin typeface="Consolas" panose="020B0609020204030204" pitchFamily="49" charset="0"/>
+              </a:rPr>
+              <a:t>x =</a:t>
+            </a:r>
+            <a:r>
+              <a:rPr lang="fr-FR" sz="1600" dirty="0" err="1">
+                <a:solidFill>
+                  <a:srgbClr val="61A53A"/>
+                </a:solidFill>
+                <a:latin typeface="Consolas" panose="020B0609020204030204" pitchFamily="49" charset="0"/>
+              </a:rPr>
+              <a:t>layers.Dense</a:t>
+            </a:r>
+            <a:r>
+              <a:rPr lang="fr-FR" sz="1600" dirty="0">
+                <a:solidFill>
+                  <a:srgbClr val="61A53A"/>
+                </a:solidFill>
+                <a:latin typeface="Consolas" panose="020B0609020204030204" pitchFamily="49" charset="0"/>
+              </a:rPr>
+              <a:t>(512)(x)</a:t>
+            </a:r>
+          </a:p>
+          <a:p>
+            <a:r>
+              <a:rPr lang="fr-FR" sz="1600" dirty="0">
+                <a:solidFill>
+                  <a:srgbClr val="61A53A"/>
+                </a:solidFill>
+                <a:latin typeface="Consolas" panose="020B0609020204030204" pitchFamily="49" charset="0"/>
+              </a:rPr>
+              <a:t>x =</a:t>
+            </a:r>
+            <a:r>
+              <a:rPr lang="fr-FR" sz="1600" dirty="0" err="1">
+                <a:solidFill>
+                  <a:srgbClr val="61A53A"/>
+                </a:solidFill>
+                <a:latin typeface="Consolas" panose="020B0609020204030204" pitchFamily="49" charset="0"/>
+              </a:rPr>
+              <a:t>layers.Activation</a:t>
+            </a:r>
+            <a:r>
+              <a:rPr lang="fr-FR" sz="1600" dirty="0">
+                <a:solidFill>
+                  <a:srgbClr val="61A53A"/>
+                </a:solidFill>
+                <a:latin typeface="Consolas" panose="020B0609020204030204" pitchFamily="49" charset="0"/>
+              </a:rPr>
+              <a:t>('relu')(x)</a:t>
+            </a:r>
+          </a:p>
+        </p:txBody>
+      </p:sp>
+    </p:spTree>
+    <p:extLst>
+      <p:ext uri="{BB962C8B-B14F-4D97-AF65-F5344CB8AC3E}">
+        <p14:creationId xmlns:p14="http://schemas.microsoft.com/office/powerpoint/2010/main" val="2132239814"/>
       </p:ext>
     </p:extLst>
   </p:cSld>
@@ -7139,7 +7887,7 @@
               <a:rPr lang="fr-FR" sz="2000" dirty="0">
                 <a:latin typeface="+mj-lt"/>
               </a:rPr>
-              <a:t>4622 images collectées (libres de droit)</a:t>
+              <a:t>4838 images collectées (libres de droit)</a:t>
             </a:r>
           </a:p>
           <a:p>

--- a/presentation.pptx
+++ b/presentation.pptx
@@ -8709,42 +8709,6 @@
           </a:p>
         </p:txBody>
       </p:sp>
-      <p:pic>
-        <p:nvPicPr>
-          <p:cNvPr id="10" name="Image 9">
-            <a:extLst>
-              <a:ext uri="{FF2B5EF4-FFF2-40B4-BE49-F238E27FC236}">
-                <a16:creationId xmlns:a16="http://schemas.microsoft.com/office/drawing/2014/main" id="{F7A76FAC-B2B9-47B6-B3C6-BE9EE5289095}"/>
-              </a:ext>
-            </a:extLst>
-          </p:cNvPr>
-          <p:cNvPicPr>
-            <a:picLocks noChangeAspect="1"/>
-          </p:cNvPicPr>
-          <p:nvPr/>
-        </p:nvPicPr>
-        <p:blipFill>
-          <a:blip r:embed="rId7">
-            <a:extLst>
-              <a:ext uri="{28A0092B-C50C-407E-A947-70E740481C1C}">
-                <a14:useLocalDpi xmlns:a14="http://schemas.microsoft.com/office/drawing/2010/main" val="0"/>
-              </a:ext>
-            </a:extLst>
-          </a:blip>
-          <a:stretch>
-            <a:fillRect/>
-          </a:stretch>
-        </p:blipFill>
-        <p:spPr>
-          <a:xfrm>
-            <a:off x="7289562" y="1822385"/>
-            <a:ext cx="4255219" cy="4255219"/>
-          </a:xfrm>
-          <a:prstGeom prst="rect">
-            <a:avLst/>
-          </a:prstGeom>
-        </p:spPr>
-      </p:pic>
       <p:sp>
         <p:nvSpPr>
           <p:cNvPr id="24" name="ZoneTexte 23">
@@ -8923,6 +8887,42 @@
           </a:p>
         </p:txBody>
       </p:sp>
+      <p:pic>
+        <p:nvPicPr>
+          <p:cNvPr id="3" name="Image 2">
+            <a:extLst>
+              <a:ext uri="{FF2B5EF4-FFF2-40B4-BE49-F238E27FC236}">
+                <a16:creationId xmlns:a16="http://schemas.microsoft.com/office/drawing/2014/main" id="{EF4F55DD-3598-4A40-83AA-63598EEDF69E}"/>
+              </a:ext>
+            </a:extLst>
+          </p:cNvPr>
+          <p:cNvPicPr>
+            <a:picLocks noChangeAspect="1"/>
+          </p:cNvPicPr>
+          <p:nvPr/>
+        </p:nvPicPr>
+        <p:blipFill>
+          <a:blip r:embed="rId7">
+            <a:extLst>
+              <a:ext uri="{28A0092B-C50C-407E-A947-70E740481C1C}">
+                <a14:useLocalDpi xmlns:a14="http://schemas.microsoft.com/office/drawing/2010/main" val="0"/>
+              </a:ext>
+            </a:extLst>
+          </a:blip>
+          <a:stretch>
+            <a:fillRect/>
+          </a:stretch>
+        </p:blipFill>
+        <p:spPr>
+          <a:xfrm>
+            <a:off x="7574903" y="1447101"/>
+            <a:ext cx="3963798" cy="3963798"/>
+          </a:xfrm>
+          <a:prstGeom prst="rect">
+            <a:avLst/>
+          </a:prstGeom>
+        </p:spPr>
+      </p:pic>
     </p:spTree>
     <p:extLst>
       <p:ext uri="{BB962C8B-B14F-4D97-AF65-F5344CB8AC3E}">
